--- a/report/20220902.pptx
+++ b/report/20220902.pptx
@@ -7,6 +7,14 @@
   <p:sldIdLst>
     <p:sldId id="256" r:id="rId2"/>
     <p:sldId id="257" r:id="rId3"/>
+    <p:sldId id="258" r:id="rId4"/>
+    <p:sldId id="259" r:id="rId5"/>
+    <p:sldId id="260" r:id="rId6"/>
+    <p:sldId id="261" r:id="rId7"/>
+    <p:sldId id="263" r:id="rId8"/>
+    <p:sldId id="265" r:id="rId9"/>
+    <p:sldId id="264" r:id="rId10"/>
+    <p:sldId id="262" r:id="rId11"/>
   </p:sldIdLst>
   <p:sldSz cx="12192000" cy="6858000"/>
   <p:notesSz cx="6858000" cy="9144000"/>
@@ -105,6 +113,11 @@
       </a:defRPr>
     </a:lvl9pPr>
   </p:defaultTextStyle>
+  <p:extLst>
+    <p:ext uri="{EFAFB233-063F-42B5-8137-9DF3F51BA10A}">
+      <p15:sldGuideLst xmlns:p15="http://schemas.microsoft.com/office/powerpoint/2012/main"/>
+    </p:ext>
+  </p:extLst>
 </p:presentation>
 </file>
 
@@ -257,7 +270,7 @@
           <a:p>
             <a:fld id="{4EDEA0A8-6068-4458-8F47-5E669EA4839C}" type="datetimeFigureOut">
               <a:rPr lang="en-US" smtClean="0"/>
-              <a:t>8/30/2022</a:t>
+              <a:t>8/30/22</a:t>
             </a:fld>
             <a:endParaRPr lang="en-US"/>
           </a:p>
@@ -489,7 +502,7 @@
           <a:p>
             <a:fld id="{4EDEA0A8-6068-4458-8F47-5E669EA4839C}" type="datetimeFigureOut">
               <a:rPr lang="en-US" smtClean="0"/>
-              <a:t>8/30/2022</a:t>
+              <a:t>8/30/22</a:t>
             </a:fld>
             <a:endParaRPr lang="en-US"/>
           </a:p>
@@ -731,7 +744,7 @@
           <a:p>
             <a:fld id="{4EDEA0A8-6068-4458-8F47-5E669EA4839C}" type="datetimeFigureOut">
               <a:rPr lang="en-US" smtClean="0"/>
-              <a:t>8/30/2022</a:t>
+              <a:t>8/30/22</a:t>
             </a:fld>
             <a:endParaRPr lang="en-US"/>
           </a:p>
@@ -963,7 +976,7 @@
           <a:p>
             <a:fld id="{4EDEA0A8-6068-4458-8F47-5E669EA4839C}" type="datetimeFigureOut">
               <a:rPr lang="en-US" smtClean="0"/>
-              <a:t>8/30/2022</a:t>
+              <a:t>8/30/22</a:t>
             </a:fld>
             <a:endParaRPr lang="en-US"/>
           </a:p>
@@ -1239,7 +1252,7 @@
           <a:p>
             <a:fld id="{4EDEA0A8-6068-4458-8F47-5E669EA4839C}" type="datetimeFigureOut">
               <a:rPr lang="en-US" smtClean="0"/>
-              <a:t>8/30/2022</a:t>
+              <a:t>8/30/22</a:t>
             </a:fld>
             <a:endParaRPr lang="en-US"/>
           </a:p>
@@ -1571,7 +1584,7 @@
           <a:p>
             <a:fld id="{4EDEA0A8-6068-4458-8F47-5E669EA4839C}" type="datetimeFigureOut">
               <a:rPr lang="en-US" smtClean="0"/>
-              <a:t>8/30/2022</a:t>
+              <a:t>8/30/22</a:t>
             </a:fld>
             <a:endParaRPr lang="en-US"/>
           </a:p>
@@ -2050,7 +2063,7 @@
           <a:p>
             <a:fld id="{4EDEA0A8-6068-4458-8F47-5E669EA4839C}" type="datetimeFigureOut">
               <a:rPr lang="en-US" smtClean="0"/>
-              <a:t>8/30/2022</a:t>
+              <a:t>8/30/22</a:t>
             </a:fld>
             <a:endParaRPr lang="en-US"/>
           </a:p>
@@ -2192,7 +2205,7 @@
           <a:p>
             <a:fld id="{4EDEA0A8-6068-4458-8F47-5E669EA4839C}" type="datetimeFigureOut">
               <a:rPr lang="en-US" smtClean="0"/>
-              <a:t>8/30/2022</a:t>
+              <a:t>8/30/22</a:t>
             </a:fld>
             <a:endParaRPr lang="en-US"/>
           </a:p>
@@ -2305,7 +2318,7 @@
           <a:p>
             <a:fld id="{4EDEA0A8-6068-4458-8F47-5E669EA4839C}" type="datetimeFigureOut">
               <a:rPr lang="en-US" smtClean="0"/>
-              <a:t>8/30/2022</a:t>
+              <a:t>8/30/22</a:t>
             </a:fld>
             <a:endParaRPr lang="en-US"/>
           </a:p>
@@ -2650,7 +2663,7 @@
           <a:p>
             <a:fld id="{4EDEA0A8-6068-4458-8F47-5E669EA4839C}" type="datetimeFigureOut">
               <a:rPr lang="en-US" smtClean="0"/>
-              <a:t>8/30/2022</a:t>
+              <a:t>8/30/22</a:t>
             </a:fld>
             <a:endParaRPr lang="en-US"/>
           </a:p>
@@ -2939,7 +2952,7 @@
           <a:p>
             <a:fld id="{4EDEA0A8-6068-4458-8F47-5E669EA4839C}" type="datetimeFigureOut">
               <a:rPr lang="en-US" smtClean="0"/>
-              <a:t>8/30/2022</a:t>
+              <a:t>8/30/22</a:t>
             </a:fld>
             <a:endParaRPr lang="en-US"/>
           </a:p>
@@ -3214,7 +3227,7 @@
           <a:p>
             <a:fld id="{4EDEA0A8-6068-4458-8F47-5E669EA4839C}" type="datetimeFigureOut">
               <a:rPr lang="en-US" smtClean="0"/>
-              <a:t>8/30/2022</a:t>
+              <a:t>8/30/22</a:t>
             </a:fld>
             <a:endParaRPr lang="en-US"/>
           </a:p>
@@ -3653,7 +3666,10 @@
           <a:lstStyle/>
           <a:p>
             <a:r>
-              <a:rPr lang="en-US" b="1" dirty="0"/>
+              <a:rPr lang="en-US" b="1" dirty="0">
+                <a:latin typeface="Arial" panose="020B0604020202020204" pitchFamily="34" charset="0"/>
+                <a:cs typeface="Arial" panose="020B0604020202020204" pitchFamily="34" charset="0"/>
+              </a:rPr>
               <a:t>20220902</a:t>
             </a:r>
           </a:p>
@@ -3681,7 +3697,10 @@
           <a:lstStyle/>
           <a:p>
             <a:r>
-              <a:rPr lang="en-US" b="1" dirty="0"/>
+              <a:rPr lang="en-US" b="1" dirty="0">
+                <a:latin typeface="Arial" panose="020B0604020202020204" pitchFamily="34" charset="0"/>
+                <a:cs typeface="Arial" panose="020B0604020202020204" pitchFamily="34" charset="0"/>
+              </a:rPr>
               <a:t>Hiroo Miyata</a:t>
             </a:r>
           </a:p>
@@ -3691,6 +3710,111 @@
     <p:extLst>
       <p:ext uri="{BB962C8B-B14F-4D97-AF65-F5344CB8AC3E}">
         <p14:creationId xmlns:p14="http://schemas.microsoft.com/office/powerpoint/2010/main" val="793101837"/>
+      </p:ext>
+    </p:extLst>
+  </p:cSld>
+  <p:clrMapOvr>
+    <a:masterClrMapping/>
+  </p:clrMapOvr>
+</p:sld>
+</file>
+
+<file path=ppt/slides/slide10.xml><?xml version="1.0" encoding="utf-8"?>
+<p:sld xmlns:a="http://schemas.openxmlformats.org/drawingml/2006/main" xmlns:r="http://schemas.openxmlformats.org/officeDocument/2006/relationships" xmlns:p="http://schemas.openxmlformats.org/presentationml/2006/main">
+  <p:cSld>
+    <p:spTree>
+      <p:nvGrpSpPr>
+        <p:cNvPr id="1" name=""/>
+        <p:cNvGrpSpPr/>
+        <p:nvPr/>
+      </p:nvGrpSpPr>
+      <p:grpSpPr>
+        <a:xfrm>
+          <a:off x="0" y="0"/>
+          <a:ext cx="0" cy="0"/>
+          <a:chOff x="0" y="0"/>
+          <a:chExt cx="0" cy="0"/>
+        </a:xfrm>
+      </p:grpSpPr>
+      <p:sp>
+        <p:nvSpPr>
+          <p:cNvPr id="2" name="タイトル 1">
+            <a:extLst>
+              <a:ext uri="{FF2B5EF4-FFF2-40B4-BE49-F238E27FC236}">
+                <a16:creationId xmlns:a16="http://schemas.microsoft.com/office/drawing/2014/main" id="{2998B0D2-E6C1-90DC-AD00-FC5E4AC67CF9}"/>
+              </a:ext>
+            </a:extLst>
+          </p:cNvPr>
+          <p:cNvSpPr>
+            <a:spLocks noGrp="1"/>
+          </p:cNvSpPr>
+          <p:nvPr>
+            <p:ph type="title"/>
+          </p:nvPr>
+        </p:nvSpPr>
+        <p:spPr>
+          <a:xfrm>
+            <a:off x="0" y="18256"/>
+            <a:ext cx="12192000" cy="662782"/>
+          </a:xfrm>
+        </p:spPr>
+        <p:txBody>
+          <a:bodyPr>
+            <a:normAutofit fontScale="90000"/>
+          </a:bodyPr>
+          <a:lstStyle/>
+          <a:p>
+            <a:pPr algn="ctr"/>
+            <a:r>
+              <a:rPr lang="en-US" dirty="0">
+                <a:latin typeface="Arial" panose="020B0604020202020204" pitchFamily="34" charset="0"/>
+                <a:cs typeface="Arial" panose="020B0604020202020204" pitchFamily="34" charset="0"/>
+              </a:rPr>
+              <a:t>Why the data is different across direction?</a:t>
+            </a:r>
+          </a:p>
+        </p:txBody>
+      </p:sp>
+      <p:sp>
+        <p:nvSpPr>
+          <p:cNvPr id="3" name="コンテンツ プレースホルダー 2">
+            <a:extLst>
+              <a:ext uri="{FF2B5EF4-FFF2-40B4-BE49-F238E27FC236}">
+                <a16:creationId xmlns:a16="http://schemas.microsoft.com/office/drawing/2014/main" id="{53C1E971-4386-CE03-291B-95136168D0B5}"/>
+              </a:ext>
+            </a:extLst>
+          </p:cNvPr>
+          <p:cNvSpPr>
+            <a:spLocks noGrp="1"/>
+          </p:cNvSpPr>
+          <p:nvPr>
+            <p:ph idx="1"/>
+          </p:nvPr>
+        </p:nvSpPr>
+        <p:spPr>
+          <a:xfrm>
+            <a:off x="239210" y="681038"/>
+            <a:ext cx="11713580" cy="5967289"/>
+          </a:xfrm>
+        </p:spPr>
+        <p:txBody>
+          <a:bodyPr/>
+          <a:lstStyle/>
+          <a:p>
+            <a:pPr marL="514350" indent="-514350">
+              <a:buAutoNum type="arabicPeriod"/>
+            </a:pPr>
+            <a:endParaRPr lang="en-US" dirty="0">
+              <a:latin typeface="Arial" panose="020B0604020202020204" pitchFamily="34" charset="0"/>
+              <a:cs typeface="Arial" panose="020B0604020202020204" pitchFamily="34" charset="0"/>
+            </a:endParaRPr>
+          </a:p>
+        </p:txBody>
+      </p:sp>
+    </p:spTree>
+    <p:extLst>
+      <p:ext uri="{BB962C8B-B14F-4D97-AF65-F5344CB8AC3E}">
+        <p14:creationId xmlns:p14="http://schemas.microsoft.com/office/powerpoint/2010/main" val="2753984367"/>
       </p:ext>
     </p:extLst>
   </p:cSld>
@@ -3785,77 +3909,110 @@
             </a:r>
           </a:p>
           <a:p>
-            <a:pPr lvl="1"/>
+            <a:pPr marL="914400" lvl="1" indent="-457200">
+              <a:buFont typeface="+mj-lt"/>
+              <a:buAutoNum type="arabicPeriod"/>
+            </a:pPr>
             <a:r>
               <a:rPr lang="en-US" altLang="ja-JP" dirty="0"/>
               <a:t>Reward axis is not the result of co-contraction</a:t>
             </a:r>
           </a:p>
           <a:p>
-            <a:pPr lvl="2"/>
+            <a:pPr marL="1371600" lvl="2" indent="-457200">
+              <a:buFont typeface="+mj-lt"/>
+              <a:buAutoNum type="arabicPeriod"/>
+            </a:pPr>
             <a:r>
               <a:rPr lang="en-US" altLang="ja-JP" dirty="0"/>
               <a:t>The mean and standard error of mean at each reward and direction</a:t>
             </a:r>
           </a:p>
           <a:p>
-            <a:pPr lvl="3"/>
+            <a:pPr marL="1714500" lvl="3" indent="-342900">
+              <a:buFont typeface="+mj-lt"/>
+              <a:buAutoNum type="arabicPeriod"/>
+            </a:pPr>
             <a:r>
               <a:rPr lang="en-US" altLang="ja-JP" dirty="0"/>
               <a:t>The variance is because of few datapoint?: Show each data-point</a:t>
             </a:r>
           </a:p>
           <a:p>
-            <a:pPr lvl="3"/>
+            <a:pPr marL="1714500" lvl="3" indent="-342900">
+              <a:buFont typeface="+mj-lt"/>
+              <a:buAutoNum type="arabicPeriod"/>
+            </a:pPr>
             <a:r>
               <a:rPr lang="en-US" altLang="ja-JP" dirty="0"/>
               <a:t>Why the data is different across direction? Is there any relationship among them?</a:t>
             </a:r>
           </a:p>
           <a:p>
-            <a:pPr lvl="4"/>
+            <a:pPr marL="2171700" lvl="4" indent="-342900">
+              <a:buFont typeface="+mj-lt"/>
+              <a:buAutoNum type="arabicPeriod"/>
+            </a:pPr>
             <a:r>
               <a:rPr lang="en-US" altLang="ja-JP" dirty="0"/>
               <a:t>Lower: lose the muscle for preparation, Upper: opposite &lt;= 45~135 is bigger?</a:t>
             </a:r>
           </a:p>
           <a:p>
-            <a:pPr lvl="2"/>
+            <a:pPr marL="1371600" lvl="2" indent="-457200">
+              <a:buFont typeface="+mj-lt"/>
+              <a:buAutoNum type="arabicPeriod"/>
+            </a:pPr>
             <a:r>
               <a:rPr lang="en-US" altLang="ja-JP" dirty="0"/>
               <a:t>The mean and standard error of mean at each reward</a:t>
             </a:r>
           </a:p>
           <a:p>
-            <a:pPr lvl="3"/>
+            <a:pPr marL="1714500" lvl="3" indent="-342900">
+              <a:buFont typeface="+mj-lt"/>
+              <a:buAutoNum type="arabicPeriod"/>
+            </a:pPr>
             <a:r>
               <a:rPr lang="en-US" altLang="ja-JP" dirty="0"/>
               <a:t>To answer the question what happen in total</a:t>
             </a:r>
           </a:p>
           <a:p>
-            <a:pPr lvl="1"/>
+            <a:pPr marL="914400" lvl="1" indent="-457200">
+              <a:buFont typeface="+mj-lt"/>
+              <a:buAutoNum type="arabicPeriod"/>
+            </a:pPr>
             <a:r>
               <a:rPr lang="en-US" dirty="0"/>
               <a:t>The EMG intensity at top speed is also affected by choking</a:t>
             </a:r>
           </a:p>
           <a:p>
-            <a:pPr lvl="2"/>
+            <a:pPr marL="1371600" lvl="2" indent="-457200">
+              <a:buFont typeface="+mj-lt"/>
+              <a:buAutoNum type="arabicPeriod"/>
+            </a:pPr>
             <a:r>
               <a:rPr lang="en-US" dirty="0"/>
               <a:t>Show hypothesis and Method: slower reach might be related to EMG activation</a:t>
             </a:r>
           </a:p>
           <a:p>
-            <a:pPr lvl="3"/>
+            <a:pPr marL="1714500" lvl="3" indent="-342900">
+              <a:buFont typeface="+mj-lt"/>
+              <a:buAutoNum type="arabicPeriod"/>
+            </a:pPr>
             <a:r>
               <a:rPr lang="en-US" dirty="0"/>
               <a:t>Is there difference in the muscular activation as a function of reward: inverted-U or co-contraction?</a:t>
             </a:r>
           </a:p>
           <a:p>
-            <a:pPr lvl="2"/>
+            <a:pPr marL="1371600" lvl="2" indent="-457200">
+              <a:buFont typeface="+mj-lt"/>
+              <a:buAutoNum type="arabicPeriod"/>
+            </a:pPr>
             <a:r>
               <a:rPr lang="en-US" dirty="0"/>
               <a:t>Mean EMG around Peak value (-100 ~+100ms, or -50~+50ms)</a:t>
@@ -3879,6 +4036,1655 @@
     <p:extLst>
       <p:ext uri="{BB962C8B-B14F-4D97-AF65-F5344CB8AC3E}">
         <p14:creationId xmlns:p14="http://schemas.microsoft.com/office/powerpoint/2010/main" val="1012385449"/>
+      </p:ext>
+    </p:extLst>
+  </p:cSld>
+  <p:clrMapOvr>
+    <a:masterClrMapping/>
+  </p:clrMapOvr>
+</p:sld>
+</file>
+
+<file path=ppt/slides/slide3.xml><?xml version="1.0" encoding="utf-8"?>
+<p:sld xmlns:a="http://schemas.openxmlformats.org/drawingml/2006/main" xmlns:r="http://schemas.openxmlformats.org/officeDocument/2006/relationships" xmlns:p="http://schemas.openxmlformats.org/presentationml/2006/main">
+  <p:cSld>
+    <p:spTree>
+      <p:nvGrpSpPr>
+        <p:cNvPr id="1" name=""/>
+        <p:cNvGrpSpPr/>
+        <p:nvPr/>
+      </p:nvGrpSpPr>
+      <p:grpSpPr>
+        <a:xfrm>
+          <a:off x="0" y="0"/>
+          <a:ext cx="0" cy="0"/>
+          <a:chOff x="0" y="0"/>
+          <a:chExt cx="0" cy="0"/>
+        </a:xfrm>
+      </p:grpSpPr>
+      <p:sp>
+        <p:nvSpPr>
+          <p:cNvPr id="2" name="タイトル 1">
+            <a:extLst>
+              <a:ext uri="{FF2B5EF4-FFF2-40B4-BE49-F238E27FC236}">
+                <a16:creationId xmlns:a16="http://schemas.microsoft.com/office/drawing/2014/main" id="{2998B0D2-E6C1-90DC-AD00-FC5E4AC67CF9}"/>
+              </a:ext>
+            </a:extLst>
+          </p:cNvPr>
+          <p:cNvSpPr>
+            <a:spLocks noGrp="1"/>
+          </p:cNvSpPr>
+          <p:nvPr>
+            <p:ph type="title"/>
+          </p:nvPr>
+        </p:nvSpPr>
+        <p:spPr>
+          <a:xfrm>
+            <a:off x="0" y="18256"/>
+            <a:ext cx="12192000" cy="662782"/>
+          </a:xfrm>
+        </p:spPr>
+        <p:txBody>
+          <a:bodyPr>
+            <a:normAutofit fontScale="90000"/>
+          </a:bodyPr>
+          <a:lstStyle/>
+          <a:p>
+            <a:pPr algn="ctr"/>
+            <a:r>
+              <a:rPr lang="en-US" dirty="0">
+                <a:latin typeface="Arial" panose="020B0604020202020204" pitchFamily="34" charset="0"/>
+                <a:cs typeface="Arial" panose="020B0604020202020204" pitchFamily="34" charset="0"/>
+              </a:rPr>
+              <a:t>EMG basis “Choking Under Pressure”</a:t>
+            </a:r>
+          </a:p>
+        </p:txBody>
+      </p:sp>
+      <p:sp>
+        <p:nvSpPr>
+          <p:cNvPr id="3" name="コンテンツ プレースホルダー 2">
+            <a:extLst>
+              <a:ext uri="{FF2B5EF4-FFF2-40B4-BE49-F238E27FC236}">
+                <a16:creationId xmlns:a16="http://schemas.microsoft.com/office/drawing/2014/main" id="{53C1E971-4386-CE03-291B-95136168D0B5}"/>
+              </a:ext>
+            </a:extLst>
+          </p:cNvPr>
+          <p:cNvSpPr>
+            <a:spLocks noGrp="1"/>
+          </p:cNvSpPr>
+          <p:nvPr>
+            <p:ph idx="1"/>
+          </p:nvPr>
+        </p:nvSpPr>
+        <p:spPr>
+          <a:xfrm>
+            <a:off x="239210" y="681038"/>
+            <a:ext cx="11713580" cy="5967289"/>
+          </a:xfrm>
+        </p:spPr>
+        <p:txBody>
+          <a:bodyPr/>
+          <a:lstStyle/>
+          <a:p>
+            <a:pPr marL="0" indent="0">
+              <a:buNone/>
+            </a:pPr>
+            <a:r>
+              <a:rPr lang="en-US" dirty="0">
+                <a:latin typeface="Arial" panose="020B0604020202020204" pitchFamily="34" charset="0"/>
+                <a:cs typeface="Arial" panose="020B0604020202020204" pitchFamily="34" charset="0"/>
+              </a:rPr>
+              <a:t>Questions</a:t>
+            </a:r>
+          </a:p>
+          <a:p>
+            <a:pPr marL="514350" indent="-514350">
+              <a:buAutoNum type="arabicPeriod"/>
+            </a:pPr>
+            <a:r>
+              <a:rPr lang="en-US" dirty="0">
+                <a:solidFill>
+                  <a:schemeClr val="accent1"/>
+                </a:solidFill>
+                <a:latin typeface="Arial" panose="020B0604020202020204" pitchFamily="34" charset="0"/>
+                <a:cs typeface="Arial" panose="020B0604020202020204" pitchFamily="34" charset="0"/>
+              </a:rPr>
+              <a:t>Reward Axis at holding time might be the result of co-contraction</a:t>
+            </a:r>
+          </a:p>
+          <a:p>
+            <a:pPr marL="514350" indent="-514350">
+              <a:buFont typeface="Arial" panose="020B0604020202020204" pitchFamily="34" charset="0"/>
+              <a:buAutoNum type="arabicPeriod"/>
+            </a:pPr>
+            <a:r>
+              <a:rPr lang="en-US" altLang="ja-JP" dirty="0">
+                <a:latin typeface="Arial" panose="020B0604020202020204" pitchFamily="34" charset="0"/>
+                <a:cs typeface="Arial" panose="020B0604020202020204" pitchFamily="34" charset="0"/>
+              </a:rPr>
+              <a:t>Slower reach which cause undershoot might be related to EMG activation</a:t>
+            </a:r>
+            <a:endParaRPr lang="en-US" dirty="0">
+              <a:latin typeface="Arial" panose="020B0604020202020204" pitchFamily="34" charset="0"/>
+              <a:cs typeface="Arial" panose="020B0604020202020204" pitchFamily="34" charset="0"/>
+            </a:endParaRPr>
+          </a:p>
+          <a:p>
+            <a:pPr marL="514350" indent="-514350">
+              <a:buAutoNum type="arabicPeriod"/>
+            </a:pPr>
+            <a:endParaRPr lang="en-US" dirty="0">
+              <a:latin typeface="Arial" panose="020B0604020202020204" pitchFamily="34" charset="0"/>
+              <a:cs typeface="Arial" panose="020B0604020202020204" pitchFamily="34" charset="0"/>
+            </a:endParaRPr>
+          </a:p>
+          <a:p>
+            <a:pPr marL="514350" indent="-514350">
+              <a:buAutoNum type="arabicPeriod"/>
+            </a:pPr>
+            <a:endParaRPr lang="en-US" dirty="0">
+              <a:latin typeface="Arial" panose="020B0604020202020204" pitchFamily="34" charset="0"/>
+              <a:cs typeface="Arial" panose="020B0604020202020204" pitchFamily="34" charset="0"/>
+            </a:endParaRPr>
+          </a:p>
+        </p:txBody>
+      </p:sp>
+    </p:spTree>
+    <p:extLst>
+      <p:ext uri="{BB962C8B-B14F-4D97-AF65-F5344CB8AC3E}">
+        <p14:creationId xmlns:p14="http://schemas.microsoft.com/office/powerpoint/2010/main" val="3556210151"/>
+      </p:ext>
+    </p:extLst>
+  </p:cSld>
+  <p:clrMapOvr>
+    <a:masterClrMapping/>
+  </p:clrMapOvr>
+</p:sld>
+</file>
+
+<file path=ppt/slides/slide4.xml><?xml version="1.0" encoding="utf-8"?>
+<p:sld xmlns:a="http://schemas.openxmlformats.org/drawingml/2006/main" xmlns:r="http://schemas.openxmlformats.org/officeDocument/2006/relationships" xmlns:p="http://schemas.openxmlformats.org/presentationml/2006/main">
+  <p:cSld>
+    <p:spTree>
+      <p:nvGrpSpPr>
+        <p:cNvPr id="1" name=""/>
+        <p:cNvGrpSpPr/>
+        <p:nvPr/>
+      </p:nvGrpSpPr>
+      <p:grpSpPr>
+        <a:xfrm>
+          <a:off x="0" y="0"/>
+          <a:ext cx="0" cy="0"/>
+          <a:chOff x="0" y="0"/>
+          <a:chExt cx="0" cy="0"/>
+        </a:xfrm>
+      </p:grpSpPr>
+      <p:sp>
+        <p:nvSpPr>
+          <p:cNvPr id="2" name="タイトル 1">
+            <a:extLst>
+              <a:ext uri="{FF2B5EF4-FFF2-40B4-BE49-F238E27FC236}">
+                <a16:creationId xmlns:a16="http://schemas.microsoft.com/office/drawing/2014/main" id="{2998B0D2-E6C1-90DC-AD00-FC5E4AC67CF9}"/>
+              </a:ext>
+            </a:extLst>
+          </p:cNvPr>
+          <p:cNvSpPr>
+            <a:spLocks noGrp="1"/>
+          </p:cNvSpPr>
+          <p:nvPr>
+            <p:ph type="title"/>
+          </p:nvPr>
+        </p:nvSpPr>
+        <p:spPr>
+          <a:xfrm>
+            <a:off x="0" y="18256"/>
+            <a:ext cx="12192000" cy="662782"/>
+          </a:xfrm>
+        </p:spPr>
+        <p:txBody>
+          <a:bodyPr>
+            <a:normAutofit fontScale="90000"/>
+          </a:bodyPr>
+          <a:lstStyle/>
+          <a:p>
+            <a:pPr algn="ctr"/>
+            <a:r>
+              <a:rPr lang="en-US" dirty="0">
+                <a:latin typeface="Arial" panose="020B0604020202020204" pitchFamily="34" charset="0"/>
+                <a:cs typeface="Arial" panose="020B0604020202020204" pitchFamily="34" charset="0"/>
+              </a:rPr>
+              <a:t>Reward axis is the result of co-contraction</a:t>
+            </a:r>
+          </a:p>
+        </p:txBody>
+      </p:sp>
+      <p:sp>
+        <p:nvSpPr>
+          <p:cNvPr id="3" name="コンテンツ プレースホルダー 2">
+            <a:extLst>
+              <a:ext uri="{FF2B5EF4-FFF2-40B4-BE49-F238E27FC236}">
+                <a16:creationId xmlns:a16="http://schemas.microsoft.com/office/drawing/2014/main" id="{53C1E971-4386-CE03-291B-95136168D0B5}"/>
+              </a:ext>
+            </a:extLst>
+          </p:cNvPr>
+          <p:cNvSpPr>
+            <a:spLocks noGrp="1"/>
+          </p:cNvSpPr>
+          <p:nvPr>
+            <p:ph idx="1"/>
+          </p:nvPr>
+        </p:nvSpPr>
+        <p:spPr>
+          <a:xfrm>
+            <a:off x="239210" y="681038"/>
+            <a:ext cx="4980972" cy="5967289"/>
+          </a:xfrm>
+        </p:spPr>
+        <p:txBody>
+          <a:bodyPr/>
+          <a:lstStyle/>
+          <a:p>
+            <a:pPr marL="0" indent="0">
+              <a:buNone/>
+            </a:pPr>
+            <a:r>
+              <a:rPr lang="en-US" dirty="0">
+                <a:latin typeface="Arial" panose="020B0604020202020204" pitchFamily="34" charset="0"/>
+                <a:cs typeface="Arial" panose="020B0604020202020204" pitchFamily="34" charset="0"/>
+              </a:rPr>
+              <a:t>Method</a:t>
+            </a:r>
+          </a:p>
+          <a:p>
+            <a:pPr marL="514350" indent="-514350">
+              <a:buAutoNum type="arabicPeriod"/>
+            </a:pPr>
+            <a:r>
+              <a:rPr lang="en-US" dirty="0" err="1">
+                <a:latin typeface="Arial" panose="020B0604020202020204" pitchFamily="34" charset="0"/>
+                <a:cs typeface="Arial" panose="020B0604020202020204" pitchFamily="34" charset="0"/>
+              </a:rPr>
+              <a:t>Tric</a:t>
+            </a:r>
+            <a:r>
+              <a:rPr lang="en-US" dirty="0">
+                <a:latin typeface="Arial" panose="020B0604020202020204" pitchFamily="34" charset="0"/>
+                <a:cs typeface="Arial" panose="020B0604020202020204" pitchFamily="34" charset="0"/>
+              </a:rPr>
+              <a:t> was worst data and removed day7~9</a:t>
+            </a:r>
+          </a:p>
+          <a:p>
+            <a:pPr marL="514350" indent="-514350">
+              <a:buAutoNum type="arabicPeriod"/>
+            </a:pPr>
+            <a:r>
+              <a:rPr lang="en-US" dirty="0">
+                <a:latin typeface="Arial" panose="020B0604020202020204" pitchFamily="34" charset="0"/>
+                <a:cs typeface="Arial" panose="020B0604020202020204" pitchFamily="34" charset="0"/>
+              </a:rPr>
+              <a:t>Normalize by </a:t>
+            </a:r>
+            <a:r>
+              <a:rPr lang="en-US" dirty="0" err="1">
+                <a:latin typeface="Arial" panose="020B0604020202020204" pitchFamily="34" charset="0"/>
+                <a:cs typeface="Arial" panose="020B0604020202020204" pitchFamily="34" charset="0"/>
+              </a:rPr>
+              <a:t>successed</a:t>
+            </a:r>
+            <a:r>
+              <a:rPr lang="en-US" dirty="0">
+                <a:latin typeface="Arial" panose="020B0604020202020204" pitchFamily="34" charset="0"/>
+                <a:cs typeface="Arial" panose="020B0604020202020204" pitchFamily="34" charset="0"/>
+              </a:rPr>
+              <a:t> dataset</a:t>
+            </a:r>
+          </a:p>
+          <a:p>
+            <a:pPr marL="514350" indent="-514350">
+              <a:buAutoNum type="arabicPeriod"/>
+            </a:pPr>
+            <a:r>
+              <a:rPr lang="en-US" dirty="0">
+                <a:latin typeface="Arial" panose="020B0604020202020204" pitchFamily="34" charset="0"/>
+                <a:cs typeface="Arial" panose="020B0604020202020204" pitchFamily="34" charset="0"/>
+              </a:rPr>
+              <a:t>Use for this visualization both successes and failures</a:t>
+            </a:r>
+          </a:p>
+          <a:p>
+            <a:pPr marL="514350" indent="-514350">
+              <a:buAutoNum type="arabicPeriod"/>
+            </a:pPr>
+            <a:endParaRPr lang="en-US" dirty="0">
+              <a:latin typeface="Arial" panose="020B0604020202020204" pitchFamily="34" charset="0"/>
+              <a:cs typeface="Arial" panose="020B0604020202020204" pitchFamily="34" charset="0"/>
+            </a:endParaRPr>
+          </a:p>
+          <a:p>
+            <a:pPr marL="514350" indent="-514350">
+              <a:buAutoNum type="arabicPeriod"/>
+            </a:pPr>
+            <a:endParaRPr lang="en-US" dirty="0">
+              <a:latin typeface="Arial" panose="020B0604020202020204" pitchFamily="34" charset="0"/>
+              <a:cs typeface="Arial" panose="020B0604020202020204" pitchFamily="34" charset="0"/>
+            </a:endParaRPr>
+          </a:p>
+        </p:txBody>
+      </p:sp>
+    </p:spTree>
+    <p:extLst>
+      <p:ext uri="{BB962C8B-B14F-4D97-AF65-F5344CB8AC3E}">
+        <p14:creationId xmlns:p14="http://schemas.microsoft.com/office/powerpoint/2010/main" val="312522006"/>
+      </p:ext>
+    </p:extLst>
+  </p:cSld>
+  <p:clrMapOvr>
+    <a:masterClrMapping/>
+  </p:clrMapOvr>
+</p:sld>
+</file>
+
+<file path=ppt/slides/slide5.xml><?xml version="1.0" encoding="utf-8"?>
+<p:sld xmlns:a="http://schemas.openxmlformats.org/drawingml/2006/main" xmlns:r="http://schemas.openxmlformats.org/officeDocument/2006/relationships" xmlns:p="http://schemas.openxmlformats.org/presentationml/2006/main">
+  <p:cSld>
+    <p:spTree>
+      <p:nvGrpSpPr>
+        <p:cNvPr id="1" name=""/>
+        <p:cNvGrpSpPr/>
+        <p:nvPr/>
+      </p:nvGrpSpPr>
+      <p:grpSpPr>
+        <a:xfrm>
+          <a:off x="0" y="0"/>
+          <a:ext cx="0" cy="0"/>
+          <a:chOff x="0" y="0"/>
+          <a:chExt cx="0" cy="0"/>
+        </a:xfrm>
+      </p:grpSpPr>
+      <p:sp>
+        <p:nvSpPr>
+          <p:cNvPr id="2" name="タイトル 1">
+            <a:extLst>
+              <a:ext uri="{FF2B5EF4-FFF2-40B4-BE49-F238E27FC236}">
+                <a16:creationId xmlns:a16="http://schemas.microsoft.com/office/drawing/2014/main" id="{2998B0D2-E6C1-90DC-AD00-FC5E4AC67CF9}"/>
+              </a:ext>
+            </a:extLst>
+          </p:cNvPr>
+          <p:cNvSpPr>
+            <a:spLocks noGrp="1"/>
+          </p:cNvSpPr>
+          <p:nvPr>
+            <p:ph type="title"/>
+          </p:nvPr>
+        </p:nvSpPr>
+        <p:spPr>
+          <a:xfrm>
+            <a:off x="0" y="18256"/>
+            <a:ext cx="12192000" cy="662782"/>
+          </a:xfrm>
+        </p:spPr>
+        <p:txBody>
+          <a:bodyPr>
+            <a:normAutofit fontScale="90000"/>
+          </a:bodyPr>
+          <a:lstStyle/>
+          <a:p>
+            <a:pPr algn="ctr"/>
+            <a:r>
+              <a:rPr lang="en-US" dirty="0">
+                <a:latin typeface="Arial" panose="020B0604020202020204" pitchFamily="34" charset="0"/>
+                <a:cs typeface="Arial" panose="020B0604020202020204" pitchFamily="34" charset="0"/>
+              </a:rPr>
+              <a:t>The variance is because of few datapoint?</a:t>
+            </a:r>
+          </a:p>
+        </p:txBody>
+      </p:sp>
+      <p:graphicFrame>
+        <p:nvGraphicFramePr>
+          <p:cNvPr id="4" name="表 4">
+            <a:extLst>
+              <a:ext uri="{FF2B5EF4-FFF2-40B4-BE49-F238E27FC236}">
+                <a16:creationId xmlns:a16="http://schemas.microsoft.com/office/drawing/2014/main" id="{547F0640-0FE7-5886-5B13-22531EFC6387}"/>
+              </a:ext>
+            </a:extLst>
+          </p:cNvPr>
+          <p:cNvGraphicFramePr>
+            <a:graphicFrameLocks noGrp="1"/>
+          </p:cNvGraphicFramePr>
+          <p:nvPr>
+            <p:ph idx="1"/>
+            <p:extLst>
+              <p:ext uri="{D42A27DB-BD31-4B8C-83A1-F6EECF244321}">
+                <p14:modId xmlns:p14="http://schemas.microsoft.com/office/powerpoint/2010/main" val="2172486692"/>
+              </p:ext>
+            </p:extLst>
+          </p:nvPr>
+        </p:nvGraphicFramePr>
+        <p:xfrm>
+          <a:off x="838200" y="1825625"/>
+          <a:ext cx="10515600" cy="1854200"/>
+        </p:xfrm>
+        <a:graphic>
+          <a:graphicData uri="http://schemas.openxmlformats.org/drawingml/2006/table">
+            <a:tbl>
+              <a:tblPr firstRow="1" bandRow="1">
+                <a:tableStyleId>{5C22544A-7EE6-4342-B048-85BDC9FD1C3A}</a:tableStyleId>
+              </a:tblPr>
+              <a:tblGrid>
+                <a:gridCol w="1168400">
+                  <a:extLst>
+                    <a:ext uri="{9D8B030D-6E8A-4147-A177-3AD203B41FA5}">
+                      <a16:colId xmlns:a16="http://schemas.microsoft.com/office/drawing/2014/main" val="3181871482"/>
+                    </a:ext>
+                  </a:extLst>
+                </a:gridCol>
+                <a:gridCol w="1168400">
+                  <a:extLst>
+                    <a:ext uri="{9D8B030D-6E8A-4147-A177-3AD203B41FA5}">
+                      <a16:colId xmlns:a16="http://schemas.microsoft.com/office/drawing/2014/main" val="3188831379"/>
+                    </a:ext>
+                  </a:extLst>
+                </a:gridCol>
+                <a:gridCol w="1168400">
+                  <a:extLst>
+                    <a:ext uri="{9D8B030D-6E8A-4147-A177-3AD203B41FA5}">
+                      <a16:colId xmlns:a16="http://schemas.microsoft.com/office/drawing/2014/main" val="807073560"/>
+                    </a:ext>
+                  </a:extLst>
+                </a:gridCol>
+                <a:gridCol w="1168400">
+                  <a:extLst>
+                    <a:ext uri="{9D8B030D-6E8A-4147-A177-3AD203B41FA5}">
+                      <a16:colId xmlns:a16="http://schemas.microsoft.com/office/drawing/2014/main" val="59361020"/>
+                    </a:ext>
+                  </a:extLst>
+                </a:gridCol>
+                <a:gridCol w="1168400">
+                  <a:extLst>
+                    <a:ext uri="{9D8B030D-6E8A-4147-A177-3AD203B41FA5}">
+                      <a16:colId xmlns:a16="http://schemas.microsoft.com/office/drawing/2014/main" val="151821068"/>
+                    </a:ext>
+                  </a:extLst>
+                </a:gridCol>
+                <a:gridCol w="1168400">
+                  <a:extLst>
+                    <a:ext uri="{9D8B030D-6E8A-4147-A177-3AD203B41FA5}">
+                      <a16:colId xmlns:a16="http://schemas.microsoft.com/office/drawing/2014/main" val="3044087434"/>
+                    </a:ext>
+                  </a:extLst>
+                </a:gridCol>
+                <a:gridCol w="1168400">
+                  <a:extLst>
+                    <a:ext uri="{9D8B030D-6E8A-4147-A177-3AD203B41FA5}">
+                      <a16:colId xmlns:a16="http://schemas.microsoft.com/office/drawing/2014/main" val="3321186714"/>
+                    </a:ext>
+                  </a:extLst>
+                </a:gridCol>
+                <a:gridCol w="1168400">
+                  <a:extLst>
+                    <a:ext uri="{9D8B030D-6E8A-4147-A177-3AD203B41FA5}">
+                      <a16:colId xmlns:a16="http://schemas.microsoft.com/office/drawing/2014/main" val="2110933227"/>
+                    </a:ext>
+                  </a:extLst>
+                </a:gridCol>
+                <a:gridCol w="1168400">
+                  <a:extLst>
+                    <a:ext uri="{9D8B030D-6E8A-4147-A177-3AD203B41FA5}">
+                      <a16:colId xmlns:a16="http://schemas.microsoft.com/office/drawing/2014/main" val="379805547"/>
+                    </a:ext>
+                  </a:extLst>
+                </a:gridCol>
+              </a:tblGrid>
+              <a:tr h="370840">
+                <a:tc>
+                  <a:txBody>
+                    <a:bodyPr/>
+                    <a:lstStyle/>
+                    <a:p>
+                      <a:endParaRPr kumimoji="1" lang="ja-JP" altLang="en-US"/>
+                    </a:p>
+                  </a:txBody>
+                  <a:tcPr/>
+                </a:tc>
+                <a:tc>
+                  <a:txBody>
+                    <a:bodyPr/>
+                    <a:lstStyle/>
+                    <a:p>
+                      <a:r>
+                        <a:rPr kumimoji="1" lang="en-US" altLang="ja-JP" dirty="0"/>
+                        <a:t>0</a:t>
+                      </a:r>
+                      <a:endParaRPr kumimoji="1" lang="ja-JP" altLang="en-US"/>
+                    </a:p>
+                  </a:txBody>
+                  <a:tcPr/>
+                </a:tc>
+                <a:tc>
+                  <a:txBody>
+                    <a:bodyPr/>
+                    <a:lstStyle/>
+                    <a:p>
+                      <a:r>
+                        <a:rPr kumimoji="1" lang="en-US" altLang="ja-JP" dirty="0"/>
+                        <a:t>45</a:t>
+                      </a:r>
+                      <a:endParaRPr kumimoji="1" lang="ja-JP" altLang="en-US"/>
+                    </a:p>
+                  </a:txBody>
+                  <a:tcPr/>
+                </a:tc>
+                <a:tc>
+                  <a:txBody>
+                    <a:bodyPr/>
+                    <a:lstStyle/>
+                    <a:p>
+                      <a:r>
+                        <a:rPr kumimoji="1" lang="en-US" altLang="ja-JP" dirty="0"/>
+                        <a:t>90</a:t>
+                      </a:r>
+                      <a:endParaRPr kumimoji="1" lang="ja-JP" altLang="en-US"/>
+                    </a:p>
+                  </a:txBody>
+                  <a:tcPr/>
+                </a:tc>
+                <a:tc>
+                  <a:txBody>
+                    <a:bodyPr/>
+                    <a:lstStyle/>
+                    <a:p>
+                      <a:r>
+                        <a:rPr kumimoji="1" lang="en-US" altLang="ja-JP" dirty="0"/>
+                        <a:t>135</a:t>
+                      </a:r>
+                      <a:endParaRPr kumimoji="1" lang="ja-JP" altLang="en-US"/>
+                    </a:p>
+                  </a:txBody>
+                  <a:tcPr/>
+                </a:tc>
+                <a:tc>
+                  <a:txBody>
+                    <a:bodyPr/>
+                    <a:lstStyle/>
+                    <a:p>
+                      <a:r>
+                        <a:rPr kumimoji="1" lang="en-US" altLang="ja-JP" dirty="0"/>
+                        <a:t>180</a:t>
+                      </a:r>
+                      <a:endParaRPr kumimoji="1" lang="ja-JP" altLang="en-US"/>
+                    </a:p>
+                  </a:txBody>
+                  <a:tcPr/>
+                </a:tc>
+                <a:tc>
+                  <a:txBody>
+                    <a:bodyPr/>
+                    <a:lstStyle/>
+                    <a:p>
+                      <a:r>
+                        <a:rPr kumimoji="1" lang="en-US" altLang="ja-JP" dirty="0"/>
+                        <a:t>225</a:t>
+                      </a:r>
+                      <a:endParaRPr kumimoji="1" lang="ja-JP" altLang="en-US"/>
+                    </a:p>
+                  </a:txBody>
+                  <a:tcPr/>
+                </a:tc>
+                <a:tc>
+                  <a:txBody>
+                    <a:bodyPr/>
+                    <a:lstStyle/>
+                    <a:p>
+                      <a:r>
+                        <a:rPr kumimoji="1" lang="en-US" altLang="ja-JP" dirty="0"/>
+                        <a:t>270</a:t>
+                      </a:r>
+                      <a:endParaRPr kumimoji="1" lang="ja-JP" altLang="en-US"/>
+                    </a:p>
+                  </a:txBody>
+                  <a:tcPr/>
+                </a:tc>
+                <a:tc>
+                  <a:txBody>
+                    <a:bodyPr/>
+                    <a:lstStyle/>
+                    <a:p>
+                      <a:r>
+                        <a:rPr kumimoji="1" lang="en-US" altLang="ja-JP" dirty="0"/>
+                        <a:t>325</a:t>
+                      </a:r>
+                      <a:endParaRPr kumimoji="1" lang="ja-JP" altLang="en-US"/>
+                    </a:p>
+                  </a:txBody>
+                  <a:tcPr/>
+                </a:tc>
+                <a:extLst>
+                  <a:ext uri="{0D108BD9-81ED-4DB2-BD59-A6C34878D82A}">
+                    <a16:rowId xmlns:a16="http://schemas.microsoft.com/office/drawing/2014/main" val="1711391203"/>
+                  </a:ext>
+                </a:extLst>
+              </a:tr>
+              <a:tr h="370840">
+                <a:tc>
+                  <a:txBody>
+                    <a:bodyPr/>
+                    <a:lstStyle/>
+                    <a:p>
+                      <a:r>
+                        <a:rPr kumimoji="1" lang="en-US" altLang="ja-JP" dirty="0"/>
+                        <a:t>Small</a:t>
+                      </a:r>
+                      <a:endParaRPr kumimoji="1" lang="ja-JP" altLang="en-US"/>
+                    </a:p>
+                  </a:txBody>
+                  <a:tcPr/>
+                </a:tc>
+                <a:tc>
+                  <a:txBody>
+                    <a:bodyPr/>
+                    <a:lstStyle/>
+                    <a:p>
+                      <a:r>
+                        <a:rPr kumimoji="1" lang="en-US" altLang="ja-JP" dirty="0"/>
+                        <a:t>385</a:t>
+                      </a:r>
+                      <a:endParaRPr kumimoji="1" lang="ja-JP" altLang="en-US"/>
+                    </a:p>
+                  </a:txBody>
+                  <a:tcPr/>
+                </a:tc>
+                <a:tc>
+                  <a:txBody>
+                    <a:bodyPr/>
+                    <a:lstStyle/>
+                    <a:p>
+                      <a:r>
+                        <a:rPr kumimoji="1" lang="en-US" altLang="ja-JP" dirty="0"/>
+                        <a:t>299</a:t>
+                      </a:r>
+                      <a:endParaRPr kumimoji="1" lang="ja-JP" altLang="en-US"/>
+                    </a:p>
+                  </a:txBody>
+                  <a:tcPr/>
+                </a:tc>
+                <a:tc>
+                  <a:txBody>
+                    <a:bodyPr/>
+                    <a:lstStyle/>
+                    <a:p>
+                      <a:r>
+                        <a:rPr kumimoji="1" lang="en-US" altLang="ja-JP" dirty="0"/>
+                        <a:t>343</a:t>
+                      </a:r>
+                      <a:endParaRPr kumimoji="1" lang="ja-JP" altLang="en-US"/>
+                    </a:p>
+                  </a:txBody>
+                  <a:tcPr/>
+                </a:tc>
+                <a:tc>
+                  <a:txBody>
+                    <a:bodyPr/>
+                    <a:lstStyle/>
+                    <a:p>
+                      <a:r>
+                        <a:rPr kumimoji="1" lang="en-US" altLang="ja-JP" dirty="0"/>
+                        <a:t>380</a:t>
+                      </a:r>
+                      <a:endParaRPr kumimoji="1" lang="ja-JP" altLang="en-US"/>
+                    </a:p>
+                  </a:txBody>
+                  <a:tcPr/>
+                </a:tc>
+                <a:tc>
+                  <a:txBody>
+                    <a:bodyPr/>
+                    <a:lstStyle/>
+                    <a:p>
+                      <a:r>
+                        <a:rPr kumimoji="1" lang="en-US" altLang="ja-JP" dirty="0"/>
+                        <a:t>380</a:t>
+                      </a:r>
+                      <a:endParaRPr kumimoji="1" lang="ja-JP" altLang="en-US"/>
+                    </a:p>
+                  </a:txBody>
+                  <a:tcPr/>
+                </a:tc>
+                <a:tc>
+                  <a:txBody>
+                    <a:bodyPr/>
+                    <a:lstStyle/>
+                    <a:p>
+                      <a:r>
+                        <a:rPr kumimoji="1" lang="en-US" altLang="ja-JP" dirty="0"/>
+                        <a:t>351</a:t>
+                      </a:r>
+                      <a:endParaRPr kumimoji="1" lang="ja-JP" altLang="en-US"/>
+                    </a:p>
+                  </a:txBody>
+                  <a:tcPr/>
+                </a:tc>
+                <a:tc>
+                  <a:txBody>
+                    <a:bodyPr/>
+                    <a:lstStyle/>
+                    <a:p>
+                      <a:r>
+                        <a:rPr kumimoji="1" lang="en-US" altLang="ja-JP" dirty="0"/>
+                        <a:t>325</a:t>
+                      </a:r>
+                      <a:endParaRPr kumimoji="1" lang="ja-JP" altLang="en-US"/>
+                    </a:p>
+                  </a:txBody>
+                  <a:tcPr/>
+                </a:tc>
+                <a:tc>
+                  <a:txBody>
+                    <a:bodyPr/>
+                    <a:lstStyle/>
+                    <a:p>
+                      <a:r>
+                        <a:rPr kumimoji="1" lang="en-US" altLang="ja-JP" dirty="0"/>
+                        <a:t>344</a:t>
+                      </a:r>
+                      <a:endParaRPr kumimoji="1" lang="ja-JP" altLang="en-US"/>
+                    </a:p>
+                  </a:txBody>
+                  <a:tcPr/>
+                </a:tc>
+                <a:extLst>
+                  <a:ext uri="{0D108BD9-81ED-4DB2-BD59-A6C34878D82A}">
+                    <a16:rowId xmlns:a16="http://schemas.microsoft.com/office/drawing/2014/main" val="4190804422"/>
+                  </a:ext>
+                </a:extLst>
+              </a:tr>
+              <a:tr h="370840">
+                <a:tc>
+                  <a:txBody>
+                    <a:bodyPr/>
+                    <a:lstStyle/>
+                    <a:p>
+                      <a:r>
+                        <a:rPr kumimoji="1" lang="en-US" altLang="ja-JP" dirty="0"/>
+                        <a:t>Medium</a:t>
+                      </a:r>
+                    </a:p>
+                  </a:txBody>
+                  <a:tcPr/>
+                </a:tc>
+                <a:tc>
+                  <a:txBody>
+                    <a:bodyPr/>
+                    <a:lstStyle/>
+                    <a:p>
+                      <a:r>
+                        <a:rPr kumimoji="1" lang="en-US" altLang="ja-JP" dirty="0"/>
+                        <a:t>381</a:t>
+                      </a:r>
+                      <a:endParaRPr kumimoji="1" lang="ja-JP" altLang="en-US"/>
+                    </a:p>
+                  </a:txBody>
+                  <a:tcPr/>
+                </a:tc>
+                <a:tc>
+                  <a:txBody>
+                    <a:bodyPr/>
+                    <a:lstStyle/>
+                    <a:p>
+                      <a:r>
+                        <a:rPr kumimoji="1" lang="en-US" altLang="ja-JP" dirty="0"/>
+                        <a:t>406</a:t>
+                      </a:r>
+                      <a:endParaRPr kumimoji="1" lang="ja-JP" altLang="en-US"/>
+                    </a:p>
+                  </a:txBody>
+                  <a:tcPr/>
+                </a:tc>
+                <a:tc>
+                  <a:txBody>
+                    <a:bodyPr/>
+                    <a:lstStyle/>
+                    <a:p>
+                      <a:r>
+                        <a:rPr kumimoji="1" lang="en-US" altLang="ja-JP" dirty="0"/>
+                        <a:t>389</a:t>
+                      </a:r>
+                      <a:endParaRPr kumimoji="1" lang="ja-JP" altLang="en-US"/>
+                    </a:p>
+                  </a:txBody>
+                  <a:tcPr/>
+                </a:tc>
+                <a:tc>
+                  <a:txBody>
+                    <a:bodyPr/>
+                    <a:lstStyle/>
+                    <a:p>
+                      <a:r>
+                        <a:rPr kumimoji="1" lang="en-US" altLang="ja-JP" dirty="0"/>
+                        <a:t>413</a:t>
+                      </a:r>
+                      <a:endParaRPr kumimoji="1" lang="ja-JP" altLang="en-US"/>
+                    </a:p>
+                  </a:txBody>
+                  <a:tcPr/>
+                </a:tc>
+                <a:tc>
+                  <a:txBody>
+                    <a:bodyPr/>
+                    <a:lstStyle/>
+                    <a:p>
+                      <a:r>
+                        <a:rPr kumimoji="1" lang="en-US" altLang="ja-JP" dirty="0"/>
+                        <a:t>385</a:t>
+                      </a:r>
+                      <a:endParaRPr kumimoji="1" lang="ja-JP" altLang="en-US"/>
+                    </a:p>
+                  </a:txBody>
+                  <a:tcPr/>
+                </a:tc>
+                <a:tc>
+                  <a:txBody>
+                    <a:bodyPr/>
+                    <a:lstStyle/>
+                    <a:p>
+                      <a:r>
+                        <a:rPr kumimoji="1" lang="en-US" altLang="ja-JP" dirty="0"/>
+                        <a:t>359</a:t>
+                      </a:r>
+                      <a:endParaRPr kumimoji="1" lang="ja-JP" altLang="en-US"/>
+                    </a:p>
+                  </a:txBody>
+                  <a:tcPr/>
+                </a:tc>
+                <a:tc>
+                  <a:txBody>
+                    <a:bodyPr/>
+                    <a:lstStyle/>
+                    <a:p>
+                      <a:r>
+                        <a:rPr kumimoji="1" lang="en-US" altLang="ja-JP" dirty="0"/>
+                        <a:t>304</a:t>
+                      </a:r>
+                      <a:endParaRPr kumimoji="1" lang="ja-JP" altLang="en-US"/>
+                    </a:p>
+                  </a:txBody>
+                  <a:tcPr/>
+                </a:tc>
+                <a:tc>
+                  <a:txBody>
+                    <a:bodyPr/>
+                    <a:lstStyle/>
+                    <a:p>
+                      <a:r>
+                        <a:rPr kumimoji="1" lang="en-US" altLang="ja-JP" dirty="0"/>
+                        <a:t>355</a:t>
+                      </a:r>
+                      <a:endParaRPr kumimoji="1" lang="ja-JP" altLang="en-US"/>
+                    </a:p>
+                  </a:txBody>
+                  <a:tcPr/>
+                </a:tc>
+                <a:extLst>
+                  <a:ext uri="{0D108BD9-81ED-4DB2-BD59-A6C34878D82A}">
+                    <a16:rowId xmlns:a16="http://schemas.microsoft.com/office/drawing/2014/main" val="823807322"/>
+                  </a:ext>
+                </a:extLst>
+              </a:tr>
+              <a:tr h="370840">
+                <a:tc>
+                  <a:txBody>
+                    <a:bodyPr/>
+                    <a:lstStyle/>
+                    <a:p>
+                      <a:r>
+                        <a:rPr kumimoji="1" lang="en-US" altLang="ja-JP" dirty="0"/>
+                        <a:t>Large</a:t>
+                      </a:r>
+                      <a:endParaRPr kumimoji="1" lang="ja-JP" altLang="en-US"/>
+                    </a:p>
+                  </a:txBody>
+                  <a:tcPr/>
+                </a:tc>
+                <a:tc>
+                  <a:txBody>
+                    <a:bodyPr/>
+                    <a:lstStyle/>
+                    <a:p>
+                      <a:r>
+                        <a:rPr kumimoji="1" lang="en-US" altLang="ja-JP" dirty="0"/>
+                        <a:t>377</a:t>
+                      </a:r>
+                      <a:endParaRPr kumimoji="1" lang="ja-JP" altLang="en-US"/>
+                    </a:p>
+                  </a:txBody>
+                  <a:tcPr/>
+                </a:tc>
+                <a:tc>
+                  <a:txBody>
+                    <a:bodyPr/>
+                    <a:lstStyle/>
+                    <a:p>
+                      <a:r>
+                        <a:rPr kumimoji="1" lang="en-US" altLang="ja-JP" dirty="0"/>
+                        <a:t>406</a:t>
+                      </a:r>
+                      <a:endParaRPr kumimoji="1" lang="ja-JP" altLang="en-US"/>
+                    </a:p>
+                  </a:txBody>
+                  <a:tcPr/>
+                </a:tc>
+                <a:tc>
+                  <a:txBody>
+                    <a:bodyPr/>
+                    <a:lstStyle/>
+                    <a:p>
+                      <a:r>
+                        <a:rPr kumimoji="1" lang="en-US" altLang="ja-JP" dirty="0"/>
+                        <a:t>409</a:t>
+                      </a:r>
+                      <a:endParaRPr kumimoji="1" lang="ja-JP" altLang="en-US"/>
+                    </a:p>
+                  </a:txBody>
+                  <a:tcPr/>
+                </a:tc>
+                <a:tc>
+                  <a:txBody>
+                    <a:bodyPr/>
+                    <a:lstStyle/>
+                    <a:p>
+                      <a:r>
+                        <a:rPr kumimoji="1" lang="en-US" altLang="ja-JP" dirty="0"/>
+                        <a:t>410</a:t>
+                      </a:r>
+                      <a:endParaRPr kumimoji="1" lang="ja-JP" altLang="en-US"/>
+                    </a:p>
+                  </a:txBody>
+                  <a:tcPr/>
+                </a:tc>
+                <a:tc>
+                  <a:txBody>
+                    <a:bodyPr/>
+                    <a:lstStyle/>
+                    <a:p>
+                      <a:r>
+                        <a:rPr kumimoji="1" lang="en-US" altLang="ja-JP" dirty="0"/>
+                        <a:t>405</a:t>
+                      </a:r>
+                      <a:endParaRPr kumimoji="1" lang="ja-JP" altLang="en-US"/>
+                    </a:p>
+                  </a:txBody>
+                  <a:tcPr/>
+                </a:tc>
+                <a:tc>
+                  <a:txBody>
+                    <a:bodyPr/>
+                    <a:lstStyle/>
+                    <a:p>
+                      <a:r>
+                        <a:rPr kumimoji="1" lang="en-US" altLang="ja-JP" dirty="0"/>
+                        <a:t>395</a:t>
+                      </a:r>
+                      <a:endParaRPr kumimoji="1" lang="ja-JP" altLang="en-US"/>
+                    </a:p>
+                  </a:txBody>
+                  <a:tcPr/>
+                </a:tc>
+                <a:tc>
+                  <a:txBody>
+                    <a:bodyPr/>
+                    <a:lstStyle/>
+                    <a:p>
+                      <a:r>
+                        <a:rPr kumimoji="1" lang="en-US" altLang="ja-JP" dirty="0"/>
+                        <a:t>371</a:t>
+                      </a:r>
+                      <a:endParaRPr kumimoji="1" lang="ja-JP" altLang="en-US"/>
+                    </a:p>
+                  </a:txBody>
+                  <a:tcPr/>
+                </a:tc>
+                <a:tc>
+                  <a:txBody>
+                    <a:bodyPr/>
+                    <a:lstStyle/>
+                    <a:p>
+                      <a:r>
+                        <a:rPr kumimoji="1" lang="en-US" altLang="ja-JP" dirty="0"/>
+                        <a:t>406</a:t>
+                      </a:r>
+                      <a:endParaRPr kumimoji="1" lang="ja-JP" altLang="en-US"/>
+                    </a:p>
+                  </a:txBody>
+                  <a:tcPr/>
+                </a:tc>
+                <a:extLst>
+                  <a:ext uri="{0D108BD9-81ED-4DB2-BD59-A6C34878D82A}">
+                    <a16:rowId xmlns:a16="http://schemas.microsoft.com/office/drawing/2014/main" val="1056947124"/>
+                  </a:ext>
+                </a:extLst>
+              </a:tr>
+              <a:tr h="370840">
+                <a:tc>
+                  <a:txBody>
+                    <a:bodyPr/>
+                    <a:lstStyle/>
+                    <a:p>
+                      <a:r>
+                        <a:rPr kumimoji="1" lang="en-US" altLang="ja-JP" dirty="0"/>
+                        <a:t>Jackpot</a:t>
+                      </a:r>
+                      <a:endParaRPr kumimoji="1" lang="ja-JP" altLang="en-US"/>
+                    </a:p>
+                  </a:txBody>
+                  <a:tcPr/>
+                </a:tc>
+                <a:tc>
+                  <a:txBody>
+                    <a:bodyPr/>
+                    <a:lstStyle/>
+                    <a:p>
+                      <a:r>
+                        <a:rPr kumimoji="1" lang="en-US" altLang="ja-JP" dirty="0"/>
+                        <a:t>57</a:t>
+                      </a:r>
+                      <a:endParaRPr kumimoji="1" lang="ja-JP" altLang="en-US"/>
+                    </a:p>
+                  </a:txBody>
+                  <a:tcPr/>
+                </a:tc>
+                <a:tc>
+                  <a:txBody>
+                    <a:bodyPr/>
+                    <a:lstStyle/>
+                    <a:p>
+                      <a:r>
+                        <a:rPr kumimoji="1" lang="en-US" altLang="ja-JP" dirty="0"/>
+                        <a:t>47</a:t>
+                      </a:r>
+                      <a:endParaRPr kumimoji="1" lang="ja-JP" altLang="en-US"/>
+                    </a:p>
+                  </a:txBody>
+                  <a:tcPr/>
+                </a:tc>
+                <a:tc>
+                  <a:txBody>
+                    <a:bodyPr/>
+                    <a:lstStyle/>
+                    <a:p>
+                      <a:r>
+                        <a:rPr kumimoji="1" lang="en-US" altLang="ja-JP" dirty="0"/>
+                        <a:t>54</a:t>
+                      </a:r>
+                      <a:endParaRPr kumimoji="1" lang="ja-JP" altLang="en-US"/>
+                    </a:p>
+                  </a:txBody>
+                  <a:tcPr/>
+                </a:tc>
+                <a:tc>
+                  <a:txBody>
+                    <a:bodyPr/>
+                    <a:lstStyle/>
+                    <a:p>
+                      <a:r>
+                        <a:rPr kumimoji="1" lang="en-US" altLang="ja-JP" dirty="0"/>
+                        <a:t>60</a:t>
+                      </a:r>
+                      <a:endParaRPr kumimoji="1" lang="ja-JP" altLang="en-US"/>
+                    </a:p>
+                  </a:txBody>
+                  <a:tcPr/>
+                </a:tc>
+                <a:tc>
+                  <a:txBody>
+                    <a:bodyPr/>
+                    <a:lstStyle/>
+                    <a:p>
+                      <a:r>
+                        <a:rPr kumimoji="1" lang="en-US" altLang="ja-JP" dirty="0"/>
+                        <a:t>68</a:t>
+                      </a:r>
+                      <a:endParaRPr kumimoji="1" lang="ja-JP" altLang="en-US"/>
+                    </a:p>
+                  </a:txBody>
+                  <a:tcPr/>
+                </a:tc>
+                <a:tc>
+                  <a:txBody>
+                    <a:bodyPr/>
+                    <a:lstStyle/>
+                    <a:p>
+                      <a:r>
+                        <a:rPr kumimoji="1" lang="en-US" altLang="ja-JP" dirty="0"/>
+                        <a:t>49</a:t>
+                      </a:r>
+                      <a:endParaRPr kumimoji="1" lang="ja-JP" altLang="en-US"/>
+                    </a:p>
+                  </a:txBody>
+                  <a:tcPr/>
+                </a:tc>
+                <a:tc>
+                  <a:txBody>
+                    <a:bodyPr/>
+                    <a:lstStyle/>
+                    <a:p>
+                      <a:r>
+                        <a:rPr kumimoji="1" lang="en-US" altLang="ja-JP" dirty="0"/>
+                        <a:t>50</a:t>
+                      </a:r>
+                      <a:endParaRPr kumimoji="1" lang="ja-JP" altLang="en-US"/>
+                    </a:p>
+                  </a:txBody>
+                  <a:tcPr/>
+                </a:tc>
+                <a:tc>
+                  <a:txBody>
+                    <a:bodyPr/>
+                    <a:lstStyle/>
+                    <a:p>
+                      <a:r>
+                        <a:rPr kumimoji="1" lang="en-US" altLang="ja-JP" dirty="0"/>
+                        <a:t>50</a:t>
+                      </a:r>
+                      <a:endParaRPr kumimoji="1" lang="ja-JP" altLang="en-US"/>
+                    </a:p>
+                  </a:txBody>
+                  <a:tcPr/>
+                </a:tc>
+                <a:extLst>
+                  <a:ext uri="{0D108BD9-81ED-4DB2-BD59-A6C34878D82A}">
+                    <a16:rowId xmlns:a16="http://schemas.microsoft.com/office/drawing/2014/main" val="118681831"/>
+                  </a:ext>
+                </a:extLst>
+              </a:tr>
+            </a:tbl>
+          </a:graphicData>
+        </a:graphic>
+      </p:graphicFrame>
+    </p:spTree>
+    <p:extLst>
+      <p:ext uri="{BB962C8B-B14F-4D97-AF65-F5344CB8AC3E}">
+        <p14:creationId xmlns:p14="http://schemas.microsoft.com/office/powerpoint/2010/main" val="2220214215"/>
+      </p:ext>
+    </p:extLst>
+  </p:cSld>
+  <p:clrMapOvr>
+    <a:masterClrMapping/>
+  </p:clrMapOvr>
+</p:sld>
+</file>
+
+<file path=ppt/slides/slide6.xml><?xml version="1.0" encoding="utf-8"?>
+<p:sld xmlns:a="http://schemas.openxmlformats.org/drawingml/2006/main" xmlns:r="http://schemas.openxmlformats.org/officeDocument/2006/relationships" xmlns:p="http://schemas.openxmlformats.org/presentationml/2006/main">
+  <p:cSld>
+    <p:spTree>
+      <p:nvGrpSpPr>
+        <p:cNvPr id="1" name=""/>
+        <p:cNvGrpSpPr/>
+        <p:nvPr/>
+      </p:nvGrpSpPr>
+      <p:grpSpPr>
+        <a:xfrm>
+          <a:off x="0" y="0"/>
+          <a:ext cx="0" cy="0"/>
+          <a:chOff x="0" y="0"/>
+          <a:chExt cx="0" cy="0"/>
+        </a:xfrm>
+      </p:grpSpPr>
+      <p:sp>
+        <p:nvSpPr>
+          <p:cNvPr id="2" name="タイトル 1">
+            <a:extLst>
+              <a:ext uri="{FF2B5EF4-FFF2-40B4-BE49-F238E27FC236}">
+                <a16:creationId xmlns:a16="http://schemas.microsoft.com/office/drawing/2014/main" id="{2998B0D2-E6C1-90DC-AD00-FC5E4AC67CF9}"/>
+              </a:ext>
+            </a:extLst>
+          </p:cNvPr>
+          <p:cNvSpPr>
+            <a:spLocks noGrp="1"/>
+          </p:cNvSpPr>
+          <p:nvPr>
+            <p:ph type="title"/>
+          </p:nvPr>
+        </p:nvSpPr>
+        <p:spPr>
+          <a:xfrm>
+            <a:off x="0" y="18256"/>
+            <a:ext cx="12192000" cy="662782"/>
+          </a:xfrm>
+        </p:spPr>
+        <p:txBody>
+          <a:bodyPr>
+            <a:normAutofit fontScale="90000"/>
+          </a:bodyPr>
+          <a:lstStyle/>
+          <a:p>
+            <a:pPr algn="ctr"/>
+            <a:r>
+              <a:rPr lang="en-US" dirty="0">
+                <a:latin typeface="Arial" panose="020B0604020202020204" pitchFamily="34" charset="0"/>
+                <a:cs typeface="Arial" panose="020B0604020202020204" pitchFamily="34" charset="0"/>
+              </a:rPr>
+              <a:t>Why the data is different across direction?</a:t>
+            </a:r>
+          </a:p>
+        </p:txBody>
+      </p:sp>
+      <p:sp>
+        <p:nvSpPr>
+          <p:cNvPr id="3" name="コンテンツ プレースホルダー 2">
+            <a:extLst>
+              <a:ext uri="{FF2B5EF4-FFF2-40B4-BE49-F238E27FC236}">
+                <a16:creationId xmlns:a16="http://schemas.microsoft.com/office/drawing/2014/main" id="{53C1E971-4386-CE03-291B-95136168D0B5}"/>
+              </a:ext>
+            </a:extLst>
+          </p:cNvPr>
+          <p:cNvSpPr>
+            <a:spLocks noGrp="1"/>
+          </p:cNvSpPr>
+          <p:nvPr>
+            <p:ph idx="1"/>
+          </p:nvPr>
+        </p:nvSpPr>
+        <p:spPr>
+          <a:xfrm>
+            <a:off x="239210" y="681038"/>
+            <a:ext cx="11713580" cy="5967289"/>
+          </a:xfrm>
+        </p:spPr>
+        <p:txBody>
+          <a:bodyPr/>
+          <a:lstStyle/>
+          <a:p>
+            <a:pPr marL="514350" indent="-514350">
+              <a:buAutoNum type="arabicPeriod"/>
+            </a:pPr>
+            <a:endParaRPr lang="en-US" dirty="0">
+              <a:latin typeface="Arial" panose="020B0604020202020204" pitchFamily="34" charset="0"/>
+              <a:cs typeface="Arial" panose="020B0604020202020204" pitchFamily="34" charset="0"/>
+            </a:endParaRPr>
+          </a:p>
+        </p:txBody>
+      </p:sp>
+    </p:spTree>
+    <p:extLst>
+      <p:ext uri="{BB962C8B-B14F-4D97-AF65-F5344CB8AC3E}">
+        <p14:creationId xmlns:p14="http://schemas.microsoft.com/office/powerpoint/2010/main" val="3933156990"/>
+      </p:ext>
+    </p:extLst>
+  </p:cSld>
+  <p:clrMapOvr>
+    <a:masterClrMapping/>
+  </p:clrMapOvr>
+</p:sld>
+</file>
+
+<file path=ppt/slides/slide7.xml><?xml version="1.0" encoding="utf-8"?>
+<p:sld xmlns:a="http://schemas.openxmlformats.org/drawingml/2006/main" xmlns:r="http://schemas.openxmlformats.org/officeDocument/2006/relationships" xmlns:p="http://schemas.openxmlformats.org/presentationml/2006/main">
+  <p:cSld>
+    <p:spTree>
+      <p:nvGrpSpPr>
+        <p:cNvPr id="1" name=""/>
+        <p:cNvGrpSpPr/>
+        <p:nvPr/>
+      </p:nvGrpSpPr>
+      <p:grpSpPr>
+        <a:xfrm>
+          <a:off x="0" y="0"/>
+          <a:ext cx="0" cy="0"/>
+          <a:chOff x="0" y="0"/>
+          <a:chExt cx="0" cy="0"/>
+        </a:xfrm>
+      </p:grpSpPr>
+      <p:sp>
+        <p:nvSpPr>
+          <p:cNvPr id="2" name="タイトル 1">
+            <a:extLst>
+              <a:ext uri="{FF2B5EF4-FFF2-40B4-BE49-F238E27FC236}">
+                <a16:creationId xmlns:a16="http://schemas.microsoft.com/office/drawing/2014/main" id="{2998B0D2-E6C1-90DC-AD00-FC5E4AC67CF9}"/>
+              </a:ext>
+            </a:extLst>
+          </p:cNvPr>
+          <p:cNvSpPr>
+            <a:spLocks noGrp="1"/>
+          </p:cNvSpPr>
+          <p:nvPr>
+            <p:ph type="title"/>
+          </p:nvPr>
+        </p:nvSpPr>
+        <p:spPr>
+          <a:xfrm>
+            <a:off x="0" y="18256"/>
+            <a:ext cx="12192000" cy="662782"/>
+          </a:xfrm>
+        </p:spPr>
+        <p:txBody>
+          <a:bodyPr>
+            <a:normAutofit fontScale="90000"/>
+          </a:bodyPr>
+          <a:lstStyle/>
+          <a:p>
+            <a:pPr algn="ctr"/>
+            <a:r>
+              <a:rPr lang="en-US" dirty="0">
+                <a:latin typeface="Arial" panose="020B0604020202020204" pitchFamily="34" charset="0"/>
+                <a:cs typeface="Arial" panose="020B0604020202020204" pitchFamily="34" charset="0"/>
+              </a:rPr>
+              <a:t>What happen in total</a:t>
+            </a:r>
+          </a:p>
+        </p:txBody>
+      </p:sp>
+      <p:sp>
+        <p:nvSpPr>
+          <p:cNvPr id="3" name="コンテンツ プレースホルダー 2">
+            <a:extLst>
+              <a:ext uri="{FF2B5EF4-FFF2-40B4-BE49-F238E27FC236}">
+                <a16:creationId xmlns:a16="http://schemas.microsoft.com/office/drawing/2014/main" id="{53C1E971-4386-CE03-291B-95136168D0B5}"/>
+              </a:ext>
+            </a:extLst>
+          </p:cNvPr>
+          <p:cNvSpPr>
+            <a:spLocks noGrp="1"/>
+          </p:cNvSpPr>
+          <p:nvPr>
+            <p:ph idx="1"/>
+          </p:nvPr>
+        </p:nvSpPr>
+        <p:spPr>
+          <a:xfrm>
+            <a:off x="239210" y="681038"/>
+            <a:ext cx="11713580" cy="5967289"/>
+          </a:xfrm>
+        </p:spPr>
+        <p:txBody>
+          <a:bodyPr/>
+          <a:lstStyle/>
+          <a:p>
+            <a:pPr marL="514350" indent="-514350">
+              <a:buAutoNum type="arabicPeriod"/>
+            </a:pPr>
+            <a:endParaRPr lang="en-US" dirty="0">
+              <a:latin typeface="Arial" panose="020B0604020202020204" pitchFamily="34" charset="0"/>
+              <a:cs typeface="Arial" panose="020B0604020202020204" pitchFamily="34" charset="0"/>
+            </a:endParaRPr>
+          </a:p>
+        </p:txBody>
+      </p:sp>
+    </p:spTree>
+    <p:extLst>
+      <p:ext uri="{BB962C8B-B14F-4D97-AF65-F5344CB8AC3E}">
+        <p14:creationId xmlns:p14="http://schemas.microsoft.com/office/powerpoint/2010/main" val="1113117286"/>
+      </p:ext>
+    </p:extLst>
+  </p:cSld>
+  <p:clrMapOvr>
+    <a:masterClrMapping/>
+  </p:clrMapOvr>
+</p:sld>
+</file>
+
+<file path=ppt/slides/slide8.xml><?xml version="1.0" encoding="utf-8"?>
+<p:sld xmlns:a="http://schemas.openxmlformats.org/drawingml/2006/main" xmlns:r="http://schemas.openxmlformats.org/officeDocument/2006/relationships" xmlns:p="http://schemas.openxmlformats.org/presentationml/2006/main">
+  <p:cSld>
+    <p:spTree>
+      <p:nvGrpSpPr>
+        <p:cNvPr id="1" name=""/>
+        <p:cNvGrpSpPr/>
+        <p:nvPr/>
+      </p:nvGrpSpPr>
+      <p:grpSpPr>
+        <a:xfrm>
+          <a:off x="0" y="0"/>
+          <a:ext cx="0" cy="0"/>
+          <a:chOff x="0" y="0"/>
+          <a:chExt cx="0" cy="0"/>
+        </a:xfrm>
+      </p:grpSpPr>
+      <p:sp>
+        <p:nvSpPr>
+          <p:cNvPr id="2" name="タイトル 1">
+            <a:extLst>
+              <a:ext uri="{FF2B5EF4-FFF2-40B4-BE49-F238E27FC236}">
+                <a16:creationId xmlns:a16="http://schemas.microsoft.com/office/drawing/2014/main" id="{2998B0D2-E6C1-90DC-AD00-FC5E4AC67CF9}"/>
+              </a:ext>
+            </a:extLst>
+          </p:cNvPr>
+          <p:cNvSpPr>
+            <a:spLocks noGrp="1"/>
+          </p:cNvSpPr>
+          <p:nvPr>
+            <p:ph type="title"/>
+          </p:nvPr>
+        </p:nvSpPr>
+        <p:spPr>
+          <a:xfrm>
+            <a:off x="0" y="18256"/>
+            <a:ext cx="12192000" cy="662782"/>
+          </a:xfrm>
+        </p:spPr>
+        <p:txBody>
+          <a:bodyPr>
+            <a:normAutofit fontScale="90000"/>
+          </a:bodyPr>
+          <a:lstStyle/>
+          <a:p>
+            <a:pPr algn="ctr"/>
+            <a:r>
+              <a:rPr lang="en-US" dirty="0">
+                <a:latin typeface="Arial" panose="020B0604020202020204" pitchFamily="34" charset="0"/>
+                <a:cs typeface="Arial" panose="020B0604020202020204" pitchFamily="34" charset="0"/>
+              </a:rPr>
+              <a:t>EMG basis “Choking Under Pressure”</a:t>
+            </a:r>
+          </a:p>
+        </p:txBody>
+      </p:sp>
+      <p:sp>
+        <p:nvSpPr>
+          <p:cNvPr id="3" name="コンテンツ プレースホルダー 2">
+            <a:extLst>
+              <a:ext uri="{FF2B5EF4-FFF2-40B4-BE49-F238E27FC236}">
+                <a16:creationId xmlns:a16="http://schemas.microsoft.com/office/drawing/2014/main" id="{53C1E971-4386-CE03-291B-95136168D0B5}"/>
+              </a:ext>
+            </a:extLst>
+          </p:cNvPr>
+          <p:cNvSpPr>
+            <a:spLocks noGrp="1"/>
+          </p:cNvSpPr>
+          <p:nvPr>
+            <p:ph idx="1"/>
+          </p:nvPr>
+        </p:nvSpPr>
+        <p:spPr>
+          <a:xfrm>
+            <a:off x="239210" y="681038"/>
+            <a:ext cx="11713580" cy="5967289"/>
+          </a:xfrm>
+        </p:spPr>
+        <p:txBody>
+          <a:bodyPr/>
+          <a:lstStyle/>
+          <a:p>
+            <a:pPr marL="0" indent="0">
+              <a:buNone/>
+            </a:pPr>
+            <a:r>
+              <a:rPr lang="en-US" dirty="0">
+                <a:latin typeface="Arial" panose="020B0604020202020204" pitchFamily="34" charset="0"/>
+                <a:cs typeface="Arial" panose="020B0604020202020204" pitchFamily="34" charset="0"/>
+              </a:rPr>
+              <a:t>Questions</a:t>
+            </a:r>
+          </a:p>
+          <a:p>
+            <a:pPr marL="514350" indent="-514350">
+              <a:buAutoNum type="arabicPeriod"/>
+            </a:pPr>
+            <a:r>
+              <a:rPr lang="en-US" dirty="0">
+                <a:latin typeface="Arial" panose="020B0604020202020204" pitchFamily="34" charset="0"/>
+                <a:cs typeface="Arial" panose="020B0604020202020204" pitchFamily="34" charset="0"/>
+              </a:rPr>
+              <a:t>Reward Axis at holding time might be the result of co-contraction</a:t>
+            </a:r>
+          </a:p>
+          <a:p>
+            <a:pPr marL="514350" indent="-514350">
+              <a:buFont typeface="Arial" panose="020B0604020202020204" pitchFamily="34" charset="0"/>
+              <a:buAutoNum type="arabicPeriod"/>
+            </a:pPr>
+            <a:r>
+              <a:rPr lang="en-US" altLang="ja-JP" dirty="0">
+                <a:solidFill>
+                  <a:schemeClr val="accent1"/>
+                </a:solidFill>
+                <a:latin typeface="Arial" panose="020B0604020202020204" pitchFamily="34" charset="0"/>
+                <a:cs typeface="Arial" panose="020B0604020202020204" pitchFamily="34" charset="0"/>
+              </a:rPr>
+              <a:t>Slower reach which cause undershoot might be related to EMG activation</a:t>
+            </a:r>
+            <a:endParaRPr lang="en-US" dirty="0">
+              <a:solidFill>
+                <a:schemeClr val="accent1"/>
+              </a:solidFill>
+              <a:latin typeface="Arial" panose="020B0604020202020204" pitchFamily="34" charset="0"/>
+              <a:cs typeface="Arial" panose="020B0604020202020204" pitchFamily="34" charset="0"/>
+            </a:endParaRPr>
+          </a:p>
+          <a:p>
+            <a:pPr marL="514350" indent="-514350">
+              <a:buAutoNum type="arabicPeriod"/>
+            </a:pPr>
+            <a:endParaRPr lang="en-US" dirty="0">
+              <a:latin typeface="Arial" panose="020B0604020202020204" pitchFamily="34" charset="0"/>
+              <a:cs typeface="Arial" panose="020B0604020202020204" pitchFamily="34" charset="0"/>
+            </a:endParaRPr>
+          </a:p>
+          <a:p>
+            <a:pPr marL="514350" indent="-514350">
+              <a:buAutoNum type="arabicPeriod"/>
+            </a:pPr>
+            <a:endParaRPr lang="en-US" dirty="0">
+              <a:latin typeface="Arial" panose="020B0604020202020204" pitchFamily="34" charset="0"/>
+              <a:cs typeface="Arial" panose="020B0604020202020204" pitchFamily="34" charset="0"/>
+            </a:endParaRPr>
+          </a:p>
+        </p:txBody>
+      </p:sp>
+    </p:spTree>
+    <p:extLst>
+      <p:ext uri="{BB962C8B-B14F-4D97-AF65-F5344CB8AC3E}">
+        <p14:creationId xmlns:p14="http://schemas.microsoft.com/office/powerpoint/2010/main" val="2556473862"/>
+      </p:ext>
+    </p:extLst>
+  </p:cSld>
+  <p:clrMapOvr>
+    <a:masterClrMapping/>
+  </p:clrMapOvr>
+</p:sld>
+</file>
+
+<file path=ppt/slides/slide9.xml><?xml version="1.0" encoding="utf-8"?>
+<p:sld xmlns:a="http://schemas.openxmlformats.org/drawingml/2006/main" xmlns:r="http://schemas.openxmlformats.org/officeDocument/2006/relationships" xmlns:p="http://schemas.openxmlformats.org/presentationml/2006/main">
+  <p:cSld>
+    <p:spTree>
+      <p:nvGrpSpPr>
+        <p:cNvPr id="1" name=""/>
+        <p:cNvGrpSpPr/>
+        <p:nvPr/>
+      </p:nvGrpSpPr>
+      <p:grpSpPr>
+        <a:xfrm>
+          <a:off x="0" y="0"/>
+          <a:ext cx="0" cy="0"/>
+          <a:chOff x="0" y="0"/>
+          <a:chExt cx="0" cy="0"/>
+        </a:xfrm>
+      </p:grpSpPr>
+      <p:sp>
+        <p:nvSpPr>
+          <p:cNvPr id="2" name="タイトル 1">
+            <a:extLst>
+              <a:ext uri="{FF2B5EF4-FFF2-40B4-BE49-F238E27FC236}">
+                <a16:creationId xmlns:a16="http://schemas.microsoft.com/office/drawing/2014/main" id="{2998B0D2-E6C1-90DC-AD00-FC5E4AC67CF9}"/>
+              </a:ext>
+            </a:extLst>
+          </p:cNvPr>
+          <p:cNvSpPr>
+            <a:spLocks noGrp="1"/>
+          </p:cNvSpPr>
+          <p:nvPr>
+            <p:ph type="title"/>
+          </p:nvPr>
+        </p:nvSpPr>
+        <p:spPr>
+          <a:xfrm>
+            <a:off x="0" y="18256"/>
+            <a:ext cx="12192000" cy="662782"/>
+          </a:xfrm>
+        </p:spPr>
+        <p:txBody>
+          <a:bodyPr>
+            <a:normAutofit fontScale="90000"/>
+          </a:bodyPr>
+          <a:lstStyle/>
+          <a:p>
+            <a:pPr algn="ctr"/>
+            <a:r>
+              <a:rPr lang="en-US" dirty="0">
+                <a:latin typeface="Arial" panose="020B0604020202020204" pitchFamily="34" charset="0"/>
+                <a:cs typeface="Arial" panose="020B0604020202020204" pitchFamily="34" charset="0"/>
+              </a:rPr>
+              <a:t>The EMG at top speed is also affected by choking</a:t>
+            </a:r>
+          </a:p>
+        </p:txBody>
+      </p:sp>
+      <p:sp>
+        <p:nvSpPr>
+          <p:cNvPr id="3" name="コンテンツ プレースホルダー 2">
+            <a:extLst>
+              <a:ext uri="{FF2B5EF4-FFF2-40B4-BE49-F238E27FC236}">
+                <a16:creationId xmlns:a16="http://schemas.microsoft.com/office/drawing/2014/main" id="{53C1E971-4386-CE03-291B-95136168D0B5}"/>
+              </a:ext>
+            </a:extLst>
+          </p:cNvPr>
+          <p:cNvSpPr>
+            <a:spLocks noGrp="1"/>
+          </p:cNvSpPr>
+          <p:nvPr>
+            <p:ph idx="1"/>
+          </p:nvPr>
+        </p:nvSpPr>
+        <p:spPr>
+          <a:xfrm>
+            <a:off x="239210" y="681038"/>
+            <a:ext cx="5606005" cy="5967289"/>
+          </a:xfrm>
+        </p:spPr>
+        <p:txBody>
+          <a:bodyPr/>
+          <a:lstStyle/>
+          <a:p>
+            <a:pPr marL="514350" indent="-514350">
+              <a:buAutoNum type="arabicPeriod"/>
+            </a:pPr>
+            <a:r>
+              <a:rPr lang="en-US" dirty="0">
+                <a:latin typeface="Arial" panose="020B0604020202020204" pitchFamily="34" charset="0"/>
+                <a:cs typeface="Arial" panose="020B0604020202020204" pitchFamily="34" charset="0"/>
+              </a:rPr>
+              <a:t>Method</a:t>
+            </a:r>
+          </a:p>
+        </p:txBody>
+      </p:sp>
+    </p:spTree>
+    <p:extLst>
+      <p:ext uri="{BB962C8B-B14F-4D97-AF65-F5344CB8AC3E}">
+        <p14:creationId xmlns:p14="http://schemas.microsoft.com/office/powerpoint/2010/main" val="618549544"/>
       </p:ext>
     </p:extLst>
   </p:cSld>

--- a/report/20220902.pptx
+++ b/report/20220902.pptx
@@ -9,12 +9,17 @@
     <p:sldId id="257" r:id="rId3"/>
     <p:sldId id="258" r:id="rId4"/>
     <p:sldId id="259" r:id="rId5"/>
-    <p:sldId id="260" r:id="rId6"/>
+    <p:sldId id="270" r:id="rId6"/>
     <p:sldId id="261" r:id="rId7"/>
-    <p:sldId id="263" r:id="rId8"/>
-    <p:sldId id="265" r:id="rId9"/>
-    <p:sldId id="264" r:id="rId10"/>
-    <p:sldId id="262" r:id="rId11"/>
+    <p:sldId id="269" r:id="rId8"/>
+    <p:sldId id="268" r:id="rId9"/>
+    <p:sldId id="271" r:id="rId10"/>
+    <p:sldId id="264" r:id="rId11"/>
+    <p:sldId id="262" r:id="rId12"/>
+    <p:sldId id="267" r:id="rId13"/>
+    <p:sldId id="260" r:id="rId14"/>
+    <p:sldId id="266" r:id="rId15"/>
+    <p:sldId id="263" r:id="rId16"/>
   </p:sldIdLst>
   <p:sldSz cx="12192000" cy="6858000"/>
   <p:notesSz cx="6858000" cy="9144000"/>
@@ -270,7 +275,7 @@
           <a:p>
             <a:fld id="{4EDEA0A8-6068-4458-8F47-5E669EA4839C}" type="datetimeFigureOut">
               <a:rPr lang="en-US" smtClean="0"/>
-              <a:t>8/30/22</a:t>
+              <a:t>9/1/22</a:t>
             </a:fld>
             <a:endParaRPr lang="en-US"/>
           </a:p>
@@ -502,7 +507,7 @@
           <a:p>
             <a:fld id="{4EDEA0A8-6068-4458-8F47-5E669EA4839C}" type="datetimeFigureOut">
               <a:rPr lang="en-US" smtClean="0"/>
-              <a:t>8/30/22</a:t>
+              <a:t>9/1/22</a:t>
             </a:fld>
             <a:endParaRPr lang="en-US"/>
           </a:p>
@@ -744,7 +749,7 @@
           <a:p>
             <a:fld id="{4EDEA0A8-6068-4458-8F47-5E669EA4839C}" type="datetimeFigureOut">
               <a:rPr lang="en-US" smtClean="0"/>
-              <a:t>8/30/22</a:t>
+              <a:t>9/1/22</a:t>
             </a:fld>
             <a:endParaRPr lang="en-US"/>
           </a:p>
@@ -976,7 +981,7 @@
           <a:p>
             <a:fld id="{4EDEA0A8-6068-4458-8F47-5E669EA4839C}" type="datetimeFigureOut">
               <a:rPr lang="en-US" smtClean="0"/>
-              <a:t>8/30/22</a:t>
+              <a:t>9/1/22</a:t>
             </a:fld>
             <a:endParaRPr lang="en-US"/>
           </a:p>
@@ -1252,7 +1257,7 @@
           <a:p>
             <a:fld id="{4EDEA0A8-6068-4458-8F47-5E669EA4839C}" type="datetimeFigureOut">
               <a:rPr lang="en-US" smtClean="0"/>
-              <a:t>8/30/22</a:t>
+              <a:t>9/1/22</a:t>
             </a:fld>
             <a:endParaRPr lang="en-US"/>
           </a:p>
@@ -1584,7 +1589,7 @@
           <a:p>
             <a:fld id="{4EDEA0A8-6068-4458-8F47-5E669EA4839C}" type="datetimeFigureOut">
               <a:rPr lang="en-US" smtClean="0"/>
-              <a:t>8/30/22</a:t>
+              <a:t>9/1/22</a:t>
             </a:fld>
             <a:endParaRPr lang="en-US"/>
           </a:p>
@@ -2063,7 +2068,7 @@
           <a:p>
             <a:fld id="{4EDEA0A8-6068-4458-8F47-5E669EA4839C}" type="datetimeFigureOut">
               <a:rPr lang="en-US" smtClean="0"/>
-              <a:t>8/30/22</a:t>
+              <a:t>9/1/22</a:t>
             </a:fld>
             <a:endParaRPr lang="en-US"/>
           </a:p>
@@ -2205,7 +2210,7 @@
           <a:p>
             <a:fld id="{4EDEA0A8-6068-4458-8F47-5E669EA4839C}" type="datetimeFigureOut">
               <a:rPr lang="en-US" smtClean="0"/>
-              <a:t>8/30/22</a:t>
+              <a:t>9/1/22</a:t>
             </a:fld>
             <a:endParaRPr lang="en-US"/>
           </a:p>
@@ -2318,7 +2323,7 @@
           <a:p>
             <a:fld id="{4EDEA0A8-6068-4458-8F47-5E669EA4839C}" type="datetimeFigureOut">
               <a:rPr lang="en-US" smtClean="0"/>
-              <a:t>8/30/22</a:t>
+              <a:t>9/1/22</a:t>
             </a:fld>
             <a:endParaRPr lang="en-US"/>
           </a:p>
@@ -2663,7 +2668,7 @@
           <a:p>
             <a:fld id="{4EDEA0A8-6068-4458-8F47-5E669EA4839C}" type="datetimeFigureOut">
               <a:rPr lang="en-US" smtClean="0"/>
-              <a:t>8/30/22</a:t>
+              <a:t>9/1/22</a:t>
             </a:fld>
             <a:endParaRPr lang="en-US"/>
           </a:p>
@@ -2952,7 +2957,7 @@
           <a:p>
             <a:fld id="{4EDEA0A8-6068-4458-8F47-5E669EA4839C}" type="datetimeFigureOut">
               <a:rPr lang="en-US" smtClean="0"/>
-              <a:t>8/30/22</a:t>
+              <a:t>9/1/22</a:t>
             </a:fld>
             <a:endParaRPr lang="en-US"/>
           </a:p>
@@ -3227,7 +3232,7 @@
           <a:p>
             <a:fld id="{4EDEA0A8-6068-4458-8F47-5E669EA4839C}" type="datetimeFigureOut">
               <a:rPr lang="en-US" smtClean="0"/>
-              <a:t>8/30/22</a:t>
+              <a:t>9/1/22</a:t>
             </a:fld>
             <a:endParaRPr lang="en-US"/>
           </a:p>
@@ -3770,6 +3775,114 @@
                 <a:latin typeface="Arial" panose="020B0604020202020204" pitchFamily="34" charset="0"/>
                 <a:cs typeface="Arial" panose="020B0604020202020204" pitchFamily="34" charset="0"/>
               </a:rPr>
+              <a:t>The EMG at top speed is also affected by choking</a:t>
+            </a:r>
+          </a:p>
+        </p:txBody>
+      </p:sp>
+      <p:sp>
+        <p:nvSpPr>
+          <p:cNvPr id="3" name="コンテンツ プレースホルダー 2">
+            <a:extLst>
+              <a:ext uri="{FF2B5EF4-FFF2-40B4-BE49-F238E27FC236}">
+                <a16:creationId xmlns:a16="http://schemas.microsoft.com/office/drawing/2014/main" id="{53C1E971-4386-CE03-291B-95136168D0B5}"/>
+              </a:ext>
+            </a:extLst>
+          </p:cNvPr>
+          <p:cNvSpPr>
+            <a:spLocks noGrp="1"/>
+          </p:cNvSpPr>
+          <p:nvPr>
+            <p:ph idx="1"/>
+          </p:nvPr>
+        </p:nvSpPr>
+        <p:spPr>
+          <a:xfrm>
+            <a:off x="239210" y="681038"/>
+            <a:ext cx="5606005" cy="5967289"/>
+          </a:xfrm>
+        </p:spPr>
+        <p:txBody>
+          <a:bodyPr/>
+          <a:lstStyle/>
+          <a:p>
+            <a:pPr marL="514350" indent="-514350">
+              <a:buAutoNum type="arabicPeriod"/>
+            </a:pPr>
+            <a:r>
+              <a:rPr lang="en-US" dirty="0">
+                <a:latin typeface="Arial" panose="020B0604020202020204" pitchFamily="34" charset="0"/>
+                <a:cs typeface="Arial" panose="020B0604020202020204" pitchFamily="34" charset="0"/>
+              </a:rPr>
+              <a:t>Method</a:t>
+            </a:r>
+          </a:p>
+        </p:txBody>
+      </p:sp>
+    </p:spTree>
+    <p:extLst>
+      <p:ext uri="{BB962C8B-B14F-4D97-AF65-F5344CB8AC3E}">
+        <p14:creationId xmlns:p14="http://schemas.microsoft.com/office/powerpoint/2010/main" val="618549544"/>
+      </p:ext>
+    </p:extLst>
+  </p:cSld>
+  <p:clrMapOvr>
+    <a:masterClrMapping/>
+  </p:clrMapOvr>
+</p:sld>
+</file>
+
+<file path=ppt/slides/slide11.xml><?xml version="1.0" encoding="utf-8"?>
+<p:sld xmlns:a="http://schemas.openxmlformats.org/drawingml/2006/main" xmlns:r="http://schemas.openxmlformats.org/officeDocument/2006/relationships" xmlns:p="http://schemas.openxmlformats.org/presentationml/2006/main">
+  <p:cSld>
+    <p:spTree>
+      <p:nvGrpSpPr>
+        <p:cNvPr id="1" name=""/>
+        <p:cNvGrpSpPr/>
+        <p:nvPr/>
+      </p:nvGrpSpPr>
+      <p:grpSpPr>
+        <a:xfrm>
+          <a:off x="0" y="0"/>
+          <a:ext cx="0" cy="0"/>
+          <a:chOff x="0" y="0"/>
+          <a:chExt cx="0" cy="0"/>
+        </a:xfrm>
+      </p:grpSpPr>
+      <p:sp>
+        <p:nvSpPr>
+          <p:cNvPr id="2" name="タイトル 1">
+            <a:extLst>
+              <a:ext uri="{FF2B5EF4-FFF2-40B4-BE49-F238E27FC236}">
+                <a16:creationId xmlns:a16="http://schemas.microsoft.com/office/drawing/2014/main" id="{2998B0D2-E6C1-90DC-AD00-FC5E4AC67CF9}"/>
+              </a:ext>
+            </a:extLst>
+          </p:cNvPr>
+          <p:cNvSpPr>
+            <a:spLocks noGrp="1"/>
+          </p:cNvSpPr>
+          <p:nvPr>
+            <p:ph type="title"/>
+          </p:nvPr>
+        </p:nvSpPr>
+        <p:spPr>
+          <a:xfrm>
+            <a:off x="0" y="18256"/>
+            <a:ext cx="12192000" cy="662782"/>
+          </a:xfrm>
+        </p:spPr>
+        <p:txBody>
+          <a:bodyPr>
+            <a:normAutofit fontScale="90000"/>
+          </a:bodyPr>
+          <a:lstStyle/>
+          <a:p>
+            <a:pPr algn="ctr"/>
+            <a:r>
+              <a:rPr lang="en-US" dirty="0">
+                <a:latin typeface="Arial" panose="020B0604020202020204" pitchFamily="34" charset="0"/>
+                <a:cs typeface="Arial" panose="020B0604020202020204" pitchFamily="34" charset="0"/>
+              </a:rPr>
               <a:t>Why the data is different across direction?</a:t>
             </a:r>
           </a:p>
@@ -3815,6 +3928,3273 @@
     <p:extLst>
       <p:ext uri="{BB962C8B-B14F-4D97-AF65-F5344CB8AC3E}">
         <p14:creationId xmlns:p14="http://schemas.microsoft.com/office/powerpoint/2010/main" val="2753984367"/>
+      </p:ext>
+    </p:extLst>
+  </p:cSld>
+  <p:clrMapOvr>
+    <a:masterClrMapping/>
+  </p:clrMapOvr>
+</p:sld>
+</file>
+
+<file path=ppt/slides/slide12.xml><?xml version="1.0" encoding="utf-8"?>
+<p:sld xmlns:a="http://schemas.openxmlformats.org/drawingml/2006/main" xmlns:r="http://schemas.openxmlformats.org/officeDocument/2006/relationships" xmlns:p="http://schemas.openxmlformats.org/presentationml/2006/main">
+  <p:cSld>
+    <p:spTree>
+      <p:nvGrpSpPr>
+        <p:cNvPr id="1" name=""/>
+        <p:cNvGrpSpPr/>
+        <p:nvPr/>
+      </p:nvGrpSpPr>
+      <p:grpSpPr>
+        <a:xfrm>
+          <a:off x="0" y="0"/>
+          <a:ext cx="0" cy="0"/>
+          <a:chOff x="0" y="0"/>
+          <a:chExt cx="0" cy="0"/>
+        </a:xfrm>
+      </p:grpSpPr>
+      <p:sp>
+        <p:nvSpPr>
+          <p:cNvPr id="3" name="コンテンツ プレースホルダー 2">
+            <a:extLst>
+              <a:ext uri="{FF2B5EF4-FFF2-40B4-BE49-F238E27FC236}">
+                <a16:creationId xmlns:a16="http://schemas.microsoft.com/office/drawing/2014/main" id="{53C1E971-4386-CE03-291B-95136168D0B5}"/>
+              </a:ext>
+            </a:extLst>
+          </p:cNvPr>
+          <p:cNvSpPr>
+            <a:spLocks noGrp="1"/>
+          </p:cNvSpPr>
+          <p:nvPr>
+            <p:ph idx="1"/>
+          </p:nvPr>
+        </p:nvSpPr>
+        <p:spPr>
+          <a:xfrm>
+            <a:off x="239210" y="2206905"/>
+            <a:ext cx="11713580" cy="2444189"/>
+          </a:xfrm>
+        </p:spPr>
+        <p:txBody>
+          <a:bodyPr anchor="ctr">
+            <a:normAutofit/>
+          </a:bodyPr>
+          <a:lstStyle/>
+          <a:p>
+            <a:pPr marL="0" indent="0" algn="ctr">
+              <a:buNone/>
+            </a:pPr>
+            <a:r>
+              <a:rPr lang="en-US" sz="6000" b="1" dirty="0">
+                <a:latin typeface="Arial" panose="020B0604020202020204" pitchFamily="34" charset="0"/>
+                <a:cs typeface="Arial" panose="020B0604020202020204" pitchFamily="34" charset="0"/>
+              </a:rPr>
+              <a:t>Appendix</a:t>
+            </a:r>
+          </a:p>
+        </p:txBody>
+      </p:sp>
+    </p:spTree>
+    <p:extLst>
+      <p:ext uri="{BB962C8B-B14F-4D97-AF65-F5344CB8AC3E}">
+        <p14:creationId xmlns:p14="http://schemas.microsoft.com/office/powerpoint/2010/main" val="2188290782"/>
+      </p:ext>
+    </p:extLst>
+  </p:cSld>
+  <p:clrMapOvr>
+    <a:masterClrMapping/>
+  </p:clrMapOvr>
+</p:sld>
+</file>
+
+<file path=ppt/slides/slide13.xml><?xml version="1.0" encoding="utf-8"?>
+<p:sld xmlns:a="http://schemas.openxmlformats.org/drawingml/2006/main" xmlns:r="http://schemas.openxmlformats.org/officeDocument/2006/relationships" xmlns:p="http://schemas.openxmlformats.org/presentationml/2006/main">
+  <p:cSld>
+    <p:spTree>
+      <p:nvGrpSpPr>
+        <p:cNvPr id="1" name=""/>
+        <p:cNvGrpSpPr/>
+        <p:nvPr/>
+      </p:nvGrpSpPr>
+      <p:grpSpPr>
+        <a:xfrm>
+          <a:off x="0" y="0"/>
+          <a:ext cx="0" cy="0"/>
+          <a:chOff x="0" y="0"/>
+          <a:chExt cx="0" cy="0"/>
+        </a:xfrm>
+      </p:grpSpPr>
+      <p:sp>
+        <p:nvSpPr>
+          <p:cNvPr id="2" name="タイトル 1">
+            <a:extLst>
+              <a:ext uri="{FF2B5EF4-FFF2-40B4-BE49-F238E27FC236}">
+                <a16:creationId xmlns:a16="http://schemas.microsoft.com/office/drawing/2014/main" id="{2998B0D2-E6C1-90DC-AD00-FC5E4AC67CF9}"/>
+              </a:ext>
+            </a:extLst>
+          </p:cNvPr>
+          <p:cNvSpPr>
+            <a:spLocks noGrp="1"/>
+          </p:cNvSpPr>
+          <p:nvPr>
+            <p:ph type="title"/>
+          </p:nvPr>
+        </p:nvSpPr>
+        <p:spPr>
+          <a:xfrm>
+            <a:off x="0" y="18256"/>
+            <a:ext cx="12192000" cy="662782"/>
+          </a:xfrm>
+        </p:spPr>
+        <p:txBody>
+          <a:bodyPr>
+            <a:normAutofit fontScale="90000"/>
+          </a:bodyPr>
+          <a:lstStyle/>
+          <a:p>
+            <a:pPr algn="ctr"/>
+            <a:r>
+              <a:rPr lang="en-US" b="1" dirty="0">
+                <a:latin typeface="Arial" panose="020B0604020202020204" pitchFamily="34" charset="0"/>
+                <a:cs typeface="Arial" panose="020B0604020202020204" pitchFamily="34" charset="0"/>
+              </a:rPr>
+              <a:t>The amount of datapoints of each condition</a:t>
+            </a:r>
+          </a:p>
+        </p:txBody>
+      </p:sp>
+      <p:graphicFrame>
+        <p:nvGraphicFramePr>
+          <p:cNvPr id="4" name="表 4">
+            <a:extLst>
+              <a:ext uri="{FF2B5EF4-FFF2-40B4-BE49-F238E27FC236}">
+                <a16:creationId xmlns:a16="http://schemas.microsoft.com/office/drawing/2014/main" id="{547F0640-0FE7-5886-5B13-22531EFC6387}"/>
+              </a:ext>
+            </a:extLst>
+          </p:cNvPr>
+          <p:cNvGraphicFramePr>
+            <a:graphicFrameLocks noGrp="1"/>
+          </p:cNvGraphicFramePr>
+          <p:nvPr>
+            <p:ph idx="1"/>
+          </p:nvPr>
+        </p:nvGraphicFramePr>
+        <p:xfrm>
+          <a:off x="830317" y="1825625"/>
+          <a:ext cx="10523484" cy="2586560"/>
+        </p:xfrm>
+        <a:graphic>
+          <a:graphicData uri="http://schemas.openxmlformats.org/drawingml/2006/table">
+            <a:tbl>
+              <a:tblPr firstRow="1" firstCol="1">
+                <a:tableStyleId>{F5AB1C69-6EDB-4FF4-983F-18BD219EF322}</a:tableStyleId>
+              </a:tblPr>
+              <a:tblGrid>
+                <a:gridCol w="1169276">
+                  <a:extLst>
+                    <a:ext uri="{9D8B030D-6E8A-4147-A177-3AD203B41FA5}">
+                      <a16:colId xmlns:a16="http://schemas.microsoft.com/office/drawing/2014/main" val="3181871482"/>
+                    </a:ext>
+                  </a:extLst>
+                </a:gridCol>
+                <a:gridCol w="1169276">
+                  <a:extLst>
+                    <a:ext uri="{9D8B030D-6E8A-4147-A177-3AD203B41FA5}">
+                      <a16:colId xmlns:a16="http://schemas.microsoft.com/office/drawing/2014/main" val="3188831379"/>
+                    </a:ext>
+                  </a:extLst>
+                </a:gridCol>
+                <a:gridCol w="1169276">
+                  <a:extLst>
+                    <a:ext uri="{9D8B030D-6E8A-4147-A177-3AD203B41FA5}">
+                      <a16:colId xmlns:a16="http://schemas.microsoft.com/office/drawing/2014/main" val="807073560"/>
+                    </a:ext>
+                  </a:extLst>
+                </a:gridCol>
+                <a:gridCol w="1169276">
+                  <a:extLst>
+                    <a:ext uri="{9D8B030D-6E8A-4147-A177-3AD203B41FA5}">
+                      <a16:colId xmlns:a16="http://schemas.microsoft.com/office/drawing/2014/main" val="59361020"/>
+                    </a:ext>
+                  </a:extLst>
+                </a:gridCol>
+                <a:gridCol w="1169276">
+                  <a:extLst>
+                    <a:ext uri="{9D8B030D-6E8A-4147-A177-3AD203B41FA5}">
+                      <a16:colId xmlns:a16="http://schemas.microsoft.com/office/drawing/2014/main" val="151821068"/>
+                    </a:ext>
+                  </a:extLst>
+                </a:gridCol>
+                <a:gridCol w="1169276">
+                  <a:extLst>
+                    <a:ext uri="{9D8B030D-6E8A-4147-A177-3AD203B41FA5}">
+                      <a16:colId xmlns:a16="http://schemas.microsoft.com/office/drawing/2014/main" val="3044087434"/>
+                    </a:ext>
+                  </a:extLst>
+                </a:gridCol>
+                <a:gridCol w="1169276">
+                  <a:extLst>
+                    <a:ext uri="{9D8B030D-6E8A-4147-A177-3AD203B41FA5}">
+                      <a16:colId xmlns:a16="http://schemas.microsoft.com/office/drawing/2014/main" val="3321186714"/>
+                    </a:ext>
+                  </a:extLst>
+                </a:gridCol>
+                <a:gridCol w="1169276">
+                  <a:extLst>
+                    <a:ext uri="{9D8B030D-6E8A-4147-A177-3AD203B41FA5}">
+                      <a16:colId xmlns:a16="http://schemas.microsoft.com/office/drawing/2014/main" val="2110933227"/>
+                    </a:ext>
+                  </a:extLst>
+                </a:gridCol>
+                <a:gridCol w="1169276">
+                  <a:extLst>
+                    <a:ext uri="{9D8B030D-6E8A-4147-A177-3AD203B41FA5}">
+                      <a16:colId xmlns:a16="http://schemas.microsoft.com/office/drawing/2014/main" val="379805547"/>
+                    </a:ext>
+                  </a:extLst>
+                </a:gridCol>
+              </a:tblGrid>
+              <a:tr h="360527">
+                <a:tc>
+                  <a:txBody>
+                    <a:bodyPr/>
+                    <a:lstStyle/>
+                    <a:p>
+                      <a:pPr algn="ctr"/>
+                      <a:endParaRPr kumimoji="1" lang="ja-JP" altLang="en-US"/>
+                    </a:p>
+                  </a:txBody>
+                  <a:tcPr anchor="ctr">
+                    <a:lnL w="12700" cap="flat" cmpd="sng" algn="ctr">
+                      <a:solidFill>
+                        <a:schemeClr val="tx1"/>
+                      </a:solidFill>
+                      <a:prstDash val="solid"/>
+                      <a:round/>
+                      <a:headEnd type="none" w="med" len="med"/>
+                      <a:tailEnd type="none" w="med" len="med"/>
+                    </a:lnL>
+                    <a:lnR w="12700" cap="flat" cmpd="sng" algn="ctr">
+                      <a:solidFill>
+                        <a:schemeClr val="tx1"/>
+                      </a:solidFill>
+                      <a:prstDash val="solid"/>
+                      <a:round/>
+                      <a:headEnd type="none" w="med" len="med"/>
+                      <a:tailEnd type="none" w="med" len="med"/>
+                    </a:lnR>
+                    <a:lnT w="12700" cap="flat" cmpd="sng" algn="ctr">
+                      <a:solidFill>
+                        <a:schemeClr val="tx1"/>
+                      </a:solidFill>
+                      <a:prstDash val="solid"/>
+                      <a:round/>
+                      <a:headEnd type="none" w="med" len="med"/>
+                      <a:tailEnd type="none" w="med" len="med"/>
+                    </a:lnT>
+                    <a:lnB w="12700" cap="flat" cmpd="sng" algn="ctr">
+                      <a:solidFill>
+                        <a:schemeClr val="tx1"/>
+                      </a:solidFill>
+                      <a:prstDash val="solid"/>
+                      <a:round/>
+                      <a:headEnd type="none" w="med" len="med"/>
+                      <a:tailEnd type="none" w="med" len="med"/>
+                    </a:lnB>
+                    <a:solidFill>
+                      <a:schemeClr val="bg1">
+                        <a:lumMod val="85000"/>
+                      </a:schemeClr>
+                    </a:solidFill>
+                  </a:tcPr>
+                </a:tc>
+                <a:tc>
+                  <a:txBody>
+                    <a:bodyPr/>
+                    <a:lstStyle/>
+                    <a:p>
+                      <a:pPr algn="ctr"/>
+                      <a:r>
+                        <a:rPr kumimoji="1" lang="en-US" altLang="ja-JP" dirty="0">
+                          <a:solidFill>
+                            <a:schemeClr val="tx1"/>
+                          </a:solidFill>
+                        </a:rPr>
+                        <a:t>0</a:t>
+                      </a:r>
+                      <a:endParaRPr kumimoji="1" lang="ja-JP" altLang="en-US">
+                        <a:solidFill>
+                          <a:schemeClr val="tx1"/>
+                        </a:solidFill>
+                      </a:endParaRPr>
+                    </a:p>
+                  </a:txBody>
+                  <a:tcPr anchor="ctr">
+                    <a:lnL w="12700" cap="flat" cmpd="sng" algn="ctr">
+                      <a:solidFill>
+                        <a:schemeClr val="tx1"/>
+                      </a:solidFill>
+                      <a:prstDash val="solid"/>
+                      <a:round/>
+                      <a:headEnd type="none" w="med" len="med"/>
+                      <a:tailEnd type="none" w="med" len="med"/>
+                    </a:lnL>
+                    <a:lnR w="12700" cap="flat" cmpd="sng" algn="ctr">
+                      <a:solidFill>
+                        <a:schemeClr val="tx1"/>
+                      </a:solidFill>
+                      <a:prstDash val="solid"/>
+                      <a:round/>
+                      <a:headEnd type="none" w="med" len="med"/>
+                      <a:tailEnd type="none" w="med" len="med"/>
+                    </a:lnR>
+                    <a:lnT w="12700" cap="flat" cmpd="sng" algn="ctr">
+                      <a:solidFill>
+                        <a:schemeClr val="tx1"/>
+                      </a:solidFill>
+                      <a:prstDash val="solid"/>
+                      <a:round/>
+                      <a:headEnd type="none" w="med" len="med"/>
+                      <a:tailEnd type="none" w="med" len="med"/>
+                    </a:lnT>
+                    <a:lnB w="12700" cap="flat" cmpd="sng" algn="ctr">
+                      <a:solidFill>
+                        <a:schemeClr val="tx1"/>
+                      </a:solidFill>
+                      <a:prstDash val="solid"/>
+                      <a:round/>
+                      <a:headEnd type="none" w="med" len="med"/>
+                      <a:tailEnd type="none" w="med" len="med"/>
+                    </a:lnB>
+                    <a:solidFill>
+                      <a:schemeClr val="bg1">
+                        <a:lumMod val="85000"/>
+                      </a:schemeClr>
+                    </a:solidFill>
+                  </a:tcPr>
+                </a:tc>
+                <a:tc>
+                  <a:txBody>
+                    <a:bodyPr/>
+                    <a:lstStyle/>
+                    <a:p>
+                      <a:pPr algn="ctr"/>
+                      <a:r>
+                        <a:rPr kumimoji="1" lang="en-US" altLang="ja-JP" dirty="0">
+                          <a:solidFill>
+                            <a:schemeClr val="tx1"/>
+                          </a:solidFill>
+                        </a:rPr>
+                        <a:t>45</a:t>
+                      </a:r>
+                      <a:endParaRPr kumimoji="1" lang="ja-JP" altLang="en-US">
+                        <a:solidFill>
+                          <a:schemeClr val="tx1"/>
+                        </a:solidFill>
+                      </a:endParaRPr>
+                    </a:p>
+                  </a:txBody>
+                  <a:tcPr anchor="ctr">
+                    <a:lnL w="12700" cap="flat" cmpd="sng" algn="ctr">
+                      <a:solidFill>
+                        <a:schemeClr val="tx1"/>
+                      </a:solidFill>
+                      <a:prstDash val="solid"/>
+                      <a:round/>
+                      <a:headEnd type="none" w="med" len="med"/>
+                      <a:tailEnd type="none" w="med" len="med"/>
+                    </a:lnL>
+                    <a:lnR w="12700" cap="flat" cmpd="sng" algn="ctr">
+                      <a:solidFill>
+                        <a:schemeClr val="tx1"/>
+                      </a:solidFill>
+                      <a:prstDash val="solid"/>
+                      <a:round/>
+                      <a:headEnd type="none" w="med" len="med"/>
+                      <a:tailEnd type="none" w="med" len="med"/>
+                    </a:lnR>
+                    <a:lnT w="12700" cap="flat" cmpd="sng" algn="ctr">
+                      <a:solidFill>
+                        <a:schemeClr val="tx1"/>
+                      </a:solidFill>
+                      <a:prstDash val="solid"/>
+                      <a:round/>
+                      <a:headEnd type="none" w="med" len="med"/>
+                      <a:tailEnd type="none" w="med" len="med"/>
+                    </a:lnT>
+                    <a:lnB w="12700" cap="flat" cmpd="sng" algn="ctr">
+                      <a:solidFill>
+                        <a:schemeClr val="tx1"/>
+                      </a:solidFill>
+                      <a:prstDash val="solid"/>
+                      <a:round/>
+                      <a:headEnd type="none" w="med" len="med"/>
+                      <a:tailEnd type="none" w="med" len="med"/>
+                    </a:lnB>
+                    <a:solidFill>
+                      <a:schemeClr val="bg1">
+                        <a:lumMod val="85000"/>
+                      </a:schemeClr>
+                    </a:solidFill>
+                  </a:tcPr>
+                </a:tc>
+                <a:tc>
+                  <a:txBody>
+                    <a:bodyPr/>
+                    <a:lstStyle/>
+                    <a:p>
+                      <a:pPr algn="ctr"/>
+                      <a:r>
+                        <a:rPr kumimoji="1" lang="en-US" altLang="ja-JP" dirty="0">
+                          <a:solidFill>
+                            <a:schemeClr val="tx1"/>
+                          </a:solidFill>
+                        </a:rPr>
+                        <a:t>90</a:t>
+                      </a:r>
+                      <a:endParaRPr kumimoji="1" lang="ja-JP" altLang="en-US">
+                        <a:solidFill>
+                          <a:schemeClr val="tx1"/>
+                        </a:solidFill>
+                      </a:endParaRPr>
+                    </a:p>
+                  </a:txBody>
+                  <a:tcPr anchor="ctr">
+                    <a:lnL w="12700" cap="flat" cmpd="sng" algn="ctr">
+                      <a:solidFill>
+                        <a:schemeClr val="tx1"/>
+                      </a:solidFill>
+                      <a:prstDash val="solid"/>
+                      <a:round/>
+                      <a:headEnd type="none" w="med" len="med"/>
+                      <a:tailEnd type="none" w="med" len="med"/>
+                    </a:lnL>
+                    <a:lnR w="12700" cap="flat" cmpd="sng" algn="ctr">
+                      <a:solidFill>
+                        <a:schemeClr val="tx1"/>
+                      </a:solidFill>
+                      <a:prstDash val="solid"/>
+                      <a:round/>
+                      <a:headEnd type="none" w="med" len="med"/>
+                      <a:tailEnd type="none" w="med" len="med"/>
+                    </a:lnR>
+                    <a:lnT w="12700" cap="flat" cmpd="sng" algn="ctr">
+                      <a:solidFill>
+                        <a:schemeClr val="tx1"/>
+                      </a:solidFill>
+                      <a:prstDash val="solid"/>
+                      <a:round/>
+                      <a:headEnd type="none" w="med" len="med"/>
+                      <a:tailEnd type="none" w="med" len="med"/>
+                    </a:lnT>
+                    <a:lnB w="12700" cap="flat" cmpd="sng" algn="ctr">
+                      <a:solidFill>
+                        <a:schemeClr val="tx1"/>
+                      </a:solidFill>
+                      <a:prstDash val="solid"/>
+                      <a:round/>
+                      <a:headEnd type="none" w="med" len="med"/>
+                      <a:tailEnd type="none" w="med" len="med"/>
+                    </a:lnB>
+                    <a:solidFill>
+                      <a:schemeClr val="bg1">
+                        <a:lumMod val="85000"/>
+                      </a:schemeClr>
+                    </a:solidFill>
+                  </a:tcPr>
+                </a:tc>
+                <a:tc>
+                  <a:txBody>
+                    <a:bodyPr/>
+                    <a:lstStyle/>
+                    <a:p>
+                      <a:pPr algn="ctr"/>
+                      <a:r>
+                        <a:rPr kumimoji="1" lang="en-US" altLang="ja-JP" dirty="0">
+                          <a:solidFill>
+                            <a:schemeClr val="tx1"/>
+                          </a:solidFill>
+                        </a:rPr>
+                        <a:t>135</a:t>
+                      </a:r>
+                      <a:endParaRPr kumimoji="1" lang="ja-JP" altLang="en-US">
+                        <a:solidFill>
+                          <a:schemeClr val="tx1"/>
+                        </a:solidFill>
+                      </a:endParaRPr>
+                    </a:p>
+                  </a:txBody>
+                  <a:tcPr anchor="ctr">
+                    <a:lnL w="12700" cap="flat" cmpd="sng" algn="ctr">
+                      <a:solidFill>
+                        <a:schemeClr val="tx1"/>
+                      </a:solidFill>
+                      <a:prstDash val="solid"/>
+                      <a:round/>
+                      <a:headEnd type="none" w="med" len="med"/>
+                      <a:tailEnd type="none" w="med" len="med"/>
+                    </a:lnL>
+                    <a:lnR w="12700" cap="flat" cmpd="sng" algn="ctr">
+                      <a:solidFill>
+                        <a:schemeClr val="tx1"/>
+                      </a:solidFill>
+                      <a:prstDash val="solid"/>
+                      <a:round/>
+                      <a:headEnd type="none" w="med" len="med"/>
+                      <a:tailEnd type="none" w="med" len="med"/>
+                    </a:lnR>
+                    <a:lnT w="12700" cap="flat" cmpd="sng" algn="ctr">
+                      <a:solidFill>
+                        <a:schemeClr val="tx1"/>
+                      </a:solidFill>
+                      <a:prstDash val="solid"/>
+                      <a:round/>
+                      <a:headEnd type="none" w="med" len="med"/>
+                      <a:tailEnd type="none" w="med" len="med"/>
+                    </a:lnT>
+                    <a:lnB w="12700" cap="flat" cmpd="sng" algn="ctr">
+                      <a:solidFill>
+                        <a:schemeClr val="tx1"/>
+                      </a:solidFill>
+                      <a:prstDash val="solid"/>
+                      <a:round/>
+                      <a:headEnd type="none" w="med" len="med"/>
+                      <a:tailEnd type="none" w="med" len="med"/>
+                    </a:lnB>
+                    <a:solidFill>
+                      <a:schemeClr val="bg1">
+                        <a:lumMod val="85000"/>
+                      </a:schemeClr>
+                    </a:solidFill>
+                  </a:tcPr>
+                </a:tc>
+                <a:tc>
+                  <a:txBody>
+                    <a:bodyPr/>
+                    <a:lstStyle/>
+                    <a:p>
+                      <a:pPr algn="ctr"/>
+                      <a:r>
+                        <a:rPr kumimoji="1" lang="en-US" altLang="ja-JP" dirty="0">
+                          <a:solidFill>
+                            <a:schemeClr val="tx1"/>
+                          </a:solidFill>
+                        </a:rPr>
+                        <a:t>180</a:t>
+                      </a:r>
+                      <a:endParaRPr kumimoji="1" lang="ja-JP" altLang="en-US">
+                        <a:solidFill>
+                          <a:schemeClr val="tx1"/>
+                        </a:solidFill>
+                      </a:endParaRPr>
+                    </a:p>
+                  </a:txBody>
+                  <a:tcPr anchor="ctr">
+                    <a:lnL w="12700" cap="flat" cmpd="sng" algn="ctr">
+                      <a:solidFill>
+                        <a:schemeClr val="tx1"/>
+                      </a:solidFill>
+                      <a:prstDash val="solid"/>
+                      <a:round/>
+                      <a:headEnd type="none" w="med" len="med"/>
+                      <a:tailEnd type="none" w="med" len="med"/>
+                    </a:lnL>
+                    <a:lnR w="12700" cap="flat" cmpd="sng" algn="ctr">
+                      <a:solidFill>
+                        <a:schemeClr val="tx1"/>
+                      </a:solidFill>
+                      <a:prstDash val="solid"/>
+                      <a:round/>
+                      <a:headEnd type="none" w="med" len="med"/>
+                      <a:tailEnd type="none" w="med" len="med"/>
+                    </a:lnR>
+                    <a:lnT w="12700" cap="flat" cmpd="sng" algn="ctr">
+                      <a:solidFill>
+                        <a:schemeClr val="tx1"/>
+                      </a:solidFill>
+                      <a:prstDash val="solid"/>
+                      <a:round/>
+                      <a:headEnd type="none" w="med" len="med"/>
+                      <a:tailEnd type="none" w="med" len="med"/>
+                    </a:lnT>
+                    <a:lnB w="12700" cap="flat" cmpd="sng" algn="ctr">
+                      <a:solidFill>
+                        <a:schemeClr val="tx1"/>
+                      </a:solidFill>
+                      <a:prstDash val="solid"/>
+                      <a:round/>
+                      <a:headEnd type="none" w="med" len="med"/>
+                      <a:tailEnd type="none" w="med" len="med"/>
+                    </a:lnB>
+                    <a:solidFill>
+                      <a:schemeClr val="bg1">
+                        <a:lumMod val="85000"/>
+                      </a:schemeClr>
+                    </a:solidFill>
+                  </a:tcPr>
+                </a:tc>
+                <a:tc>
+                  <a:txBody>
+                    <a:bodyPr/>
+                    <a:lstStyle/>
+                    <a:p>
+                      <a:pPr algn="ctr"/>
+                      <a:r>
+                        <a:rPr kumimoji="1" lang="en-US" altLang="ja-JP" dirty="0">
+                          <a:solidFill>
+                            <a:schemeClr val="tx1"/>
+                          </a:solidFill>
+                        </a:rPr>
+                        <a:t>225</a:t>
+                      </a:r>
+                      <a:endParaRPr kumimoji="1" lang="ja-JP" altLang="en-US">
+                        <a:solidFill>
+                          <a:schemeClr val="tx1"/>
+                        </a:solidFill>
+                      </a:endParaRPr>
+                    </a:p>
+                  </a:txBody>
+                  <a:tcPr anchor="ctr">
+                    <a:lnL w="12700" cap="flat" cmpd="sng" algn="ctr">
+                      <a:solidFill>
+                        <a:schemeClr val="tx1"/>
+                      </a:solidFill>
+                      <a:prstDash val="solid"/>
+                      <a:round/>
+                      <a:headEnd type="none" w="med" len="med"/>
+                      <a:tailEnd type="none" w="med" len="med"/>
+                    </a:lnL>
+                    <a:lnR w="12700" cap="flat" cmpd="sng" algn="ctr">
+                      <a:solidFill>
+                        <a:schemeClr val="tx1"/>
+                      </a:solidFill>
+                      <a:prstDash val="solid"/>
+                      <a:round/>
+                      <a:headEnd type="none" w="med" len="med"/>
+                      <a:tailEnd type="none" w="med" len="med"/>
+                    </a:lnR>
+                    <a:lnT w="12700" cap="flat" cmpd="sng" algn="ctr">
+                      <a:solidFill>
+                        <a:schemeClr val="tx1"/>
+                      </a:solidFill>
+                      <a:prstDash val="solid"/>
+                      <a:round/>
+                      <a:headEnd type="none" w="med" len="med"/>
+                      <a:tailEnd type="none" w="med" len="med"/>
+                    </a:lnT>
+                    <a:lnB w="12700" cap="flat" cmpd="sng" algn="ctr">
+                      <a:solidFill>
+                        <a:schemeClr val="tx1"/>
+                      </a:solidFill>
+                      <a:prstDash val="solid"/>
+                      <a:round/>
+                      <a:headEnd type="none" w="med" len="med"/>
+                      <a:tailEnd type="none" w="med" len="med"/>
+                    </a:lnB>
+                    <a:solidFill>
+                      <a:schemeClr val="bg1">
+                        <a:lumMod val="85000"/>
+                      </a:schemeClr>
+                    </a:solidFill>
+                  </a:tcPr>
+                </a:tc>
+                <a:tc>
+                  <a:txBody>
+                    <a:bodyPr/>
+                    <a:lstStyle/>
+                    <a:p>
+                      <a:pPr algn="ctr"/>
+                      <a:r>
+                        <a:rPr kumimoji="1" lang="en-US" altLang="ja-JP" dirty="0">
+                          <a:solidFill>
+                            <a:schemeClr val="tx1"/>
+                          </a:solidFill>
+                        </a:rPr>
+                        <a:t>270</a:t>
+                      </a:r>
+                      <a:endParaRPr kumimoji="1" lang="ja-JP" altLang="en-US">
+                        <a:solidFill>
+                          <a:schemeClr val="tx1"/>
+                        </a:solidFill>
+                      </a:endParaRPr>
+                    </a:p>
+                  </a:txBody>
+                  <a:tcPr anchor="ctr">
+                    <a:lnL w="12700" cap="flat" cmpd="sng" algn="ctr">
+                      <a:solidFill>
+                        <a:schemeClr val="tx1"/>
+                      </a:solidFill>
+                      <a:prstDash val="solid"/>
+                      <a:round/>
+                      <a:headEnd type="none" w="med" len="med"/>
+                      <a:tailEnd type="none" w="med" len="med"/>
+                    </a:lnL>
+                    <a:lnR w="12700" cap="flat" cmpd="sng" algn="ctr">
+                      <a:solidFill>
+                        <a:schemeClr val="tx1"/>
+                      </a:solidFill>
+                      <a:prstDash val="solid"/>
+                      <a:round/>
+                      <a:headEnd type="none" w="med" len="med"/>
+                      <a:tailEnd type="none" w="med" len="med"/>
+                    </a:lnR>
+                    <a:lnT w="12700" cap="flat" cmpd="sng" algn="ctr">
+                      <a:solidFill>
+                        <a:schemeClr val="tx1"/>
+                      </a:solidFill>
+                      <a:prstDash val="solid"/>
+                      <a:round/>
+                      <a:headEnd type="none" w="med" len="med"/>
+                      <a:tailEnd type="none" w="med" len="med"/>
+                    </a:lnT>
+                    <a:lnB w="12700" cap="flat" cmpd="sng" algn="ctr">
+                      <a:solidFill>
+                        <a:schemeClr val="tx1"/>
+                      </a:solidFill>
+                      <a:prstDash val="solid"/>
+                      <a:round/>
+                      <a:headEnd type="none" w="med" len="med"/>
+                      <a:tailEnd type="none" w="med" len="med"/>
+                    </a:lnB>
+                    <a:solidFill>
+                      <a:schemeClr val="bg1">
+                        <a:lumMod val="85000"/>
+                      </a:schemeClr>
+                    </a:solidFill>
+                  </a:tcPr>
+                </a:tc>
+                <a:tc>
+                  <a:txBody>
+                    <a:bodyPr/>
+                    <a:lstStyle/>
+                    <a:p>
+                      <a:pPr algn="ctr"/>
+                      <a:r>
+                        <a:rPr kumimoji="1" lang="en-US" altLang="ja-JP" dirty="0">
+                          <a:solidFill>
+                            <a:schemeClr val="tx1"/>
+                          </a:solidFill>
+                        </a:rPr>
+                        <a:t>325</a:t>
+                      </a:r>
+                      <a:endParaRPr kumimoji="1" lang="ja-JP" altLang="en-US">
+                        <a:solidFill>
+                          <a:schemeClr val="tx1"/>
+                        </a:solidFill>
+                      </a:endParaRPr>
+                    </a:p>
+                  </a:txBody>
+                  <a:tcPr anchor="ctr">
+                    <a:lnL w="12700" cap="flat" cmpd="sng" algn="ctr">
+                      <a:solidFill>
+                        <a:schemeClr val="tx1"/>
+                      </a:solidFill>
+                      <a:prstDash val="solid"/>
+                      <a:round/>
+                      <a:headEnd type="none" w="med" len="med"/>
+                      <a:tailEnd type="none" w="med" len="med"/>
+                    </a:lnL>
+                    <a:lnR w="12700" cap="flat" cmpd="sng" algn="ctr">
+                      <a:solidFill>
+                        <a:schemeClr val="tx1"/>
+                      </a:solidFill>
+                      <a:prstDash val="solid"/>
+                      <a:round/>
+                      <a:headEnd type="none" w="med" len="med"/>
+                      <a:tailEnd type="none" w="med" len="med"/>
+                    </a:lnR>
+                    <a:lnT w="12700" cap="flat" cmpd="sng" algn="ctr">
+                      <a:solidFill>
+                        <a:schemeClr val="tx1"/>
+                      </a:solidFill>
+                      <a:prstDash val="solid"/>
+                      <a:round/>
+                      <a:headEnd type="none" w="med" len="med"/>
+                      <a:tailEnd type="none" w="med" len="med"/>
+                    </a:lnT>
+                    <a:lnB w="12700" cap="flat" cmpd="sng" algn="ctr">
+                      <a:solidFill>
+                        <a:schemeClr val="tx1"/>
+                      </a:solidFill>
+                      <a:prstDash val="solid"/>
+                      <a:round/>
+                      <a:headEnd type="none" w="med" len="med"/>
+                      <a:tailEnd type="none" w="med" len="med"/>
+                    </a:lnB>
+                    <a:solidFill>
+                      <a:schemeClr val="bg1">
+                        <a:lumMod val="85000"/>
+                      </a:schemeClr>
+                    </a:solidFill>
+                  </a:tcPr>
+                </a:tc>
+                <a:extLst>
+                  <a:ext uri="{0D108BD9-81ED-4DB2-BD59-A6C34878D82A}">
+                    <a16:rowId xmlns:a16="http://schemas.microsoft.com/office/drawing/2014/main" val="1711391203"/>
+                  </a:ext>
+                </a:extLst>
+              </a:tr>
+              <a:tr h="557108">
+                <a:tc>
+                  <a:txBody>
+                    <a:bodyPr/>
+                    <a:lstStyle/>
+                    <a:p>
+                      <a:pPr algn="ctr"/>
+                      <a:r>
+                        <a:rPr kumimoji="1" lang="en-US" altLang="ja-JP" dirty="0">
+                          <a:solidFill>
+                            <a:schemeClr val="tx1"/>
+                          </a:solidFill>
+                        </a:rPr>
+                        <a:t>Small</a:t>
+                      </a:r>
+                      <a:endParaRPr kumimoji="1" lang="ja-JP" altLang="en-US">
+                        <a:solidFill>
+                          <a:schemeClr val="tx1"/>
+                        </a:solidFill>
+                      </a:endParaRPr>
+                    </a:p>
+                  </a:txBody>
+                  <a:tcPr anchor="ctr">
+                    <a:lnL w="12700" cap="flat" cmpd="sng" algn="ctr">
+                      <a:solidFill>
+                        <a:schemeClr val="tx1"/>
+                      </a:solidFill>
+                      <a:prstDash val="solid"/>
+                      <a:round/>
+                      <a:headEnd type="none" w="med" len="med"/>
+                      <a:tailEnd type="none" w="med" len="med"/>
+                    </a:lnL>
+                    <a:lnR w="12700" cap="flat" cmpd="sng" algn="ctr">
+                      <a:solidFill>
+                        <a:schemeClr val="tx1"/>
+                      </a:solidFill>
+                      <a:prstDash val="solid"/>
+                      <a:round/>
+                      <a:headEnd type="none" w="med" len="med"/>
+                      <a:tailEnd type="none" w="med" len="med"/>
+                    </a:lnR>
+                    <a:lnT w="12700" cap="flat" cmpd="sng" algn="ctr">
+                      <a:solidFill>
+                        <a:schemeClr val="tx1"/>
+                      </a:solidFill>
+                      <a:prstDash val="solid"/>
+                      <a:round/>
+                      <a:headEnd type="none" w="med" len="med"/>
+                      <a:tailEnd type="none" w="med" len="med"/>
+                    </a:lnT>
+                    <a:lnB w="12700" cap="flat" cmpd="sng" algn="ctr">
+                      <a:solidFill>
+                        <a:schemeClr val="tx1"/>
+                      </a:solidFill>
+                      <a:prstDash val="solid"/>
+                      <a:round/>
+                      <a:headEnd type="none" w="med" len="med"/>
+                      <a:tailEnd type="none" w="med" len="med"/>
+                    </a:lnB>
+                    <a:solidFill>
+                      <a:schemeClr val="bg1">
+                        <a:lumMod val="85000"/>
+                      </a:schemeClr>
+                    </a:solidFill>
+                  </a:tcPr>
+                </a:tc>
+                <a:tc>
+                  <a:txBody>
+                    <a:bodyPr/>
+                    <a:lstStyle/>
+                    <a:p>
+                      <a:pPr algn="ctr"/>
+                      <a:r>
+                        <a:rPr kumimoji="1" lang="en-US" altLang="ja-JP" dirty="0"/>
+                        <a:t>385</a:t>
+                      </a:r>
+                      <a:endParaRPr kumimoji="1" lang="ja-JP" altLang="en-US"/>
+                    </a:p>
+                  </a:txBody>
+                  <a:tcPr anchor="ctr">
+                    <a:lnL w="12700" cap="flat" cmpd="sng" algn="ctr">
+                      <a:solidFill>
+                        <a:schemeClr val="tx1"/>
+                      </a:solidFill>
+                      <a:prstDash val="solid"/>
+                      <a:round/>
+                      <a:headEnd type="none" w="med" len="med"/>
+                      <a:tailEnd type="none" w="med" len="med"/>
+                    </a:lnL>
+                    <a:lnR w="12700" cap="flat" cmpd="sng" algn="ctr">
+                      <a:solidFill>
+                        <a:schemeClr val="tx1"/>
+                      </a:solidFill>
+                      <a:prstDash val="solid"/>
+                      <a:round/>
+                      <a:headEnd type="none" w="med" len="med"/>
+                      <a:tailEnd type="none" w="med" len="med"/>
+                    </a:lnR>
+                    <a:lnT w="12700" cap="flat" cmpd="sng" algn="ctr">
+                      <a:solidFill>
+                        <a:schemeClr val="tx1"/>
+                      </a:solidFill>
+                      <a:prstDash val="solid"/>
+                      <a:round/>
+                      <a:headEnd type="none" w="med" len="med"/>
+                      <a:tailEnd type="none" w="med" len="med"/>
+                    </a:lnT>
+                    <a:lnB w="12700" cap="flat" cmpd="sng" algn="ctr">
+                      <a:solidFill>
+                        <a:schemeClr val="tx1"/>
+                      </a:solidFill>
+                      <a:prstDash val="solid"/>
+                      <a:round/>
+                      <a:headEnd type="none" w="med" len="med"/>
+                      <a:tailEnd type="none" w="med" len="med"/>
+                    </a:lnB>
+                    <a:solidFill>
+                      <a:schemeClr val="bg1"/>
+                    </a:solidFill>
+                  </a:tcPr>
+                </a:tc>
+                <a:tc>
+                  <a:txBody>
+                    <a:bodyPr/>
+                    <a:lstStyle/>
+                    <a:p>
+                      <a:pPr algn="ctr"/>
+                      <a:r>
+                        <a:rPr kumimoji="1" lang="en-US" altLang="ja-JP" dirty="0"/>
+                        <a:t>299</a:t>
+                      </a:r>
+                      <a:endParaRPr kumimoji="1" lang="ja-JP" altLang="en-US"/>
+                    </a:p>
+                  </a:txBody>
+                  <a:tcPr anchor="ctr">
+                    <a:lnL w="12700" cap="flat" cmpd="sng" algn="ctr">
+                      <a:solidFill>
+                        <a:schemeClr val="tx1"/>
+                      </a:solidFill>
+                      <a:prstDash val="solid"/>
+                      <a:round/>
+                      <a:headEnd type="none" w="med" len="med"/>
+                      <a:tailEnd type="none" w="med" len="med"/>
+                    </a:lnL>
+                    <a:lnR w="12700" cap="flat" cmpd="sng" algn="ctr">
+                      <a:solidFill>
+                        <a:schemeClr val="tx1"/>
+                      </a:solidFill>
+                      <a:prstDash val="solid"/>
+                      <a:round/>
+                      <a:headEnd type="none" w="med" len="med"/>
+                      <a:tailEnd type="none" w="med" len="med"/>
+                    </a:lnR>
+                    <a:lnT w="12700" cap="flat" cmpd="sng" algn="ctr">
+                      <a:solidFill>
+                        <a:schemeClr val="tx1"/>
+                      </a:solidFill>
+                      <a:prstDash val="solid"/>
+                      <a:round/>
+                      <a:headEnd type="none" w="med" len="med"/>
+                      <a:tailEnd type="none" w="med" len="med"/>
+                    </a:lnT>
+                    <a:lnB w="12700" cap="flat" cmpd="sng" algn="ctr">
+                      <a:solidFill>
+                        <a:schemeClr val="tx1"/>
+                      </a:solidFill>
+                      <a:prstDash val="solid"/>
+                      <a:round/>
+                      <a:headEnd type="none" w="med" len="med"/>
+                      <a:tailEnd type="none" w="med" len="med"/>
+                    </a:lnB>
+                    <a:solidFill>
+                      <a:schemeClr val="bg1"/>
+                    </a:solidFill>
+                  </a:tcPr>
+                </a:tc>
+                <a:tc>
+                  <a:txBody>
+                    <a:bodyPr/>
+                    <a:lstStyle/>
+                    <a:p>
+                      <a:pPr algn="ctr"/>
+                      <a:r>
+                        <a:rPr kumimoji="1" lang="en-US" altLang="ja-JP" dirty="0"/>
+                        <a:t>343</a:t>
+                      </a:r>
+                      <a:endParaRPr kumimoji="1" lang="ja-JP" altLang="en-US"/>
+                    </a:p>
+                  </a:txBody>
+                  <a:tcPr anchor="ctr">
+                    <a:lnL w="12700" cap="flat" cmpd="sng" algn="ctr">
+                      <a:solidFill>
+                        <a:schemeClr val="tx1"/>
+                      </a:solidFill>
+                      <a:prstDash val="solid"/>
+                      <a:round/>
+                      <a:headEnd type="none" w="med" len="med"/>
+                      <a:tailEnd type="none" w="med" len="med"/>
+                    </a:lnL>
+                    <a:lnR w="12700" cap="flat" cmpd="sng" algn="ctr">
+                      <a:solidFill>
+                        <a:schemeClr val="tx1"/>
+                      </a:solidFill>
+                      <a:prstDash val="solid"/>
+                      <a:round/>
+                      <a:headEnd type="none" w="med" len="med"/>
+                      <a:tailEnd type="none" w="med" len="med"/>
+                    </a:lnR>
+                    <a:lnT w="12700" cap="flat" cmpd="sng" algn="ctr">
+                      <a:solidFill>
+                        <a:schemeClr val="tx1"/>
+                      </a:solidFill>
+                      <a:prstDash val="solid"/>
+                      <a:round/>
+                      <a:headEnd type="none" w="med" len="med"/>
+                      <a:tailEnd type="none" w="med" len="med"/>
+                    </a:lnT>
+                    <a:lnB w="12700" cap="flat" cmpd="sng" algn="ctr">
+                      <a:solidFill>
+                        <a:schemeClr val="tx1"/>
+                      </a:solidFill>
+                      <a:prstDash val="solid"/>
+                      <a:round/>
+                      <a:headEnd type="none" w="med" len="med"/>
+                      <a:tailEnd type="none" w="med" len="med"/>
+                    </a:lnB>
+                    <a:solidFill>
+                      <a:schemeClr val="bg1"/>
+                    </a:solidFill>
+                  </a:tcPr>
+                </a:tc>
+                <a:tc>
+                  <a:txBody>
+                    <a:bodyPr/>
+                    <a:lstStyle/>
+                    <a:p>
+                      <a:pPr algn="ctr"/>
+                      <a:r>
+                        <a:rPr kumimoji="1" lang="en-US" altLang="ja-JP" dirty="0"/>
+                        <a:t>380</a:t>
+                      </a:r>
+                      <a:endParaRPr kumimoji="1" lang="ja-JP" altLang="en-US"/>
+                    </a:p>
+                  </a:txBody>
+                  <a:tcPr anchor="ctr">
+                    <a:lnL w="12700" cap="flat" cmpd="sng" algn="ctr">
+                      <a:solidFill>
+                        <a:schemeClr val="tx1"/>
+                      </a:solidFill>
+                      <a:prstDash val="solid"/>
+                      <a:round/>
+                      <a:headEnd type="none" w="med" len="med"/>
+                      <a:tailEnd type="none" w="med" len="med"/>
+                    </a:lnL>
+                    <a:lnR w="12700" cap="flat" cmpd="sng" algn="ctr">
+                      <a:solidFill>
+                        <a:schemeClr val="tx1"/>
+                      </a:solidFill>
+                      <a:prstDash val="solid"/>
+                      <a:round/>
+                      <a:headEnd type="none" w="med" len="med"/>
+                      <a:tailEnd type="none" w="med" len="med"/>
+                    </a:lnR>
+                    <a:lnT w="12700" cap="flat" cmpd="sng" algn="ctr">
+                      <a:solidFill>
+                        <a:schemeClr val="tx1"/>
+                      </a:solidFill>
+                      <a:prstDash val="solid"/>
+                      <a:round/>
+                      <a:headEnd type="none" w="med" len="med"/>
+                      <a:tailEnd type="none" w="med" len="med"/>
+                    </a:lnT>
+                    <a:lnB w="12700" cap="flat" cmpd="sng" algn="ctr">
+                      <a:solidFill>
+                        <a:schemeClr val="tx1"/>
+                      </a:solidFill>
+                      <a:prstDash val="solid"/>
+                      <a:round/>
+                      <a:headEnd type="none" w="med" len="med"/>
+                      <a:tailEnd type="none" w="med" len="med"/>
+                    </a:lnB>
+                    <a:solidFill>
+                      <a:schemeClr val="bg1"/>
+                    </a:solidFill>
+                  </a:tcPr>
+                </a:tc>
+                <a:tc>
+                  <a:txBody>
+                    <a:bodyPr/>
+                    <a:lstStyle/>
+                    <a:p>
+                      <a:pPr algn="ctr"/>
+                      <a:r>
+                        <a:rPr kumimoji="1" lang="en-US" altLang="ja-JP" dirty="0"/>
+                        <a:t>380</a:t>
+                      </a:r>
+                      <a:endParaRPr kumimoji="1" lang="ja-JP" altLang="en-US"/>
+                    </a:p>
+                  </a:txBody>
+                  <a:tcPr anchor="ctr">
+                    <a:lnL w="12700" cap="flat" cmpd="sng" algn="ctr">
+                      <a:solidFill>
+                        <a:schemeClr val="tx1"/>
+                      </a:solidFill>
+                      <a:prstDash val="solid"/>
+                      <a:round/>
+                      <a:headEnd type="none" w="med" len="med"/>
+                      <a:tailEnd type="none" w="med" len="med"/>
+                    </a:lnL>
+                    <a:lnR w="12700" cap="flat" cmpd="sng" algn="ctr">
+                      <a:solidFill>
+                        <a:schemeClr val="tx1"/>
+                      </a:solidFill>
+                      <a:prstDash val="solid"/>
+                      <a:round/>
+                      <a:headEnd type="none" w="med" len="med"/>
+                      <a:tailEnd type="none" w="med" len="med"/>
+                    </a:lnR>
+                    <a:lnT w="12700" cap="flat" cmpd="sng" algn="ctr">
+                      <a:solidFill>
+                        <a:schemeClr val="tx1"/>
+                      </a:solidFill>
+                      <a:prstDash val="solid"/>
+                      <a:round/>
+                      <a:headEnd type="none" w="med" len="med"/>
+                      <a:tailEnd type="none" w="med" len="med"/>
+                    </a:lnT>
+                    <a:lnB w="12700" cap="flat" cmpd="sng" algn="ctr">
+                      <a:solidFill>
+                        <a:schemeClr val="tx1"/>
+                      </a:solidFill>
+                      <a:prstDash val="solid"/>
+                      <a:round/>
+                      <a:headEnd type="none" w="med" len="med"/>
+                      <a:tailEnd type="none" w="med" len="med"/>
+                    </a:lnB>
+                    <a:solidFill>
+                      <a:schemeClr val="bg1"/>
+                    </a:solidFill>
+                  </a:tcPr>
+                </a:tc>
+                <a:tc>
+                  <a:txBody>
+                    <a:bodyPr/>
+                    <a:lstStyle/>
+                    <a:p>
+                      <a:pPr algn="ctr"/>
+                      <a:r>
+                        <a:rPr kumimoji="1" lang="en-US" altLang="ja-JP" dirty="0"/>
+                        <a:t>351</a:t>
+                      </a:r>
+                      <a:endParaRPr kumimoji="1" lang="ja-JP" altLang="en-US"/>
+                    </a:p>
+                  </a:txBody>
+                  <a:tcPr anchor="ctr">
+                    <a:lnL w="12700" cap="flat" cmpd="sng" algn="ctr">
+                      <a:solidFill>
+                        <a:schemeClr val="tx1"/>
+                      </a:solidFill>
+                      <a:prstDash val="solid"/>
+                      <a:round/>
+                      <a:headEnd type="none" w="med" len="med"/>
+                      <a:tailEnd type="none" w="med" len="med"/>
+                    </a:lnL>
+                    <a:lnR w="12700" cap="flat" cmpd="sng" algn="ctr">
+                      <a:solidFill>
+                        <a:schemeClr val="tx1"/>
+                      </a:solidFill>
+                      <a:prstDash val="solid"/>
+                      <a:round/>
+                      <a:headEnd type="none" w="med" len="med"/>
+                      <a:tailEnd type="none" w="med" len="med"/>
+                    </a:lnR>
+                    <a:lnT w="12700" cap="flat" cmpd="sng" algn="ctr">
+                      <a:solidFill>
+                        <a:schemeClr val="tx1"/>
+                      </a:solidFill>
+                      <a:prstDash val="solid"/>
+                      <a:round/>
+                      <a:headEnd type="none" w="med" len="med"/>
+                      <a:tailEnd type="none" w="med" len="med"/>
+                    </a:lnT>
+                    <a:lnB w="12700" cap="flat" cmpd="sng" algn="ctr">
+                      <a:solidFill>
+                        <a:schemeClr val="tx1"/>
+                      </a:solidFill>
+                      <a:prstDash val="solid"/>
+                      <a:round/>
+                      <a:headEnd type="none" w="med" len="med"/>
+                      <a:tailEnd type="none" w="med" len="med"/>
+                    </a:lnB>
+                    <a:solidFill>
+                      <a:schemeClr val="bg1"/>
+                    </a:solidFill>
+                  </a:tcPr>
+                </a:tc>
+                <a:tc>
+                  <a:txBody>
+                    <a:bodyPr/>
+                    <a:lstStyle/>
+                    <a:p>
+                      <a:pPr algn="ctr"/>
+                      <a:r>
+                        <a:rPr kumimoji="1" lang="en-US" altLang="ja-JP" dirty="0"/>
+                        <a:t>325</a:t>
+                      </a:r>
+                      <a:endParaRPr kumimoji="1" lang="ja-JP" altLang="en-US"/>
+                    </a:p>
+                  </a:txBody>
+                  <a:tcPr anchor="ctr">
+                    <a:lnL w="12700" cap="flat" cmpd="sng" algn="ctr">
+                      <a:solidFill>
+                        <a:schemeClr val="tx1"/>
+                      </a:solidFill>
+                      <a:prstDash val="solid"/>
+                      <a:round/>
+                      <a:headEnd type="none" w="med" len="med"/>
+                      <a:tailEnd type="none" w="med" len="med"/>
+                    </a:lnL>
+                    <a:lnR w="12700" cap="flat" cmpd="sng" algn="ctr">
+                      <a:solidFill>
+                        <a:schemeClr val="tx1"/>
+                      </a:solidFill>
+                      <a:prstDash val="solid"/>
+                      <a:round/>
+                      <a:headEnd type="none" w="med" len="med"/>
+                      <a:tailEnd type="none" w="med" len="med"/>
+                    </a:lnR>
+                    <a:lnT w="12700" cap="flat" cmpd="sng" algn="ctr">
+                      <a:solidFill>
+                        <a:schemeClr val="tx1"/>
+                      </a:solidFill>
+                      <a:prstDash val="solid"/>
+                      <a:round/>
+                      <a:headEnd type="none" w="med" len="med"/>
+                      <a:tailEnd type="none" w="med" len="med"/>
+                    </a:lnT>
+                    <a:lnB w="12700" cap="flat" cmpd="sng" algn="ctr">
+                      <a:solidFill>
+                        <a:schemeClr val="tx1"/>
+                      </a:solidFill>
+                      <a:prstDash val="solid"/>
+                      <a:round/>
+                      <a:headEnd type="none" w="med" len="med"/>
+                      <a:tailEnd type="none" w="med" len="med"/>
+                    </a:lnB>
+                    <a:solidFill>
+                      <a:schemeClr val="bg1"/>
+                    </a:solidFill>
+                  </a:tcPr>
+                </a:tc>
+                <a:tc>
+                  <a:txBody>
+                    <a:bodyPr/>
+                    <a:lstStyle/>
+                    <a:p>
+                      <a:pPr algn="ctr"/>
+                      <a:r>
+                        <a:rPr kumimoji="1" lang="en-US" altLang="ja-JP" dirty="0"/>
+                        <a:t>344</a:t>
+                      </a:r>
+                      <a:endParaRPr kumimoji="1" lang="ja-JP" altLang="en-US"/>
+                    </a:p>
+                  </a:txBody>
+                  <a:tcPr anchor="ctr">
+                    <a:lnL w="12700" cap="flat" cmpd="sng" algn="ctr">
+                      <a:solidFill>
+                        <a:schemeClr val="tx1"/>
+                      </a:solidFill>
+                      <a:prstDash val="solid"/>
+                      <a:round/>
+                      <a:headEnd type="none" w="med" len="med"/>
+                      <a:tailEnd type="none" w="med" len="med"/>
+                    </a:lnL>
+                    <a:lnR w="12700" cap="flat" cmpd="sng" algn="ctr">
+                      <a:solidFill>
+                        <a:schemeClr val="tx1"/>
+                      </a:solidFill>
+                      <a:prstDash val="solid"/>
+                      <a:round/>
+                      <a:headEnd type="none" w="med" len="med"/>
+                      <a:tailEnd type="none" w="med" len="med"/>
+                    </a:lnR>
+                    <a:lnT w="12700" cap="flat" cmpd="sng" algn="ctr">
+                      <a:solidFill>
+                        <a:schemeClr val="tx1"/>
+                      </a:solidFill>
+                      <a:prstDash val="solid"/>
+                      <a:round/>
+                      <a:headEnd type="none" w="med" len="med"/>
+                      <a:tailEnd type="none" w="med" len="med"/>
+                    </a:lnT>
+                    <a:lnB w="12700" cap="flat" cmpd="sng" algn="ctr">
+                      <a:solidFill>
+                        <a:schemeClr val="tx1"/>
+                      </a:solidFill>
+                      <a:prstDash val="solid"/>
+                      <a:round/>
+                      <a:headEnd type="none" w="med" len="med"/>
+                      <a:tailEnd type="none" w="med" len="med"/>
+                    </a:lnB>
+                    <a:solidFill>
+                      <a:schemeClr val="bg1"/>
+                    </a:solidFill>
+                  </a:tcPr>
+                </a:tc>
+                <a:extLst>
+                  <a:ext uri="{0D108BD9-81ED-4DB2-BD59-A6C34878D82A}">
+                    <a16:rowId xmlns:a16="http://schemas.microsoft.com/office/drawing/2014/main" val="4190804422"/>
+                  </a:ext>
+                </a:extLst>
+              </a:tr>
+              <a:tr h="557108">
+                <a:tc>
+                  <a:txBody>
+                    <a:bodyPr/>
+                    <a:lstStyle/>
+                    <a:p>
+                      <a:pPr algn="ctr"/>
+                      <a:r>
+                        <a:rPr kumimoji="1" lang="en-US" altLang="ja-JP" dirty="0">
+                          <a:solidFill>
+                            <a:schemeClr val="tx1"/>
+                          </a:solidFill>
+                        </a:rPr>
+                        <a:t>Medium</a:t>
+                      </a:r>
+                    </a:p>
+                  </a:txBody>
+                  <a:tcPr anchor="ctr">
+                    <a:lnL w="12700" cap="flat" cmpd="sng" algn="ctr">
+                      <a:solidFill>
+                        <a:schemeClr val="tx1"/>
+                      </a:solidFill>
+                      <a:prstDash val="solid"/>
+                      <a:round/>
+                      <a:headEnd type="none" w="med" len="med"/>
+                      <a:tailEnd type="none" w="med" len="med"/>
+                    </a:lnL>
+                    <a:lnR w="12700" cap="flat" cmpd="sng" algn="ctr">
+                      <a:solidFill>
+                        <a:schemeClr val="tx1"/>
+                      </a:solidFill>
+                      <a:prstDash val="solid"/>
+                      <a:round/>
+                      <a:headEnd type="none" w="med" len="med"/>
+                      <a:tailEnd type="none" w="med" len="med"/>
+                    </a:lnR>
+                    <a:lnT w="12700" cap="flat" cmpd="sng" algn="ctr">
+                      <a:solidFill>
+                        <a:schemeClr val="tx1"/>
+                      </a:solidFill>
+                      <a:prstDash val="solid"/>
+                      <a:round/>
+                      <a:headEnd type="none" w="med" len="med"/>
+                      <a:tailEnd type="none" w="med" len="med"/>
+                    </a:lnT>
+                    <a:lnB w="12700" cap="flat" cmpd="sng" algn="ctr">
+                      <a:solidFill>
+                        <a:schemeClr val="tx1"/>
+                      </a:solidFill>
+                      <a:prstDash val="solid"/>
+                      <a:round/>
+                      <a:headEnd type="none" w="med" len="med"/>
+                      <a:tailEnd type="none" w="med" len="med"/>
+                    </a:lnB>
+                    <a:solidFill>
+                      <a:schemeClr val="bg1">
+                        <a:lumMod val="85000"/>
+                      </a:schemeClr>
+                    </a:solidFill>
+                  </a:tcPr>
+                </a:tc>
+                <a:tc>
+                  <a:txBody>
+                    <a:bodyPr/>
+                    <a:lstStyle/>
+                    <a:p>
+                      <a:pPr algn="ctr"/>
+                      <a:r>
+                        <a:rPr kumimoji="1" lang="en-US" altLang="ja-JP" dirty="0"/>
+                        <a:t>381</a:t>
+                      </a:r>
+                      <a:endParaRPr kumimoji="1" lang="ja-JP" altLang="en-US"/>
+                    </a:p>
+                  </a:txBody>
+                  <a:tcPr anchor="ctr">
+                    <a:lnL w="12700" cap="flat" cmpd="sng" algn="ctr">
+                      <a:solidFill>
+                        <a:schemeClr val="tx1"/>
+                      </a:solidFill>
+                      <a:prstDash val="solid"/>
+                      <a:round/>
+                      <a:headEnd type="none" w="med" len="med"/>
+                      <a:tailEnd type="none" w="med" len="med"/>
+                    </a:lnL>
+                    <a:lnR w="12700" cap="flat" cmpd="sng" algn="ctr">
+                      <a:solidFill>
+                        <a:schemeClr val="tx1"/>
+                      </a:solidFill>
+                      <a:prstDash val="solid"/>
+                      <a:round/>
+                      <a:headEnd type="none" w="med" len="med"/>
+                      <a:tailEnd type="none" w="med" len="med"/>
+                    </a:lnR>
+                    <a:lnT w="12700" cap="flat" cmpd="sng" algn="ctr">
+                      <a:solidFill>
+                        <a:schemeClr val="tx1"/>
+                      </a:solidFill>
+                      <a:prstDash val="solid"/>
+                      <a:round/>
+                      <a:headEnd type="none" w="med" len="med"/>
+                      <a:tailEnd type="none" w="med" len="med"/>
+                    </a:lnT>
+                    <a:lnB w="12700" cap="flat" cmpd="sng" algn="ctr">
+                      <a:solidFill>
+                        <a:schemeClr val="tx1"/>
+                      </a:solidFill>
+                      <a:prstDash val="solid"/>
+                      <a:round/>
+                      <a:headEnd type="none" w="med" len="med"/>
+                      <a:tailEnd type="none" w="med" len="med"/>
+                    </a:lnB>
+                    <a:solidFill>
+                      <a:schemeClr val="bg1"/>
+                    </a:solidFill>
+                  </a:tcPr>
+                </a:tc>
+                <a:tc>
+                  <a:txBody>
+                    <a:bodyPr/>
+                    <a:lstStyle/>
+                    <a:p>
+                      <a:pPr algn="ctr"/>
+                      <a:r>
+                        <a:rPr kumimoji="1" lang="en-US" altLang="ja-JP" dirty="0"/>
+                        <a:t>406</a:t>
+                      </a:r>
+                      <a:endParaRPr kumimoji="1" lang="ja-JP" altLang="en-US"/>
+                    </a:p>
+                  </a:txBody>
+                  <a:tcPr anchor="ctr">
+                    <a:lnL w="12700" cap="flat" cmpd="sng" algn="ctr">
+                      <a:solidFill>
+                        <a:schemeClr val="tx1"/>
+                      </a:solidFill>
+                      <a:prstDash val="solid"/>
+                      <a:round/>
+                      <a:headEnd type="none" w="med" len="med"/>
+                      <a:tailEnd type="none" w="med" len="med"/>
+                    </a:lnL>
+                    <a:lnR w="12700" cap="flat" cmpd="sng" algn="ctr">
+                      <a:solidFill>
+                        <a:schemeClr val="tx1"/>
+                      </a:solidFill>
+                      <a:prstDash val="solid"/>
+                      <a:round/>
+                      <a:headEnd type="none" w="med" len="med"/>
+                      <a:tailEnd type="none" w="med" len="med"/>
+                    </a:lnR>
+                    <a:lnT w="12700" cap="flat" cmpd="sng" algn="ctr">
+                      <a:solidFill>
+                        <a:schemeClr val="tx1"/>
+                      </a:solidFill>
+                      <a:prstDash val="solid"/>
+                      <a:round/>
+                      <a:headEnd type="none" w="med" len="med"/>
+                      <a:tailEnd type="none" w="med" len="med"/>
+                    </a:lnT>
+                    <a:lnB w="12700" cap="flat" cmpd="sng" algn="ctr">
+                      <a:solidFill>
+                        <a:schemeClr val="tx1"/>
+                      </a:solidFill>
+                      <a:prstDash val="solid"/>
+                      <a:round/>
+                      <a:headEnd type="none" w="med" len="med"/>
+                      <a:tailEnd type="none" w="med" len="med"/>
+                    </a:lnB>
+                    <a:solidFill>
+                      <a:schemeClr val="bg1"/>
+                    </a:solidFill>
+                  </a:tcPr>
+                </a:tc>
+                <a:tc>
+                  <a:txBody>
+                    <a:bodyPr/>
+                    <a:lstStyle/>
+                    <a:p>
+                      <a:pPr algn="ctr"/>
+                      <a:r>
+                        <a:rPr kumimoji="1" lang="en-US" altLang="ja-JP" dirty="0"/>
+                        <a:t>389</a:t>
+                      </a:r>
+                      <a:endParaRPr kumimoji="1" lang="ja-JP" altLang="en-US"/>
+                    </a:p>
+                  </a:txBody>
+                  <a:tcPr anchor="ctr">
+                    <a:lnL w="12700" cap="flat" cmpd="sng" algn="ctr">
+                      <a:solidFill>
+                        <a:schemeClr val="tx1"/>
+                      </a:solidFill>
+                      <a:prstDash val="solid"/>
+                      <a:round/>
+                      <a:headEnd type="none" w="med" len="med"/>
+                      <a:tailEnd type="none" w="med" len="med"/>
+                    </a:lnL>
+                    <a:lnR w="12700" cap="flat" cmpd="sng" algn="ctr">
+                      <a:solidFill>
+                        <a:schemeClr val="tx1"/>
+                      </a:solidFill>
+                      <a:prstDash val="solid"/>
+                      <a:round/>
+                      <a:headEnd type="none" w="med" len="med"/>
+                      <a:tailEnd type="none" w="med" len="med"/>
+                    </a:lnR>
+                    <a:lnT w="12700" cap="flat" cmpd="sng" algn="ctr">
+                      <a:solidFill>
+                        <a:schemeClr val="tx1"/>
+                      </a:solidFill>
+                      <a:prstDash val="solid"/>
+                      <a:round/>
+                      <a:headEnd type="none" w="med" len="med"/>
+                      <a:tailEnd type="none" w="med" len="med"/>
+                    </a:lnT>
+                    <a:lnB w="12700" cap="flat" cmpd="sng" algn="ctr">
+                      <a:solidFill>
+                        <a:schemeClr val="tx1"/>
+                      </a:solidFill>
+                      <a:prstDash val="solid"/>
+                      <a:round/>
+                      <a:headEnd type="none" w="med" len="med"/>
+                      <a:tailEnd type="none" w="med" len="med"/>
+                    </a:lnB>
+                    <a:solidFill>
+                      <a:schemeClr val="bg1"/>
+                    </a:solidFill>
+                  </a:tcPr>
+                </a:tc>
+                <a:tc>
+                  <a:txBody>
+                    <a:bodyPr/>
+                    <a:lstStyle/>
+                    <a:p>
+                      <a:pPr algn="ctr"/>
+                      <a:r>
+                        <a:rPr kumimoji="1" lang="en-US" altLang="ja-JP" dirty="0"/>
+                        <a:t>413</a:t>
+                      </a:r>
+                      <a:endParaRPr kumimoji="1" lang="ja-JP" altLang="en-US"/>
+                    </a:p>
+                  </a:txBody>
+                  <a:tcPr anchor="ctr">
+                    <a:lnL w="12700" cap="flat" cmpd="sng" algn="ctr">
+                      <a:solidFill>
+                        <a:schemeClr val="tx1"/>
+                      </a:solidFill>
+                      <a:prstDash val="solid"/>
+                      <a:round/>
+                      <a:headEnd type="none" w="med" len="med"/>
+                      <a:tailEnd type="none" w="med" len="med"/>
+                    </a:lnL>
+                    <a:lnR w="12700" cap="flat" cmpd="sng" algn="ctr">
+                      <a:solidFill>
+                        <a:schemeClr val="tx1"/>
+                      </a:solidFill>
+                      <a:prstDash val="solid"/>
+                      <a:round/>
+                      <a:headEnd type="none" w="med" len="med"/>
+                      <a:tailEnd type="none" w="med" len="med"/>
+                    </a:lnR>
+                    <a:lnT w="12700" cap="flat" cmpd="sng" algn="ctr">
+                      <a:solidFill>
+                        <a:schemeClr val="tx1"/>
+                      </a:solidFill>
+                      <a:prstDash val="solid"/>
+                      <a:round/>
+                      <a:headEnd type="none" w="med" len="med"/>
+                      <a:tailEnd type="none" w="med" len="med"/>
+                    </a:lnT>
+                    <a:lnB w="12700" cap="flat" cmpd="sng" algn="ctr">
+                      <a:solidFill>
+                        <a:schemeClr val="tx1"/>
+                      </a:solidFill>
+                      <a:prstDash val="solid"/>
+                      <a:round/>
+                      <a:headEnd type="none" w="med" len="med"/>
+                      <a:tailEnd type="none" w="med" len="med"/>
+                    </a:lnB>
+                    <a:solidFill>
+                      <a:schemeClr val="bg1"/>
+                    </a:solidFill>
+                  </a:tcPr>
+                </a:tc>
+                <a:tc>
+                  <a:txBody>
+                    <a:bodyPr/>
+                    <a:lstStyle/>
+                    <a:p>
+                      <a:pPr algn="ctr"/>
+                      <a:r>
+                        <a:rPr kumimoji="1" lang="en-US" altLang="ja-JP" dirty="0"/>
+                        <a:t>385</a:t>
+                      </a:r>
+                      <a:endParaRPr kumimoji="1" lang="ja-JP" altLang="en-US"/>
+                    </a:p>
+                  </a:txBody>
+                  <a:tcPr anchor="ctr">
+                    <a:lnL w="12700" cap="flat" cmpd="sng" algn="ctr">
+                      <a:solidFill>
+                        <a:schemeClr val="tx1"/>
+                      </a:solidFill>
+                      <a:prstDash val="solid"/>
+                      <a:round/>
+                      <a:headEnd type="none" w="med" len="med"/>
+                      <a:tailEnd type="none" w="med" len="med"/>
+                    </a:lnL>
+                    <a:lnR w="12700" cap="flat" cmpd="sng" algn="ctr">
+                      <a:solidFill>
+                        <a:schemeClr val="tx1"/>
+                      </a:solidFill>
+                      <a:prstDash val="solid"/>
+                      <a:round/>
+                      <a:headEnd type="none" w="med" len="med"/>
+                      <a:tailEnd type="none" w="med" len="med"/>
+                    </a:lnR>
+                    <a:lnT w="12700" cap="flat" cmpd="sng" algn="ctr">
+                      <a:solidFill>
+                        <a:schemeClr val="tx1"/>
+                      </a:solidFill>
+                      <a:prstDash val="solid"/>
+                      <a:round/>
+                      <a:headEnd type="none" w="med" len="med"/>
+                      <a:tailEnd type="none" w="med" len="med"/>
+                    </a:lnT>
+                    <a:lnB w="12700" cap="flat" cmpd="sng" algn="ctr">
+                      <a:solidFill>
+                        <a:schemeClr val="tx1"/>
+                      </a:solidFill>
+                      <a:prstDash val="solid"/>
+                      <a:round/>
+                      <a:headEnd type="none" w="med" len="med"/>
+                      <a:tailEnd type="none" w="med" len="med"/>
+                    </a:lnB>
+                    <a:solidFill>
+                      <a:schemeClr val="bg1"/>
+                    </a:solidFill>
+                  </a:tcPr>
+                </a:tc>
+                <a:tc>
+                  <a:txBody>
+                    <a:bodyPr/>
+                    <a:lstStyle/>
+                    <a:p>
+                      <a:pPr algn="ctr"/>
+                      <a:r>
+                        <a:rPr kumimoji="1" lang="en-US" altLang="ja-JP" dirty="0"/>
+                        <a:t>359</a:t>
+                      </a:r>
+                      <a:endParaRPr kumimoji="1" lang="ja-JP" altLang="en-US"/>
+                    </a:p>
+                  </a:txBody>
+                  <a:tcPr anchor="ctr">
+                    <a:lnL w="12700" cap="flat" cmpd="sng" algn="ctr">
+                      <a:solidFill>
+                        <a:schemeClr val="tx1"/>
+                      </a:solidFill>
+                      <a:prstDash val="solid"/>
+                      <a:round/>
+                      <a:headEnd type="none" w="med" len="med"/>
+                      <a:tailEnd type="none" w="med" len="med"/>
+                    </a:lnL>
+                    <a:lnR w="12700" cap="flat" cmpd="sng" algn="ctr">
+                      <a:solidFill>
+                        <a:schemeClr val="tx1"/>
+                      </a:solidFill>
+                      <a:prstDash val="solid"/>
+                      <a:round/>
+                      <a:headEnd type="none" w="med" len="med"/>
+                      <a:tailEnd type="none" w="med" len="med"/>
+                    </a:lnR>
+                    <a:lnT w="12700" cap="flat" cmpd="sng" algn="ctr">
+                      <a:solidFill>
+                        <a:schemeClr val="tx1"/>
+                      </a:solidFill>
+                      <a:prstDash val="solid"/>
+                      <a:round/>
+                      <a:headEnd type="none" w="med" len="med"/>
+                      <a:tailEnd type="none" w="med" len="med"/>
+                    </a:lnT>
+                    <a:lnB w="12700" cap="flat" cmpd="sng" algn="ctr">
+                      <a:solidFill>
+                        <a:schemeClr val="tx1"/>
+                      </a:solidFill>
+                      <a:prstDash val="solid"/>
+                      <a:round/>
+                      <a:headEnd type="none" w="med" len="med"/>
+                      <a:tailEnd type="none" w="med" len="med"/>
+                    </a:lnB>
+                    <a:solidFill>
+                      <a:schemeClr val="bg1"/>
+                    </a:solidFill>
+                  </a:tcPr>
+                </a:tc>
+                <a:tc>
+                  <a:txBody>
+                    <a:bodyPr/>
+                    <a:lstStyle/>
+                    <a:p>
+                      <a:pPr algn="ctr"/>
+                      <a:r>
+                        <a:rPr kumimoji="1" lang="en-US" altLang="ja-JP" dirty="0"/>
+                        <a:t>304</a:t>
+                      </a:r>
+                      <a:endParaRPr kumimoji="1" lang="ja-JP" altLang="en-US"/>
+                    </a:p>
+                  </a:txBody>
+                  <a:tcPr anchor="ctr">
+                    <a:lnL w="12700" cap="flat" cmpd="sng" algn="ctr">
+                      <a:solidFill>
+                        <a:schemeClr val="tx1"/>
+                      </a:solidFill>
+                      <a:prstDash val="solid"/>
+                      <a:round/>
+                      <a:headEnd type="none" w="med" len="med"/>
+                      <a:tailEnd type="none" w="med" len="med"/>
+                    </a:lnL>
+                    <a:lnR w="12700" cap="flat" cmpd="sng" algn="ctr">
+                      <a:solidFill>
+                        <a:schemeClr val="tx1"/>
+                      </a:solidFill>
+                      <a:prstDash val="solid"/>
+                      <a:round/>
+                      <a:headEnd type="none" w="med" len="med"/>
+                      <a:tailEnd type="none" w="med" len="med"/>
+                    </a:lnR>
+                    <a:lnT w="12700" cap="flat" cmpd="sng" algn="ctr">
+                      <a:solidFill>
+                        <a:schemeClr val="tx1"/>
+                      </a:solidFill>
+                      <a:prstDash val="solid"/>
+                      <a:round/>
+                      <a:headEnd type="none" w="med" len="med"/>
+                      <a:tailEnd type="none" w="med" len="med"/>
+                    </a:lnT>
+                    <a:lnB w="12700" cap="flat" cmpd="sng" algn="ctr">
+                      <a:solidFill>
+                        <a:schemeClr val="tx1"/>
+                      </a:solidFill>
+                      <a:prstDash val="solid"/>
+                      <a:round/>
+                      <a:headEnd type="none" w="med" len="med"/>
+                      <a:tailEnd type="none" w="med" len="med"/>
+                    </a:lnB>
+                    <a:solidFill>
+                      <a:schemeClr val="bg1"/>
+                    </a:solidFill>
+                  </a:tcPr>
+                </a:tc>
+                <a:tc>
+                  <a:txBody>
+                    <a:bodyPr/>
+                    <a:lstStyle/>
+                    <a:p>
+                      <a:pPr algn="ctr"/>
+                      <a:r>
+                        <a:rPr kumimoji="1" lang="en-US" altLang="ja-JP" dirty="0"/>
+                        <a:t>355</a:t>
+                      </a:r>
+                      <a:endParaRPr kumimoji="1" lang="ja-JP" altLang="en-US"/>
+                    </a:p>
+                  </a:txBody>
+                  <a:tcPr anchor="ctr">
+                    <a:lnL w="12700" cap="flat" cmpd="sng" algn="ctr">
+                      <a:solidFill>
+                        <a:schemeClr val="tx1"/>
+                      </a:solidFill>
+                      <a:prstDash val="solid"/>
+                      <a:round/>
+                      <a:headEnd type="none" w="med" len="med"/>
+                      <a:tailEnd type="none" w="med" len="med"/>
+                    </a:lnL>
+                    <a:lnR w="12700" cap="flat" cmpd="sng" algn="ctr">
+                      <a:solidFill>
+                        <a:schemeClr val="tx1"/>
+                      </a:solidFill>
+                      <a:prstDash val="solid"/>
+                      <a:round/>
+                      <a:headEnd type="none" w="med" len="med"/>
+                      <a:tailEnd type="none" w="med" len="med"/>
+                    </a:lnR>
+                    <a:lnT w="12700" cap="flat" cmpd="sng" algn="ctr">
+                      <a:solidFill>
+                        <a:schemeClr val="tx1"/>
+                      </a:solidFill>
+                      <a:prstDash val="solid"/>
+                      <a:round/>
+                      <a:headEnd type="none" w="med" len="med"/>
+                      <a:tailEnd type="none" w="med" len="med"/>
+                    </a:lnT>
+                    <a:lnB w="12700" cap="flat" cmpd="sng" algn="ctr">
+                      <a:solidFill>
+                        <a:schemeClr val="tx1"/>
+                      </a:solidFill>
+                      <a:prstDash val="solid"/>
+                      <a:round/>
+                      <a:headEnd type="none" w="med" len="med"/>
+                      <a:tailEnd type="none" w="med" len="med"/>
+                    </a:lnB>
+                    <a:solidFill>
+                      <a:schemeClr val="bg1"/>
+                    </a:solidFill>
+                  </a:tcPr>
+                </a:tc>
+                <a:extLst>
+                  <a:ext uri="{0D108BD9-81ED-4DB2-BD59-A6C34878D82A}">
+                    <a16:rowId xmlns:a16="http://schemas.microsoft.com/office/drawing/2014/main" val="823807322"/>
+                  </a:ext>
+                </a:extLst>
+              </a:tr>
+              <a:tr h="549476">
+                <a:tc>
+                  <a:txBody>
+                    <a:bodyPr/>
+                    <a:lstStyle/>
+                    <a:p>
+                      <a:pPr algn="ctr"/>
+                      <a:r>
+                        <a:rPr kumimoji="1" lang="en-US" altLang="ja-JP" dirty="0">
+                          <a:solidFill>
+                            <a:schemeClr val="tx1"/>
+                          </a:solidFill>
+                        </a:rPr>
+                        <a:t>Large</a:t>
+                      </a:r>
+                      <a:endParaRPr kumimoji="1" lang="ja-JP" altLang="en-US">
+                        <a:solidFill>
+                          <a:schemeClr val="tx1"/>
+                        </a:solidFill>
+                      </a:endParaRPr>
+                    </a:p>
+                  </a:txBody>
+                  <a:tcPr anchor="ctr">
+                    <a:lnL w="12700" cap="flat" cmpd="sng" algn="ctr">
+                      <a:solidFill>
+                        <a:schemeClr val="tx1"/>
+                      </a:solidFill>
+                      <a:prstDash val="solid"/>
+                      <a:round/>
+                      <a:headEnd type="none" w="med" len="med"/>
+                      <a:tailEnd type="none" w="med" len="med"/>
+                    </a:lnL>
+                    <a:lnR w="12700" cap="flat" cmpd="sng" algn="ctr">
+                      <a:solidFill>
+                        <a:schemeClr val="tx1"/>
+                      </a:solidFill>
+                      <a:prstDash val="solid"/>
+                      <a:round/>
+                      <a:headEnd type="none" w="med" len="med"/>
+                      <a:tailEnd type="none" w="med" len="med"/>
+                    </a:lnR>
+                    <a:lnT w="12700" cap="flat" cmpd="sng" algn="ctr">
+                      <a:solidFill>
+                        <a:schemeClr val="tx1"/>
+                      </a:solidFill>
+                      <a:prstDash val="solid"/>
+                      <a:round/>
+                      <a:headEnd type="none" w="med" len="med"/>
+                      <a:tailEnd type="none" w="med" len="med"/>
+                    </a:lnT>
+                    <a:lnB w="12700" cap="flat" cmpd="sng" algn="ctr">
+                      <a:solidFill>
+                        <a:schemeClr val="tx1"/>
+                      </a:solidFill>
+                      <a:prstDash val="solid"/>
+                      <a:round/>
+                      <a:headEnd type="none" w="med" len="med"/>
+                      <a:tailEnd type="none" w="med" len="med"/>
+                    </a:lnB>
+                    <a:solidFill>
+                      <a:schemeClr val="bg1">
+                        <a:lumMod val="85000"/>
+                      </a:schemeClr>
+                    </a:solidFill>
+                  </a:tcPr>
+                </a:tc>
+                <a:tc>
+                  <a:txBody>
+                    <a:bodyPr/>
+                    <a:lstStyle/>
+                    <a:p>
+                      <a:pPr algn="ctr"/>
+                      <a:r>
+                        <a:rPr kumimoji="1" lang="en-US" altLang="ja-JP" dirty="0"/>
+                        <a:t>377</a:t>
+                      </a:r>
+                      <a:endParaRPr kumimoji="1" lang="ja-JP" altLang="en-US"/>
+                    </a:p>
+                  </a:txBody>
+                  <a:tcPr anchor="ctr">
+                    <a:lnL w="12700" cap="flat" cmpd="sng" algn="ctr">
+                      <a:solidFill>
+                        <a:schemeClr val="tx1"/>
+                      </a:solidFill>
+                      <a:prstDash val="solid"/>
+                      <a:round/>
+                      <a:headEnd type="none" w="med" len="med"/>
+                      <a:tailEnd type="none" w="med" len="med"/>
+                    </a:lnL>
+                    <a:lnR w="12700" cap="flat" cmpd="sng" algn="ctr">
+                      <a:solidFill>
+                        <a:schemeClr val="tx1"/>
+                      </a:solidFill>
+                      <a:prstDash val="solid"/>
+                      <a:round/>
+                      <a:headEnd type="none" w="med" len="med"/>
+                      <a:tailEnd type="none" w="med" len="med"/>
+                    </a:lnR>
+                    <a:lnT w="12700" cap="flat" cmpd="sng" algn="ctr">
+                      <a:solidFill>
+                        <a:schemeClr val="tx1"/>
+                      </a:solidFill>
+                      <a:prstDash val="solid"/>
+                      <a:round/>
+                      <a:headEnd type="none" w="med" len="med"/>
+                      <a:tailEnd type="none" w="med" len="med"/>
+                    </a:lnT>
+                    <a:lnB w="12700" cap="flat" cmpd="sng" algn="ctr">
+                      <a:solidFill>
+                        <a:schemeClr val="tx1"/>
+                      </a:solidFill>
+                      <a:prstDash val="solid"/>
+                      <a:round/>
+                      <a:headEnd type="none" w="med" len="med"/>
+                      <a:tailEnd type="none" w="med" len="med"/>
+                    </a:lnB>
+                    <a:solidFill>
+                      <a:schemeClr val="bg1"/>
+                    </a:solidFill>
+                  </a:tcPr>
+                </a:tc>
+                <a:tc>
+                  <a:txBody>
+                    <a:bodyPr/>
+                    <a:lstStyle/>
+                    <a:p>
+                      <a:pPr algn="ctr"/>
+                      <a:r>
+                        <a:rPr kumimoji="1" lang="en-US" altLang="ja-JP" dirty="0"/>
+                        <a:t>406</a:t>
+                      </a:r>
+                      <a:endParaRPr kumimoji="1" lang="ja-JP" altLang="en-US"/>
+                    </a:p>
+                  </a:txBody>
+                  <a:tcPr anchor="ctr">
+                    <a:lnL w="12700" cap="flat" cmpd="sng" algn="ctr">
+                      <a:solidFill>
+                        <a:schemeClr val="tx1"/>
+                      </a:solidFill>
+                      <a:prstDash val="solid"/>
+                      <a:round/>
+                      <a:headEnd type="none" w="med" len="med"/>
+                      <a:tailEnd type="none" w="med" len="med"/>
+                    </a:lnL>
+                    <a:lnR w="12700" cap="flat" cmpd="sng" algn="ctr">
+                      <a:solidFill>
+                        <a:schemeClr val="tx1"/>
+                      </a:solidFill>
+                      <a:prstDash val="solid"/>
+                      <a:round/>
+                      <a:headEnd type="none" w="med" len="med"/>
+                      <a:tailEnd type="none" w="med" len="med"/>
+                    </a:lnR>
+                    <a:lnT w="12700" cap="flat" cmpd="sng" algn="ctr">
+                      <a:solidFill>
+                        <a:schemeClr val="tx1"/>
+                      </a:solidFill>
+                      <a:prstDash val="solid"/>
+                      <a:round/>
+                      <a:headEnd type="none" w="med" len="med"/>
+                      <a:tailEnd type="none" w="med" len="med"/>
+                    </a:lnT>
+                    <a:lnB w="12700" cap="flat" cmpd="sng" algn="ctr">
+                      <a:solidFill>
+                        <a:schemeClr val="tx1"/>
+                      </a:solidFill>
+                      <a:prstDash val="solid"/>
+                      <a:round/>
+                      <a:headEnd type="none" w="med" len="med"/>
+                      <a:tailEnd type="none" w="med" len="med"/>
+                    </a:lnB>
+                    <a:solidFill>
+                      <a:schemeClr val="bg1"/>
+                    </a:solidFill>
+                  </a:tcPr>
+                </a:tc>
+                <a:tc>
+                  <a:txBody>
+                    <a:bodyPr/>
+                    <a:lstStyle/>
+                    <a:p>
+                      <a:pPr algn="ctr"/>
+                      <a:r>
+                        <a:rPr kumimoji="1" lang="en-US" altLang="ja-JP" dirty="0"/>
+                        <a:t>409</a:t>
+                      </a:r>
+                      <a:endParaRPr kumimoji="1" lang="ja-JP" altLang="en-US"/>
+                    </a:p>
+                  </a:txBody>
+                  <a:tcPr anchor="ctr">
+                    <a:lnL w="12700" cap="flat" cmpd="sng" algn="ctr">
+                      <a:solidFill>
+                        <a:schemeClr val="tx1"/>
+                      </a:solidFill>
+                      <a:prstDash val="solid"/>
+                      <a:round/>
+                      <a:headEnd type="none" w="med" len="med"/>
+                      <a:tailEnd type="none" w="med" len="med"/>
+                    </a:lnL>
+                    <a:lnR w="12700" cap="flat" cmpd="sng" algn="ctr">
+                      <a:solidFill>
+                        <a:schemeClr val="tx1"/>
+                      </a:solidFill>
+                      <a:prstDash val="solid"/>
+                      <a:round/>
+                      <a:headEnd type="none" w="med" len="med"/>
+                      <a:tailEnd type="none" w="med" len="med"/>
+                    </a:lnR>
+                    <a:lnT w="12700" cap="flat" cmpd="sng" algn="ctr">
+                      <a:solidFill>
+                        <a:schemeClr val="tx1"/>
+                      </a:solidFill>
+                      <a:prstDash val="solid"/>
+                      <a:round/>
+                      <a:headEnd type="none" w="med" len="med"/>
+                      <a:tailEnd type="none" w="med" len="med"/>
+                    </a:lnT>
+                    <a:lnB w="12700" cap="flat" cmpd="sng" algn="ctr">
+                      <a:solidFill>
+                        <a:schemeClr val="tx1"/>
+                      </a:solidFill>
+                      <a:prstDash val="solid"/>
+                      <a:round/>
+                      <a:headEnd type="none" w="med" len="med"/>
+                      <a:tailEnd type="none" w="med" len="med"/>
+                    </a:lnB>
+                    <a:solidFill>
+                      <a:schemeClr val="bg1"/>
+                    </a:solidFill>
+                  </a:tcPr>
+                </a:tc>
+                <a:tc>
+                  <a:txBody>
+                    <a:bodyPr/>
+                    <a:lstStyle/>
+                    <a:p>
+                      <a:pPr algn="ctr"/>
+                      <a:r>
+                        <a:rPr kumimoji="1" lang="en-US" altLang="ja-JP" dirty="0"/>
+                        <a:t>410</a:t>
+                      </a:r>
+                      <a:endParaRPr kumimoji="1" lang="ja-JP" altLang="en-US"/>
+                    </a:p>
+                  </a:txBody>
+                  <a:tcPr anchor="ctr">
+                    <a:lnL w="12700" cap="flat" cmpd="sng" algn="ctr">
+                      <a:solidFill>
+                        <a:schemeClr val="tx1"/>
+                      </a:solidFill>
+                      <a:prstDash val="solid"/>
+                      <a:round/>
+                      <a:headEnd type="none" w="med" len="med"/>
+                      <a:tailEnd type="none" w="med" len="med"/>
+                    </a:lnL>
+                    <a:lnR w="12700" cap="flat" cmpd="sng" algn="ctr">
+                      <a:solidFill>
+                        <a:schemeClr val="tx1"/>
+                      </a:solidFill>
+                      <a:prstDash val="solid"/>
+                      <a:round/>
+                      <a:headEnd type="none" w="med" len="med"/>
+                      <a:tailEnd type="none" w="med" len="med"/>
+                    </a:lnR>
+                    <a:lnT w="12700" cap="flat" cmpd="sng" algn="ctr">
+                      <a:solidFill>
+                        <a:schemeClr val="tx1"/>
+                      </a:solidFill>
+                      <a:prstDash val="solid"/>
+                      <a:round/>
+                      <a:headEnd type="none" w="med" len="med"/>
+                      <a:tailEnd type="none" w="med" len="med"/>
+                    </a:lnT>
+                    <a:lnB w="12700" cap="flat" cmpd="sng" algn="ctr">
+                      <a:solidFill>
+                        <a:schemeClr val="tx1"/>
+                      </a:solidFill>
+                      <a:prstDash val="solid"/>
+                      <a:round/>
+                      <a:headEnd type="none" w="med" len="med"/>
+                      <a:tailEnd type="none" w="med" len="med"/>
+                    </a:lnB>
+                    <a:solidFill>
+                      <a:schemeClr val="bg1"/>
+                    </a:solidFill>
+                  </a:tcPr>
+                </a:tc>
+                <a:tc>
+                  <a:txBody>
+                    <a:bodyPr/>
+                    <a:lstStyle/>
+                    <a:p>
+                      <a:pPr algn="ctr"/>
+                      <a:r>
+                        <a:rPr kumimoji="1" lang="en-US" altLang="ja-JP" dirty="0"/>
+                        <a:t>405</a:t>
+                      </a:r>
+                      <a:endParaRPr kumimoji="1" lang="ja-JP" altLang="en-US"/>
+                    </a:p>
+                  </a:txBody>
+                  <a:tcPr anchor="ctr">
+                    <a:lnL w="12700" cap="flat" cmpd="sng" algn="ctr">
+                      <a:solidFill>
+                        <a:schemeClr val="tx1"/>
+                      </a:solidFill>
+                      <a:prstDash val="solid"/>
+                      <a:round/>
+                      <a:headEnd type="none" w="med" len="med"/>
+                      <a:tailEnd type="none" w="med" len="med"/>
+                    </a:lnL>
+                    <a:lnR w="12700" cap="flat" cmpd="sng" algn="ctr">
+                      <a:solidFill>
+                        <a:schemeClr val="tx1"/>
+                      </a:solidFill>
+                      <a:prstDash val="solid"/>
+                      <a:round/>
+                      <a:headEnd type="none" w="med" len="med"/>
+                      <a:tailEnd type="none" w="med" len="med"/>
+                    </a:lnR>
+                    <a:lnT w="12700" cap="flat" cmpd="sng" algn="ctr">
+                      <a:solidFill>
+                        <a:schemeClr val="tx1"/>
+                      </a:solidFill>
+                      <a:prstDash val="solid"/>
+                      <a:round/>
+                      <a:headEnd type="none" w="med" len="med"/>
+                      <a:tailEnd type="none" w="med" len="med"/>
+                    </a:lnT>
+                    <a:lnB w="12700" cap="flat" cmpd="sng" algn="ctr">
+                      <a:solidFill>
+                        <a:schemeClr val="tx1"/>
+                      </a:solidFill>
+                      <a:prstDash val="solid"/>
+                      <a:round/>
+                      <a:headEnd type="none" w="med" len="med"/>
+                      <a:tailEnd type="none" w="med" len="med"/>
+                    </a:lnB>
+                    <a:solidFill>
+                      <a:schemeClr val="bg1"/>
+                    </a:solidFill>
+                  </a:tcPr>
+                </a:tc>
+                <a:tc>
+                  <a:txBody>
+                    <a:bodyPr/>
+                    <a:lstStyle/>
+                    <a:p>
+                      <a:pPr algn="ctr"/>
+                      <a:r>
+                        <a:rPr kumimoji="1" lang="en-US" altLang="ja-JP" dirty="0"/>
+                        <a:t>395</a:t>
+                      </a:r>
+                      <a:endParaRPr kumimoji="1" lang="ja-JP" altLang="en-US"/>
+                    </a:p>
+                  </a:txBody>
+                  <a:tcPr anchor="ctr">
+                    <a:lnL w="12700" cap="flat" cmpd="sng" algn="ctr">
+                      <a:solidFill>
+                        <a:schemeClr val="tx1"/>
+                      </a:solidFill>
+                      <a:prstDash val="solid"/>
+                      <a:round/>
+                      <a:headEnd type="none" w="med" len="med"/>
+                      <a:tailEnd type="none" w="med" len="med"/>
+                    </a:lnL>
+                    <a:lnR w="12700" cap="flat" cmpd="sng" algn="ctr">
+                      <a:solidFill>
+                        <a:schemeClr val="tx1"/>
+                      </a:solidFill>
+                      <a:prstDash val="solid"/>
+                      <a:round/>
+                      <a:headEnd type="none" w="med" len="med"/>
+                      <a:tailEnd type="none" w="med" len="med"/>
+                    </a:lnR>
+                    <a:lnT w="12700" cap="flat" cmpd="sng" algn="ctr">
+                      <a:solidFill>
+                        <a:schemeClr val="tx1"/>
+                      </a:solidFill>
+                      <a:prstDash val="solid"/>
+                      <a:round/>
+                      <a:headEnd type="none" w="med" len="med"/>
+                      <a:tailEnd type="none" w="med" len="med"/>
+                    </a:lnT>
+                    <a:lnB w="12700" cap="flat" cmpd="sng" algn="ctr">
+                      <a:solidFill>
+                        <a:schemeClr val="tx1"/>
+                      </a:solidFill>
+                      <a:prstDash val="solid"/>
+                      <a:round/>
+                      <a:headEnd type="none" w="med" len="med"/>
+                      <a:tailEnd type="none" w="med" len="med"/>
+                    </a:lnB>
+                    <a:solidFill>
+                      <a:schemeClr val="bg1"/>
+                    </a:solidFill>
+                  </a:tcPr>
+                </a:tc>
+                <a:tc>
+                  <a:txBody>
+                    <a:bodyPr/>
+                    <a:lstStyle/>
+                    <a:p>
+                      <a:pPr algn="ctr"/>
+                      <a:r>
+                        <a:rPr kumimoji="1" lang="en-US" altLang="ja-JP" dirty="0"/>
+                        <a:t>371</a:t>
+                      </a:r>
+                      <a:endParaRPr kumimoji="1" lang="ja-JP" altLang="en-US"/>
+                    </a:p>
+                  </a:txBody>
+                  <a:tcPr anchor="ctr">
+                    <a:lnL w="12700" cap="flat" cmpd="sng" algn="ctr">
+                      <a:solidFill>
+                        <a:schemeClr val="tx1"/>
+                      </a:solidFill>
+                      <a:prstDash val="solid"/>
+                      <a:round/>
+                      <a:headEnd type="none" w="med" len="med"/>
+                      <a:tailEnd type="none" w="med" len="med"/>
+                    </a:lnL>
+                    <a:lnR w="12700" cap="flat" cmpd="sng" algn="ctr">
+                      <a:solidFill>
+                        <a:schemeClr val="tx1"/>
+                      </a:solidFill>
+                      <a:prstDash val="solid"/>
+                      <a:round/>
+                      <a:headEnd type="none" w="med" len="med"/>
+                      <a:tailEnd type="none" w="med" len="med"/>
+                    </a:lnR>
+                    <a:lnT w="12700" cap="flat" cmpd="sng" algn="ctr">
+                      <a:solidFill>
+                        <a:schemeClr val="tx1"/>
+                      </a:solidFill>
+                      <a:prstDash val="solid"/>
+                      <a:round/>
+                      <a:headEnd type="none" w="med" len="med"/>
+                      <a:tailEnd type="none" w="med" len="med"/>
+                    </a:lnT>
+                    <a:lnB w="12700" cap="flat" cmpd="sng" algn="ctr">
+                      <a:solidFill>
+                        <a:schemeClr val="tx1"/>
+                      </a:solidFill>
+                      <a:prstDash val="solid"/>
+                      <a:round/>
+                      <a:headEnd type="none" w="med" len="med"/>
+                      <a:tailEnd type="none" w="med" len="med"/>
+                    </a:lnB>
+                    <a:solidFill>
+                      <a:schemeClr val="bg1"/>
+                    </a:solidFill>
+                  </a:tcPr>
+                </a:tc>
+                <a:tc>
+                  <a:txBody>
+                    <a:bodyPr/>
+                    <a:lstStyle/>
+                    <a:p>
+                      <a:pPr algn="ctr"/>
+                      <a:r>
+                        <a:rPr kumimoji="1" lang="en-US" altLang="ja-JP" dirty="0"/>
+                        <a:t>406</a:t>
+                      </a:r>
+                      <a:endParaRPr kumimoji="1" lang="ja-JP" altLang="en-US"/>
+                    </a:p>
+                  </a:txBody>
+                  <a:tcPr anchor="ctr">
+                    <a:lnL w="12700" cap="flat" cmpd="sng" algn="ctr">
+                      <a:solidFill>
+                        <a:schemeClr val="tx1"/>
+                      </a:solidFill>
+                      <a:prstDash val="solid"/>
+                      <a:round/>
+                      <a:headEnd type="none" w="med" len="med"/>
+                      <a:tailEnd type="none" w="med" len="med"/>
+                    </a:lnL>
+                    <a:lnR w="12700" cap="flat" cmpd="sng" algn="ctr">
+                      <a:solidFill>
+                        <a:schemeClr val="tx1"/>
+                      </a:solidFill>
+                      <a:prstDash val="solid"/>
+                      <a:round/>
+                      <a:headEnd type="none" w="med" len="med"/>
+                      <a:tailEnd type="none" w="med" len="med"/>
+                    </a:lnR>
+                    <a:lnT w="12700" cap="flat" cmpd="sng" algn="ctr">
+                      <a:solidFill>
+                        <a:schemeClr val="tx1"/>
+                      </a:solidFill>
+                      <a:prstDash val="solid"/>
+                      <a:round/>
+                      <a:headEnd type="none" w="med" len="med"/>
+                      <a:tailEnd type="none" w="med" len="med"/>
+                    </a:lnT>
+                    <a:lnB w="12700" cap="flat" cmpd="sng" algn="ctr">
+                      <a:solidFill>
+                        <a:schemeClr val="tx1"/>
+                      </a:solidFill>
+                      <a:prstDash val="solid"/>
+                      <a:round/>
+                      <a:headEnd type="none" w="med" len="med"/>
+                      <a:tailEnd type="none" w="med" len="med"/>
+                    </a:lnB>
+                    <a:solidFill>
+                      <a:schemeClr val="bg1"/>
+                    </a:solidFill>
+                  </a:tcPr>
+                </a:tc>
+                <a:extLst>
+                  <a:ext uri="{0D108BD9-81ED-4DB2-BD59-A6C34878D82A}">
+                    <a16:rowId xmlns:a16="http://schemas.microsoft.com/office/drawing/2014/main" val="1056947124"/>
+                  </a:ext>
+                </a:extLst>
+              </a:tr>
+              <a:tr h="557108">
+                <a:tc>
+                  <a:txBody>
+                    <a:bodyPr/>
+                    <a:lstStyle/>
+                    <a:p>
+                      <a:pPr algn="ctr"/>
+                      <a:r>
+                        <a:rPr kumimoji="1" lang="en-US" altLang="ja-JP" dirty="0">
+                          <a:solidFill>
+                            <a:schemeClr val="tx1"/>
+                          </a:solidFill>
+                        </a:rPr>
+                        <a:t>Jackpot</a:t>
+                      </a:r>
+                      <a:endParaRPr kumimoji="1" lang="ja-JP" altLang="en-US">
+                        <a:solidFill>
+                          <a:schemeClr val="tx1"/>
+                        </a:solidFill>
+                      </a:endParaRPr>
+                    </a:p>
+                  </a:txBody>
+                  <a:tcPr anchor="ctr">
+                    <a:lnL w="12700" cap="flat" cmpd="sng" algn="ctr">
+                      <a:solidFill>
+                        <a:schemeClr val="tx1"/>
+                      </a:solidFill>
+                      <a:prstDash val="solid"/>
+                      <a:round/>
+                      <a:headEnd type="none" w="med" len="med"/>
+                      <a:tailEnd type="none" w="med" len="med"/>
+                    </a:lnL>
+                    <a:lnR w="12700" cap="flat" cmpd="sng" algn="ctr">
+                      <a:solidFill>
+                        <a:schemeClr val="tx1"/>
+                      </a:solidFill>
+                      <a:prstDash val="solid"/>
+                      <a:round/>
+                      <a:headEnd type="none" w="med" len="med"/>
+                      <a:tailEnd type="none" w="med" len="med"/>
+                    </a:lnR>
+                    <a:lnT w="12700" cap="flat" cmpd="sng" algn="ctr">
+                      <a:solidFill>
+                        <a:schemeClr val="tx1"/>
+                      </a:solidFill>
+                      <a:prstDash val="solid"/>
+                      <a:round/>
+                      <a:headEnd type="none" w="med" len="med"/>
+                      <a:tailEnd type="none" w="med" len="med"/>
+                    </a:lnT>
+                    <a:lnB w="12700" cap="flat" cmpd="sng" algn="ctr">
+                      <a:solidFill>
+                        <a:schemeClr val="tx1"/>
+                      </a:solidFill>
+                      <a:prstDash val="solid"/>
+                      <a:round/>
+                      <a:headEnd type="none" w="med" len="med"/>
+                      <a:tailEnd type="none" w="med" len="med"/>
+                    </a:lnB>
+                    <a:solidFill>
+                      <a:schemeClr val="bg1">
+                        <a:lumMod val="85000"/>
+                      </a:schemeClr>
+                    </a:solidFill>
+                  </a:tcPr>
+                </a:tc>
+                <a:tc>
+                  <a:txBody>
+                    <a:bodyPr/>
+                    <a:lstStyle/>
+                    <a:p>
+                      <a:pPr algn="ctr"/>
+                      <a:r>
+                        <a:rPr kumimoji="1" lang="en-US" altLang="ja-JP" dirty="0"/>
+                        <a:t>57</a:t>
+                      </a:r>
+                      <a:endParaRPr kumimoji="1" lang="ja-JP" altLang="en-US"/>
+                    </a:p>
+                  </a:txBody>
+                  <a:tcPr anchor="ctr">
+                    <a:lnL w="12700" cap="flat" cmpd="sng" algn="ctr">
+                      <a:solidFill>
+                        <a:schemeClr val="tx1"/>
+                      </a:solidFill>
+                      <a:prstDash val="solid"/>
+                      <a:round/>
+                      <a:headEnd type="none" w="med" len="med"/>
+                      <a:tailEnd type="none" w="med" len="med"/>
+                    </a:lnL>
+                    <a:lnR w="12700" cap="flat" cmpd="sng" algn="ctr">
+                      <a:solidFill>
+                        <a:schemeClr val="tx1"/>
+                      </a:solidFill>
+                      <a:prstDash val="solid"/>
+                      <a:round/>
+                      <a:headEnd type="none" w="med" len="med"/>
+                      <a:tailEnd type="none" w="med" len="med"/>
+                    </a:lnR>
+                    <a:lnT w="12700" cap="flat" cmpd="sng" algn="ctr">
+                      <a:solidFill>
+                        <a:schemeClr val="tx1"/>
+                      </a:solidFill>
+                      <a:prstDash val="solid"/>
+                      <a:round/>
+                      <a:headEnd type="none" w="med" len="med"/>
+                      <a:tailEnd type="none" w="med" len="med"/>
+                    </a:lnT>
+                    <a:lnB w="12700" cap="flat" cmpd="sng" algn="ctr">
+                      <a:solidFill>
+                        <a:schemeClr val="tx1"/>
+                      </a:solidFill>
+                      <a:prstDash val="solid"/>
+                      <a:round/>
+                      <a:headEnd type="none" w="med" len="med"/>
+                      <a:tailEnd type="none" w="med" len="med"/>
+                    </a:lnB>
+                    <a:solidFill>
+                      <a:schemeClr val="bg1"/>
+                    </a:solidFill>
+                  </a:tcPr>
+                </a:tc>
+                <a:tc>
+                  <a:txBody>
+                    <a:bodyPr/>
+                    <a:lstStyle/>
+                    <a:p>
+                      <a:pPr algn="ctr"/>
+                      <a:r>
+                        <a:rPr kumimoji="1" lang="en-US" altLang="ja-JP" dirty="0"/>
+                        <a:t>47</a:t>
+                      </a:r>
+                      <a:endParaRPr kumimoji="1" lang="ja-JP" altLang="en-US"/>
+                    </a:p>
+                  </a:txBody>
+                  <a:tcPr anchor="ctr">
+                    <a:lnL w="12700" cap="flat" cmpd="sng" algn="ctr">
+                      <a:solidFill>
+                        <a:schemeClr val="tx1"/>
+                      </a:solidFill>
+                      <a:prstDash val="solid"/>
+                      <a:round/>
+                      <a:headEnd type="none" w="med" len="med"/>
+                      <a:tailEnd type="none" w="med" len="med"/>
+                    </a:lnL>
+                    <a:lnR w="12700" cap="flat" cmpd="sng" algn="ctr">
+                      <a:solidFill>
+                        <a:schemeClr val="tx1"/>
+                      </a:solidFill>
+                      <a:prstDash val="solid"/>
+                      <a:round/>
+                      <a:headEnd type="none" w="med" len="med"/>
+                      <a:tailEnd type="none" w="med" len="med"/>
+                    </a:lnR>
+                    <a:lnT w="12700" cap="flat" cmpd="sng" algn="ctr">
+                      <a:solidFill>
+                        <a:schemeClr val="tx1"/>
+                      </a:solidFill>
+                      <a:prstDash val="solid"/>
+                      <a:round/>
+                      <a:headEnd type="none" w="med" len="med"/>
+                      <a:tailEnd type="none" w="med" len="med"/>
+                    </a:lnT>
+                    <a:lnB w="12700" cap="flat" cmpd="sng" algn="ctr">
+                      <a:solidFill>
+                        <a:schemeClr val="tx1"/>
+                      </a:solidFill>
+                      <a:prstDash val="solid"/>
+                      <a:round/>
+                      <a:headEnd type="none" w="med" len="med"/>
+                      <a:tailEnd type="none" w="med" len="med"/>
+                    </a:lnB>
+                    <a:solidFill>
+                      <a:schemeClr val="bg1"/>
+                    </a:solidFill>
+                  </a:tcPr>
+                </a:tc>
+                <a:tc>
+                  <a:txBody>
+                    <a:bodyPr/>
+                    <a:lstStyle/>
+                    <a:p>
+                      <a:pPr algn="ctr"/>
+                      <a:r>
+                        <a:rPr kumimoji="1" lang="en-US" altLang="ja-JP" dirty="0"/>
+                        <a:t>54</a:t>
+                      </a:r>
+                      <a:endParaRPr kumimoji="1" lang="ja-JP" altLang="en-US"/>
+                    </a:p>
+                  </a:txBody>
+                  <a:tcPr anchor="ctr">
+                    <a:lnL w="12700" cap="flat" cmpd="sng" algn="ctr">
+                      <a:solidFill>
+                        <a:schemeClr val="tx1"/>
+                      </a:solidFill>
+                      <a:prstDash val="solid"/>
+                      <a:round/>
+                      <a:headEnd type="none" w="med" len="med"/>
+                      <a:tailEnd type="none" w="med" len="med"/>
+                    </a:lnL>
+                    <a:lnR w="12700" cap="flat" cmpd="sng" algn="ctr">
+                      <a:solidFill>
+                        <a:schemeClr val="tx1"/>
+                      </a:solidFill>
+                      <a:prstDash val="solid"/>
+                      <a:round/>
+                      <a:headEnd type="none" w="med" len="med"/>
+                      <a:tailEnd type="none" w="med" len="med"/>
+                    </a:lnR>
+                    <a:lnT w="12700" cap="flat" cmpd="sng" algn="ctr">
+                      <a:solidFill>
+                        <a:schemeClr val="tx1"/>
+                      </a:solidFill>
+                      <a:prstDash val="solid"/>
+                      <a:round/>
+                      <a:headEnd type="none" w="med" len="med"/>
+                      <a:tailEnd type="none" w="med" len="med"/>
+                    </a:lnT>
+                    <a:lnB w="12700" cap="flat" cmpd="sng" algn="ctr">
+                      <a:solidFill>
+                        <a:schemeClr val="tx1"/>
+                      </a:solidFill>
+                      <a:prstDash val="solid"/>
+                      <a:round/>
+                      <a:headEnd type="none" w="med" len="med"/>
+                      <a:tailEnd type="none" w="med" len="med"/>
+                    </a:lnB>
+                    <a:solidFill>
+                      <a:schemeClr val="bg1"/>
+                    </a:solidFill>
+                  </a:tcPr>
+                </a:tc>
+                <a:tc>
+                  <a:txBody>
+                    <a:bodyPr/>
+                    <a:lstStyle/>
+                    <a:p>
+                      <a:pPr algn="ctr"/>
+                      <a:r>
+                        <a:rPr kumimoji="1" lang="en-US" altLang="ja-JP" dirty="0"/>
+                        <a:t>60</a:t>
+                      </a:r>
+                      <a:endParaRPr kumimoji="1" lang="ja-JP" altLang="en-US"/>
+                    </a:p>
+                  </a:txBody>
+                  <a:tcPr anchor="ctr">
+                    <a:lnL w="12700" cap="flat" cmpd="sng" algn="ctr">
+                      <a:solidFill>
+                        <a:schemeClr val="tx1"/>
+                      </a:solidFill>
+                      <a:prstDash val="solid"/>
+                      <a:round/>
+                      <a:headEnd type="none" w="med" len="med"/>
+                      <a:tailEnd type="none" w="med" len="med"/>
+                    </a:lnL>
+                    <a:lnR w="12700" cap="flat" cmpd="sng" algn="ctr">
+                      <a:solidFill>
+                        <a:schemeClr val="tx1"/>
+                      </a:solidFill>
+                      <a:prstDash val="solid"/>
+                      <a:round/>
+                      <a:headEnd type="none" w="med" len="med"/>
+                      <a:tailEnd type="none" w="med" len="med"/>
+                    </a:lnR>
+                    <a:lnT w="12700" cap="flat" cmpd="sng" algn="ctr">
+                      <a:solidFill>
+                        <a:schemeClr val="tx1"/>
+                      </a:solidFill>
+                      <a:prstDash val="solid"/>
+                      <a:round/>
+                      <a:headEnd type="none" w="med" len="med"/>
+                      <a:tailEnd type="none" w="med" len="med"/>
+                    </a:lnT>
+                    <a:lnB w="12700" cap="flat" cmpd="sng" algn="ctr">
+                      <a:solidFill>
+                        <a:schemeClr val="tx1"/>
+                      </a:solidFill>
+                      <a:prstDash val="solid"/>
+                      <a:round/>
+                      <a:headEnd type="none" w="med" len="med"/>
+                      <a:tailEnd type="none" w="med" len="med"/>
+                    </a:lnB>
+                    <a:solidFill>
+                      <a:schemeClr val="bg1"/>
+                    </a:solidFill>
+                  </a:tcPr>
+                </a:tc>
+                <a:tc>
+                  <a:txBody>
+                    <a:bodyPr/>
+                    <a:lstStyle/>
+                    <a:p>
+                      <a:pPr algn="ctr"/>
+                      <a:r>
+                        <a:rPr kumimoji="1" lang="en-US" altLang="ja-JP" dirty="0"/>
+                        <a:t>68</a:t>
+                      </a:r>
+                      <a:endParaRPr kumimoji="1" lang="ja-JP" altLang="en-US"/>
+                    </a:p>
+                  </a:txBody>
+                  <a:tcPr anchor="ctr">
+                    <a:lnL w="12700" cap="flat" cmpd="sng" algn="ctr">
+                      <a:solidFill>
+                        <a:schemeClr val="tx1"/>
+                      </a:solidFill>
+                      <a:prstDash val="solid"/>
+                      <a:round/>
+                      <a:headEnd type="none" w="med" len="med"/>
+                      <a:tailEnd type="none" w="med" len="med"/>
+                    </a:lnL>
+                    <a:lnR w="12700" cap="flat" cmpd="sng" algn="ctr">
+                      <a:solidFill>
+                        <a:schemeClr val="tx1"/>
+                      </a:solidFill>
+                      <a:prstDash val="solid"/>
+                      <a:round/>
+                      <a:headEnd type="none" w="med" len="med"/>
+                      <a:tailEnd type="none" w="med" len="med"/>
+                    </a:lnR>
+                    <a:lnT w="12700" cap="flat" cmpd="sng" algn="ctr">
+                      <a:solidFill>
+                        <a:schemeClr val="tx1"/>
+                      </a:solidFill>
+                      <a:prstDash val="solid"/>
+                      <a:round/>
+                      <a:headEnd type="none" w="med" len="med"/>
+                      <a:tailEnd type="none" w="med" len="med"/>
+                    </a:lnT>
+                    <a:lnB w="12700" cap="flat" cmpd="sng" algn="ctr">
+                      <a:solidFill>
+                        <a:schemeClr val="tx1"/>
+                      </a:solidFill>
+                      <a:prstDash val="solid"/>
+                      <a:round/>
+                      <a:headEnd type="none" w="med" len="med"/>
+                      <a:tailEnd type="none" w="med" len="med"/>
+                    </a:lnB>
+                    <a:solidFill>
+                      <a:schemeClr val="bg1"/>
+                    </a:solidFill>
+                  </a:tcPr>
+                </a:tc>
+                <a:tc>
+                  <a:txBody>
+                    <a:bodyPr/>
+                    <a:lstStyle/>
+                    <a:p>
+                      <a:pPr algn="ctr"/>
+                      <a:r>
+                        <a:rPr kumimoji="1" lang="en-US" altLang="ja-JP" dirty="0"/>
+                        <a:t>49</a:t>
+                      </a:r>
+                      <a:endParaRPr kumimoji="1" lang="ja-JP" altLang="en-US"/>
+                    </a:p>
+                  </a:txBody>
+                  <a:tcPr anchor="ctr">
+                    <a:lnL w="12700" cap="flat" cmpd="sng" algn="ctr">
+                      <a:solidFill>
+                        <a:schemeClr val="tx1"/>
+                      </a:solidFill>
+                      <a:prstDash val="solid"/>
+                      <a:round/>
+                      <a:headEnd type="none" w="med" len="med"/>
+                      <a:tailEnd type="none" w="med" len="med"/>
+                    </a:lnL>
+                    <a:lnR w="12700" cap="flat" cmpd="sng" algn="ctr">
+                      <a:solidFill>
+                        <a:schemeClr val="tx1"/>
+                      </a:solidFill>
+                      <a:prstDash val="solid"/>
+                      <a:round/>
+                      <a:headEnd type="none" w="med" len="med"/>
+                      <a:tailEnd type="none" w="med" len="med"/>
+                    </a:lnR>
+                    <a:lnT w="12700" cap="flat" cmpd="sng" algn="ctr">
+                      <a:solidFill>
+                        <a:schemeClr val="tx1"/>
+                      </a:solidFill>
+                      <a:prstDash val="solid"/>
+                      <a:round/>
+                      <a:headEnd type="none" w="med" len="med"/>
+                      <a:tailEnd type="none" w="med" len="med"/>
+                    </a:lnT>
+                    <a:lnB w="12700" cap="flat" cmpd="sng" algn="ctr">
+                      <a:solidFill>
+                        <a:schemeClr val="tx1"/>
+                      </a:solidFill>
+                      <a:prstDash val="solid"/>
+                      <a:round/>
+                      <a:headEnd type="none" w="med" len="med"/>
+                      <a:tailEnd type="none" w="med" len="med"/>
+                    </a:lnB>
+                    <a:solidFill>
+                      <a:schemeClr val="bg1"/>
+                    </a:solidFill>
+                  </a:tcPr>
+                </a:tc>
+                <a:tc>
+                  <a:txBody>
+                    <a:bodyPr/>
+                    <a:lstStyle/>
+                    <a:p>
+                      <a:pPr algn="ctr"/>
+                      <a:r>
+                        <a:rPr kumimoji="1" lang="en-US" altLang="ja-JP" dirty="0"/>
+                        <a:t>50</a:t>
+                      </a:r>
+                      <a:endParaRPr kumimoji="1" lang="ja-JP" altLang="en-US"/>
+                    </a:p>
+                  </a:txBody>
+                  <a:tcPr anchor="ctr">
+                    <a:lnL w="12700" cap="flat" cmpd="sng" algn="ctr">
+                      <a:solidFill>
+                        <a:schemeClr val="tx1"/>
+                      </a:solidFill>
+                      <a:prstDash val="solid"/>
+                      <a:round/>
+                      <a:headEnd type="none" w="med" len="med"/>
+                      <a:tailEnd type="none" w="med" len="med"/>
+                    </a:lnL>
+                    <a:lnR w="12700" cap="flat" cmpd="sng" algn="ctr">
+                      <a:solidFill>
+                        <a:schemeClr val="tx1"/>
+                      </a:solidFill>
+                      <a:prstDash val="solid"/>
+                      <a:round/>
+                      <a:headEnd type="none" w="med" len="med"/>
+                      <a:tailEnd type="none" w="med" len="med"/>
+                    </a:lnR>
+                    <a:lnT w="12700" cap="flat" cmpd="sng" algn="ctr">
+                      <a:solidFill>
+                        <a:schemeClr val="tx1"/>
+                      </a:solidFill>
+                      <a:prstDash val="solid"/>
+                      <a:round/>
+                      <a:headEnd type="none" w="med" len="med"/>
+                      <a:tailEnd type="none" w="med" len="med"/>
+                    </a:lnT>
+                    <a:lnB w="12700" cap="flat" cmpd="sng" algn="ctr">
+                      <a:solidFill>
+                        <a:schemeClr val="tx1"/>
+                      </a:solidFill>
+                      <a:prstDash val="solid"/>
+                      <a:round/>
+                      <a:headEnd type="none" w="med" len="med"/>
+                      <a:tailEnd type="none" w="med" len="med"/>
+                    </a:lnB>
+                    <a:solidFill>
+                      <a:schemeClr val="bg1"/>
+                    </a:solidFill>
+                  </a:tcPr>
+                </a:tc>
+                <a:tc>
+                  <a:txBody>
+                    <a:bodyPr/>
+                    <a:lstStyle/>
+                    <a:p>
+                      <a:pPr algn="ctr"/>
+                      <a:r>
+                        <a:rPr kumimoji="1" lang="en-US" altLang="ja-JP" dirty="0"/>
+                        <a:t>50</a:t>
+                      </a:r>
+                      <a:endParaRPr kumimoji="1" lang="ja-JP" altLang="en-US"/>
+                    </a:p>
+                  </a:txBody>
+                  <a:tcPr anchor="ctr">
+                    <a:lnL w="12700" cap="flat" cmpd="sng" algn="ctr">
+                      <a:solidFill>
+                        <a:schemeClr val="tx1"/>
+                      </a:solidFill>
+                      <a:prstDash val="solid"/>
+                      <a:round/>
+                      <a:headEnd type="none" w="med" len="med"/>
+                      <a:tailEnd type="none" w="med" len="med"/>
+                    </a:lnL>
+                    <a:lnR w="12700" cap="flat" cmpd="sng" algn="ctr">
+                      <a:solidFill>
+                        <a:schemeClr val="tx1"/>
+                      </a:solidFill>
+                      <a:prstDash val="solid"/>
+                      <a:round/>
+                      <a:headEnd type="none" w="med" len="med"/>
+                      <a:tailEnd type="none" w="med" len="med"/>
+                    </a:lnR>
+                    <a:lnT w="12700" cap="flat" cmpd="sng" algn="ctr">
+                      <a:solidFill>
+                        <a:schemeClr val="tx1"/>
+                      </a:solidFill>
+                      <a:prstDash val="solid"/>
+                      <a:round/>
+                      <a:headEnd type="none" w="med" len="med"/>
+                      <a:tailEnd type="none" w="med" len="med"/>
+                    </a:lnT>
+                    <a:lnB w="12700" cap="flat" cmpd="sng" algn="ctr">
+                      <a:solidFill>
+                        <a:schemeClr val="tx1"/>
+                      </a:solidFill>
+                      <a:prstDash val="solid"/>
+                      <a:round/>
+                      <a:headEnd type="none" w="med" len="med"/>
+                      <a:tailEnd type="none" w="med" len="med"/>
+                    </a:lnB>
+                    <a:solidFill>
+                      <a:schemeClr val="bg1"/>
+                    </a:solidFill>
+                  </a:tcPr>
+                </a:tc>
+                <a:extLst>
+                  <a:ext uri="{0D108BD9-81ED-4DB2-BD59-A6C34878D82A}">
+                    <a16:rowId xmlns:a16="http://schemas.microsoft.com/office/drawing/2014/main" val="118681831"/>
+                  </a:ext>
+                </a:extLst>
+              </a:tr>
+            </a:tbl>
+          </a:graphicData>
+        </a:graphic>
+      </p:graphicFrame>
+      <p:sp>
+        <p:nvSpPr>
+          <p:cNvPr id="3" name="テキスト ボックス 2">
+            <a:extLst>
+              <a:ext uri="{FF2B5EF4-FFF2-40B4-BE49-F238E27FC236}">
+                <a16:creationId xmlns:a16="http://schemas.microsoft.com/office/drawing/2014/main" id="{7CAB7A68-BCA2-675E-EBB6-141D50B5852E}"/>
+              </a:ext>
+            </a:extLst>
+          </p:cNvPr>
+          <p:cNvSpPr txBox="1"/>
+          <p:nvPr/>
+        </p:nvSpPr>
+        <p:spPr>
+          <a:xfrm>
+            <a:off x="2948152" y="681038"/>
+            <a:ext cx="6295696" cy="461665"/>
+          </a:xfrm>
+          <a:prstGeom prst="rect">
+            <a:avLst/>
+          </a:prstGeom>
+          <a:noFill/>
+        </p:spPr>
+        <p:txBody>
+          <a:bodyPr wrap="square" rtlCol="0">
+            <a:spAutoFit/>
+          </a:bodyPr>
+          <a:lstStyle/>
+          <a:p>
+            <a:pPr algn="ctr"/>
+            <a:r>
+              <a:rPr kumimoji="1" lang="en-US" altLang="ja-JP" sz="2400" dirty="0">
+                <a:solidFill>
+                  <a:schemeClr val="tx1">
+                    <a:lumMod val="65000"/>
+                    <a:lumOff val="35000"/>
+                  </a:schemeClr>
+                </a:solidFill>
+                <a:latin typeface="Arial" panose="020B0604020202020204" pitchFamily="34" charset="0"/>
+                <a:cs typeface="Arial" panose="020B0604020202020204" pitchFamily="34" charset="0"/>
+              </a:rPr>
+              <a:t>(When we didn’t remove any data)</a:t>
+            </a:r>
+            <a:endParaRPr kumimoji="1" lang="ja-JP" altLang="en-US" sz="2400">
+              <a:solidFill>
+                <a:schemeClr val="tx1">
+                  <a:lumMod val="65000"/>
+                  <a:lumOff val="35000"/>
+                </a:schemeClr>
+              </a:solidFill>
+              <a:latin typeface="Arial" panose="020B0604020202020204" pitchFamily="34" charset="0"/>
+              <a:cs typeface="Arial" panose="020B0604020202020204" pitchFamily="34" charset="0"/>
+            </a:endParaRPr>
+          </a:p>
+        </p:txBody>
+      </p:sp>
+    </p:spTree>
+    <p:extLst>
+      <p:ext uri="{BB962C8B-B14F-4D97-AF65-F5344CB8AC3E}">
+        <p14:creationId xmlns:p14="http://schemas.microsoft.com/office/powerpoint/2010/main" val="4063540318"/>
+      </p:ext>
+    </p:extLst>
+  </p:cSld>
+  <p:clrMapOvr>
+    <a:masterClrMapping/>
+  </p:clrMapOvr>
+</p:sld>
+</file>
+
+<file path=ppt/slides/slide14.xml><?xml version="1.0" encoding="utf-8"?>
+<p:sld xmlns:a="http://schemas.openxmlformats.org/drawingml/2006/main" xmlns:r="http://schemas.openxmlformats.org/officeDocument/2006/relationships" xmlns:p="http://schemas.openxmlformats.org/presentationml/2006/main">
+  <p:cSld>
+    <p:spTree>
+      <p:nvGrpSpPr>
+        <p:cNvPr id="1" name=""/>
+        <p:cNvGrpSpPr/>
+        <p:nvPr/>
+      </p:nvGrpSpPr>
+      <p:grpSpPr>
+        <a:xfrm>
+          <a:off x="0" y="0"/>
+          <a:ext cx="0" cy="0"/>
+          <a:chOff x="0" y="0"/>
+          <a:chExt cx="0" cy="0"/>
+        </a:xfrm>
+      </p:grpSpPr>
+      <p:pic>
+        <p:nvPicPr>
+          <p:cNvPr id="5" name="図 4">
+            <a:extLst>
+              <a:ext uri="{FF2B5EF4-FFF2-40B4-BE49-F238E27FC236}">
+                <a16:creationId xmlns:a16="http://schemas.microsoft.com/office/drawing/2014/main" id="{633B7885-D913-A217-14BD-E6FC18B7CE28}"/>
+              </a:ext>
+            </a:extLst>
+          </p:cNvPr>
+          <p:cNvPicPr>
+            <a:picLocks noChangeAspect="1"/>
+          </p:cNvPicPr>
+          <p:nvPr/>
+        </p:nvPicPr>
+        <p:blipFill>
+          <a:blip r:embed="rId2">
+            <a:extLst>
+              <a:ext uri="{28A0092B-C50C-407E-A947-70E740481C1C}">
+                <a14:useLocalDpi xmlns:a14="http://schemas.microsoft.com/office/drawing/2010/main" val="0"/>
+              </a:ext>
+            </a:extLst>
+          </a:blip>
+          <a:stretch>
+            <a:fillRect/>
+          </a:stretch>
+        </p:blipFill>
+        <p:spPr>
+          <a:xfrm>
+            <a:off x="8101310" y="2106121"/>
+            <a:ext cx="4380828" cy="3285621"/>
+          </a:xfrm>
+          <a:prstGeom prst="rect">
+            <a:avLst/>
+          </a:prstGeom>
+        </p:spPr>
+      </p:pic>
+      <p:pic>
+        <p:nvPicPr>
+          <p:cNvPr id="7" name="図 6">
+            <a:extLst>
+              <a:ext uri="{FF2B5EF4-FFF2-40B4-BE49-F238E27FC236}">
+                <a16:creationId xmlns:a16="http://schemas.microsoft.com/office/drawing/2014/main" id="{FF56DE42-5042-CC19-7D94-397182D37175}"/>
+              </a:ext>
+            </a:extLst>
+          </p:cNvPr>
+          <p:cNvPicPr>
+            <a:picLocks noChangeAspect="1"/>
+          </p:cNvPicPr>
+          <p:nvPr/>
+        </p:nvPicPr>
+        <p:blipFill>
+          <a:blip r:embed="rId3">
+            <a:extLst>
+              <a:ext uri="{28A0092B-C50C-407E-A947-70E740481C1C}">
+                <a14:useLocalDpi xmlns:a14="http://schemas.microsoft.com/office/drawing/2010/main" val="0"/>
+              </a:ext>
+            </a:extLst>
+          </a:blip>
+          <a:stretch>
+            <a:fillRect/>
+          </a:stretch>
+        </p:blipFill>
+        <p:spPr>
+          <a:xfrm>
+            <a:off x="4078069" y="3748933"/>
+            <a:ext cx="4380828" cy="3285621"/>
+          </a:xfrm>
+          <a:prstGeom prst="rect">
+            <a:avLst/>
+          </a:prstGeom>
+        </p:spPr>
+      </p:pic>
+      <p:pic>
+        <p:nvPicPr>
+          <p:cNvPr id="9" name="図 8">
+            <a:extLst>
+              <a:ext uri="{FF2B5EF4-FFF2-40B4-BE49-F238E27FC236}">
+                <a16:creationId xmlns:a16="http://schemas.microsoft.com/office/drawing/2014/main" id="{1B9EED6B-819E-3544-8915-E44992E48AB8}"/>
+              </a:ext>
+            </a:extLst>
+          </p:cNvPr>
+          <p:cNvPicPr>
+            <a:picLocks noChangeAspect="1"/>
+          </p:cNvPicPr>
+          <p:nvPr/>
+        </p:nvPicPr>
+        <p:blipFill>
+          <a:blip r:embed="rId4">
+            <a:extLst>
+              <a:ext uri="{28A0092B-C50C-407E-A947-70E740481C1C}">
+                <a14:useLocalDpi xmlns:a14="http://schemas.microsoft.com/office/drawing/2010/main" val="0"/>
+              </a:ext>
+            </a:extLst>
+          </a:blip>
+          <a:stretch>
+            <a:fillRect/>
+          </a:stretch>
+        </p:blipFill>
+        <p:spPr>
+          <a:xfrm>
+            <a:off x="4055586" y="506446"/>
+            <a:ext cx="4380828" cy="3285621"/>
+          </a:xfrm>
+          <a:prstGeom prst="rect">
+            <a:avLst/>
+          </a:prstGeom>
+        </p:spPr>
+      </p:pic>
+      <p:pic>
+        <p:nvPicPr>
+          <p:cNvPr id="11" name="図 10">
+            <a:extLst>
+              <a:ext uri="{FF2B5EF4-FFF2-40B4-BE49-F238E27FC236}">
+                <a16:creationId xmlns:a16="http://schemas.microsoft.com/office/drawing/2014/main" id="{24A884B5-939C-3403-F6B8-311996728B99}"/>
+              </a:ext>
+            </a:extLst>
+          </p:cNvPr>
+          <p:cNvPicPr>
+            <a:picLocks noChangeAspect="1"/>
+          </p:cNvPicPr>
+          <p:nvPr/>
+        </p:nvPicPr>
+        <p:blipFill>
+          <a:blip r:embed="rId5">
+            <a:extLst>
+              <a:ext uri="{28A0092B-C50C-407E-A947-70E740481C1C}">
+                <a14:useLocalDpi xmlns:a14="http://schemas.microsoft.com/office/drawing/2010/main" val="0"/>
+              </a:ext>
+            </a:extLst>
+          </a:blip>
+          <a:stretch>
+            <a:fillRect/>
+          </a:stretch>
+        </p:blipFill>
+        <p:spPr>
+          <a:xfrm>
+            <a:off x="9862" y="3748934"/>
+            <a:ext cx="4380828" cy="3285621"/>
+          </a:xfrm>
+          <a:prstGeom prst="rect">
+            <a:avLst/>
+          </a:prstGeom>
+        </p:spPr>
+      </p:pic>
+      <p:pic>
+        <p:nvPicPr>
+          <p:cNvPr id="13" name="図 12">
+            <a:extLst>
+              <a:ext uri="{FF2B5EF4-FFF2-40B4-BE49-F238E27FC236}">
+                <a16:creationId xmlns:a16="http://schemas.microsoft.com/office/drawing/2014/main" id="{F1E1A6F9-639C-E9E3-A13E-8FCC3C3F8EB7}"/>
+              </a:ext>
+            </a:extLst>
+          </p:cNvPr>
+          <p:cNvPicPr>
+            <a:picLocks noChangeAspect="1"/>
+          </p:cNvPicPr>
+          <p:nvPr/>
+        </p:nvPicPr>
+        <p:blipFill>
+          <a:blip r:embed="rId6">
+            <a:extLst>
+              <a:ext uri="{28A0092B-C50C-407E-A947-70E740481C1C}">
+                <a14:useLocalDpi xmlns:a14="http://schemas.microsoft.com/office/drawing/2010/main" val="0"/>
+              </a:ext>
+            </a:extLst>
+          </a:blip>
+          <a:stretch>
+            <a:fillRect/>
+          </a:stretch>
+        </p:blipFill>
+        <p:spPr>
+          <a:xfrm>
+            <a:off x="-8800" y="462000"/>
+            <a:ext cx="4497600" cy="3373200"/>
+          </a:xfrm>
+          <a:prstGeom prst="rect">
+            <a:avLst/>
+          </a:prstGeom>
+        </p:spPr>
+      </p:pic>
+      <p:sp>
+        <p:nvSpPr>
+          <p:cNvPr id="2" name="タイトル 1">
+            <a:extLst>
+              <a:ext uri="{FF2B5EF4-FFF2-40B4-BE49-F238E27FC236}">
+                <a16:creationId xmlns:a16="http://schemas.microsoft.com/office/drawing/2014/main" id="{2998B0D2-E6C1-90DC-AD00-FC5E4AC67CF9}"/>
+              </a:ext>
+            </a:extLst>
+          </p:cNvPr>
+          <p:cNvSpPr>
+            <a:spLocks noGrp="1"/>
+          </p:cNvSpPr>
+          <p:nvPr>
+            <p:ph type="title"/>
+          </p:nvPr>
+        </p:nvSpPr>
+        <p:spPr>
+          <a:xfrm>
+            <a:off x="0" y="18256"/>
+            <a:ext cx="12192000" cy="662782"/>
+          </a:xfrm>
+        </p:spPr>
+        <p:txBody>
+          <a:bodyPr>
+            <a:normAutofit fontScale="90000"/>
+          </a:bodyPr>
+          <a:lstStyle/>
+          <a:p>
+            <a:pPr algn="ctr"/>
+            <a:r>
+              <a:rPr lang="en-US" b="1" dirty="0">
+                <a:latin typeface="Arial" panose="020B0604020202020204" pitchFamily="34" charset="0"/>
+                <a:cs typeface="Arial" panose="020B0604020202020204" pitchFamily="34" charset="0"/>
+              </a:rPr>
+              <a:t>Z-indexed tuning curve each day</a:t>
+            </a:r>
+          </a:p>
+        </p:txBody>
+      </p:sp>
+    </p:spTree>
+    <p:extLst>
+      <p:ext uri="{BB962C8B-B14F-4D97-AF65-F5344CB8AC3E}">
+        <p14:creationId xmlns:p14="http://schemas.microsoft.com/office/powerpoint/2010/main" val="1912934862"/>
+      </p:ext>
+    </p:extLst>
+  </p:cSld>
+  <p:clrMapOvr>
+    <a:masterClrMapping/>
+  </p:clrMapOvr>
+</p:sld>
+</file>
+
+<file path=ppt/slides/slide15.xml><?xml version="1.0" encoding="utf-8"?>
+<p:sld xmlns:a="http://schemas.openxmlformats.org/drawingml/2006/main" xmlns:r="http://schemas.openxmlformats.org/officeDocument/2006/relationships" xmlns:p="http://schemas.openxmlformats.org/presentationml/2006/main">
+  <p:cSld>
+    <p:spTree>
+      <p:nvGrpSpPr>
+        <p:cNvPr id="1" name=""/>
+        <p:cNvGrpSpPr/>
+        <p:nvPr/>
+      </p:nvGrpSpPr>
+      <p:grpSpPr>
+        <a:xfrm>
+          <a:off x="0" y="0"/>
+          <a:ext cx="0" cy="0"/>
+          <a:chOff x="0" y="0"/>
+          <a:chExt cx="0" cy="0"/>
+        </a:xfrm>
+      </p:grpSpPr>
+      <p:sp>
+        <p:nvSpPr>
+          <p:cNvPr id="2" name="タイトル 1">
+            <a:extLst>
+              <a:ext uri="{FF2B5EF4-FFF2-40B4-BE49-F238E27FC236}">
+                <a16:creationId xmlns:a16="http://schemas.microsoft.com/office/drawing/2014/main" id="{2998B0D2-E6C1-90DC-AD00-FC5E4AC67CF9}"/>
+              </a:ext>
+            </a:extLst>
+          </p:cNvPr>
+          <p:cNvSpPr>
+            <a:spLocks noGrp="1"/>
+          </p:cNvSpPr>
+          <p:nvPr>
+            <p:ph type="title"/>
+          </p:nvPr>
+        </p:nvSpPr>
+        <p:spPr>
+          <a:xfrm>
+            <a:off x="0" y="18256"/>
+            <a:ext cx="12192000" cy="662782"/>
+          </a:xfrm>
+        </p:spPr>
+        <p:txBody>
+          <a:bodyPr>
+            <a:normAutofit fontScale="90000"/>
+          </a:bodyPr>
+          <a:lstStyle/>
+          <a:p>
+            <a:pPr algn="ctr"/>
+            <a:r>
+              <a:rPr lang="en-US" dirty="0">
+                <a:latin typeface="Arial" panose="020B0604020202020204" pitchFamily="34" charset="0"/>
+                <a:cs typeface="Arial" panose="020B0604020202020204" pitchFamily="34" charset="0"/>
+              </a:rPr>
+              <a:t>What happen in total</a:t>
+            </a:r>
+          </a:p>
+        </p:txBody>
+      </p:sp>
+      <p:sp>
+        <p:nvSpPr>
+          <p:cNvPr id="3" name="コンテンツ プレースホルダー 2">
+            <a:extLst>
+              <a:ext uri="{FF2B5EF4-FFF2-40B4-BE49-F238E27FC236}">
+                <a16:creationId xmlns:a16="http://schemas.microsoft.com/office/drawing/2014/main" id="{53C1E971-4386-CE03-291B-95136168D0B5}"/>
+              </a:ext>
+            </a:extLst>
+          </p:cNvPr>
+          <p:cNvSpPr>
+            <a:spLocks noGrp="1"/>
+          </p:cNvSpPr>
+          <p:nvPr>
+            <p:ph idx="1"/>
+          </p:nvPr>
+        </p:nvSpPr>
+        <p:spPr>
+          <a:xfrm>
+            <a:off x="239210" y="681038"/>
+            <a:ext cx="11713580" cy="5967289"/>
+          </a:xfrm>
+        </p:spPr>
+        <p:txBody>
+          <a:bodyPr/>
+          <a:lstStyle/>
+          <a:p>
+            <a:pPr marL="514350" indent="-514350">
+              <a:buAutoNum type="arabicPeriod"/>
+            </a:pPr>
+            <a:endParaRPr lang="en-US" dirty="0">
+              <a:latin typeface="Arial" panose="020B0604020202020204" pitchFamily="34" charset="0"/>
+              <a:cs typeface="Arial" panose="020B0604020202020204" pitchFamily="34" charset="0"/>
+            </a:endParaRPr>
+          </a:p>
+        </p:txBody>
+      </p:sp>
+    </p:spTree>
+    <p:extLst>
+      <p:ext uri="{BB962C8B-B14F-4D97-AF65-F5344CB8AC3E}">
+        <p14:creationId xmlns:p14="http://schemas.microsoft.com/office/powerpoint/2010/main" val="3783553276"/>
       </p:ext>
     </p:extLst>
   </p:cSld>
@@ -3870,10 +7250,10 @@
           <a:lstStyle/>
           <a:p>
             <a:r>
-              <a:rPr lang="ja-JP" altLang="en-US" dirty="0"/>
-              <a:t>ロジック流れ</a:t>
-            </a:r>
-            <a:endParaRPr lang="en-US" dirty="0"/>
+              <a:rPr lang="en-US" altLang="ja-JP" b="1" dirty="0"/>
+              <a:t>Logic Tree</a:t>
+            </a:r>
+            <a:endParaRPr lang="en-US" b="1" dirty="0"/>
           </a:p>
         </p:txBody>
       </p:sp>
@@ -4092,7 +7472,7 @@
           <a:p>
             <a:pPr algn="ctr"/>
             <a:r>
-              <a:rPr lang="en-US" dirty="0">
+              <a:rPr lang="en-US" b="1" dirty="0">
                 <a:latin typeface="Arial" panose="020B0604020202020204" pitchFamily="34" charset="0"/>
                 <a:cs typeface="Arial" panose="020B0604020202020204" pitchFamily="34" charset="0"/>
               </a:rPr>
@@ -4131,7 +7511,7 @@
               <a:buNone/>
             </a:pPr>
             <a:r>
-              <a:rPr lang="en-US" dirty="0">
+              <a:rPr lang="en-US" sz="4000" b="1" dirty="0">
                 <a:latin typeface="Arial" panose="020B0604020202020204" pitchFamily="34" charset="0"/>
                 <a:cs typeface="Arial" panose="020B0604020202020204" pitchFamily="34" charset="0"/>
               </a:rPr>
@@ -4140,6 +7520,9 @@
           </a:p>
           <a:p>
             <a:pPr marL="514350" indent="-514350">
+              <a:lnSpc>
+                <a:spcPct val="150000"/>
+              </a:lnSpc>
               <a:buAutoNum type="arabicPeriod"/>
             </a:pPr>
             <a:r>
@@ -4155,6 +7538,9 @@
           </a:p>
           <a:p>
             <a:pPr marL="514350" indent="-514350">
+              <a:lnSpc>
+                <a:spcPct val="150000"/>
+              </a:lnSpc>
               <a:buFont typeface="Arial" panose="020B0604020202020204" pitchFamily="34" charset="0"/>
               <a:buAutoNum type="arabicPeriod"/>
             </a:pPr>
@@ -4250,11 +7636,11 @@
           <a:p>
             <a:pPr algn="ctr"/>
             <a:r>
-              <a:rPr lang="en-US" dirty="0">
+              <a:rPr lang="en-US" b="1" dirty="0">
                 <a:latin typeface="Arial" panose="020B0604020202020204" pitchFamily="34" charset="0"/>
                 <a:cs typeface="Arial" panose="020B0604020202020204" pitchFamily="34" charset="0"/>
               </a:rPr>
-              <a:t>Reward axis is the result of co-contraction</a:t>
+              <a:t>TC at holding time are different among muscles</a:t>
             </a:r>
           </a:p>
         </p:txBody>
@@ -4277,19 +7663,24 @@
         </p:nvSpPr>
         <p:spPr>
           <a:xfrm>
-            <a:off x="239210" y="681038"/>
-            <a:ext cx="4980972" cy="5967289"/>
+            <a:off x="239210" y="681039"/>
+            <a:ext cx="3650865" cy="2902990"/>
           </a:xfrm>
         </p:spPr>
         <p:txBody>
-          <a:bodyPr/>
+          <a:bodyPr>
+            <a:normAutofit/>
+          </a:bodyPr>
           <a:lstStyle/>
           <a:p>
             <a:pPr marL="0" indent="0">
               <a:buNone/>
             </a:pPr>
             <a:r>
-              <a:rPr lang="en-US" dirty="0">
+              <a:rPr lang="en-US" b="1" dirty="0">
+                <a:solidFill>
+                  <a:schemeClr val="accent1"/>
+                </a:solidFill>
                 <a:latin typeface="Arial" panose="020B0604020202020204" pitchFamily="34" charset="0"/>
                 <a:cs typeface="Arial" panose="020B0604020202020204" pitchFamily="34" charset="0"/>
               </a:rPr>
@@ -4298,21 +7689,31 @@
           </a:p>
           <a:p>
             <a:pPr marL="514350" indent="-514350">
+              <a:buFont typeface="Arial" panose="020B0604020202020204" pitchFamily="34" charset="0"/>
               <a:buAutoNum type="arabicPeriod"/>
             </a:pPr>
             <a:r>
-              <a:rPr lang="en-US" dirty="0" err="1">
+              <a:rPr lang="en-US" altLang="ja-JP" sz="1800" dirty="0">
                 <a:latin typeface="Arial" panose="020B0604020202020204" pitchFamily="34" charset="0"/>
                 <a:cs typeface="Arial" panose="020B0604020202020204" pitchFamily="34" charset="0"/>
               </a:rPr>
-              <a:t>Tric</a:t>
-            </a:r>
-            <a:r>
-              <a:rPr lang="en-US" dirty="0">
+              <a:t>Normalize by successes</a:t>
+            </a:r>
+            <a:endParaRPr lang="en-US" sz="1800" dirty="0">
+              <a:latin typeface="Arial" panose="020B0604020202020204" pitchFamily="34" charset="0"/>
+              <a:cs typeface="Arial" panose="020B0604020202020204" pitchFamily="34" charset="0"/>
+            </a:endParaRPr>
+          </a:p>
+          <a:p>
+            <a:pPr marL="514350" indent="-514350">
+              <a:buAutoNum type="arabicPeriod"/>
+            </a:pPr>
+            <a:r>
+              <a:rPr lang="en-US" sz="1800" dirty="0">
                 <a:latin typeface="Arial" panose="020B0604020202020204" pitchFamily="34" charset="0"/>
                 <a:cs typeface="Arial" panose="020B0604020202020204" pitchFamily="34" charset="0"/>
               </a:rPr>
-              <a:t> was worst data and removed day7~9</a:t>
+              <a:t>Abnormal Day is removed</a:t>
             </a:r>
           </a:p>
           <a:p>
@@ -4320,59 +7721,206 @@
               <a:buAutoNum type="arabicPeriod"/>
             </a:pPr>
             <a:r>
-              <a:rPr lang="en-US" dirty="0">
+              <a:rPr lang="en-US" sz="1800" dirty="0">
                 <a:latin typeface="Arial" panose="020B0604020202020204" pitchFamily="34" charset="0"/>
                 <a:cs typeface="Arial" panose="020B0604020202020204" pitchFamily="34" charset="0"/>
               </a:rPr>
-              <a:t>Normalize by </a:t>
-            </a:r>
-            <a:r>
-              <a:rPr lang="en-US" dirty="0" err="1">
+              <a:t>Use both successes and failures </a:t>
+            </a:r>
+            <a:r>
+              <a:rPr lang="en-US" altLang="ja-JP" sz="1800" dirty="0">
                 <a:latin typeface="Arial" panose="020B0604020202020204" pitchFamily="34" charset="0"/>
                 <a:cs typeface="Arial" panose="020B0604020202020204" pitchFamily="34" charset="0"/>
               </a:rPr>
-              <a:t>successed</a:t>
-            </a:r>
-            <a:r>
-              <a:rPr lang="en-US" dirty="0">
-                <a:latin typeface="Arial" panose="020B0604020202020204" pitchFamily="34" charset="0"/>
-                <a:cs typeface="Arial" panose="020B0604020202020204" pitchFamily="34" charset="0"/>
-              </a:rPr>
-              <a:t> dataset</a:t>
-            </a:r>
-          </a:p>
-          <a:p>
-            <a:pPr marL="514350" indent="-514350">
-              <a:buAutoNum type="arabicPeriod"/>
-            </a:pPr>
-            <a:r>
-              <a:rPr lang="en-US" dirty="0">
-                <a:latin typeface="Arial" panose="020B0604020202020204" pitchFamily="34" charset="0"/>
-                <a:cs typeface="Arial" panose="020B0604020202020204" pitchFamily="34" charset="0"/>
-              </a:rPr>
-              <a:t>Use for this visualization both successes and failures</a:t>
-            </a:r>
-          </a:p>
-          <a:p>
-            <a:pPr marL="514350" indent="-514350">
-              <a:buAutoNum type="arabicPeriod"/>
-            </a:pPr>
-            <a:endParaRPr lang="en-US" dirty="0">
+              <a:t>for this visualization</a:t>
+            </a:r>
+            <a:endParaRPr lang="en-US" sz="1800" dirty="0">
               <a:latin typeface="Arial" panose="020B0604020202020204" pitchFamily="34" charset="0"/>
               <a:cs typeface="Arial" panose="020B0604020202020204" pitchFamily="34" charset="0"/>
             </a:endParaRPr>
           </a:p>
-          <a:p>
-            <a:pPr marL="514350" indent="-514350">
-              <a:buAutoNum type="arabicPeriod"/>
-            </a:pPr>
-            <a:endParaRPr lang="en-US" dirty="0">
-              <a:latin typeface="Arial" panose="020B0604020202020204" pitchFamily="34" charset="0"/>
-              <a:cs typeface="Arial" panose="020B0604020202020204" pitchFamily="34" charset="0"/>
-            </a:endParaRPr>
-          </a:p>
         </p:txBody>
       </p:sp>
+      <p:pic>
+        <p:nvPicPr>
+          <p:cNvPr id="5" name="図 4">
+            <a:extLst>
+              <a:ext uri="{FF2B5EF4-FFF2-40B4-BE49-F238E27FC236}">
+                <a16:creationId xmlns:a16="http://schemas.microsoft.com/office/drawing/2014/main" id="{99FCD867-F0C9-DB4A-604A-E4D8461BE0E2}"/>
+              </a:ext>
+            </a:extLst>
+          </p:cNvPr>
+          <p:cNvPicPr>
+            <a:picLocks noChangeAspect="1"/>
+          </p:cNvPicPr>
+          <p:nvPr/>
+        </p:nvPicPr>
+        <p:blipFill>
+          <a:blip r:embed="rId2">
+            <a:extLst>
+              <a:ext uri="{28A0092B-C50C-407E-A947-70E740481C1C}">
+                <a14:useLocalDpi xmlns:a14="http://schemas.microsoft.com/office/drawing/2010/main" val="0"/>
+              </a:ext>
+            </a:extLst>
+          </a:blip>
+          <a:stretch>
+            <a:fillRect/>
+          </a:stretch>
+        </p:blipFill>
+        <p:spPr>
+          <a:xfrm>
+            <a:off x="3890993" y="582762"/>
+            <a:ext cx="4408177" cy="3306133"/>
+          </a:xfrm>
+          <a:prstGeom prst="rect">
+            <a:avLst/>
+          </a:prstGeom>
+        </p:spPr>
+      </p:pic>
+      <p:pic>
+        <p:nvPicPr>
+          <p:cNvPr id="7" name="図 6">
+            <a:extLst>
+              <a:ext uri="{FF2B5EF4-FFF2-40B4-BE49-F238E27FC236}">
+                <a16:creationId xmlns:a16="http://schemas.microsoft.com/office/drawing/2014/main" id="{EBD28875-71E5-2C10-90F3-736DD3C73AB6}"/>
+              </a:ext>
+            </a:extLst>
+          </p:cNvPr>
+          <p:cNvPicPr>
+            <a:picLocks noChangeAspect="1"/>
+          </p:cNvPicPr>
+          <p:nvPr/>
+        </p:nvPicPr>
+        <p:blipFill>
+          <a:blip r:embed="rId3">
+            <a:extLst>
+              <a:ext uri="{28A0092B-C50C-407E-A947-70E740481C1C}">
+                <a14:useLocalDpi xmlns:a14="http://schemas.microsoft.com/office/drawing/2010/main" val="0"/>
+              </a:ext>
+            </a:extLst>
+          </a:blip>
+          <a:stretch>
+            <a:fillRect/>
+          </a:stretch>
+        </p:blipFill>
+        <p:spPr>
+          <a:xfrm>
+            <a:off x="7949800" y="588146"/>
+            <a:ext cx="4408177" cy="3306133"/>
+          </a:xfrm>
+          <a:prstGeom prst="rect">
+            <a:avLst/>
+          </a:prstGeom>
+        </p:spPr>
+      </p:pic>
+      <p:pic>
+        <p:nvPicPr>
+          <p:cNvPr id="11" name="図 10">
+            <a:extLst>
+              <a:ext uri="{FF2B5EF4-FFF2-40B4-BE49-F238E27FC236}">
+                <a16:creationId xmlns:a16="http://schemas.microsoft.com/office/drawing/2014/main" id="{99A5070E-B8DC-F9B1-3ADD-A8B8A8249EB1}"/>
+              </a:ext>
+            </a:extLst>
+          </p:cNvPr>
+          <p:cNvPicPr>
+            <a:picLocks noChangeAspect="1"/>
+          </p:cNvPicPr>
+          <p:nvPr/>
+        </p:nvPicPr>
+        <p:blipFill>
+          <a:blip r:embed="rId4">
+            <a:extLst>
+              <a:ext uri="{28A0092B-C50C-407E-A947-70E740481C1C}">
+                <a14:useLocalDpi xmlns:a14="http://schemas.microsoft.com/office/drawing/2010/main" val="0"/>
+              </a:ext>
+            </a:extLst>
+          </a:blip>
+          <a:stretch>
+            <a:fillRect/>
+          </a:stretch>
+        </p:blipFill>
+        <p:spPr>
+          <a:xfrm>
+            <a:off x="-115613" y="3725807"/>
+            <a:ext cx="4408177" cy="3306134"/>
+          </a:xfrm>
+          <a:prstGeom prst="rect">
+            <a:avLst/>
+          </a:prstGeom>
+        </p:spPr>
+      </p:pic>
+      <p:pic>
+        <p:nvPicPr>
+          <p:cNvPr id="9" name="図 8">
+            <a:extLst>
+              <a:ext uri="{FF2B5EF4-FFF2-40B4-BE49-F238E27FC236}">
+                <a16:creationId xmlns:a16="http://schemas.microsoft.com/office/drawing/2014/main" id="{D82046C1-2323-5750-D37E-EB9E1950E444}"/>
+              </a:ext>
+            </a:extLst>
+          </p:cNvPr>
+          <p:cNvPicPr>
+            <a:picLocks noChangeAspect="1"/>
+          </p:cNvPicPr>
+          <p:nvPr/>
+        </p:nvPicPr>
+        <p:blipFill>
+          <a:blip r:embed="rId5">
+            <a:extLst>
+              <a:ext uri="{28A0092B-C50C-407E-A947-70E740481C1C}">
+                <a14:useLocalDpi xmlns:a14="http://schemas.microsoft.com/office/drawing/2010/main" val="0"/>
+              </a:ext>
+            </a:extLst>
+          </a:blip>
+          <a:stretch>
+            <a:fillRect/>
+          </a:stretch>
+        </p:blipFill>
+        <p:spPr>
+          <a:xfrm>
+            <a:off x="3891911" y="3720424"/>
+            <a:ext cx="4408177" cy="3306133"/>
+          </a:xfrm>
+          <a:prstGeom prst="rect">
+            <a:avLst/>
+          </a:prstGeom>
+        </p:spPr>
+      </p:pic>
+      <p:pic>
+        <p:nvPicPr>
+          <p:cNvPr id="13" name="図 12">
+            <a:extLst>
+              <a:ext uri="{FF2B5EF4-FFF2-40B4-BE49-F238E27FC236}">
+                <a16:creationId xmlns:a16="http://schemas.microsoft.com/office/drawing/2014/main" id="{2F717ED3-918E-C92C-B479-1197FE944D24}"/>
+              </a:ext>
+            </a:extLst>
+          </p:cNvPr>
+          <p:cNvPicPr>
+            <a:picLocks noChangeAspect="1"/>
+          </p:cNvPicPr>
+          <p:nvPr/>
+        </p:nvPicPr>
+        <p:blipFill>
+          <a:blip r:embed="rId6">
+            <a:extLst>
+              <a:ext uri="{28A0092B-C50C-407E-A947-70E740481C1C}">
+                <a14:useLocalDpi xmlns:a14="http://schemas.microsoft.com/office/drawing/2010/main" val="0"/>
+              </a:ext>
+            </a:extLst>
+          </a:blip>
+          <a:stretch>
+            <a:fillRect/>
+          </a:stretch>
+        </p:blipFill>
+        <p:spPr>
+          <a:xfrm>
+            <a:off x="7972635" y="3720424"/>
+            <a:ext cx="4408177" cy="3306133"/>
+          </a:xfrm>
+          <a:prstGeom prst="rect">
+            <a:avLst/>
+          </a:prstGeom>
+        </p:spPr>
+      </p:pic>
     </p:spTree>
     <p:extLst>
       <p:ext uri="{BB962C8B-B14F-4D97-AF65-F5344CB8AC3E}">
@@ -4433,779 +7981,62 @@
           <a:p>
             <a:pPr algn="ctr"/>
             <a:r>
-              <a:rPr lang="en-US" dirty="0">
+              <a:rPr lang="en-US" b="1" dirty="0">
                 <a:latin typeface="Arial" panose="020B0604020202020204" pitchFamily="34" charset="0"/>
                 <a:cs typeface="Arial" panose="020B0604020202020204" pitchFamily="34" charset="0"/>
               </a:rPr>
-              <a:t>The variance is because of few datapoint?</a:t>
+              <a:t>What happen in total</a:t>
             </a:r>
           </a:p>
         </p:txBody>
       </p:sp>
-      <p:graphicFrame>
-        <p:nvGraphicFramePr>
-          <p:cNvPr id="4" name="表 4">
-            <a:extLst>
-              <a:ext uri="{FF2B5EF4-FFF2-40B4-BE49-F238E27FC236}">
-                <a16:creationId xmlns:a16="http://schemas.microsoft.com/office/drawing/2014/main" id="{547F0640-0FE7-5886-5B13-22531EFC6387}"/>
-              </a:ext>
-            </a:extLst>
-          </p:cNvPr>
-          <p:cNvGraphicFramePr>
-            <a:graphicFrameLocks noGrp="1"/>
-          </p:cNvGraphicFramePr>
+      <p:sp>
+        <p:nvSpPr>
+          <p:cNvPr id="3" name="コンテンツ プレースホルダー 2">
+            <a:extLst>
+              <a:ext uri="{FF2B5EF4-FFF2-40B4-BE49-F238E27FC236}">
+                <a16:creationId xmlns:a16="http://schemas.microsoft.com/office/drawing/2014/main" id="{53C1E971-4386-CE03-291B-95136168D0B5}"/>
+              </a:ext>
+            </a:extLst>
+          </p:cNvPr>
+          <p:cNvSpPr>
+            <a:spLocks noGrp="1"/>
+          </p:cNvSpPr>
           <p:nvPr>
             <p:ph idx="1"/>
-            <p:extLst>
-              <p:ext uri="{D42A27DB-BD31-4B8C-83A1-F6EECF244321}">
-                <p14:modId xmlns:p14="http://schemas.microsoft.com/office/powerpoint/2010/main" val="2172486692"/>
-              </p:ext>
-            </p:extLst>
           </p:nvPr>
-        </p:nvGraphicFramePr>
-        <p:xfrm>
-          <a:off x="838200" y="1825625"/>
-          <a:ext cx="10515600" cy="1854200"/>
-        </p:xfrm>
-        <a:graphic>
-          <a:graphicData uri="http://schemas.openxmlformats.org/drawingml/2006/table">
-            <a:tbl>
-              <a:tblPr firstRow="1" bandRow="1">
-                <a:tableStyleId>{5C22544A-7EE6-4342-B048-85BDC9FD1C3A}</a:tableStyleId>
-              </a:tblPr>
-              <a:tblGrid>
-                <a:gridCol w="1168400">
-                  <a:extLst>
-                    <a:ext uri="{9D8B030D-6E8A-4147-A177-3AD203B41FA5}">
-                      <a16:colId xmlns:a16="http://schemas.microsoft.com/office/drawing/2014/main" val="3181871482"/>
-                    </a:ext>
-                  </a:extLst>
-                </a:gridCol>
-                <a:gridCol w="1168400">
-                  <a:extLst>
-                    <a:ext uri="{9D8B030D-6E8A-4147-A177-3AD203B41FA5}">
-                      <a16:colId xmlns:a16="http://schemas.microsoft.com/office/drawing/2014/main" val="3188831379"/>
-                    </a:ext>
-                  </a:extLst>
-                </a:gridCol>
-                <a:gridCol w="1168400">
-                  <a:extLst>
-                    <a:ext uri="{9D8B030D-6E8A-4147-A177-3AD203B41FA5}">
-                      <a16:colId xmlns:a16="http://schemas.microsoft.com/office/drawing/2014/main" val="807073560"/>
-                    </a:ext>
-                  </a:extLst>
-                </a:gridCol>
-                <a:gridCol w="1168400">
-                  <a:extLst>
-                    <a:ext uri="{9D8B030D-6E8A-4147-A177-3AD203B41FA5}">
-                      <a16:colId xmlns:a16="http://schemas.microsoft.com/office/drawing/2014/main" val="59361020"/>
-                    </a:ext>
-                  </a:extLst>
-                </a:gridCol>
-                <a:gridCol w="1168400">
-                  <a:extLst>
-                    <a:ext uri="{9D8B030D-6E8A-4147-A177-3AD203B41FA5}">
-                      <a16:colId xmlns:a16="http://schemas.microsoft.com/office/drawing/2014/main" val="151821068"/>
-                    </a:ext>
-                  </a:extLst>
-                </a:gridCol>
-                <a:gridCol w="1168400">
-                  <a:extLst>
-                    <a:ext uri="{9D8B030D-6E8A-4147-A177-3AD203B41FA5}">
-                      <a16:colId xmlns:a16="http://schemas.microsoft.com/office/drawing/2014/main" val="3044087434"/>
-                    </a:ext>
-                  </a:extLst>
-                </a:gridCol>
-                <a:gridCol w="1168400">
-                  <a:extLst>
-                    <a:ext uri="{9D8B030D-6E8A-4147-A177-3AD203B41FA5}">
-                      <a16:colId xmlns:a16="http://schemas.microsoft.com/office/drawing/2014/main" val="3321186714"/>
-                    </a:ext>
-                  </a:extLst>
-                </a:gridCol>
-                <a:gridCol w="1168400">
-                  <a:extLst>
-                    <a:ext uri="{9D8B030D-6E8A-4147-A177-3AD203B41FA5}">
-                      <a16:colId xmlns:a16="http://schemas.microsoft.com/office/drawing/2014/main" val="2110933227"/>
-                    </a:ext>
-                  </a:extLst>
-                </a:gridCol>
-                <a:gridCol w="1168400">
-                  <a:extLst>
-                    <a:ext uri="{9D8B030D-6E8A-4147-A177-3AD203B41FA5}">
-                      <a16:colId xmlns:a16="http://schemas.microsoft.com/office/drawing/2014/main" val="379805547"/>
-                    </a:ext>
-                  </a:extLst>
-                </a:gridCol>
-              </a:tblGrid>
-              <a:tr h="370840">
-                <a:tc>
-                  <a:txBody>
-                    <a:bodyPr/>
-                    <a:lstStyle/>
-                    <a:p>
-                      <a:endParaRPr kumimoji="1" lang="ja-JP" altLang="en-US"/>
-                    </a:p>
-                  </a:txBody>
-                  <a:tcPr/>
-                </a:tc>
-                <a:tc>
-                  <a:txBody>
-                    <a:bodyPr/>
-                    <a:lstStyle/>
-                    <a:p>
-                      <a:r>
-                        <a:rPr kumimoji="1" lang="en-US" altLang="ja-JP" dirty="0"/>
-                        <a:t>0</a:t>
-                      </a:r>
-                      <a:endParaRPr kumimoji="1" lang="ja-JP" altLang="en-US"/>
-                    </a:p>
-                  </a:txBody>
-                  <a:tcPr/>
-                </a:tc>
-                <a:tc>
-                  <a:txBody>
-                    <a:bodyPr/>
-                    <a:lstStyle/>
-                    <a:p>
-                      <a:r>
-                        <a:rPr kumimoji="1" lang="en-US" altLang="ja-JP" dirty="0"/>
-                        <a:t>45</a:t>
-                      </a:r>
-                      <a:endParaRPr kumimoji="1" lang="ja-JP" altLang="en-US"/>
-                    </a:p>
-                  </a:txBody>
-                  <a:tcPr/>
-                </a:tc>
-                <a:tc>
-                  <a:txBody>
-                    <a:bodyPr/>
-                    <a:lstStyle/>
-                    <a:p>
-                      <a:r>
-                        <a:rPr kumimoji="1" lang="en-US" altLang="ja-JP" dirty="0"/>
-                        <a:t>90</a:t>
-                      </a:r>
-                      <a:endParaRPr kumimoji="1" lang="ja-JP" altLang="en-US"/>
-                    </a:p>
-                  </a:txBody>
-                  <a:tcPr/>
-                </a:tc>
-                <a:tc>
-                  <a:txBody>
-                    <a:bodyPr/>
-                    <a:lstStyle/>
-                    <a:p>
-                      <a:r>
-                        <a:rPr kumimoji="1" lang="en-US" altLang="ja-JP" dirty="0"/>
-                        <a:t>135</a:t>
-                      </a:r>
-                      <a:endParaRPr kumimoji="1" lang="ja-JP" altLang="en-US"/>
-                    </a:p>
-                  </a:txBody>
-                  <a:tcPr/>
-                </a:tc>
-                <a:tc>
-                  <a:txBody>
-                    <a:bodyPr/>
-                    <a:lstStyle/>
-                    <a:p>
-                      <a:r>
-                        <a:rPr kumimoji="1" lang="en-US" altLang="ja-JP" dirty="0"/>
-                        <a:t>180</a:t>
-                      </a:r>
-                      <a:endParaRPr kumimoji="1" lang="ja-JP" altLang="en-US"/>
-                    </a:p>
-                  </a:txBody>
-                  <a:tcPr/>
-                </a:tc>
-                <a:tc>
-                  <a:txBody>
-                    <a:bodyPr/>
-                    <a:lstStyle/>
-                    <a:p>
-                      <a:r>
-                        <a:rPr kumimoji="1" lang="en-US" altLang="ja-JP" dirty="0"/>
-                        <a:t>225</a:t>
-                      </a:r>
-                      <a:endParaRPr kumimoji="1" lang="ja-JP" altLang="en-US"/>
-                    </a:p>
-                  </a:txBody>
-                  <a:tcPr/>
-                </a:tc>
-                <a:tc>
-                  <a:txBody>
-                    <a:bodyPr/>
-                    <a:lstStyle/>
-                    <a:p>
-                      <a:r>
-                        <a:rPr kumimoji="1" lang="en-US" altLang="ja-JP" dirty="0"/>
-                        <a:t>270</a:t>
-                      </a:r>
-                      <a:endParaRPr kumimoji="1" lang="ja-JP" altLang="en-US"/>
-                    </a:p>
-                  </a:txBody>
-                  <a:tcPr/>
-                </a:tc>
-                <a:tc>
-                  <a:txBody>
-                    <a:bodyPr/>
-                    <a:lstStyle/>
-                    <a:p>
-                      <a:r>
-                        <a:rPr kumimoji="1" lang="en-US" altLang="ja-JP" dirty="0"/>
-                        <a:t>325</a:t>
-                      </a:r>
-                      <a:endParaRPr kumimoji="1" lang="ja-JP" altLang="en-US"/>
-                    </a:p>
-                  </a:txBody>
-                  <a:tcPr/>
-                </a:tc>
-                <a:extLst>
-                  <a:ext uri="{0D108BD9-81ED-4DB2-BD59-A6C34878D82A}">
-                    <a16:rowId xmlns:a16="http://schemas.microsoft.com/office/drawing/2014/main" val="1711391203"/>
-                  </a:ext>
-                </a:extLst>
-              </a:tr>
-              <a:tr h="370840">
-                <a:tc>
-                  <a:txBody>
-                    <a:bodyPr/>
-                    <a:lstStyle/>
-                    <a:p>
-                      <a:r>
-                        <a:rPr kumimoji="1" lang="en-US" altLang="ja-JP" dirty="0"/>
-                        <a:t>Small</a:t>
-                      </a:r>
-                      <a:endParaRPr kumimoji="1" lang="ja-JP" altLang="en-US"/>
-                    </a:p>
-                  </a:txBody>
-                  <a:tcPr/>
-                </a:tc>
-                <a:tc>
-                  <a:txBody>
-                    <a:bodyPr/>
-                    <a:lstStyle/>
-                    <a:p>
-                      <a:r>
-                        <a:rPr kumimoji="1" lang="en-US" altLang="ja-JP" dirty="0"/>
-                        <a:t>385</a:t>
-                      </a:r>
-                      <a:endParaRPr kumimoji="1" lang="ja-JP" altLang="en-US"/>
-                    </a:p>
-                  </a:txBody>
-                  <a:tcPr/>
-                </a:tc>
-                <a:tc>
-                  <a:txBody>
-                    <a:bodyPr/>
-                    <a:lstStyle/>
-                    <a:p>
-                      <a:r>
-                        <a:rPr kumimoji="1" lang="en-US" altLang="ja-JP" dirty="0"/>
-                        <a:t>299</a:t>
-                      </a:r>
-                      <a:endParaRPr kumimoji="1" lang="ja-JP" altLang="en-US"/>
-                    </a:p>
-                  </a:txBody>
-                  <a:tcPr/>
-                </a:tc>
-                <a:tc>
-                  <a:txBody>
-                    <a:bodyPr/>
-                    <a:lstStyle/>
-                    <a:p>
-                      <a:r>
-                        <a:rPr kumimoji="1" lang="en-US" altLang="ja-JP" dirty="0"/>
-                        <a:t>343</a:t>
-                      </a:r>
-                      <a:endParaRPr kumimoji="1" lang="ja-JP" altLang="en-US"/>
-                    </a:p>
-                  </a:txBody>
-                  <a:tcPr/>
-                </a:tc>
-                <a:tc>
-                  <a:txBody>
-                    <a:bodyPr/>
-                    <a:lstStyle/>
-                    <a:p>
-                      <a:r>
-                        <a:rPr kumimoji="1" lang="en-US" altLang="ja-JP" dirty="0"/>
-                        <a:t>380</a:t>
-                      </a:r>
-                      <a:endParaRPr kumimoji="1" lang="ja-JP" altLang="en-US"/>
-                    </a:p>
-                  </a:txBody>
-                  <a:tcPr/>
-                </a:tc>
-                <a:tc>
-                  <a:txBody>
-                    <a:bodyPr/>
-                    <a:lstStyle/>
-                    <a:p>
-                      <a:r>
-                        <a:rPr kumimoji="1" lang="en-US" altLang="ja-JP" dirty="0"/>
-                        <a:t>380</a:t>
-                      </a:r>
-                      <a:endParaRPr kumimoji="1" lang="ja-JP" altLang="en-US"/>
-                    </a:p>
-                  </a:txBody>
-                  <a:tcPr/>
-                </a:tc>
-                <a:tc>
-                  <a:txBody>
-                    <a:bodyPr/>
-                    <a:lstStyle/>
-                    <a:p>
-                      <a:r>
-                        <a:rPr kumimoji="1" lang="en-US" altLang="ja-JP" dirty="0"/>
-                        <a:t>351</a:t>
-                      </a:r>
-                      <a:endParaRPr kumimoji="1" lang="ja-JP" altLang="en-US"/>
-                    </a:p>
-                  </a:txBody>
-                  <a:tcPr/>
-                </a:tc>
-                <a:tc>
-                  <a:txBody>
-                    <a:bodyPr/>
-                    <a:lstStyle/>
-                    <a:p>
-                      <a:r>
-                        <a:rPr kumimoji="1" lang="en-US" altLang="ja-JP" dirty="0"/>
-                        <a:t>325</a:t>
-                      </a:r>
-                      <a:endParaRPr kumimoji="1" lang="ja-JP" altLang="en-US"/>
-                    </a:p>
-                  </a:txBody>
-                  <a:tcPr/>
-                </a:tc>
-                <a:tc>
-                  <a:txBody>
-                    <a:bodyPr/>
-                    <a:lstStyle/>
-                    <a:p>
-                      <a:r>
-                        <a:rPr kumimoji="1" lang="en-US" altLang="ja-JP" dirty="0"/>
-                        <a:t>344</a:t>
-                      </a:r>
-                      <a:endParaRPr kumimoji="1" lang="ja-JP" altLang="en-US"/>
-                    </a:p>
-                  </a:txBody>
-                  <a:tcPr/>
-                </a:tc>
-                <a:extLst>
-                  <a:ext uri="{0D108BD9-81ED-4DB2-BD59-A6C34878D82A}">
-                    <a16:rowId xmlns:a16="http://schemas.microsoft.com/office/drawing/2014/main" val="4190804422"/>
-                  </a:ext>
-                </a:extLst>
-              </a:tr>
-              <a:tr h="370840">
-                <a:tc>
-                  <a:txBody>
-                    <a:bodyPr/>
-                    <a:lstStyle/>
-                    <a:p>
-                      <a:r>
-                        <a:rPr kumimoji="1" lang="en-US" altLang="ja-JP" dirty="0"/>
-                        <a:t>Medium</a:t>
-                      </a:r>
-                    </a:p>
-                  </a:txBody>
-                  <a:tcPr/>
-                </a:tc>
-                <a:tc>
-                  <a:txBody>
-                    <a:bodyPr/>
-                    <a:lstStyle/>
-                    <a:p>
-                      <a:r>
-                        <a:rPr kumimoji="1" lang="en-US" altLang="ja-JP" dirty="0"/>
-                        <a:t>381</a:t>
-                      </a:r>
-                      <a:endParaRPr kumimoji="1" lang="ja-JP" altLang="en-US"/>
-                    </a:p>
-                  </a:txBody>
-                  <a:tcPr/>
-                </a:tc>
-                <a:tc>
-                  <a:txBody>
-                    <a:bodyPr/>
-                    <a:lstStyle/>
-                    <a:p>
-                      <a:r>
-                        <a:rPr kumimoji="1" lang="en-US" altLang="ja-JP" dirty="0"/>
-                        <a:t>406</a:t>
-                      </a:r>
-                      <a:endParaRPr kumimoji="1" lang="ja-JP" altLang="en-US"/>
-                    </a:p>
-                  </a:txBody>
-                  <a:tcPr/>
-                </a:tc>
-                <a:tc>
-                  <a:txBody>
-                    <a:bodyPr/>
-                    <a:lstStyle/>
-                    <a:p>
-                      <a:r>
-                        <a:rPr kumimoji="1" lang="en-US" altLang="ja-JP" dirty="0"/>
-                        <a:t>389</a:t>
-                      </a:r>
-                      <a:endParaRPr kumimoji="1" lang="ja-JP" altLang="en-US"/>
-                    </a:p>
-                  </a:txBody>
-                  <a:tcPr/>
-                </a:tc>
-                <a:tc>
-                  <a:txBody>
-                    <a:bodyPr/>
-                    <a:lstStyle/>
-                    <a:p>
-                      <a:r>
-                        <a:rPr kumimoji="1" lang="en-US" altLang="ja-JP" dirty="0"/>
-                        <a:t>413</a:t>
-                      </a:r>
-                      <a:endParaRPr kumimoji="1" lang="ja-JP" altLang="en-US"/>
-                    </a:p>
-                  </a:txBody>
-                  <a:tcPr/>
-                </a:tc>
-                <a:tc>
-                  <a:txBody>
-                    <a:bodyPr/>
-                    <a:lstStyle/>
-                    <a:p>
-                      <a:r>
-                        <a:rPr kumimoji="1" lang="en-US" altLang="ja-JP" dirty="0"/>
-                        <a:t>385</a:t>
-                      </a:r>
-                      <a:endParaRPr kumimoji="1" lang="ja-JP" altLang="en-US"/>
-                    </a:p>
-                  </a:txBody>
-                  <a:tcPr/>
-                </a:tc>
-                <a:tc>
-                  <a:txBody>
-                    <a:bodyPr/>
-                    <a:lstStyle/>
-                    <a:p>
-                      <a:r>
-                        <a:rPr kumimoji="1" lang="en-US" altLang="ja-JP" dirty="0"/>
-                        <a:t>359</a:t>
-                      </a:r>
-                      <a:endParaRPr kumimoji="1" lang="ja-JP" altLang="en-US"/>
-                    </a:p>
-                  </a:txBody>
-                  <a:tcPr/>
-                </a:tc>
-                <a:tc>
-                  <a:txBody>
-                    <a:bodyPr/>
-                    <a:lstStyle/>
-                    <a:p>
-                      <a:r>
-                        <a:rPr kumimoji="1" lang="en-US" altLang="ja-JP" dirty="0"/>
-                        <a:t>304</a:t>
-                      </a:r>
-                      <a:endParaRPr kumimoji="1" lang="ja-JP" altLang="en-US"/>
-                    </a:p>
-                  </a:txBody>
-                  <a:tcPr/>
-                </a:tc>
-                <a:tc>
-                  <a:txBody>
-                    <a:bodyPr/>
-                    <a:lstStyle/>
-                    <a:p>
-                      <a:r>
-                        <a:rPr kumimoji="1" lang="en-US" altLang="ja-JP" dirty="0"/>
-                        <a:t>355</a:t>
-                      </a:r>
-                      <a:endParaRPr kumimoji="1" lang="ja-JP" altLang="en-US"/>
-                    </a:p>
-                  </a:txBody>
-                  <a:tcPr/>
-                </a:tc>
-                <a:extLst>
-                  <a:ext uri="{0D108BD9-81ED-4DB2-BD59-A6C34878D82A}">
-                    <a16:rowId xmlns:a16="http://schemas.microsoft.com/office/drawing/2014/main" val="823807322"/>
-                  </a:ext>
-                </a:extLst>
-              </a:tr>
-              <a:tr h="370840">
-                <a:tc>
-                  <a:txBody>
-                    <a:bodyPr/>
-                    <a:lstStyle/>
-                    <a:p>
-                      <a:r>
-                        <a:rPr kumimoji="1" lang="en-US" altLang="ja-JP" dirty="0"/>
-                        <a:t>Large</a:t>
-                      </a:r>
-                      <a:endParaRPr kumimoji="1" lang="ja-JP" altLang="en-US"/>
-                    </a:p>
-                  </a:txBody>
-                  <a:tcPr/>
-                </a:tc>
-                <a:tc>
-                  <a:txBody>
-                    <a:bodyPr/>
-                    <a:lstStyle/>
-                    <a:p>
-                      <a:r>
-                        <a:rPr kumimoji="1" lang="en-US" altLang="ja-JP" dirty="0"/>
-                        <a:t>377</a:t>
-                      </a:r>
-                      <a:endParaRPr kumimoji="1" lang="ja-JP" altLang="en-US"/>
-                    </a:p>
-                  </a:txBody>
-                  <a:tcPr/>
-                </a:tc>
-                <a:tc>
-                  <a:txBody>
-                    <a:bodyPr/>
-                    <a:lstStyle/>
-                    <a:p>
-                      <a:r>
-                        <a:rPr kumimoji="1" lang="en-US" altLang="ja-JP" dirty="0"/>
-                        <a:t>406</a:t>
-                      </a:r>
-                      <a:endParaRPr kumimoji="1" lang="ja-JP" altLang="en-US"/>
-                    </a:p>
-                  </a:txBody>
-                  <a:tcPr/>
-                </a:tc>
-                <a:tc>
-                  <a:txBody>
-                    <a:bodyPr/>
-                    <a:lstStyle/>
-                    <a:p>
-                      <a:r>
-                        <a:rPr kumimoji="1" lang="en-US" altLang="ja-JP" dirty="0"/>
-                        <a:t>409</a:t>
-                      </a:r>
-                      <a:endParaRPr kumimoji="1" lang="ja-JP" altLang="en-US"/>
-                    </a:p>
-                  </a:txBody>
-                  <a:tcPr/>
-                </a:tc>
-                <a:tc>
-                  <a:txBody>
-                    <a:bodyPr/>
-                    <a:lstStyle/>
-                    <a:p>
-                      <a:r>
-                        <a:rPr kumimoji="1" lang="en-US" altLang="ja-JP" dirty="0"/>
-                        <a:t>410</a:t>
-                      </a:r>
-                      <a:endParaRPr kumimoji="1" lang="ja-JP" altLang="en-US"/>
-                    </a:p>
-                  </a:txBody>
-                  <a:tcPr/>
-                </a:tc>
-                <a:tc>
-                  <a:txBody>
-                    <a:bodyPr/>
-                    <a:lstStyle/>
-                    <a:p>
-                      <a:r>
-                        <a:rPr kumimoji="1" lang="en-US" altLang="ja-JP" dirty="0"/>
-                        <a:t>405</a:t>
-                      </a:r>
-                      <a:endParaRPr kumimoji="1" lang="ja-JP" altLang="en-US"/>
-                    </a:p>
-                  </a:txBody>
-                  <a:tcPr/>
-                </a:tc>
-                <a:tc>
-                  <a:txBody>
-                    <a:bodyPr/>
-                    <a:lstStyle/>
-                    <a:p>
-                      <a:r>
-                        <a:rPr kumimoji="1" lang="en-US" altLang="ja-JP" dirty="0"/>
-                        <a:t>395</a:t>
-                      </a:r>
-                      <a:endParaRPr kumimoji="1" lang="ja-JP" altLang="en-US"/>
-                    </a:p>
-                  </a:txBody>
-                  <a:tcPr/>
-                </a:tc>
-                <a:tc>
-                  <a:txBody>
-                    <a:bodyPr/>
-                    <a:lstStyle/>
-                    <a:p>
-                      <a:r>
-                        <a:rPr kumimoji="1" lang="en-US" altLang="ja-JP" dirty="0"/>
-                        <a:t>371</a:t>
-                      </a:r>
-                      <a:endParaRPr kumimoji="1" lang="ja-JP" altLang="en-US"/>
-                    </a:p>
-                  </a:txBody>
-                  <a:tcPr/>
-                </a:tc>
-                <a:tc>
-                  <a:txBody>
-                    <a:bodyPr/>
-                    <a:lstStyle/>
-                    <a:p>
-                      <a:r>
-                        <a:rPr kumimoji="1" lang="en-US" altLang="ja-JP" dirty="0"/>
-                        <a:t>406</a:t>
-                      </a:r>
-                      <a:endParaRPr kumimoji="1" lang="ja-JP" altLang="en-US"/>
-                    </a:p>
-                  </a:txBody>
-                  <a:tcPr/>
-                </a:tc>
-                <a:extLst>
-                  <a:ext uri="{0D108BD9-81ED-4DB2-BD59-A6C34878D82A}">
-                    <a16:rowId xmlns:a16="http://schemas.microsoft.com/office/drawing/2014/main" val="1056947124"/>
-                  </a:ext>
-                </a:extLst>
-              </a:tr>
-              <a:tr h="370840">
-                <a:tc>
-                  <a:txBody>
-                    <a:bodyPr/>
-                    <a:lstStyle/>
-                    <a:p>
-                      <a:r>
-                        <a:rPr kumimoji="1" lang="en-US" altLang="ja-JP" dirty="0"/>
-                        <a:t>Jackpot</a:t>
-                      </a:r>
-                      <a:endParaRPr kumimoji="1" lang="ja-JP" altLang="en-US"/>
-                    </a:p>
-                  </a:txBody>
-                  <a:tcPr/>
-                </a:tc>
-                <a:tc>
-                  <a:txBody>
-                    <a:bodyPr/>
-                    <a:lstStyle/>
-                    <a:p>
-                      <a:r>
-                        <a:rPr kumimoji="1" lang="en-US" altLang="ja-JP" dirty="0"/>
-                        <a:t>57</a:t>
-                      </a:r>
-                      <a:endParaRPr kumimoji="1" lang="ja-JP" altLang="en-US"/>
-                    </a:p>
-                  </a:txBody>
-                  <a:tcPr/>
-                </a:tc>
-                <a:tc>
-                  <a:txBody>
-                    <a:bodyPr/>
-                    <a:lstStyle/>
-                    <a:p>
-                      <a:r>
-                        <a:rPr kumimoji="1" lang="en-US" altLang="ja-JP" dirty="0"/>
-                        <a:t>47</a:t>
-                      </a:r>
-                      <a:endParaRPr kumimoji="1" lang="ja-JP" altLang="en-US"/>
-                    </a:p>
-                  </a:txBody>
-                  <a:tcPr/>
-                </a:tc>
-                <a:tc>
-                  <a:txBody>
-                    <a:bodyPr/>
-                    <a:lstStyle/>
-                    <a:p>
-                      <a:r>
-                        <a:rPr kumimoji="1" lang="en-US" altLang="ja-JP" dirty="0"/>
-                        <a:t>54</a:t>
-                      </a:r>
-                      <a:endParaRPr kumimoji="1" lang="ja-JP" altLang="en-US"/>
-                    </a:p>
-                  </a:txBody>
-                  <a:tcPr/>
-                </a:tc>
-                <a:tc>
-                  <a:txBody>
-                    <a:bodyPr/>
-                    <a:lstStyle/>
-                    <a:p>
-                      <a:r>
-                        <a:rPr kumimoji="1" lang="en-US" altLang="ja-JP" dirty="0"/>
-                        <a:t>60</a:t>
-                      </a:r>
-                      <a:endParaRPr kumimoji="1" lang="ja-JP" altLang="en-US"/>
-                    </a:p>
-                  </a:txBody>
-                  <a:tcPr/>
-                </a:tc>
-                <a:tc>
-                  <a:txBody>
-                    <a:bodyPr/>
-                    <a:lstStyle/>
-                    <a:p>
-                      <a:r>
-                        <a:rPr kumimoji="1" lang="en-US" altLang="ja-JP" dirty="0"/>
-                        <a:t>68</a:t>
-                      </a:r>
-                      <a:endParaRPr kumimoji="1" lang="ja-JP" altLang="en-US"/>
-                    </a:p>
-                  </a:txBody>
-                  <a:tcPr/>
-                </a:tc>
-                <a:tc>
-                  <a:txBody>
-                    <a:bodyPr/>
-                    <a:lstStyle/>
-                    <a:p>
-                      <a:r>
-                        <a:rPr kumimoji="1" lang="en-US" altLang="ja-JP" dirty="0"/>
-                        <a:t>49</a:t>
-                      </a:r>
-                      <a:endParaRPr kumimoji="1" lang="ja-JP" altLang="en-US"/>
-                    </a:p>
-                  </a:txBody>
-                  <a:tcPr/>
-                </a:tc>
-                <a:tc>
-                  <a:txBody>
-                    <a:bodyPr/>
-                    <a:lstStyle/>
-                    <a:p>
-                      <a:r>
-                        <a:rPr kumimoji="1" lang="en-US" altLang="ja-JP" dirty="0"/>
-                        <a:t>50</a:t>
-                      </a:r>
-                      <a:endParaRPr kumimoji="1" lang="ja-JP" altLang="en-US"/>
-                    </a:p>
-                  </a:txBody>
-                  <a:tcPr/>
-                </a:tc>
-                <a:tc>
-                  <a:txBody>
-                    <a:bodyPr/>
-                    <a:lstStyle/>
-                    <a:p>
-                      <a:r>
-                        <a:rPr kumimoji="1" lang="en-US" altLang="ja-JP" dirty="0"/>
-                        <a:t>50</a:t>
-                      </a:r>
-                      <a:endParaRPr kumimoji="1" lang="ja-JP" altLang="en-US"/>
-                    </a:p>
-                  </a:txBody>
-                  <a:tcPr/>
-                </a:tc>
-                <a:extLst>
-                  <a:ext uri="{0D108BD9-81ED-4DB2-BD59-A6C34878D82A}">
-                    <a16:rowId xmlns:a16="http://schemas.microsoft.com/office/drawing/2014/main" val="118681831"/>
-                  </a:ext>
-                </a:extLst>
-              </a:tr>
-            </a:tbl>
-          </a:graphicData>
-        </a:graphic>
-      </p:graphicFrame>
+        </p:nvSpPr>
+        <p:spPr>
+          <a:xfrm>
+            <a:off x="239210" y="681038"/>
+            <a:ext cx="11713580" cy="5967289"/>
+          </a:xfrm>
+        </p:spPr>
+        <p:txBody>
+          <a:bodyPr/>
+          <a:lstStyle/>
+          <a:p>
+            <a:pPr marL="514350" indent="-514350">
+              <a:buAutoNum type="arabicPeriod"/>
+            </a:pPr>
+            <a:r>
+              <a:rPr lang="en-US" dirty="0" err="1">
+                <a:latin typeface="Arial" panose="020B0604020202020204" pitchFamily="34" charset="0"/>
+                <a:cs typeface="Arial" panose="020B0604020202020204" pitchFamily="34" charset="0"/>
+              </a:rPr>
+              <a:t>統計量も追加</a:t>
+            </a:r>
+            <a:endParaRPr lang="en-US" dirty="0">
+              <a:latin typeface="Arial" panose="020B0604020202020204" pitchFamily="34" charset="0"/>
+              <a:cs typeface="Arial" panose="020B0604020202020204" pitchFamily="34" charset="0"/>
+            </a:endParaRPr>
+          </a:p>
+        </p:txBody>
+      </p:sp>
     </p:spTree>
     <p:extLst>
       <p:ext uri="{BB962C8B-B14F-4D97-AF65-F5344CB8AC3E}">
-        <p14:creationId xmlns:p14="http://schemas.microsoft.com/office/powerpoint/2010/main" val="2220214215"/>
+        <p14:creationId xmlns:p14="http://schemas.microsoft.com/office/powerpoint/2010/main" val="1202167153"/>
       </p:ext>
     </p:extLst>
   </p:cSld>
@@ -5232,6 +8063,42 @@
           <a:chExt cx="0" cy="0"/>
         </a:xfrm>
       </p:grpSpPr>
+      <p:pic>
+        <p:nvPicPr>
+          <p:cNvPr id="5" name="図 4">
+            <a:extLst>
+              <a:ext uri="{FF2B5EF4-FFF2-40B4-BE49-F238E27FC236}">
+                <a16:creationId xmlns:a16="http://schemas.microsoft.com/office/drawing/2014/main" id="{EA687002-B943-CA27-1E46-FFB4D027637D}"/>
+              </a:ext>
+            </a:extLst>
+          </p:cNvPr>
+          <p:cNvPicPr>
+            <a:picLocks noChangeAspect="1"/>
+          </p:cNvPicPr>
+          <p:nvPr/>
+        </p:nvPicPr>
+        <p:blipFill>
+          <a:blip r:embed="rId2">
+            <a:extLst>
+              <a:ext uri="{28A0092B-C50C-407E-A947-70E740481C1C}">
+                <a14:useLocalDpi xmlns:a14="http://schemas.microsoft.com/office/drawing/2010/main" val="0"/>
+              </a:ext>
+            </a:extLst>
+          </a:blip>
+          <a:stretch>
+            <a:fillRect/>
+          </a:stretch>
+        </p:blipFill>
+        <p:spPr>
+          <a:xfrm>
+            <a:off x="3502572" y="3051942"/>
+            <a:ext cx="5186855" cy="3890141"/>
+          </a:xfrm>
+          <a:prstGeom prst="rect">
+            <a:avLst/>
+          </a:prstGeom>
+        </p:spPr>
+      </p:pic>
       <p:sp>
         <p:nvSpPr>
           <p:cNvPr id="2" name="タイトル 1">
@@ -5256,17 +8123,24 @@
         </p:spPr>
         <p:txBody>
           <a:bodyPr>
-            <a:normAutofit fontScale="90000"/>
+            <a:noAutofit/>
           </a:bodyPr>
           <a:lstStyle/>
           <a:p>
             <a:pPr algn="ctr"/>
             <a:r>
-              <a:rPr lang="en-US" dirty="0">
+              <a:rPr lang="en-US" sz="3600" b="1" dirty="0" err="1">
                 <a:latin typeface="Arial" panose="020B0604020202020204" pitchFamily="34" charset="0"/>
                 <a:cs typeface="Arial" panose="020B0604020202020204" pitchFamily="34" charset="0"/>
               </a:rPr>
-              <a:t>Why the data is different across direction?</a:t>
+              <a:t>PDel</a:t>
+            </a:r>
+            <a:r>
+              <a:rPr lang="en-US" sz="3600" b="1" dirty="0">
+                <a:latin typeface="Arial" panose="020B0604020202020204" pitchFamily="34" charset="0"/>
+                <a:cs typeface="Arial" panose="020B0604020202020204" pitchFamily="34" charset="0"/>
+              </a:rPr>
+              <a:t> should cause more co-contraction</a:t>
             </a:r>
           </a:p>
         </p:txBody>
@@ -5297,13 +8171,83 @@
           <a:bodyPr/>
           <a:lstStyle/>
           <a:p>
-            <a:pPr marL="514350" indent="-514350">
-              <a:buAutoNum type="arabicPeriod"/>
+            <a:pPr marL="0" indent="0">
+              <a:buNone/>
             </a:pPr>
-            <a:endParaRPr lang="en-US" dirty="0">
-              <a:latin typeface="Arial" panose="020B0604020202020204" pitchFamily="34" charset="0"/>
-              <a:cs typeface="Arial" panose="020B0604020202020204" pitchFamily="34" charset="0"/>
-            </a:endParaRPr>
+            <a:r>
+              <a:rPr lang="en-US" sz="3200" b="1" dirty="0">
+                <a:solidFill>
+                  <a:schemeClr val="accent1"/>
+                </a:solidFill>
+                <a:latin typeface="Arial" panose="020B0604020202020204" pitchFamily="34" charset="0"/>
+                <a:cs typeface="Arial" panose="020B0604020202020204" pitchFamily="34" charset="0"/>
+              </a:rPr>
+              <a:t>Hypothesis: </a:t>
+            </a:r>
+          </a:p>
+          <a:p>
+            <a:pPr marL="0" indent="0" algn="ctr">
+              <a:buNone/>
+            </a:pPr>
+            <a:r>
+              <a:rPr lang="en-US" sz="2000" dirty="0">
+                <a:latin typeface="Arial" panose="020B0604020202020204" pitchFamily="34" charset="0"/>
+                <a:cs typeface="Arial" panose="020B0604020202020204" pitchFamily="34" charset="0"/>
+              </a:rPr>
+              <a:t>The muscle which has bigger activation during the task </a:t>
+            </a:r>
+            <a:br>
+              <a:rPr lang="en-US" sz="2000" dirty="0">
+                <a:latin typeface="Arial" panose="020B0604020202020204" pitchFamily="34" charset="0"/>
+                <a:cs typeface="Arial" panose="020B0604020202020204" pitchFamily="34" charset="0"/>
+              </a:rPr>
+            </a:br>
+            <a:r>
+              <a:rPr lang="en-US" sz="2000" dirty="0">
+                <a:latin typeface="Arial" panose="020B0604020202020204" pitchFamily="34" charset="0"/>
+                <a:cs typeface="Arial" panose="020B0604020202020204" pitchFamily="34" charset="0"/>
+              </a:rPr>
+              <a:t>should cause more co-contraction during holding time</a:t>
+            </a:r>
+          </a:p>
+          <a:p>
+            <a:pPr marL="0" indent="0" algn="ctr">
+              <a:buNone/>
+            </a:pPr>
+            <a:r>
+              <a:rPr lang="en-US" sz="2000" dirty="0">
+                <a:latin typeface="Arial" panose="020B0604020202020204" pitchFamily="34" charset="0"/>
+                <a:cs typeface="Arial" panose="020B0604020202020204" pitchFamily="34" charset="0"/>
+              </a:rPr>
+              <a:t>↓</a:t>
+            </a:r>
+          </a:p>
+          <a:p>
+            <a:pPr marL="0" indent="0" algn="ctr">
+              <a:buNone/>
+            </a:pPr>
+            <a:r>
+              <a:rPr lang="en-US" sz="2000" dirty="0">
+                <a:latin typeface="Arial" panose="020B0604020202020204" pitchFamily="34" charset="0"/>
+                <a:cs typeface="Arial" panose="020B0604020202020204" pitchFamily="34" charset="0"/>
+              </a:rPr>
+              <a:t>The bigger muscle activation, the bigger coefficient of variation</a:t>
+            </a:r>
+          </a:p>
+          <a:p>
+            <a:pPr marL="0" indent="0">
+              <a:buNone/>
+            </a:pPr>
+            <a:r>
+              <a:rPr lang="en-US" sz="3200" b="1" dirty="0">
+                <a:solidFill>
+                  <a:schemeClr val="accent1"/>
+                </a:solidFill>
+                <a:latin typeface="Arial" panose="020B0604020202020204" pitchFamily="34" charset="0"/>
+                <a:cs typeface="Arial" panose="020B0604020202020204" pitchFamily="34" charset="0"/>
+              </a:rPr>
+              <a:t>Coefficient of variation across Days before z-indexed:</a:t>
+            </a:r>
           </a:p>
         </p:txBody>
       </p:sp>
@@ -5367,11 +8311,11 @@
           <a:p>
             <a:pPr algn="ctr"/>
             <a:r>
-              <a:rPr lang="en-US" dirty="0">
+              <a:rPr lang="en-US" b="1" dirty="0">
                 <a:latin typeface="Arial" panose="020B0604020202020204" pitchFamily="34" charset="0"/>
                 <a:cs typeface="Arial" panose="020B0604020202020204" pitchFamily="34" charset="0"/>
               </a:rPr>
-              <a:t>What happen in total</a:t>
+              <a:t>Conclusion of Question1</a:t>
             </a:r>
           </a:p>
         </p:txBody>
@@ -5394,28 +8338,144 @@
         </p:nvSpPr>
         <p:spPr>
           <a:xfrm>
-            <a:off x="239210" y="681038"/>
-            <a:ext cx="11713580" cy="5967289"/>
+            <a:off x="239210" y="5985545"/>
+            <a:ext cx="11713580" cy="662782"/>
           </a:xfrm>
         </p:spPr>
         <p:txBody>
-          <a:bodyPr/>
+          <a:bodyPr>
+            <a:normAutofit/>
+          </a:bodyPr>
           <a:lstStyle/>
           <a:p>
-            <a:pPr marL="514350" indent="-514350">
-              <a:buAutoNum type="arabicPeriod"/>
+            <a:pPr marL="0" indent="0" algn="ctr">
+              <a:buNone/>
             </a:pPr>
-            <a:endParaRPr lang="en-US" dirty="0">
-              <a:latin typeface="Arial" panose="020B0604020202020204" pitchFamily="34" charset="0"/>
-              <a:cs typeface="Arial" panose="020B0604020202020204" pitchFamily="34" charset="0"/>
-            </a:endParaRPr>
+            <a:r>
+              <a:rPr lang="en-US" sz="3600" b="1" dirty="0">
+                <a:solidFill>
+                  <a:srgbClr val="FF0000"/>
+                </a:solidFill>
+                <a:latin typeface="Arial" panose="020B0604020202020204" pitchFamily="34" charset="0"/>
+                <a:cs typeface="Arial" panose="020B0604020202020204" pitchFamily="34" charset="0"/>
+              </a:rPr>
+              <a:t>There is not co-contraction at holding time</a:t>
+            </a:r>
           </a:p>
         </p:txBody>
       </p:sp>
+      <p:pic>
+        <p:nvPicPr>
+          <p:cNvPr id="4" name="図 3">
+            <a:extLst>
+              <a:ext uri="{FF2B5EF4-FFF2-40B4-BE49-F238E27FC236}">
+                <a16:creationId xmlns:a16="http://schemas.microsoft.com/office/drawing/2014/main" id="{0C1326A7-6BDD-13EB-D85C-49304DEEA7FA}"/>
+              </a:ext>
+            </a:extLst>
+          </p:cNvPr>
+          <p:cNvPicPr>
+            <a:picLocks noChangeAspect="1"/>
+          </p:cNvPicPr>
+          <p:nvPr/>
+        </p:nvPicPr>
+        <p:blipFill>
+          <a:blip r:embed="rId2">
+            <a:extLst>
+              <a:ext uri="{28A0092B-C50C-407E-A947-70E740481C1C}">
+                <a14:useLocalDpi xmlns:a14="http://schemas.microsoft.com/office/drawing/2010/main" val="0"/>
+              </a:ext>
+            </a:extLst>
+          </a:blip>
+          <a:stretch>
+            <a:fillRect/>
+          </a:stretch>
+        </p:blipFill>
+        <p:spPr>
+          <a:xfrm>
+            <a:off x="-118142" y="1775933"/>
+            <a:ext cx="4408177" cy="3306133"/>
+          </a:xfrm>
+          <a:prstGeom prst="rect">
+            <a:avLst/>
+          </a:prstGeom>
+        </p:spPr>
+      </p:pic>
+      <p:pic>
+        <p:nvPicPr>
+          <p:cNvPr id="5" name="図 4">
+            <a:extLst>
+              <a:ext uri="{FF2B5EF4-FFF2-40B4-BE49-F238E27FC236}">
+                <a16:creationId xmlns:a16="http://schemas.microsoft.com/office/drawing/2014/main" id="{B49B4712-DB5E-4F23-11ED-7B1D1171AFE5}"/>
+              </a:ext>
+            </a:extLst>
+          </p:cNvPr>
+          <p:cNvPicPr>
+            <a:picLocks noChangeAspect="1"/>
+          </p:cNvPicPr>
+          <p:nvPr/>
+        </p:nvPicPr>
+        <p:blipFill>
+          <a:blip r:embed="rId3">
+            <a:extLst>
+              <a:ext uri="{28A0092B-C50C-407E-A947-70E740481C1C}">
+                <a14:useLocalDpi xmlns:a14="http://schemas.microsoft.com/office/drawing/2010/main" val="0"/>
+              </a:ext>
+            </a:extLst>
+          </a:blip>
+          <a:stretch>
+            <a:fillRect/>
+          </a:stretch>
+        </p:blipFill>
+        <p:spPr>
+          <a:xfrm>
+            <a:off x="3891911" y="1775933"/>
+            <a:ext cx="4408177" cy="3306133"/>
+          </a:xfrm>
+          <a:prstGeom prst="rect">
+            <a:avLst/>
+          </a:prstGeom>
+        </p:spPr>
+      </p:pic>
+      <p:pic>
+        <p:nvPicPr>
+          <p:cNvPr id="6" name="図 5">
+            <a:extLst>
+              <a:ext uri="{FF2B5EF4-FFF2-40B4-BE49-F238E27FC236}">
+                <a16:creationId xmlns:a16="http://schemas.microsoft.com/office/drawing/2014/main" id="{B93E3E09-65DB-6A58-DA4F-512E51607B52}"/>
+              </a:ext>
+            </a:extLst>
+          </p:cNvPr>
+          <p:cNvPicPr>
+            <a:picLocks noChangeAspect="1"/>
+          </p:cNvPicPr>
+          <p:nvPr/>
+        </p:nvPicPr>
+        <p:blipFill>
+          <a:blip r:embed="rId4">
+            <a:extLst>
+              <a:ext uri="{28A0092B-C50C-407E-A947-70E740481C1C}">
+                <a14:useLocalDpi xmlns:a14="http://schemas.microsoft.com/office/drawing/2010/main" val="0"/>
+              </a:ext>
+            </a:extLst>
+          </a:blip>
+          <a:stretch>
+            <a:fillRect/>
+          </a:stretch>
+        </p:blipFill>
+        <p:spPr>
+          <a:xfrm>
+            <a:off x="7901967" y="1775933"/>
+            <a:ext cx="4408177" cy="3306134"/>
+          </a:xfrm>
+          <a:prstGeom prst="rect">
+            <a:avLst/>
+          </a:prstGeom>
+        </p:spPr>
+      </p:pic>
     </p:spTree>
     <p:extLst>
       <p:ext uri="{BB962C8B-B14F-4D97-AF65-F5344CB8AC3E}">
-        <p14:creationId xmlns:p14="http://schemas.microsoft.com/office/powerpoint/2010/main" val="1113117286"/>
+        <p14:creationId xmlns:p14="http://schemas.microsoft.com/office/powerpoint/2010/main" val="2985610718"/>
       </p:ext>
     </p:extLst>
   </p:cSld>
@@ -5472,7 +8532,7 @@
           <a:p>
             <a:pPr algn="ctr"/>
             <a:r>
-              <a:rPr lang="en-US" dirty="0">
+              <a:rPr lang="en-US" b="1" dirty="0">
                 <a:latin typeface="Arial" panose="020B0604020202020204" pitchFamily="34" charset="0"/>
                 <a:cs typeface="Arial" panose="020B0604020202020204" pitchFamily="34" charset="0"/>
               </a:rPr>
@@ -5511,7 +8571,7 @@
               <a:buNone/>
             </a:pPr>
             <a:r>
-              <a:rPr lang="en-US" dirty="0">
+              <a:rPr lang="en-US" sz="4000" b="1" dirty="0">
                 <a:latin typeface="Arial" panose="020B0604020202020204" pitchFamily="34" charset="0"/>
                 <a:cs typeface="Arial" panose="020B0604020202020204" pitchFamily="34" charset="0"/>
               </a:rPr>
@@ -5520,6 +8580,9 @@
           </a:p>
           <a:p>
             <a:pPr marL="514350" indent="-514350">
+              <a:lnSpc>
+                <a:spcPct val="150000"/>
+              </a:lnSpc>
               <a:buAutoNum type="arabicPeriod"/>
             </a:pPr>
             <a:r>
@@ -5532,6 +8595,9 @@
           </a:p>
           <a:p>
             <a:pPr marL="514350" indent="-514350">
+              <a:lnSpc>
+                <a:spcPct val="150000"/>
+              </a:lnSpc>
               <a:buFont typeface="Arial" panose="020B0604020202020204" pitchFamily="34" charset="0"/>
               <a:buAutoNum type="arabicPeriod"/>
             </a:pPr>
@@ -5576,7 +8642,7 @@
     </p:spTree>
     <p:extLst>
       <p:ext uri="{BB962C8B-B14F-4D97-AF65-F5344CB8AC3E}">
-        <p14:creationId xmlns:p14="http://schemas.microsoft.com/office/powerpoint/2010/main" val="2556473862"/>
+        <p14:creationId xmlns:p14="http://schemas.microsoft.com/office/powerpoint/2010/main" val="2362589685"/>
       </p:ext>
     </p:extLst>
   </p:cSld>
@@ -5633,12 +8699,16 @@
           <a:p>
             <a:pPr algn="ctr"/>
             <a:r>
-              <a:rPr lang="en-US" dirty="0">
+              <a:rPr lang="en-US" dirty="0" err="1">
                 <a:latin typeface="Arial" panose="020B0604020202020204" pitchFamily="34" charset="0"/>
                 <a:cs typeface="Arial" panose="020B0604020202020204" pitchFamily="34" charset="0"/>
               </a:rPr>
-              <a:t>The EMG at top speed is also affected by choking</a:t>
-            </a:r>
+              <a:t>やることリスト</a:t>
+            </a:r>
+            <a:endParaRPr lang="en-US" dirty="0">
+              <a:latin typeface="Arial" panose="020B0604020202020204" pitchFamily="34" charset="0"/>
+              <a:cs typeface="Arial" panose="020B0604020202020204" pitchFamily="34" charset="0"/>
+            </a:endParaRPr>
           </a:p>
         </p:txBody>
       </p:sp>
@@ -5661,7 +8731,7 @@
         <p:spPr>
           <a:xfrm>
             <a:off x="239210" y="681038"/>
-            <a:ext cx="5606005" cy="5967289"/>
+            <a:ext cx="11542887" cy="5967289"/>
           </a:xfrm>
         </p:spPr>
         <p:txBody>
@@ -5672,19 +8742,495 @@
               <a:buAutoNum type="arabicPeriod"/>
             </a:pPr>
             <a:r>
-              <a:rPr lang="en-US" dirty="0">
+              <a:rPr lang="en-US" sz="1800" dirty="0" err="1">
                 <a:latin typeface="Arial" panose="020B0604020202020204" pitchFamily="34" charset="0"/>
                 <a:cs typeface="Arial" panose="020B0604020202020204" pitchFamily="34" charset="0"/>
               </a:rPr>
-              <a:t>Method</a:t>
-            </a:r>
+              <a:t>ExceptionalRemovedEMGの変更</a:t>
+            </a:r>
+            <a:endParaRPr lang="en-US" sz="1800" dirty="0">
+              <a:latin typeface="Arial" panose="020B0604020202020204" pitchFamily="34" charset="0"/>
+              <a:cs typeface="Arial" panose="020B0604020202020204" pitchFamily="34" charset="0"/>
+            </a:endParaRPr>
+          </a:p>
+          <a:p>
+            <a:pPr marL="971550" lvl="1" indent="-514350">
+              <a:buAutoNum type="arabicPeriod"/>
+            </a:pPr>
+            <a:r>
+              <a:rPr lang="en-US" sz="1600" dirty="0" err="1">
+                <a:latin typeface="Arial" panose="020B0604020202020204" pitchFamily="34" charset="0"/>
+                <a:cs typeface="Arial" panose="020B0604020202020204" pitchFamily="34" charset="0"/>
+              </a:rPr>
+              <a:t>directionArrayとrewardArrayを廃止して、exceptionArrayを設ける</a:t>
+            </a:r>
+            <a:r>
+              <a:rPr lang="en-US" sz="1600" dirty="0">
+                <a:latin typeface="Arial" panose="020B0604020202020204" pitchFamily="34" charset="0"/>
+                <a:cs typeface="Arial" panose="020B0604020202020204" pitchFamily="34" charset="0"/>
+              </a:rPr>
+              <a:t>。</a:t>
+            </a:r>
+          </a:p>
+          <a:p>
+            <a:pPr marL="971550" lvl="1" indent="-514350">
+              <a:buAutoNum type="arabicPeriod"/>
+            </a:pPr>
+            <a:r>
+              <a:rPr lang="en-US" sz="1600" dirty="0" err="1">
+                <a:latin typeface="Arial" panose="020B0604020202020204" pitchFamily="34" charset="0"/>
+                <a:cs typeface="Arial" panose="020B0604020202020204" pitchFamily="34" charset="0"/>
+              </a:rPr>
+              <a:t>emgデータも、全部残った状態にしておく</a:t>
+            </a:r>
+            <a:r>
+              <a:rPr lang="en-US" sz="1600" dirty="0">
+                <a:latin typeface="Arial" panose="020B0604020202020204" pitchFamily="34" charset="0"/>
+                <a:cs typeface="Arial" panose="020B0604020202020204" pitchFamily="34" charset="0"/>
+              </a:rPr>
+              <a:t>。</a:t>
+            </a:r>
+          </a:p>
+          <a:p>
+            <a:pPr marL="971550" lvl="1" indent="-514350">
+              <a:buAutoNum type="arabicPeriod"/>
+            </a:pPr>
+            <a:r>
+              <a:rPr lang="en-US" sz="1600" dirty="0" err="1">
+                <a:latin typeface="Arial" panose="020B0604020202020204" pitchFamily="34" charset="0"/>
+                <a:cs typeface="Arial" panose="020B0604020202020204" pitchFamily="34" charset="0"/>
+              </a:rPr>
+              <a:t>構造</a:t>
+            </a:r>
+            <a:endParaRPr lang="en-US" sz="1600" dirty="0">
+              <a:latin typeface="Arial" panose="020B0604020202020204" pitchFamily="34" charset="0"/>
+              <a:cs typeface="Arial" panose="020B0604020202020204" pitchFamily="34" charset="0"/>
+            </a:endParaRPr>
+          </a:p>
+          <a:p>
+            <a:pPr marL="1428750" lvl="2" indent="-514350">
+              <a:buAutoNum type="arabicPeriod"/>
+            </a:pPr>
+            <a:r>
+              <a:rPr lang="en-US" sz="1400" dirty="0">
+                <a:latin typeface="Arial" panose="020B0604020202020204" pitchFamily="34" charset="0"/>
+                <a:cs typeface="Arial" panose="020B0604020202020204" pitchFamily="34" charset="0"/>
+              </a:rPr>
+              <a:t>Data</a:t>
+            </a:r>
+          </a:p>
+          <a:p>
+            <a:pPr marL="1885950" lvl="3" indent="-514350">
+              <a:buAutoNum type="arabicPeriod"/>
+            </a:pPr>
+            <a:r>
+              <a:rPr lang="en-US" sz="1200" dirty="0" err="1">
+                <a:latin typeface="Arial" panose="020B0604020202020204" pitchFamily="34" charset="0"/>
+                <a:cs typeface="Arial" panose="020B0604020202020204" pitchFamily="34" charset="0"/>
+              </a:rPr>
+              <a:t>emg</a:t>
+            </a:r>
+            <a:endParaRPr lang="en-US" sz="1200" dirty="0">
+              <a:latin typeface="Arial" panose="020B0604020202020204" pitchFamily="34" charset="0"/>
+              <a:cs typeface="Arial" panose="020B0604020202020204" pitchFamily="34" charset="0"/>
+            </a:endParaRPr>
+          </a:p>
+          <a:p>
+            <a:pPr marL="2343150" lvl="4" indent="-514350">
+              <a:buFont typeface="Arial" panose="020B0604020202020204" pitchFamily="34" charset="0"/>
+              <a:buAutoNum type="arabicPeriod"/>
+            </a:pPr>
+            <a:r>
+              <a:rPr lang="en-US" altLang="ja-JP" sz="1200" dirty="0" err="1">
+                <a:latin typeface="Arial" panose="020B0604020202020204" pitchFamily="34" charset="0"/>
+                <a:cs typeface="Arial" panose="020B0604020202020204" pitchFamily="34" charset="0"/>
+              </a:rPr>
+              <a:t>MuscleLabel</a:t>
+            </a:r>
+            <a:endParaRPr lang="en-US" sz="1200" dirty="0">
+              <a:latin typeface="Arial" panose="020B0604020202020204" pitchFamily="34" charset="0"/>
+              <a:cs typeface="Arial" panose="020B0604020202020204" pitchFamily="34" charset="0"/>
+            </a:endParaRPr>
+          </a:p>
+          <a:p>
+            <a:pPr marL="2343150" lvl="4" indent="-514350">
+              <a:buAutoNum type="arabicPeriod"/>
+            </a:pPr>
+            <a:r>
+              <a:rPr lang="en-US" sz="1200" dirty="0">
+                <a:latin typeface="Arial" panose="020B0604020202020204" pitchFamily="34" charset="0"/>
+                <a:cs typeface="Arial" panose="020B0604020202020204" pitchFamily="34" charset="0"/>
+              </a:rPr>
+              <a:t>Signal N</a:t>
+            </a:r>
+          </a:p>
+          <a:p>
+            <a:pPr marL="2343150" lvl="4" indent="-514350">
+              <a:buFont typeface="Arial" panose="020B0604020202020204" pitchFamily="34" charset="0"/>
+              <a:buAutoNum type="arabicPeriod"/>
+            </a:pPr>
+            <a:r>
+              <a:rPr lang="en-US" altLang="ja-JP" sz="1200" dirty="0" err="1">
+                <a:latin typeface="Arial" panose="020B0604020202020204" pitchFamily="34" charset="0"/>
+                <a:cs typeface="Arial" panose="020B0604020202020204" pitchFamily="34" charset="0"/>
+              </a:rPr>
+              <a:t>exceptionArray</a:t>
+            </a:r>
+            <a:r>
+              <a:rPr lang="en-US" altLang="ja-JP" sz="1200" dirty="0">
+                <a:latin typeface="Arial" panose="020B0604020202020204" pitchFamily="34" charset="0"/>
+                <a:cs typeface="Arial" panose="020B0604020202020204" pitchFamily="34" charset="0"/>
+              </a:rPr>
+              <a:t> N</a:t>
+            </a:r>
+            <a:endParaRPr lang="en-US" sz="1200" dirty="0">
+              <a:latin typeface="Arial" panose="020B0604020202020204" pitchFamily="34" charset="0"/>
+              <a:cs typeface="Arial" panose="020B0604020202020204" pitchFamily="34" charset="0"/>
+            </a:endParaRPr>
+          </a:p>
+          <a:p>
+            <a:pPr marL="1885950" lvl="3" indent="-514350">
+              <a:buAutoNum type="arabicPeriod"/>
+            </a:pPr>
+            <a:r>
+              <a:rPr lang="en-US" sz="1200" dirty="0" err="1">
+                <a:latin typeface="Arial" panose="020B0604020202020204" pitchFamily="34" charset="0"/>
+                <a:cs typeface="Arial" panose="020B0604020202020204" pitchFamily="34" charset="0"/>
+              </a:rPr>
+              <a:t>directionArray</a:t>
+            </a:r>
+            <a:r>
+              <a:rPr lang="en-US" sz="1200" dirty="0">
+                <a:latin typeface="Arial" panose="020B0604020202020204" pitchFamily="34" charset="0"/>
+                <a:cs typeface="Arial" panose="020B0604020202020204" pitchFamily="34" charset="0"/>
+              </a:rPr>
+              <a:t> N</a:t>
+            </a:r>
+          </a:p>
+          <a:p>
+            <a:pPr marL="1885950" lvl="3" indent="-514350">
+              <a:buAutoNum type="arabicPeriod"/>
+            </a:pPr>
+            <a:r>
+              <a:rPr lang="en-US" sz="1200" dirty="0" err="1">
+                <a:latin typeface="Arial" panose="020B0604020202020204" pitchFamily="34" charset="0"/>
+                <a:cs typeface="Arial" panose="020B0604020202020204" pitchFamily="34" charset="0"/>
+              </a:rPr>
+              <a:t>RewardArray</a:t>
+            </a:r>
+            <a:r>
+              <a:rPr lang="en-US" sz="1200" dirty="0">
+                <a:latin typeface="Arial" panose="020B0604020202020204" pitchFamily="34" charset="0"/>
+                <a:cs typeface="Arial" panose="020B0604020202020204" pitchFamily="34" charset="0"/>
+              </a:rPr>
+              <a:t> N</a:t>
+            </a:r>
+          </a:p>
+          <a:p>
+            <a:pPr marL="1885950" lvl="3" indent="-514350">
+              <a:buAutoNum type="arabicPeriod"/>
+            </a:pPr>
+            <a:r>
+              <a:rPr lang="en-US" sz="1200" dirty="0">
+                <a:latin typeface="Arial" panose="020B0604020202020204" pitchFamily="34" charset="0"/>
+                <a:cs typeface="Arial" panose="020B0604020202020204" pitchFamily="34" charset="0"/>
+              </a:rPr>
+              <a:t>Kinematics</a:t>
+            </a:r>
+          </a:p>
+          <a:p>
+            <a:pPr marL="2343150" lvl="4" indent="-514350">
+              <a:buAutoNum type="arabicPeriod"/>
+            </a:pPr>
+            <a:r>
+              <a:rPr lang="en-US" sz="1200" dirty="0" err="1">
+                <a:latin typeface="Arial" panose="020B0604020202020204" pitchFamily="34" charset="0"/>
+                <a:cs typeface="Arial" panose="020B0604020202020204" pitchFamily="34" charset="0"/>
+              </a:rPr>
+              <a:t>integratedVelosities</a:t>
+            </a:r>
+            <a:r>
+              <a:rPr lang="en-US" sz="1200" dirty="0">
+                <a:latin typeface="Arial" panose="020B0604020202020204" pitchFamily="34" charset="0"/>
+                <a:cs typeface="Arial" panose="020B0604020202020204" pitchFamily="34" charset="0"/>
+              </a:rPr>
+              <a:t> 810 * N</a:t>
+            </a:r>
+          </a:p>
+          <a:p>
+            <a:pPr marL="1428750" lvl="2" indent="-514350">
+              <a:buAutoNum type="arabicPeriod"/>
+            </a:pPr>
+            <a:r>
+              <a:rPr lang="en-US" sz="1400" dirty="0" err="1">
+                <a:latin typeface="Arial" panose="020B0604020202020204" pitchFamily="34" charset="0"/>
+                <a:cs typeface="Arial" panose="020B0604020202020204" pitchFamily="34" charset="0"/>
+              </a:rPr>
+              <a:t>PreprocessProp</a:t>
+            </a:r>
+            <a:endParaRPr lang="en-US" sz="1400" dirty="0">
+              <a:latin typeface="Arial" panose="020B0604020202020204" pitchFamily="34" charset="0"/>
+              <a:cs typeface="Arial" panose="020B0604020202020204" pitchFamily="34" charset="0"/>
+            </a:endParaRPr>
+          </a:p>
+          <a:p>
+            <a:pPr marL="1885950" lvl="3" indent="-514350">
+              <a:buAutoNum type="arabicPeriod"/>
+            </a:pPr>
+            <a:r>
+              <a:rPr lang="en-US" sz="1200" dirty="0" err="1">
+                <a:latin typeface="Arial" panose="020B0604020202020204" pitchFamily="34" charset="0"/>
+                <a:cs typeface="Arial" panose="020B0604020202020204" pitchFamily="34" charset="0"/>
+              </a:rPr>
+              <a:t>NormalizedParam</a:t>
+            </a:r>
+            <a:r>
+              <a:rPr lang="en-US" sz="1200" dirty="0">
+                <a:latin typeface="Arial" panose="020B0604020202020204" pitchFamily="34" charset="0"/>
+                <a:cs typeface="Arial" panose="020B0604020202020204" pitchFamily="34" charset="0"/>
+              </a:rPr>
+              <a:t> 2 * 5 * Days</a:t>
+            </a:r>
+          </a:p>
+          <a:p>
+            <a:pPr marL="1885950" lvl="3" indent="-514350">
+              <a:buAutoNum type="arabicPeriod"/>
+            </a:pPr>
+            <a:r>
+              <a:rPr lang="en-US" sz="1200" dirty="0" err="1">
+                <a:latin typeface="Arial" panose="020B0604020202020204" pitchFamily="34" charset="0"/>
+                <a:cs typeface="Arial" panose="020B0604020202020204" pitchFamily="34" charset="0"/>
+              </a:rPr>
+              <a:t>DatapointEachDay</a:t>
+            </a:r>
+            <a:r>
+              <a:rPr lang="en-US" sz="1200" dirty="0">
+                <a:latin typeface="Arial" panose="020B0604020202020204" pitchFamily="34" charset="0"/>
+                <a:cs typeface="Arial" panose="020B0604020202020204" pitchFamily="34" charset="0"/>
+              </a:rPr>
+              <a:t> Days</a:t>
+            </a:r>
+          </a:p>
+          <a:p>
+            <a:pPr marL="514350" indent="-514350">
+              <a:buAutoNum type="arabicPeriod"/>
+            </a:pPr>
+            <a:r>
+              <a:rPr lang="en-US" sz="2200" dirty="0" err="1">
+                <a:latin typeface="Arial" panose="020B0604020202020204" pitchFamily="34" charset="0"/>
+                <a:cs typeface="Arial" panose="020B0604020202020204" pitchFamily="34" charset="0"/>
+              </a:rPr>
+              <a:t>IntegratedVelosityがMaxになる時間を各データで算出</a:t>
+            </a:r>
+            <a:r>
+              <a:rPr lang="en-US" sz="2200" dirty="0">
+                <a:latin typeface="Arial" panose="020B0604020202020204" pitchFamily="34" charset="0"/>
+                <a:cs typeface="Arial" panose="020B0604020202020204" pitchFamily="34" charset="0"/>
+              </a:rPr>
+              <a:t>: max(IV(201:end), [], 1)</a:t>
+            </a:r>
+          </a:p>
+          <a:p>
+            <a:pPr marL="514350" indent="-514350">
+              <a:buAutoNum type="arabicPeriod"/>
+            </a:pPr>
+            <a:r>
+              <a:rPr lang="en-US" sz="2200" dirty="0">
+                <a:latin typeface="Arial" panose="020B0604020202020204" pitchFamily="34" charset="0"/>
+                <a:cs typeface="Arial" panose="020B0604020202020204" pitchFamily="34" charset="0"/>
+              </a:rPr>
+              <a:t>その周辺-100~+100を取得</a:t>
+            </a:r>
+          </a:p>
+          <a:p>
+            <a:pPr marL="971550" lvl="1" indent="-514350">
+              <a:buAutoNum type="arabicPeriod"/>
+            </a:pPr>
+            <a:r>
+              <a:rPr lang="en-US" sz="1400" dirty="0" err="1">
+                <a:latin typeface="Arial" panose="020B0604020202020204" pitchFamily="34" charset="0"/>
+                <a:cs typeface="Arial" panose="020B0604020202020204" pitchFamily="34" charset="0"/>
+              </a:rPr>
+              <a:t>エラー処理を忘れないこと：Endを超えた回数をカウント。いくつかピックアップして、velosityを確認する</a:t>
+            </a:r>
+            <a:endParaRPr lang="en-US" sz="1400" dirty="0">
+              <a:latin typeface="Arial" panose="020B0604020202020204" pitchFamily="34" charset="0"/>
+              <a:cs typeface="Arial" panose="020B0604020202020204" pitchFamily="34" charset="0"/>
+            </a:endParaRPr>
+          </a:p>
+          <a:p>
+            <a:pPr marL="971550" lvl="1" indent="-514350">
+              <a:buAutoNum type="arabicPeriod"/>
+            </a:pPr>
+            <a:r>
+              <a:rPr lang="en-US" sz="1400" dirty="0" err="1">
+                <a:latin typeface="Arial" panose="020B0604020202020204" pitchFamily="34" charset="0"/>
+                <a:cs typeface="Arial" panose="020B0604020202020204" pitchFamily="34" charset="0"/>
+              </a:rPr>
+              <a:t>エラー予防として</a:t>
+            </a:r>
+            <a:r>
+              <a:rPr lang="en-US" sz="1400" dirty="0">
+                <a:latin typeface="Arial" panose="020B0604020202020204" pitchFamily="34" charset="0"/>
+                <a:cs typeface="Arial" panose="020B0604020202020204" pitchFamily="34" charset="0"/>
+              </a:rPr>
+              <a:t>、-100~+100のtime </a:t>
+            </a:r>
+            <a:r>
+              <a:rPr lang="en-US" sz="1400" dirty="0" err="1">
+                <a:latin typeface="Arial" panose="020B0604020202020204" pitchFamily="34" charset="0"/>
+                <a:cs typeface="Arial" panose="020B0604020202020204" pitchFamily="34" charset="0"/>
+              </a:rPr>
+              <a:t>windowで取得したデータY</a:t>
+            </a:r>
+            <a:r>
+              <a:rPr lang="ja-JP" altLang="en-US" sz="1400">
+                <a:latin typeface="Arial" panose="020B0604020202020204" pitchFamily="34" charset="0"/>
+                <a:cs typeface="Arial" panose="020B0604020202020204" pitchFamily="34" charset="0"/>
+              </a:rPr>
+              <a:t> </a:t>
+            </a:r>
+            <a:r>
+              <a:rPr lang="en-US" altLang="ja-JP" sz="1400" dirty="0">
+                <a:latin typeface="Arial" panose="020B0604020202020204" pitchFamily="34" charset="0"/>
+                <a:cs typeface="Arial" panose="020B0604020202020204" pitchFamily="34" charset="0"/>
+              </a:rPr>
+              <a:t>201*N</a:t>
+            </a:r>
+            <a:r>
+              <a:rPr lang="ja-JP" altLang="en-US" sz="1400">
+                <a:latin typeface="Arial" panose="020B0604020202020204" pitchFamily="34" charset="0"/>
+                <a:cs typeface="Arial" panose="020B0604020202020204" pitchFamily="34" charset="0"/>
+              </a:rPr>
+              <a:t>を、</a:t>
+            </a:r>
+            <a:r>
+              <a:rPr lang="en-US" altLang="ja-JP" sz="1400" dirty="0">
+                <a:latin typeface="Arial" panose="020B0604020202020204" pitchFamily="34" charset="0"/>
+                <a:cs typeface="Arial" panose="020B0604020202020204" pitchFamily="34" charset="0"/>
+              </a:rPr>
+              <a:t>mean</a:t>
+            </a:r>
+            <a:r>
+              <a:rPr lang="ja-JP" altLang="en-US" sz="1400">
+                <a:latin typeface="Arial" panose="020B0604020202020204" pitchFamily="34" charset="0"/>
+                <a:cs typeface="Arial" panose="020B0604020202020204" pitchFamily="34" charset="0"/>
+              </a:rPr>
+              <a:t>と各</a:t>
+            </a:r>
+            <a:r>
+              <a:rPr lang="en-US" altLang="ja-JP" sz="1400" dirty="0">
+                <a:latin typeface="Arial" panose="020B0604020202020204" pitchFamily="34" charset="0"/>
+                <a:cs typeface="Arial" panose="020B0604020202020204" pitchFamily="34" charset="0"/>
+              </a:rPr>
+              <a:t>trajectory</a:t>
+            </a:r>
+            <a:r>
+              <a:rPr lang="ja-JP" altLang="en-US" sz="1400">
+                <a:latin typeface="Arial" panose="020B0604020202020204" pitchFamily="34" charset="0"/>
+                <a:cs typeface="Arial" panose="020B0604020202020204" pitchFamily="34" charset="0"/>
+              </a:rPr>
+              <a:t>を</a:t>
+            </a:r>
+            <a:r>
+              <a:rPr lang="en-US" altLang="ja-JP" sz="1400" dirty="0">
+                <a:latin typeface="Arial" panose="020B0604020202020204" pitchFamily="34" charset="0"/>
+                <a:cs typeface="Arial" panose="020B0604020202020204" pitchFamily="34" charset="0"/>
+              </a:rPr>
+              <a:t>plot(</a:t>
+            </a:r>
+            <a:r>
+              <a:rPr lang="ja-JP" altLang="en-US" sz="1400">
+                <a:latin typeface="Arial" panose="020B0604020202020204" pitchFamily="34" charset="0"/>
+                <a:cs typeface="Arial" panose="020B0604020202020204" pitchFamily="34" charset="0"/>
+              </a:rPr>
+              <a:t>黒と灰</a:t>
+            </a:r>
+            <a:r>
+              <a:rPr lang="en-US" altLang="ja-JP" sz="1400" dirty="0">
+                <a:latin typeface="Arial" panose="020B0604020202020204" pitchFamily="34" charset="0"/>
+                <a:cs typeface="Arial" panose="020B0604020202020204" pitchFamily="34" charset="0"/>
+              </a:rPr>
+              <a:t>)</a:t>
+            </a:r>
+          </a:p>
+          <a:p>
+            <a:pPr marL="971550" lvl="1" indent="-514350">
+              <a:buAutoNum type="arabicPeriod"/>
+            </a:pPr>
+            <a:r>
+              <a:rPr lang="en-US" sz="1400" dirty="0" err="1">
+                <a:latin typeface="Arial" panose="020B0604020202020204" pitchFamily="34" charset="0"/>
+                <a:cs typeface="Arial" panose="020B0604020202020204" pitchFamily="34" charset="0"/>
+              </a:rPr>
+              <a:t>その時間帯のmeanEMGを取得</a:t>
+            </a:r>
+            <a:r>
+              <a:rPr lang="en-US" sz="1400" dirty="0">
+                <a:latin typeface="Arial" panose="020B0604020202020204" pitchFamily="34" charset="0"/>
+                <a:cs typeface="Arial" panose="020B0604020202020204" pitchFamily="34" charset="0"/>
+              </a:rPr>
+              <a:t> N</a:t>
+            </a:r>
+          </a:p>
+          <a:p>
+            <a:pPr marL="971550" lvl="1" indent="-514350">
+              <a:buAutoNum type="arabicPeriod"/>
+            </a:pPr>
+            <a:r>
+              <a:rPr lang="en-US" sz="1400" dirty="0" err="1">
+                <a:latin typeface="Arial" panose="020B0604020202020204" pitchFamily="34" charset="0"/>
+                <a:cs typeface="Arial" panose="020B0604020202020204" pitchFamily="34" charset="0"/>
+              </a:rPr>
+              <a:t>exceptionArrayをかける</a:t>
+            </a:r>
+            <a:endParaRPr lang="en-US" sz="1400" dirty="0">
+              <a:latin typeface="Arial" panose="020B0604020202020204" pitchFamily="34" charset="0"/>
+              <a:cs typeface="Arial" panose="020B0604020202020204" pitchFamily="34" charset="0"/>
+            </a:endParaRPr>
+          </a:p>
+          <a:p>
+            <a:pPr marL="514350" indent="-514350">
+              <a:buAutoNum type="arabicPeriod"/>
+            </a:pPr>
+            <a:endParaRPr lang="en-US" sz="2200" dirty="0">
+              <a:latin typeface="Arial" panose="020B0604020202020204" pitchFamily="34" charset="0"/>
+              <a:cs typeface="Arial" panose="020B0604020202020204" pitchFamily="34" charset="0"/>
+            </a:endParaRPr>
+          </a:p>
+          <a:p>
+            <a:pPr marL="1885950" lvl="3" indent="-514350">
+              <a:buAutoNum type="arabicPeriod"/>
+            </a:pPr>
+            <a:endParaRPr lang="en-US" dirty="0">
+              <a:latin typeface="Arial" panose="020B0604020202020204" pitchFamily="34" charset="0"/>
+              <a:cs typeface="Arial" panose="020B0604020202020204" pitchFamily="34" charset="0"/>
+            </a:endParaRPr>
+          </a:p>
+          <a:p>
+            <a:pPr marL="1428750" lvl="2" indent="-514350">
+              <a:buAutoNum type="arabicPeriod"/>
+            </a:pPr>
+            <a:endParaRPr lang="en-US" dirty="0">
+              <a:latin typeface="Arial" panose="020B0604020202020204" pitchFamily="34" charset="0"/>
+              <a:cs typeface="Arial" panose="020B0604020202020204" pitchFamily="34" charset="0"/>
+            </a:endParaRPr>
+          </a:p>
+          <a:p>
+            <a:pPr marL="971550" lvl="1" indent="-514350">
+              <a:buAutoNum type="arabicPeriod"/>
+            </a:pPr>
+            <a:endParaRPr lang="en-US" dirty="0">
+              <a:latin typeface="Arial" panose="020B0604020202020204" pitchFamily="34" charset="0"/>
+              <a:cs typeface="Arial" panose="020B0604020202020204" pitchFamily="34" charset="0"/>
+            </a:endParaRPr>
           </a:p>
         </p:txBody>
       </p:sp>
     </p:spTree>
     <p:extLst>
       <p:ext uri="{BB962C8B-B14F-4D97-AF65-F5344CB8AC3E}">
-        <p14:creationId xmlns:p14="http://schemas.microsoft.com/office/powerpoint/2010/main" val="618549544"/>
+        <p14:creationId xmlns:p14="http://schemas.microsoft.com/office/powerpoint/2010/main" val="3321593431"/>
       </p:ext>
     </p:extLst>
   </p:cSld>

--- a/report/20220902.pptx
+++ b/report/20220902.pptx
@@ -6,20 +6,25 @@
   </p:sldMasterIdLst>
   <p:sldIdLst>
     <p:sldId id="256" r:id="rId2"/>
-    <p:sldId id="257" r:id="rId3"/>
-    <p:sldId id="258" r:id="rId4"/>
-    <p:sldId id="259" r:id="rId5"/>
-    <p:sldId id="270" r:id="rId6"/>
-    <p:sldId id="261" r:id="rId7"/>
-    <p:sldId id="269" r:id="rId8"/>
-    <p:sldId id="268" r:id="rId9"/>
-    <p:sldId id="271" r:id="rId10"/>
-    <p:sldId id="264" r:id="rId11"/>
-    <p:sldId id="262" r:id="rId12"/>
-    <p:sldId id="267" r:id="rId13"/>
-    <p:sldId id="260" r:id="rId14"/>
-    <p:sldId id="266" r:id="rId15"/>
-    <p:sldId id="263" r:id="rId16"/>
+    <p:sldId id="278" r:id="rId3"/>
+    <p:sldId id="266" r:id="rId4"/>
+    <p:sldId id="272" r:id="rId5"/>
+    <p:sldId id="258" r:id="rId6"/>
+    <p:sldId id="259" r:id="rId7"/>
+    <p:sldId id="268" r:id="rId8"/>
+    <p:sldId id="273" r:id="rId9"/>
+    <p:sldId id="264" r:id="rId10"/>
+    <p:sldId id="267" r:id="rId11"/>
+    <p:sldId id="260" r:id="rId12"/>
+    <p:sldId id="261" r:id="rId13"/>
+    <p:sldId id="262" r:id="rId14"/>
+    <p:sldId id="275" r:id="rId15"/>
+    <p:sldId id="274" r:id="rId16"/>
+    <p:sldId id="276" r:id="rId17"/>
+    <p:sldId id="263" r:id="rId18"/>
+    <p:sldId id="277" r:id="rId19"/>
+    <p:sldId id="257" r:id="rId20"/>
+    <p:sldId id="271" r:id="rId21"/>
   </p:sldIdLst>
   <p:sldSz cx="12192000" cy="6858000"/>
   <p:notesSz cx="6858000" cy="9144000"/>
@@ -3743,219 +3748,6 @@
       </p:grpSpPr>
       <p:sp>
         <p:nvSpPr>
-          <p:cNvPr id="2" name="タイトル 1">
-            <a:extLst>
-              <a:ext uri="{FF2B5EF4-FFF2-40B4-BE49-F238E27FC236}">
-                <a16:creationId xmlns:a16="http://schemas.microsoft.com/office/drawing/2014/main" id="{2998B0D2-E6C1-90DC-AD00-FC5E4AC67CF9}"/>
-              </a:ext>
-            </a:extLst>
-          </p:cNvPr>
-          <p:cNvSpPr>
-            <a:spLocks noGrp="1"/>
-          </p:cNvSpPr>
-          <p:nvPr>
-            <p:ph type="title"/>
-          </p:nvPr>
-        </p:nvSpPr>
-        <p:spPr>
-          <a:xfrm>
-            <a:off x="0" y="18256"/>
-            <a:ext cx="12192000" cy="662782"/>
-          </a:xfrm>
-        </p:spPr>
-        <p:txBody>
-          <a:bodyPr>
-            <a:normAutofit fontScale="90000"/>
-          </a:bodyPr>
-          <a:lstStyle/>
-          <a:p>
-            <a:pPr algn="ctr"/>
-            <a:r>
-              <a:rPr lang="en-US" dirty="0">
-                <a:latin typeface="Arial" panose="020B0604020202020204" pitchFamily="34" charset="0"/>
-                <a:cs typeface="Arial" panose="020B0604020202020204" pitchFamily="34" charset="0"/>
-              </a:rPr>
-              <a:t>The EMG at top speed is also affected by choking</a:t>
-            </a:r>
-          </a:p>
-        </p:txBody>
-      </p:sp>
-      <p:sp>
-        <p:nvSpPr>
-          <p:cNvPr id="3" name="コンテンツ プレースホルダー 2">
-            <a:extLst>
-              <a:ext uri="{FF2B5EF4-FFF2-40B4-BE49-F238E27FC236}">
-                <a16:creationId xmlns:a16="http://schemas.microsoft.com/office/drawing/2014/main" id="{53C1E971-4386-CE03-291B-95136168D0B5}"/>
-              </a:ext>
-            </a:extLst>
-          </p:cNvPr>
-          <p:cNvSpPr>
-            <a:spLocks noGrp="1"/>
-          </p:cNvSpPr>
-          <p:nvPr>
-            <p:ph idx="1"/>
-          </p:nvPr>
-        </p:nvSpPr>
-        <p:spPr>
-          <a:xfrm>
-            <a:off x="239210" y="681038"/>
-            <a:ext cx="5606005" cy="5967289"/>
-          </a:xfrm>
-        </p:spPr>
-        <p:txBody>
-          <a:bodyPr/>
-          <a:lstStyle/>
-          <a:p>
-            <a:pPr marL="514350" indent="-514350">
-              <a:buAutoNum type="arabicPeriod"/>
-            </a:pPr>
-            <a:r>
-              <a:rPr lang="en-US" dirty="0">
-                <a:latin typeface="Arial" panose="020B0604020202020204" pitchFamily="34" charset="0"/>
-                <a:cs typeface="Arial" panose="020B0604020202020204" pitchFamily="34" charset="0"/>
-              </a:rPr>
-              <a:t>Method</a:t>
-            </a:r>
-          </a:p>
-        </p:txBody>
-      </p:sp>
-    </p:spTree>
-    <p:extLst>
-      <p:ext uri="{BB962C8B-B14F-4D97-AF65-F5344CB8AC3E}">
-        <p14:creationId xmlns:p14="http://schemas.microsoft.com/office/powerpoint/2010/main" val="618549544"/>
-      </p:ext>
-    </p:extLst>
-  </p:cSld>
-  <p:clrMapOvr>
-    <a:masterClrMapping/>
-  </p:clrMapOvr>
-</p:sld>
-</file>
-
-<file path=ppt/slides/slide11.xml><?xml version="1.0" encoding="utf-8"?>
-<p:sld xmlns:a="http://schemas.openxmlformats.org/drawingml/2006/main" xmlns:r="http://schemas.openxmlformats.org/officeDocument/2006/relationships" xmlns:p="http://schemas.openxmlformats.org/presentationml/2006/main">
-  <p:cSld>
-    <p:spTree>
-      <p:nvGrpSpPr>
-        <p:cNvPr id="1" name=""/>
-        <p:cNvGrpSpPr/>
-        <p:nvPr/>
-      </p:nvGrpSpPr>
-      <p:grpSpPr>
-        <a:xfrm>
-          <a:off x="0" y="0"/>
-          <a:ext cx="0" cy="0"/>
-          <a:chOff x="0" y="0"/>
-          <a:chExt cx="0" cy="0"/>
-        </a:xfrm>
-      </p:grpSpPr>
-      <p:sp>
-        <p:nvSpPr>
-          <p:cNvPr id="2" name="タイトル 1">
-            <a:extLst>
-              <a:ext uri="{FF2B5EF4-FFF2-40B4-BE49-F238E27FC236}">
-                <a16:creationId xmlns:a16="http://schemas.microsoft.com/office/drawing/2014/main" id="{2998B0D2-E6C1-90DC-AD00-FC5E4AC67CF9}"/>
-              </a:ext>
-            </a:extLst>
-          </p:cNvPr>
-          <p:cNvSpPr>
-            <a:spLocks noGrp="1"/>
-          </p:cNvSpPr>
-          <p:nvPr>
-            <p:ph type="title"/>
-          </p:nvPr>
-        </p:nvSpPr>
-        <p:spPr>
-          <a:xfrm>
-            <a:off x="0" y="18256"/>
-            <a:ext cx="12192000" cy="662782"/>
-          </a:xfrm>
-        </p:spPr>
-        <p:txBody>
-          <a:bodyPr>
-            <a:normAutofit fontScale="90000"/>
-          </a:bodyPr>
-          <a:lstStyle/>
-          <a:p>
-            <a:pPr algn="ctr"/>
-            <a:r>
-              <a:rPr lang="en-US" dirty="0">
-                <a:latin typeface="Arial" panose="020B0604020202020204" pitchFamily="34" charset="0"/>
-                <a:cs typeface="Arial" panose="020B0604020202020204" pitchFamily="34" charset="0"/>
-              </a:rPr>
-              <a:t>Why the data is different across direction?</a:t>
-            </a:r>
-          </a:p>
-        </p:txBody>
-      </p:sp>
-      <p:sp>
-        <p:nvSpPr>
-          <p:cNvPr id="3" name="コンテンツ プレースホルダー 2">
-            <a:extLst>
-              <a:ext uri="{FF2B5EF4-FFF2-40B4-BE49-F238E27FC236}">
-                <a16:creationId xmlns:a16="http://schemas.microsoft.com/office/drawing/2014/main" id="{53C1E971-4386-CE03-291B-95136168D0B5}"/>
-              </a:ext>
-            </a:extLst>
-          </p:cNvPr>
-          <p:cNvSpPr>
-            <a:spLocks noGrp="1"/>
-          </p:cNvSpPr>
-          <p:nvPr>
-            <p:ph idx="1"/>
-          </p:nvPr>
-        </p:nvSpPr>
-        <p:spPr>
-          <a:xfrm>
-            <a:off x="239210" y="681038"/>
-            <a:ext cx="11713580" cy="5967289"/>
-          </a:xfrm>
-        </p:spPr>
-        <p:txBody>
-          <a:bodyPr/>
-          <a:lstStyle/>
-          <a:p>
-            <a:pPr marL="514350" indent="-514350">
-              <a:buAutoNum type="arabicPeriod"/>
-            </a:pPr>
-            <a:endParaRPr lang="en-US" dirty="0">
-              <a:latin typeface="Arial" panose="020B0604020202020204" pitchFamily="34" charset="0"/>
-              <a:cs typeface="Arial" panose="020B0604020202020204" pitchFamily="34" charset="0"/>
-            </a:endParaRPr>
-          </a:p>
-        </p:txBody>
-      </p:sp>
-    </p:spTree>
-    <p:extLst>
-      <p:ext uri="{BB962C8B-B14F-4D97-AF65-F5344CB8AC3E}">
-        <p14:creationId xmlns:p14="http://schemas.microsoft.com/office/powerpoint/2010/main" val="2753984367"/>
-      </p:ext>
-    </p:extLst>
-  </p:cSld>
-  <p:clrMapOvr>
-    <a:masterClrMapping/>
-  </p:clrMapOvr>
-</p:sld>
-</file>
-
-<file path=ppt/slides/slide12.xml><?xml version="1.0" encoding="utf-8"?>
-<p:sld xmlns:a="http://schemas.openxmlformats.org/drawingml/2006/main" xmlns:r="http://schemas.openxmlformats.org/officeDocument/2006/relationships" xmlns:p="http://schemas.openxmlformats.org/presentationml/2006/main">
-  <p:cSld>
-    <p:spTree>
-      <p:nvGrpSpPr>
-        <p:cNvPr id="1" name=""/>
-        <p:cNvGrpSpPr/>
-        <p:nvPr/>
-      </p:nvGrpSpPr>
-      <p:grpSpPr>
-        <a:xfrm>
-          <a:off x="0" y="0"/>
-          <a:ext cx="0" cy="0"/>
-          <a:chOff x="0" y="0"/>
-          <a:chExt cx="0" cy="0"/>
-        </a:xfrm>
-      </p:grpSpPr>
-      <p:sp>
-        <p:nvSpPr>
           <p:cNvPr id="3" name="コンテンツ プレースホルダー 2">
             <a:extLst>
               <a:ext uri="{FF2B5EF4-FFF2-40B4-BE49-F238E27FC236}">
@@ -4008,7 +3800,7 @@
 </p:sld>
 </file>
 
-<file path=ppt/slides/slide13.xml><?xml version="1.0" encoding="utf-8"?>
+<file path=ppt/slides/slide11.xml><?xml version="1.0" encoding="utf-8"?>
 <p:sld xmlns:a="http://schemas.openxmlformats.org/drawingml/2006/main" xmlns:r="http://schemas.openxmlformats.org/officeDocument/2006/relationships" xmlns:p="http://schemas.openxmlformats.org/presentationml/2006/main">
   <p:cSld>
     <p:spTree>
@@ -6840,7 +6632,330 @@
     </p:spTree>
     <p:extLst>
       <p:ext uri="{BB962C8B-B14F-4D97-AF65-F5344CB8AC3E}">
-        <p14:creationId xmlns:p14="http://schemas.microsoft.com/office/powerpoint/2010/main" val="4063540318"/>
+        <p14:creationId xmlns:p14="http://schemas.microsoft.com/office/powerpoint/2010/main" val="2566094124"/>
+      </p:ext>
+    </p:extLst>
+  </p:cSld>
+  <p:clrMapOvr>
+    <a:masterClrMapping/>
+  </p:clrMapOvr>
+</p:sld>
+</file>
+
+<file path=ppt/slides/slide12.xml><?xml version="1.0" encoding="utf-8"?>
+<p:sld xmlns:a="http://schemas.openxmlformats.org/drawingml/2006/main" xmlns:r="http://schemas.openxmlformats.org/officeDocument/2006/relationships" xmlns:p="http://schemas.openxmlformats.org/presentationml/2006/main">
+  <p:cSld>
+    <p:spTree>
+      <p:nvGrpSpPr>
+        <p:cNvPr id="1" name=""/>
+        <p:cNvGrpSpPr/>
+        <p:nvPr/>
+      </p:nvGrpSpPr>
+      <p:grpSpPr>
+        <a:xfrm>
+          <a:off x="0" y="0"/>
+          <a:ext cx="0" cy="0"/>
+          <a:chOff x="0" y="0"/>
+          <a:chExt cx="0" cy="0"/>
+        </a:xfrm>
+      </p:grpSpPr>
+      <p:pic>
+        <p:nvPicPr>
+          <p:cNvPr id="5" name="図 4">
+            <a:extLst>
+              <a:ext uri="{FF2B5EF4-FFF2-40B4-BE49-F238E27FC236}">
+                <a16:creationId xmlns:a16="http://schemas.microsoft.com/office/drawing/2014/main" id="{EA687002-B943-CA27-1E46-FFB4D027637D}"/>
+              </a:ext>
+            </a:extLst>
+          </p:cNvPr>
+          <p:cNvPicPr>
+            <a:picLocks noChangeAspect="1"/>
+          </p:cNvPicPr>
+          <p:nvPr/>
+        </p:nvPicPr>
+        <p:blipFill>
+          <a:blip r:embed="rId2">
+            <a:extLst>
+              <a:ext uri="{28A0092B-C50C-407E-A947-70E740481C1C}">
+                <a14:useLocalDpi xmlns:a14="http://schemas.microsoft.com/office/drawing/2010/main" val="0"/>
+              </a:ext>
+            </a:extLst>
+          </a:blip>
+          <a:stretch>
+            <a:fillRect/>
+          </a:stretch>
+        </p:blipFill>
+        <p:spPr>
+          <a:xfrm>
+            <a:off x="3502572" y="3051942"/>
+            <a:ext cx="5186855" cy="3890141"/>
+          </a:xfrm>
+          <a:prstGeom prst="rect">
+            <a:avLst/>
+          </a:prstGeom>
+        </p:spPr>
+      </p:pic>
+      <p:sp>
+        <p:nvSpPr>
+          <p:cNvPr id="2" name="タイトル 1">
+            <a:extLst>
+              <a:ext uri="{FF2B5EF4-FFF2-40B4-BE49-F238E27FC236}">
+                <a16:creationId xmlns:a16="http://schemas.microsoft.com/office/drawing/2014/main" id="{2998B0D2-E6C1-90DC-AD00-FC5E4AC67CF9}"/>
+              </a:ext>
+            </a:extLst>
+          </p:cNvPr>
+          <p:cNvSpPr>
+            <a:spLocks noGrp="1"/>
+          </p:cNvSpPr>
+          <p:nvPr>
+            <p:ph type="title"/>
+          </p:nvPr>
+        </p:nvSpPr>
+        <p:spPr>
+          <a:xfrm>
+            <a:off x="0" y="18256"/>
+            <a:ext cx="12192000" cy="662782"/>
+          </a:xfrm>
+        </p:spPr>
+        <p:txBody>
+          <a:bodyPr>
+            <a:noAutofit/>
+          </a:bodyPr>
+          <a:lstStyle/>
+          <a:p>
+            <a:pPr algn="ctr"/>
+            <a:r>
+              <a:rPr lang="en-US" sz="3600" b="1" dirty="0" err="1">
+                <a:latin typeface="Arial" panose="020B0604020202020204" pitchFamily="34" charset="0"/>
+                <a:cs typeface="Arial" panose="020B0604020202020204" pitchFamily="34" charset="0"/>
+              </a:rPr>
+              <a:t>PDel</a:t>
+            </a:r>
+            <a:r>
+              <a:rPr lang="en-US" sz="3600" b="1" dirty="0">
+                <a:latin typeface="Arial" panose="020B0604020202020204" pitchFamily="34" charset="0"/>
+                <a:cs typeface="Arial" panose="020B0604020202020204" pitchFamily="34" charset="0"/>
+              </a:rPr>
+              <a:t> should cause more co-contraction</a:t>
+            </a:r>
+          </a:p>
+        </p:txBody>
+      </p:sp>
+      <p:sp>
+        <p:nvSpPr>
+          <p:cNvPr id="3" name="コンテンツ プレースホルダー 2">
+            <a:extLst>
+              <a:ext uri="{FF2B5EF4-FFF2-40B4-BE49-F238E27FC236}">
+                <a16:creationId xmlns:a16="http://schemas.microsoft.com/office/drawing/2014/main" id="{53C1E971-4386-CE03-291B-95136168D0B5}"/>
+              </a:ext>
+            </a:extLst>
+          </p:cNvPr>
+          <p:cNvSpPr>
+            <a:spLocks noGrp="1"/>
+          </p:cNvSpPr>
+          <p:nvPr>
+            <p:ph idx="1"/>
+          </p:nvPr>
+        </p:nvSpPr>
+        <p:spPr>
+          <a:xfrm>
+            <a:off x="239210" y="681038"/>
+            <a:ext cx="11713580" cy="5967289"/>
+          </a:xfrm>
+        </p:spPr>
+        <p:txBody>
+          <a:bodyPr/>
+          <a:lstStyle/>
+          <a:p>
+            <a:pPr marL="0" indent="0">
+              <a:buNone/>
+            </a:pPr>
+            <a:r>
+              <a:rPr lang="en-US" sz="3200" b="1" dirty="0">
+                <a:solidFill>
+                  <a:schemeClr val="accent1"/>
+                </a:solidFill>
+                <a:latin typeface="Arial" panose="020B0604020202020204" pitchFamily="34" charset="0"/>
+                <a:cs typeface="Arial" panose="020B0604020202020204" pitchFamily="34" charset="0"/>
+              </a:rPr>
+              <a:t>Hypothesis: </a:t>
+            </a:r>
+          </a:p>
+          <a:p>
+            <a:pPr marL="0" indent="0" algn="ctr">
+              <a:buNone/>
+            </a:pPr>
+            <a:r>
+              <a:rPr lang="en-US" sz="2000" dirty="0">
+                <a:latin typeface="Arial" panose="020B0604020202020204" pitchFamily="34" charset="0"/>
+                <a:cs typeface="Arial" panose="020B0604020202020204" pitchFamily="34" charset="0"/>
+              </a:rPr>
+              <a:t>The muscle which has bigger activation during the task </a:t>
+            </a:r>
+            <a:br>
+              <a:rPr lang="en-US" sz="2000" dirty="0">
+                <a:latin typeface="Arial" panose="020B0604020202020204" pitchFamily="34" charset="0"/>
+                <a:cs typeface="Arial" panose="020B0604020202020204" pitchFamily="34" charset="0"/>
+              </a:rPr>
+            </a:br>
+            <a:r>
+              <a:rPr lang="en-US" sz="2000" dirty="0">
+                <a:latin typeface="Arial" panose="020B0604020202020204" pitchFamily="34" charset="0"/>
+                <a:cs typeface="Arial" panose="020B0604020202020204" pitchFamily="34" charset="0"/>
+              </a:rPr>
+              <a:t>should cause more co-contraction during holding time</a:t>
+            </a:r>
+          </a:p>
+          <a:p>
+            <a:pPr marL="0" indent="0" algn="ctr">
+              <a:buNone/>
+            </a:pPr>
+            <a:r>
+              <a:rPr lang="en-US" sz="2000" dirty="0">
+                <a:latin typeface="Arial" panose="020B0604020202020204" pitchFamily="34" charset="0"/>
+                <a:cs typeface="Arial" panose="020B0604020202020204" pitchFamily="34" charset="0"/>
+              </a:rPr>
+              <a:t>↓</a:t>
+            </a:r>
+          </a:p>
+          <a:p>
+            <a:pPr marL="0" indent="0" algn="ctr">
+              <a:buNone/>
+            </a:pPr>
+            <a:r>
+              <a:rPr lang="en-US" sz="2000" dirty="0">
+                <a:latin typeface="Arial" panose="020B0604020202020204" pitchFamily="34" charset="0"/>
+                <a:cs typeface="Arial" panose="020B0604020202020204" pitchFamily="34" charset="0"/>
+              </a:rPr>
+              <a:t>The bigger muscle activation, the bigger coefficient of variation</a:t>
+            </a:r>
+          </a:p>
+          <a:p>
+            <a:pPr marL="0" indent="0">
+              <a:buNone/>
+            </a:pPr>
+            <a:r>
+              <a:rPr lang="en-US" sz="3200" b="1" dirty="0">
+                <a:solidFill>
+                  <a:schemeClr val="accent1"/>
+                </a:solidFill>
+                <a:latin typeface="Arial" panose="020B0604020202020204" pitchFamily="34" charset="0"/>
+                <a:cs typeface="Arial" panose="020B0604020202020204" pitchFamily="34" charset="0"/>
+              </a:rPr>
+              <a:t>Coefficient of variation across Days before z-indexed:</a:t>
+            </a:r>
+          </a:p>
+        </p:txBody>
+      </p:sp>
+    </p:spTree>
+    <p:extLst>
+      <p:ext uri="{BB962C8B-B14F-4D97-AF65-F5344CB8AC3E}">
+        <p14:creationId xmlns:p14="http://schemas.microsoft.com/office/powerpoint/2010/main" val="757659000"/>
+      </p:ext>
+    </p:extLst>
+  </p:cSld>
+  <p:clrMapOvr>
+    <a:masterClrMapping/>
+  </p:clrMapOvr>
+</p:sld>
+</file>
+
+<file path=ppt/slides/slide13.xml><?xml version="1.0" encoding="utf-8"?>
+<p:sld xmlns:a="http://schemas.openxmlformats.org/drawingml/2006/main" xmlns:r="http://schemas.openxmlformats.org/officeDocument/2006/relationships" xmlns:p="http://schemas.openxmlformats.org/presentationml/2006/main">
+  <p:cSld>
+    <p:spTree>
+      <p:nvGrpSpPr>
+        <p:cNvPr id="1" name=""/>
+        <p:cNvGrpSpPr/>
+        <p:nvPr/>
+      </p:nvGrpSpPr>
+      <p:grpSpPr>
+        <a:xfrm>
+          <a:off x="0" y="0"/>
+          <a:ext cx="0" cy="0"/>
+          <a:chOff x="0" y="0"/>
+          <a:chExt cx="0" cy="0"/>
+        </a:xfrm>
+      </p:grpSpPr>
+      <p:sp>
+        <p:nvSpPr>
+          <p:cNvPr id="2" name="タイトル 1">
+            <a:extLst>
+              <a:ext uri="{FF2B5EF4-FFF2-40B4-BE49-F238E27FC236}">
+                <a16:creationId xmlns:a16="http://schemas.microsoft.com/office/drawing/2014/main" id="{2998B0D2-E6C1-90DC-AD00-FC5E4AC67CF9}"/>
+              </a:ext>
+            </a:extLst>
+          </p:cNvPr>
+          <p:cNvSpPr>
+            <a:spLocks noGrp="1"/>
+          </p:cNvSpPr>
+          <p:nvPr>
+            <p:ph type="title"/>
+          </p:nvPr>
+        </p:nvSpPr>
+        <p:spPr>
+          <a:xfrm>
+            <a:off x="0" y="18256"/>
+            <a:ext cx="12192000" cy="662782"/>
+          </a:xfrm>
+        </p:spPr>
+        <p:txBody>
+          <a:bodyPr>
+            <a:normAutofit fontScale="90000"/>
+          </a:bodyPr>
+          <a:lstStyle/>
+          <a:p>
+            <a:pPr algn="ctr"/>
+            <a:r>
+              <a:rPr lang="en-US" dirty="0">
+                <a:latin typeface="Arial" panose="020B0604020202020204" pitchFamily="34" charset="0"/>
+                <a:cs typeface="Arial" panose="020B0604020202020204" pitchFamily="34" charset="0"/>
+              </a:rPr>
+              <a:t>Absolute value of </a:t>
+            </a:r>
+          </a:p>
+        </p:txBody>
+      </p:sp>
+      <p:sp>
+        <p:nvSpPr>
+          <p:cNvPr id="3" name="コンテンツ プレースホルダー 2">
+            <a:extLst>
+              <a:ext uri="{FF2B5EF4-FFF2-40B4-BE49-F238E27FC236}">
+                <a16:creationId xmlns:a16="http://schemas.microsoft.com/office/drawing/2014/main" id="{53C1E971-4386-CE03-291B-95136168D0B5}"/>
+              </a:ext>
+            </a:extLst>
+          </p:cNvPr>
+          <p:cNvSpPr>
+            <a:spLocks noGrp="1"/>
+          </p:cNvSpPr>
+          <p:nvPr>
+            <p:ph idx="1"/>
+          </p:nvPr>
+        </p:nvSpPr>
+        <p:spPr>
+          <a:xfrm>
+            <a:off x="239210" y="681038"/>
+            <a:ext cx="11713580" cy="5967289"/>
+          </a:xfrm>
+        </p:spPr>
+        <p:txBody>
+          <a:bodyPr/>
+          <a:lstStyle/>
+          <a:p>
+            <a:pPr marL="514350" indent="-514350">
+              <a:buAutoNum type="arabicPeriod"/>
+            </a:pPr>
+            <a:endParaRPr lang="en-US" dirty="0">
+              <a:latin typeface="Arial" panose="020B0604020202020204" pitchFamily="34" charset="0"/>
+              <a:cs typeface="Arial" panose="020B0604020202020204" pitchFamily="34" charset="0"/>
+            </a:endParaRPr>
+          </a:p>
+        </p:txBody>
+      </p:sp>
+    </p:spTree>
+    <p:extLst>
+      <p:ext uri="{BB962C8B-B14F-4D97-AF65-F5344CB8AC3E}">
+        <p14:creationId xmlns:p14="http://schemas.microsoft.com/office/powerpoint/2010/main" val="2753984367"/>
       </p:ext>
     </p:extLst>
   </p:cSld>
@@ -6867,192 +6982,12 @@
           <a:chExt cx="0" cy="0"/>
         </a:xfrm>
       </p:grpSpPr>
-      <p:pic>
-        <p:nvPicPr>
-          <p:cNvPr id="5" name="図 4">
-            <a:extLst>
-              <a:ext uri="{FF2B5EF4-FFF2-40B4-BE49-F238E27FC236}">
-                <a16:creationId xmlns:a16="http://schemas.microsoft.com/office/drawing/2014/main" id="{633B7885-D913-A217-14BD-E6FC18B7CE28}"/>
-              </a:ext>
-            </a:extLst>
-          </p:cNvPr>
-          <p:cNvPicPr>
-            <a:picLocks noChangeAspect="1"/>
-          </p:cNvPicPr>
-          <p:nvPr/>
-        </p:nvPicPr>
-        <p:blipFill>
-          <a:blip r:embed="rId2">
-            <a:extLst>
-              <a:ext uri="{28A0092B-C50C-407E-A947-70E740481C1C}">
-                <a14:useLocalDpi xmlns:a14="http://schemas.microsoft.com/office/drawing/2010/main" val="0"/>
-              </a:ext>
-            </a:extLst>
-          </a:blip>
-          <a:stretch>
-            <a:fillRect/>
-          </a:stretch>
-        </p:blipFill>
-        <p:spPr>
-          <a:xfrm>
-            <a:off x="8101310" y="2106121"/>
-            <a:ext cx="4380828" cy="3285621"/>
-          </a:xfrm>
-          <a:prstGeom prst="rect">
-            <a:avLst/>
-          </a:prstGeom>
-        </p:spPr>
-      </p:pic>
-      <p:pic>
-        <p:nvPicPr>
-          <p:cNvPr id="7" name="図 6">
-            <a:extLst>
-              <a:ext uri="{FF2B5EF4-FFF2-40B4-BE49-F238E27FC236}">
-                <a16:creationId xmlns:a16="http://schemas.microsoft.com/office/drawing/2014/main" id="{FF56DE42-5042-CC19-7D94-397182D37175}"/>
-              </a:ext>
-            </a:extLst>
-          </p:cNvPr>
-          <p:cNvPicPr>
-            <a:picLocks noChangeAspect="1"/>
-          </p:cNvPicPr>
-          <p:nvPr/>
-        </p:nvPicPr>
-        <p:blipFill>
-          <a:blip r:embed="rId3">
-            <a:extLst>
-              <a:ext uri="{28A0092B-C50C-407E-A947-70E740481C1C}">
-                <a14:useLocalDpi xmlns:a14="http://schemas.microsoft.com/office/drawing/2010/main" val="0"/>
-              </a:ext>
-            </a:extLst>
-          </a:blip>
-          <a:stretch>
-            <a:fillRect/>
-          </a:stretch>
-        </p:blipFill>
-        <p:spPr>
-          <a:xfrm>
-            <a:off x="4078069" y="3748933"/>
-            <a:ext cx="4380828" cy="3285621"/>
-          </a:xfrm>
-          <a:prstGeom prst="rect">
-            <a:avLst/>
-          </a:prstGeom>
-        </p:spPr>
-      </p:pic>
-      <p:pic>
-        <p:nvPicPr>
-          <p:cNvPr id="9" name="図 8">
-            <a:extLst>
-              <a:ext uri="{FF2B5EF4-FFF2-40B4-BE49-F238E27FC236}">
-                <a16:creationId xmlns:a16="http://schemas.microsoft.com/office/drawing/2014/main" id="{1B9EED6B-819E-3544-8915-E44992E48AB8}"/>
-              </a:ext>
-            </a:extLst>
-          </p:cNvPr>
-          <p:cNvPicPr>
-            <a:picLocks noChangeAspect="1"/>
-          </p:cNvPicPr>
-          <p:nvPr/>
-        </p:nvPicPr>
-        <p:blipFill>
-          <a:blip r:embed="rId4">
-            <a:extLst>
-              <a:ext uri="{28A0092B-C50C-407E-A947-70E740481C1C}">
-                <a14:useLocalDpi xmlns:a14="http://schemas.microsoft.com/office/drawing/2010/main" val="0"/>
-              </a:ext>
-            </a:extLst>
-          </a:blip>
-          <a:stretch>
-            <a:fillRect/>
-          </a:stretch>
-        </p:blipFill>
-        <p:spPr>
-          <a:xfrm>
-            <a:off x="4055586" y="506446"/>
-            <a:ext cx="4380828" cy="3285621"/>
-          </a:xfrm>
-          <a:prstGeom prst="rect">
-            <a:avLst/>
-          </a:prstGeom>
-        </p:spPr>
-      </p:pic>
-      <p:pic>
-        <p:nvPicPr>
-          <p:cNvPr id="11" name="図 10">
-            <a:extLst>
-              <a:ext uri="{FF2B5EF4-FFF2-40B4-BE49-F238E27FC236}">
-                <a16:creationId xmlns:a16="http://schemas.microsoft.com/office/drawing/2014/main" id="{24A884B5-939C-3403-F6B8-311996728B99}"/>
-              </a:ext>
-            </a:extLst>
-          </p:cNvPr>
-          <p:cNvPicPr>
-            <a:picLocks noChangeAspect="1"/>
-          </p:cNvPicPr>
-          <p:nvPr/>
-        </p:nvPicPr>
-        <p:blipFill>
-          <a:blip r:embed="rId5">
-            <a:extLst>
-              <a:ext uri="{28A0092B-C50C-407E-A947-70E740481C1C}">
-                <a14:useLocalDpi xmlns:a14="http://schemas.microsoft.com/office/drawing/2010/main" val="0"/>
-              </a:ext>
-            </a:extLst>
-          </a:blip>
-          <a:stretch>
-            <a:fillRect/>
-          </a:stretch>
-        </p:blipFill>
-        <p:spPr>
-          <a:xfrm>
-            <a:off x="9862" y="3748934"/>
-            <a:ext cx="4380828" cy="3285621"/>
-          </a:xfrm>
-          <a:prstGeom prst="rect">
-            <a:avLst/>
-          </a:prstGeom>
-        </p:spPr>
-      </p:pic>
-      <p:pic>
-        <p:nvPicPr>
-          <p:cNvPr id="13" name="図 12">
-            <a:extLst>
-              <a:ext uri="{FF2B5EF4-FFF2-40B4-BE49-F238E27FC236}">
-                <a16:creationId xmlns:a16="http://schemas.microsoft.com/office/drawing/2014/main" id="{F1E1A6F9-639C-E9E3-A13E-8FCC3C3F8EB7}"/>
-              </a:ext>
-            </a:extLst>
-          </p:cNvPr>
-          <p:cNvPicPr>
-            <a:picLocks noChangeAspect="1"/>
-          </p:cNvPicPr>
-          <p:nvPr/>
-        </p:nvPicPr>
-        <p:blipFill>
-          <a:blip r:embed="rId6">
-            <a:extLst>
-              <a:ext uri="{28A0092B-C50C-407E-A947-70E740481C1C}">
-                <a14:useLocalDpi xmlns:a14="http://schemas.microsoft.com/office/drawing/2010/main" val="0"/>
-              </a:ext>
-            </a:extLst>
-          </a:blip>
-          <a:stretch>
-            <a:fillRect/>
-          </a:stretch>
-        </p:blipFill>
-        <p:spPr>
-          <a:xfrm>
-            <a:off x="-8800" y="462000"/>
-            <a:ext cx="4497600" cy="3373200"/>
-          </a:xfrm>
-          <a:prstGeom prst="rect">
-            <a:avLst/>
-          </a:prstGeom>
-        </p:spPr>
-      </p:pic>
       <p:sp>
         <p:nvSpPr>
-          <p:cNvPr id="2" name="タイトル 1">
-            <a:extLst>
-              <a:ext uri="{FF2B5EF4-FFF2-40B4-BE49-F238E27FC236}">
-                <a16:creationId xmlns:a16="http://schemas.microsoft.com/office/drawing/2014/main" id="{2998B0D2-E6C1-90DC-AD00-FC5E4AC67CF9}"/>
+          <p:cNvPr id="3" name="コンテンツ プレースホルダー 2">
+            <a:extLst>
+              <a:ext uri="{FF2B5EF4-FFF2-40B4-BE49-F238E27FC236}">
+                <a16:creationId xmlns:a16="http://schemas.microsoft.com/office/drawing/2014/main" id="{53C1E971-4386-CE03-291B-95136168D0B5}"/>
               </a:ext>
             </a:extLst>
           </p:cNvPr>
@@ -7060,28 +6995,30 @@
             <a:spLocks noGrp="1"/>
           </p:cNvSpPr>
           <p:nvPr>
-            <p:ph type="title"/>
+            <p:ph idx="1"/>
           </p:nvPr>
         </p:nvSpPr>
         <p:spPr>
           <a:xfrm>
-            <a:off x="0" y="18256"/>
-            <a:ext cx="12192000" cy="662782"/>
+            <a:off x="239210" y="2206905"/>
+            <a:ext cx="11713580" cy="2444189"/>
           </a:xfrm>
         </p:spPr>
         <p:txBody>
-          <a:bodyPr>
-            <a:normAutofit fontScale="90000"/>
+          <a:bodyPr anchor="ctr">
+            <a:normAutofit/>
           </a:bodyPr>
           <a:lstStyle/>
           <a:p>
-            <a:pPr algn="ctr"/>
-            <a:r>
-              <a:rPr lang="en-US" b="1" dirty="0">
-                <a:latin typeface="Arial" panose="020B0604020202020204" pitchFamily="34" charset="0"/>
-                <a:cs typeface="Arial" panose="020B0604020202020204" pitchFamily="34" charset="0"/>
-              </a:rPr>
-              <a:t>Z-indexed tuning curve each day</a:t>
+            <a:pPr marL="0" indent="0" algn="ctr">
+              <a:buNone/>
+            </a:pPr>
+            <a:r>
+              <a:rPr lang="en-US" sz="6000" b="1" dirty="0">
+                <a:latin typeface="Arial" panose="020B0604020202020204" pitchFamily="34" charset="0"/>
+                <a:cs typeface="Arial" panose="020B0604020202020204" pitchFamily="34" charset="0"/>
+              </a:rPr>
+              <a:t>Successes Data</a:t>
             </a:r>
           </a:p>
         </p:txBody>
@@ -7089,7 +7026,7 @@
     </p:spTree>
     <p:extLst>
       <p:ext uri="{BB962C8B-B14F-4D97-AF65-F5344CB8AC3E}">
-        <p14:creationId xmlns:p14="http://schemas.microsoft.com/office/powerpoint/2010/main" val="1912934862"/>
+        <p14:creationId xmlns:p14="http://schemas.microsoft.com/office/powerpoint/2010/main" val="72988661"/>
       </p:ext>
     </p:extLst>
   </p:cSld>
@@ -7146,6 +7083,680 @@
           <a:p>
             <a:pPr algn="ctr"/>
             <a:r>
+              <a:rPr lang="en-US" b="1" dirty="0">
+                <a:latin typeface="Arial" panose="020B0604020202020204" pitchFamily="34" charset="0"/>
+                <a:cs typeface="Arial" panose="020B0604020202020204" pitchFamily="34" charset="0"/>
+              </a:rPr>
+              <a:t>TC at holding time are different among muscles</a:t>
+            </a:r>
+          </a:p>
+        </p:txBody>
+      </p:sp>
+      <p:sp>
+        <p:nvSpPr>
+          <p:cNvPr id="3" name="コンテンツ プレースホルダー 2">
+            <a:extLst>
+              <a:ext uri="{FF2B5EF4-FFF2-40B4-BE49-F238E27FC236}">
+                <a16:creationId xmlns:a16="http://schemas.microsoft.com/office/drawing/2014/main" id="{53C1E971-4386-CE03-291B-95136168D0B5}"/>
+              </a:ext>
+            </a:extLst>
+          </p:cNvPr>
+          <p:cNvSpPr>
+            <a:spLocks noGrp="1"/>
+          </p:cNvSpPr>
+          <p:nvPr>
+            <p:ph idx="1"/>
+          </p:nvPr>
+        </p:nvSpPr>
+        <p:spPr>
+          <a:xfrm>
+            <a:off x="239210" y="681039"/>
+            <a:ext cx="3650865" cy="2902990"/>
+          </a:xfrm>
+        </p:spPr>
+        <p:txBody>
+          <a:bodyPr>
+            <a:normAutofit/>
+          </a:bodyPr>
+          <a:lstStyle/>
+          <a:p>
+            <a:pPr marL="0" indent="0">
+              <a:buNone/>
+            </a:pPr>
+            <a:r>
+              <a:rPr lang="en-US" b="1" dirty="0">
+                <a:solidFill>
+                  <a:schemeClr val="accent1"/>
+                </a:solidFill>
+                <a:latin typeface="Arial" panose="020B0604020202020204" pitchFamily="34" charset="0"/>
+                <a:cs typeface="Arial" panose="020B0604020202020204" pitchFamily="34" charset="0"/>
+              </a:rPr>
+              <a:t>Method</a:t>
+            </a:r>
+          </a:p>
+          <a:p>
+            <a:pPr marL="514350" indent="-514350">
+              <a:buFont typeface="Arial" panose="020B0604020202020204" pitchFamily="34" charset="0"/>
+              <a:buAutoNum type="arabicPeriod"/>
+            </a:pPr>
+            <a:r>
+              <a:rPr lang="en-US" altLang="ja-JP" sz="1800" dirty="0">
+                <a:latin typeface="Arial" panose="020B0604020202020204" pitchFamily="34" charset="0"/>
+                <a:cs typeface="Arial" panose="020B0604020202020204" pitchFamily="34" charset="0"/>
+              </a:rPr>
+              <a:t>Normalize by successes</a:t>
+            </a:r>
+            <a:endParaRPr lang="en-US" sz="1800" dirty="0">
+              <a:latin typeface="Arial" panose="020B0604020202020204" pitchFamily="34" charset="0"/>
+              <a:cs typeface="Arial" panose="020B0604020202020204" pitchFamily="34" charset="0"/>
+            </a:endParaRPr>
+          </a:p>
+          <a:p>
+            <a:pPr marL="514350" indent="-514350">
+              <a:buAutoNum type="arabicPeriod"/>
+            </a:pPr>
+            <a:r>
+              <a:rPr lang="en-US" sz="1800" dirty="0">
+                <a:latin typeface="Arial" panose="020B0604020202020204" pitchFamily="34" charset="0"/>
+                <a:cs typeface="Arial" panose="020B0604020202020204" pitchFamily="34" charset="0"/>
+              </a:rPr>
+              <a:t>Abnormal Day is removed</a:t>
+            </a:r>
+          </a:p>
+          <a:p>
+            <a:pPr marL="514350" indent="-514350">
+              <a:buAutoNum type="arabicPeriod"/>
+            </a:pPr>
+            <a:r>
+              <a:rPr lang="en-US" sz="1800" dirty="0">
+                <a:latin typeface="Arial" panose="020B0604020202020204" pitchFamily="34" charset="0"/>
+                <a:cs typeface="Arial" panose="020B0604020202020204" pitchFamily="34" charset="0"/>
+              </a:rPr>
+              <a:t>Use both successes and failures </a:t>
+            </a:r>
+            <a:r>
+              <a:rPr lang="en-US" altLang="ja-JP" sz="1800" dirty="0">
+                <a:latin typeface="Arial" panose="020B0604020202020204" pitchFamily="34" charset="0"/>
+                <a:cs typeface="Arial" panose="020B0604020202020204" pitchFamily="34" charset="0"/>
+              </a:rPr>
+              <a:t>for this visualization</a:t>
+            </a:r>
+            <a:endParaRPr lang="en-US" sz="1800" dirty="0">
+              <a:latin typeface="Arial" panose="020B0604020202020204" pitchFamily="34" charset="0"/>
+              <a:cs typeface="Arial" panose="020B0604020202020204" pitchFamily="34" charset="0"/>
+            </a:endParaRPr>
+          </a:p>
+        </p:txBody>
+      </p:sp>
+      <p:pic>
+        <p:nvPicPr>
+          <p:cNvPr id="5" name="図 4">
+            <a:extLst>
+              <a:ext uri="{FF2B5EF4-FFF2-40B4-BE49-F238E27FC236}">
+                <a16:creationId xmlns:a16="http://schemas.microsoft.com/office/drawing/2014/main" id="{99FCD867-F0C9-DB4A-604A-E4D8461BE0E2}"/>
+              </a:ext>
+            </a:extLst>
+          </p:cNvPr>
+          <p:cNvPicPr>
+            <a:picLocks noChangeAspect="1"/>
+          </p:cNvPicPr>
+          <p:nvPr/>
+        </p:nvPicPr>
+        <p:blipFill>
+          <a:blip r:embed="rId2">
+            <a:extLst>
+              <a:ext uri="{28A0092B-C50C-407E-A947-70E740481C1C}">
+                <a14:useLocalDpi xmlns:a14="http://schemas.microsoft.com/office/drawing/2010/main" val="0"/>
+              </a:ext>
+            </a:extLst>
+          </a:blip>
+          <a:stretch>
+            <a:fillRect/>
+          </a:stretch>
+        </p:blipFill>
+        <p:spPr>
+          <a:xfrm>
+            <a:off x="3890993" y="582762"/>
+            <a:ext cx="4408177" cy="3306133"/>
+          </a:xfrm>
+          <a:prstGeom prst="rect">
+            <a:avLst/>
+          </a:prstGeom>
+        </p:spPr>
+      </p:pic>
+      <p:pic>
+        <p:nvPicPr>
+          <p:cNvPr id="7" name="図 6">
+            <a:extLst>
+              <a:ext uri="{FF2B5EF4-FFF2-40B4-BE49-F238E27FC236}">
+                <a16:creationId xmlns:a16="http://schemas.microsoft.com/office/drawing/2014/main" id="{EBD28875-71E5-2C10-90F3-736DD3C73AB6}"/>
+              </a:ext>
+            </a:extLst>
+          </p:cNvPr>
+          <p:cNvPicPr>
+            <a:picLocks noChangeAspect="1"/>
+          </p:cNvPicPr>
+          <p:nvPr/>
+        </p:nvPicPr>
+        <p:blipFill>
+          <a:blip r:embed="rId3">
+            <a:extLst>
+              <a:ext uri="{28A0092B-C50C-407E-A947-70E740481C1C}">
+                <a14:useLocalDpi xmlns:a14="http://schemas.microsoft.com/office/drawing/2010/main" val="0"/>
+              </a:ext>
+            </a:extLst>
+          </a:blip>
+          <a:stretch>
+            <a:fillRect/>
+          </a:stretch>
+        </p:blipFill>
+        <p:spPr>
+          <a:xfrm>
+            <a:off x="7949800" y="588146"/>
+            <a:ext cx="4408177" cy="3306133"/>
+          </a:xfrm>
+          <a:prstGeom prst="rect">
+            <a:avLst/>
+          </a:prstGeom>
+        </p:spPr>
+      </p:pic>
+      <p:pic>
+        <p:nvPicPr>
+          <p:cNvPr id="11" name="図 10">
+            <a:extLst>
+              <a:ext uri="{FF2B5EF4-FFF2-40B4-BE49-F238E27FC236}">
+                <a16:creationId xmlns:a16="http://schemas.microsoft.com/office/drawing/2014/main" id="{99A5070E-B8DC-F9B1-3ADD-A8B8A8249EB1}"/>
+              </a:ext>
+            </a:extLst>
+          </p:cNvPr>
+          <p:cNvPicPr>
+            <a:picLocks noChangeAspect="1"/>
+          </p:cNvPicPr>
+          <p:nvPr/>
+        </p:nvPicPr>
+        <p:blipFill>
+          <a:blip r:embed="rId4">
+            <a:extLst>
+              <a:ext uri="{28A0092B-C50C-407E-A947-70E740481C1C}">
+                <a14:useLocalDpi xmlns:a14="http://schemas.microsoft.com/office/drawing/2010/main" val="0"/>
+              </a:ext>
+            </a:extLst>
+          </a:blip>
+          <a:stretch>
+            <a:fillRect/>
+          </a:stretch>
+        </p:blipFill>
+        <p:spPr>
+          <a:xfrm>
+            <a:off x="-115613" y="3725807"/>
+            <a:ext cx="4408177" cy="3306134"/>
+          </a:xfrm>
+          <a:prstGeom prst="rect">
+            <a:avLst/>
+          </a:prstGeom>
+        </p:spPr>
+      </p:pic>
+      <p:pic>
+        <p:nvPicPr>
+          <p:cNvPr id="9" name="図 8">
+            <a:extLst>
+              <a:ext uri="{FF2B5EF4-FFF2-40B4-BE49-F238E27FC236}">
+                <a16:creationId xmlns:a16="http://schemas.microsoft.com/office/drawing/2014/main" id="{D82046C1-2323-5750-D37E-EB9E1950E444}"/>
+              </a:ext>
+            </a:extLst>
+          </p:cNvPr>
+          <p:cNvPicPr>
+            <a:picLocks noChangeAspect="1"/>
+          </p:cNvPicPr>
+          <p:nvPr/>
+        </p:nvPicPr>
+        <p:blipFill>
+          <a:blip r:embed="rId5">
+            <a:extLst>
+              <a:ext uri="{28A0092B-C50C-407E-A947-70E740481C1C}">
+                <a14:useLocalDpi xmlns:a14="http://schemas.microsoft.com/office/drawing/2010/main" val="0"/>
+              </a:ext>
+            </a:extLst>
+          </a:blip>
+          <a:stretch>
+            <a:fillRect/>
+          </a:stretch>
+        </p:blipFill>
+        <p:spPr>
+          <a:xfrm>
+            <a:off x="3891911" y="3720424"/>
+            <a:ext cx="4408177" cy="3306133"/>
+          </a:xfrm>
+          <a:prstGeom prst="rect">
+            <a:avLst/>
+          </a:prstGeom>
+        </p:spPr>
+      </p:pic>
+      <p:pic>
+        <p:nvPicPr>
+          <p:cNvPr id="13" name="図 12">
+            <a:extLst>
+              <a:ext uri="{FF2B5EF4-FFF2-40B4-BE49-F238E27FC236}">
+                <a16:creationId xmlns:a16="http://schemas.microsoft.com/office/drawing/2014/main" id="{2F717ED3-918E-C92C-B479-1197FE944D24}"/>
+              </a:ext>
+            </a:extLst>
+          </p:cNvPr>
+          <p:cNvPicPr>
+            <a:picLocks noChangeAspect="1"/>
+          </p:cNvPicPr>
+          <p:nvPr/>
+        </p:nvPicPr>
+        <p:blipFill>
+          <a:blip r:embed="rId6">
+            <a:extLst>
+              <a:ext uri="{28A0092B-C50C-407E-A947-70E740481C1C}">
+                <a14:useLocalDpi xmlns:a14="http://schemas.microsoft.com/office/drawing/2010/main" val="0"/>
+              </a:ext>
+            </a:extLst>
+          </a:blip>
+          <a:stretch>
+            <a:fillRect/>
+          </a:stretch>
+        </p:blipFill>
+        <p:spPr>
+          <a:xfrm>
+            <a:off x="7972635" y="3720424"/>
+            <a:ext cx="4408177" cy="3306133"/>
+          </a:xfrm>
+          <a:prstGeom prst="rect">
+            <a:avLst/>
+          </a:prstGeom>
+        </p:spPr>
+      </p:pic>
+    </p:spTree>
+    <p:extLst>
+      <p:ext uri="{BB962C8B-B14F-4D97-AF65-F5344CB8AC3E}">
+        <p14:creationId xmlns:p14="http://schemas.microsoft.com/office/powerpoint/2010/main" val="1036390069"/>
+      </p:ext>
+    </p:extLst>
+  </p:cSld>
+  <p:clrMapOvr>
+    <a:masterClrMapping/>
+  </p:clrMapOvr>
+</p:sld>
+</file>
+
+<file path=ppt/slides/slide16.xml><?xml version="1.0" encoding="utf-8"?>
+<p:sld xmlns:a="http://schemas.openxmlformats.org/drawingml/2006/main" xmlns:r="http://schemas.openxmlformats.org/officeDocument/2006/relationships" xmlns:p="http://schemas.openxmlformats.org/presentationml/2006/main">
+  <p:cSld>
+    <p:spTree>
+      <p:nvGrpSpPr>
+        <p:cNvPr id="1" name=""/>
+        <p:cNvGrpSpPr/>
+        <p:nvPr/>
+      </p:nvGrpSpPr>
+      <p:grpSpPr>
+        <a:xfrm>
+          <a:off x="0" y="0"/>
+          <a:ext cx="0" cy="0"/>
+          <a:chOff x="0" y="0"/>
+          <a:chExt cx="0" cy="0"/>
+        </a:xfrm>
+      </p:grpSpPr>
+      <p:sp>
+        <p:nvSpPr>
+          <p:cNvPr id="3" name="コンテンツ プレースホルダー 2">
+            <a:extLst>
+              <a:ext uri="{FF2B5EF4-FFF2-40B4-BE49-F238E27FC236}">
+                <a16:creationId xmlns:a16="http://schemas.microsoft.com/office/drawing/2014/main" id="{53C1E971-4386-CE03-291B-95136168D0B5}"/>
+              </a:ext>
+            </a:extLst>
+          </p:cNvPr>
+          <p:cNvSpPr>
+            <a:spLocks noGrp="1"/>
+          </p:cNvSpPr>
+          <p:nvPr>
+            <p:ph idx="1"/>
+          </p:nvPr>
+        </p:nvSpPr>
+        <p:spPr>
+          <a:xfrm>
+            <a:off x="128972" y="850790"/>
+            <a:ext cx="4035075" cy="2517374"/>
+          </a:xfrm>
+        </p:spPr>
+        <p:txBody>
+          <a:bodyPr>
+            <a:normAutofit/>
+          </a:bodyPr>
+          <a:lstStyle/>
+          <a:p>
+            <a:pPr marL="514350" indent="-514350">
+              <a:buAutoNum type="arabicPeriod"/>
+            </a:pPr>
+            <a:r>
+              <a:rPr lang="en-US" dirty="0">
+                <a:latin typeface="Arial" panose="020B0604020202020204" pitchFamily="34" charset="0"/>
+                <a:cs typeface="Arial" panose="020B0604020202020204" pitchFamily="34" charset="0"/>
+              </a:rPr>
+              <a:t>Methods</a:t>
+            </a:r>
+          </a:p>
+          <a:p>
+            <a:pPr marL="971550" lvl="1" indent="-514350">
+              <a:buAutoNum type="arabicPeriod"/>
+            </a:pPr>
+            <a:r>
+              <a:rPr lang="en-US" sz="1800" dirty="0">
+                <a:latin typeface="Arial" panose="020B0604020202020204" pitchFamily="34" charset="0"/>
+                <a:cs typeface="Arial" panose="020B0604020202020204" pitchFamily="34" charset="0"/>
+              </a:rPr>
+              <a:t>Define EMG activation as </a:t>
+            </a:r>
+          </a:p>
+          <a:p>
+            <a:pPr marL="457200" lvl="1" indent="0">
+              <a:buNone/>
+            </a:pPr>
+            <a:r>
+              <a:rPr lang="en-US" sz="1800" dirty="0">
+                <a:latin typeface="Arial" panose="020B0604020202020204" pitchFamily="34" charset="0"/>
+                <a:cs typeface="Arial" panose="020B0604020202020204" pitchFamily="34" charset="0"/>
+              </a:rPr>
+              <a:t>Abs(peak EMG – hold EMG) </a:t>
+            </a:r>
+          </a:p>
+        </p:txBody>
+      </p:sp>
+      <p:pic>
+        <p:nvPicPr>
+          <p:cNvPr id="5" name="グラフィックス 4">
+            <a:extLst>
+              <a:ext uri="{FF2B5EF4-FFF2-40B4-BE49-F238E27FC236}">
+                <a16:creationId xmlns:a16="http://schemas.microsoft.com/office/drawing/2014/main" id="{13F6518E-07DC-2E01-49EA-DE2D9921C875}"/>
+              </a:ext>
+            </a:extLst>
+          </p:cNvPr>
+          <p:cNvPicPr>
+            <a:picLocks noChangeAspect="1"/>
+          </p:cNvPicPr>
+          <p:nvPr/>
+        </p:nvPicPr>
+        <p:blipFill>
+          <a:blip r:embed="rId2">
+            <a:extLst>
+              <a:ext uri="{28A0092B-C50C-407E-A947-70E740481C1C}">
+                <a14:useLocalDpi xmlns:a14="http://schemas.microsoft.com/office/drawing/2010/main" val="0"/>
+              </a:ext>
+              <a:ext uri="{96DAC541-7B7A-43D3-8B79-37D633B846F1}">
+                <asvg:svgBlip xmlns:asvg="http://schemas.microsoft.com/office/drawing/2016/SVG/main" r:embed="rId3"/>
+              </a:ext>
+            </a:extLst>
+          </a:blip>
+          <a:stretch>
+            <a:fillRect/>
+          </a:stretch>
+        </p:blipFill>
+        <p:spPr>
+          <a:xfrm>
+            <a:off x="3983605" y="604917"/>
+            <a:ext cx="4353762" cy="3265322"/>
+          </a:xfrm>
+          <a:prstGeom prst="rect">
+            <a:avLst/>
+          </a:prstGeom>
+        </p:spPr>
+      </p:pic>
+      <p:pic>
+        <p:nvPicPr>
+          <p:cNvPr id="7" name="グラフィックス 6">
+            <a:extLst>
+              <a:ext uri="{FF2B5EF4-FFF2-40B4-BE49-F238E27FC236}">
+                <a16:creationId xmlns:a16="http://schemas.microsoft.com/office/drawing/2014/main" id="{522AA41A-B0F2-2B1C-37EF-0BAFA95C00E1}"/>
+              </a:ext>
+            </a:extLst>
+          </p:cNvPr>
+          <p:cNvPicPr>
+            <a:picLocks noChangeAspect="1"/>
+          </p:cNvPicPr>
+          <p:nvPr/>
+        </p:nvPicPr>
+        <p:blipFill>
+          <a:blip r:embed="rId4">
+            <a:extLst>
+              <a:ext uri="{28A0092B-C50C-407E-A947-70E740481C1C}">
+                <a14:useLocalDpi xmlns:a14="http://schemas.microsoft.com/office/drawing/2010/main" val="0"/>
+              </a:ext>
+              <a:ext uri="{96DAC541-7B7A-43D3-8B79-37D633B846F1}">
+                <asvg:svgBlip xmlns:asvg="http://schemas.microsoft.com/office/drawing/2016/SVG/main" r:embed="rId5"/>
+              </a:ext>
+            </a:extLst>
+          </a:blip>
+          <a:stretch>
+            <a:fillRect/>
+          </a:stretch>
+        </p:blipFill>
+        <p:spPr>
+          <a:xfrm>
+            <a:off x="8094317" y="595271"/>
+            <a:ext cx="4353762" cy="3265322"/>
+          </a:xfrm>
+          <a:prstGeom prst="rect">
+            <a:avLst/>
+          </a:prstGeom>
+        </p:spPr>
+      </p:pic>
+      <p:pic>
+        <p:nvPicPr>
+          <p:cNvPr id="13" name="グラフィックス 12">
+            <a:extLst>
+              <a:ext uri="{FF2B5EF4-FFF2-40B4-BE49-F238E27FC236}">
+                <a16:creationId xmlns:a16="http://schemas.microsoft.com/office/drawing/2014/main" id="{7255FAD9-2BEB-D863-7236-D6D484B87D70}"/>
+              </a:ext>
+            </a:extLst>
+          </p:cNvPr>
+          <p:cNvPicPr>
+            <a:picLocks noChangeAspect="1"/>
+          </p:cNvPicPr>
+          <p:nvPr/>
+        </p:nvPicPr>
+        <p:blipFill>
+          <a:blip r:embed="rId6">
+            <a:extLst>
+              <a:ext uri="{28A0092B-C50C-407E-A947-70E740481C1C}">
+                <a14:useLocalDpi xmlns:a14="http://schemas.microsoft.com/office/drawing/2010/main" val="0"/>
+              </a:ext>
+              <a:ext uri="{96DAC541-7B7A-43D3-8B79-37D633B846F1}">
+                <asvg:svgBlip xmlns:asvg="http://schemas.microsoft.com/office/drawing/2016/SVG/main" r:embed="rId7"/>
+              </a:ext>
+            </a:extLst>
+          </a:blip>
+          <a:stretch>
+            <a:fillRect/>
+          </a:stretch>
+        </p:blipFill>
+        <p:spPr>
+          <a:xfrm>
+            <a:off x="-188392" y="3603292"/>
+            <a:ext cx="4353762" cy="3265322"/>
+          </a:xfrm>
+          <a:prstGeom prst="rect">
+            <a:avLst/>
+          </a:prstGeom>
+        </p:spPr>
+      </p:pic>
+      <p:pic>
+        <p:nvPicPr>
+          <p:cNvPr id="11" name="グラフィックス 10">
+            <a:extLst>
+              <a:ext uri="{FF2B5EF4-FFF2-40B4-BE49-F238E27FC236}">
+                <a16:creationId xmlns:a16="http://schemas.microsoft.com/office/drawing/2014/main" id="{A3BC4A22-16DF-AFCF-447B-26625C978910}"/>
+              </a:ext>
+            </a:extLst>
+          </p:cNvPr>
+          <p:cNvPicPr>
+            <a:picLocks noChangeAspect="1"/>
+          </p:cNvPicPr>
+          <p:nvPr/>
+        </p:nvPicPr>
+        <p:blipFill>
+          <a:blip r:embed="rId8">
+            <a:extLst>
+              <a:ext uri="{28A0092B-C50C-407E-A947-70E740481C1C}">
+                <a14:useLocalDpi xmlns:a14="http://schemas.microsoft.com/office/drawing/2010/main" val="0"/>
+              </a:ext>
+              <a:ext uri="{96DAC541-7B7A-43D3-8B79-37D633B846F1}">
+                <asvg:svgBlip xmlns:asvg="http://schemas.microsoft.com/office/drawing/2016/SVG/main" r:embed="rId9"/>
+              </a:ext>
+            </a:extLst>
+          </a:blip>
+          <a:stretch>
+            <a:fillRect/>
+          </a:stretch>
+        </p:blipFill>
+        <p:spPr>
+          <a:xfrm>
+            <a:off x="3995430" y="3603292"/>
+            <a:ext cx="4353762" cy="3265322"/>
+          </a:xfrm>
+          <a:prstGeom prst="rect">
+            <a:avLst/>
+          </a:prstGeom>
+        </p:spPr>
+      </p:pic>
+      <p:pic>
+        <p:nvPicPr>
+          <p:cNvPr id="9" name="グラフィックス 8">
+            <a:extLst>
+              <a:ext uri="{FF2B5EF4-FFF2-40B4-BE49-F238E27FC236}">
+                <a16:creationId xmlns:a16="http://schemas.microsoft.com/office/drawing/2014/main" id="{18ACA4DB-2C81-92CB-AEB4-B02C5135F1E4}"/>
+              </a:ext>
+            </a:extLst>
+          </p:cNvPr>
+          <p:cNvPicPr>
+            <a:picLocks noChangeAspect="1"/>
+          </p:cNvPicPr>
+          <p:nvPr/>
+        </p:nvPicPr>
+        <p:blipFill>
+          <a:blip r:embed="rId10">
+            <a:extLst>
+              <a:ext uri="{28A0092B-C50C-407E-A947-70E740481C1C}">
+                <a14:useLocalDpi xmlns:a14="http://schemas.microsoft.com/office/drawing/2010/main" val="0"/>
+              </a:ext>
+              <a:ext uri="{96DAC541-7B7A-43D3-8B79-37D633B846F1}">
+                <asvg:svgBlip xmlns:asvg="http://schemas.microsoft.com/office/drawing/2016/SVG/main" r:embed="rId11"/>
+              </a:ext>
+            </a:extLst>
+          </a:blip>
+          <a:stretch>
+            <a:fillRect/>
+          </a:stretch>
+        </p:blipFill>
+        <p:spPr>
+          <a:xfrm>
+            <a:off x="8103591" y="3603292"/>
+            <a:ext cx="4353762" cy="3265322"/>
+          </a:xfrm>
+          <a:prstGeom prst="rect">
+            <a:avLst/>
+          </a:prstGeom>
+        </p:spPr>
+      </p:pic>
+      <p:sp>
+        <p:nvSpPr>
+          <p:cNvPr id="2" name="タイトル 1">
+            <a:extLst>
+              <a:ext uri="{FF2B5EF4-FFF2-40B4-BE49-F238E27FC236}">
+                <a16:creationId xmlns:a16="http://schemas.microsoft.com/office/drawing/2014/main" id="{2998B0D2-E6C1-90DC-AD00-FC5E4AC67CF9}"/>
+              </a:ext>
+            </a:extLst>
+          </p:cNvPr>
+          <p:cNvSpPr>
+            <a:spLocks noGrp="1"/>
+          </p:cNvSpPr>
+          <p:nvPr>
+            <p:ph type="title"/>
+          </p:nvPr>
+        </p:nvSpPr>
+        <p:spPr>
+          <a:xfrm>
+            <a:off x="0" y="18256"/>
+            <a:ext cx="12192000" cy="662782"/>
+          </a:xfrm>
+        </p:spPr>
+        <p:txBody>
+          <a:bodyPr>
+            <a:normAutofit fontScale="90000"/>
+          </a:bodyPr>
+          <a:lstStyle/>
+          <a:p>
+            <a:pPr algn="ctr"/>
+            <a:r>
+              <a:rPr lang="en-US" b="1" dirty="0">
+                <a:latin typeface="Arial" panose="020B0604020202020204" pitchFamily="34" charset="0"/>
+                <a:cs typeface="Arial" panose="020B0604020202020204" pitchFamily="34" charset="0"/>
+              </a:rPr>
+              <a:t>The EMG at top speed is not affected by choking</a:t>
+            </a:r>
+          </a:p>
+        </p:txBody>
+      </p:sp>
+    </p:spTree>
+    <p:extLst>
+      <p:ext uri="{BB962C8B-B14F-4D97-AF65-F5344CB8AC3E}">
+        <p14:creationId xmlns:p14="http://schemas.microsoft.com/office/powerpoint/2010/main" val="2585593031"/>
+      </p:ext>
+    </p:extLst>
+  </p:cSld>
+  <p:clrMapOvr>
+    <a:masterClrMapping/>
+  </p:clrMapOvr>
+</p:sld>
+</file>
+
+<file path=ppt/slides/slide17.xml><?xml version="1.0" encoding="utf-8"?>
+<p:sld xmlns:a="http://schemas.openxmlformats.org/drawingml/2006/main" xmlns:r="http://schemas.openxmlformats.org/officeDocument/2006/relationships" xmlns:p="http://schemas.openxmlformats.org/presentationml/2006/main">
+  <p:cSld>
+    <p:spTree>
+      <p:nvGrpSpPr>
+        <p:cNvPr id="1" name=""/>
+        <p:cNvGrpSpPr/>
+        <p:nvPr/>
+      </p:nvGrpSpPr>
+      <p:grpSpPr>
+        <a:xfrm>
+          <a:off x="0" y="0"/>
+          <a:ext cx="0" cy="0"/>
+          <a:chOff x="0" y="0"/>
+          <a:chExt cx="0" cy="0"/>
+        </a:xfrm>
+      </p:grpSpPr>
+      <p:sp>
+        <p:nvSpPr>
+          <p:cNvPr id="2" name="タイトル 1">
+            <a:extLst>
+              <a:ext uri="{FF2B5EF4-FFF2-40B4-BE49-F238E27FC236}">
+                <a16:creationId xmlns:a16="http://schemas.microsoft.com/office/drawing/2014/main" id="{2998B0D2-E6C1-90DC-AD00-FC5E4AC67CF9}"/>
+              </a:ext>
+            </a:extLst>
+          </p:cNvPr>
+          <p:cNvSpPr>
+            <a:spLocks noGrp="1"/>
+          </p:cNvSpPr>
+          <p:nvPr>
+            <p:ph type="title"/>
+          </p:nvPr>
+        </p:nvSpPr>
+        <p:spPr>
+          <a:xfrm>
+            <a:off x="0" y="18256"/>
+            <a:ext cx="12192000" cy="662782"/>
+          </a:xfrm>
+        </p:spPr>
+        <p:txBody>
+          <a:bodyPr>
+            <a:normAutofit fontScale="90000"/>
+          </a:bodyPr>
+          <a:lstStyle/>
+          <a:p>
+            <a:pPr algn="ctr"/>
+            <a:r>
               <a:rPr lang="en-US" dirty="0">
                 <a:latin typeface="Arial" panose="020B0604020202020204" pitchFamily="34" charset="0"/>
                 <a:cs typeface="Arial" panose="020B0604020202020204" pitchFamily="34" charset="0"/>
@@ -7195,6 +7806,298 @@
     <p:extLst>
       <p:ext uri="{BB962C8B-B14F-4D97-AF65-F5344CB8AC3E}">
         <p14:creationId xmlns:p14="http://schemas.microsoft.com/office/powerpoint/2010/main" val="3783553276"/>
+      </p:ext>
+    </p:extLst>
+  </p:cSld>
+  <p:clrMapOvr>
+    <a:masterClrMapping/>
+  </p:clrMapOvr>
+</p:sld>
+</file>
+
+<file path=ppt/slides/slide18.xml><?xml version="1.0" encoding="utf-8"?>
+<p:sld xmlns:a="http://schemas.openxmlformats.org/drawingml/2006/main" xmlns:r="http://schemas.openxmlformats.org/officeDocument/2006/relationships" xmlns:p="http://schemas.openxmlformats.org/presentationml/2006/main">
+  <p:cSld>
+    <p:spTree>
+      <p:nvGrpSpPr>
+        <p:cNvPr id="1" name=""/>
+        <p:cNvGrpSpPr/>
+        <p:nvPr/>
+      </p:nvGrpSpPr>
+      <p:grpSpPr>
+        <a:xfrm>
+          <a:off x="0" y="0"/>
+          <a:ext cx="0" cy="0"/>
+          <a:chOff x="0" y="0"/>
+          <a:chExt cx="0" cy="0"/>
+        </a:xfrm>
+      </p:grpSpPr>
+      <p:sp>
+        <p:nvSpPr>
+          <p:cNvPr id="3" name="コンテンツ プレースホルダー 2">
+            <a:extLst>
+              <a:ext uri="{FF2B5EF4-FFF2-40B4-BE49-F238E27FC236}">
+                <a16:creationId xmlns:a16="http://schemas.microsoft.com/office/drawing/2014/main" id="{53C1E971-4386-CE03-291B-95136168D0B5}"/>
+              </a:ext>
+            </a:extLst>
+          </p:cNvPr>
+          <p:cNvSpPr>
+            <a:spLocks noGrp="1"/>
+          </p:cNvSpPr>
+          <p:nvPr>
+            <p:ph idx="1"/>
+          </p:nvPr>
+        </p:nvSpPr>
+        <p:spPr>
+          <a:xfrm>
+            <a:off x="239210" y="2206905"/>
+            <a:ext cx="11713580" cy="2444189"/>
+          </a:xfrm>
+        </p:spPr>
+        <p:txBody>
+          <a:bodyPr anchor="ctr">
+            <a:normAutofit/>
+          </a:bodyPr>
+          <a:lstStyle/>
+          <a:p>
+            <a:pPr marL="0" indent="0" algn="ctr">
+              <a:buNone/>
+            </a:pPr>
+            <a:r>
+              <a:rPr lang="en-US" sz="6000" b="1" dirty="0">
+                <a:latin typeface="Arial" panose="020B0604020202020204" pitchFamily="34" charset="0"/>
+                <a:cs typeface="Arial" panose="020B0604020202020204" pitchFamily="34" charset="0"/>
+              </a:rPr>
+              <a:t>Trash</a:t>
+            </a:r>
+          </a:p>
+        </p:txBody>
+      </p:sp>
+    </p:spTree>
+    <p:extLst>
+      <p:ext uri="{BB962C8B-B14F-4D97-AF65-F5344CB8AC3E}">
+        <p14:creationId xmlns:p14="http://schemas.microsoft.com/office/powerpoint/2010/main" val="4162731818"/>
+      </p:ext>
+    </p:extLst>
+  </p:cSld>
+  <p:clrMapOvr>
+    <a:masterClrMapping/>
+  </p:clrMapOvr>
+</p:sld>
+</file>
+
+<file path=ppt/slides/slide19.xml><?xml version="1.0" encoding="utf-8"?>
+<p:sld xmlns:a="http://schemas.openxmlformats.org/drawingml/2006/main" xmlns:r="http://schemas.openxmlformats.org/officeDocument/2006/relationships" xmlns:p="http://schemas.openxmlformats.org/presentationml/2006/main">
+  <p:cSld>
+    <p:spTree>
+      <p:nvGrpSpPr>
+        <p:cNvPr id="1" name=""/>
+        <p:cNvGrpSpPr/>
+        <p:nvPr/>
+      </p:nvGrpSpPr>
+      <p:grpSpPr>
+        <a:xfrm>
+          <a:off x="0" y="0"/>
+          <a:ext cx="0" cy="0"/>
+          <a:chOff x="0" y="0"/>
+          <a:chExt cx="0" cy="0"/>
+        </a:xfrm>
+      </p:grpSpPr>
+      <p:sp>
+        <p:nvSpPr>
+          <p:cNvPr id="2" name="タイトル 1">
+            <a:extLst>
+              <a:ext uri="{FF2B5EF4-FFF2-40B4-BE49-F238E27FC236}">
+                <a16:creationId xmlns:a16="http://schemas.microsoft.com/office/drawing/2014/main" id="{2998B0D2-E6C1-90DC-AD00-FC5E4AC67CF9}"/>
+              </a:ext>
+            </a:extLst>
+          </p:cNvPr>
+          <p:cNvSpPr>
+            <a:spLocks noGrp="1"/>
+          </p:cNvSpPr>
+          <p:nvPr>
+            <p:ph type="title"/>
+          </p:nvPr>
+        </p:nvSpPr>
+        <p:spPr>
+          <a:xfrm>
+            <a:off x="838200" y="18256"/>
+            <a:ext cx="10515600" cy="662782"/>
+          </a:xfrm>
+        </p:spPr>
+        <p:txBody>
+          <a:bodyPr>
+            <a:normAutofit fontScale="90000"/>
+          </a:bodyPr>
+          <a:lstStyle/>
+          <a:p>
+            <a:r>
+              <a:rPr lang="en-US" altLang="ja-JP" b="1" dirty="0"/>
+              <a:t>Logic Tree</a:t>
+            </a:r>
+            <a:endParaRPr lang="en-US" b="1" dirty="0"/>
+          </a:p>
+        </p:txBody>
+      </p:sp>
+      <p:sp>
+        <p:nvSpPr>
+          <p:cNvPr id="3" name="コンテンツ プレースホルダー 2">
+            <a:extLst>
+              <a:ext uri="{FF2B5EF4-FFF2-40B4-BE49-F238E27FC236}">
+                <a16:creationId xmlns:a16="http://schemas.microsoft.com/office/drawing/2014/main" id="{53C1E971-4386-CE03-291B-95136168D0B5}"/>
+              </a:ext>
+            </a:extLst>
+          </p:cNvPr>
+          <p:cNvSpPr>
+            <a:spLocks noGrp="1"/>
+          </p:cNvSpPr>
+          <p:nvPr>
+            <p:ph idx="1"/>
+          </p:nvPr>
+        </p:nvSpPr>
+        <p:spPr>
+          <a:xfrm>
+            <a:off x="838200" y="872454"/>
+            <a:ext cx="10515600" cy="5967289"/>
+          </a:xfrm>
+        </p:spPr>
+        <p:txBody>
+          <a:bodyPr/>
+          <a:lstStyle/>
+          <a:p>
+            <a:r>
+              <a:rPr lang="en-US" altLang="ja-JP" dirty="0"/>
+              <a:t>EMG basis “Choking Under Pressure”</a:t>
+            </a:r>
+          </a:p>
+          <a:p>
+            <a:pPr marL="914400" lvl="1" indent="-457200">
+              <a:buFont typeface="+mj-lt"/>
+              <a:buAutoNum type="arabicPeriod"/>
+            </a:pPr>
+            <a:r>
+              <a:rPr lang="en-US" altLang="ja-JP" dirty="0"/>
+              <a:t>Reward axis is not the result of co-contraction</a:t>
+            </a:r>
+          </a:p>
+          <a:p>
+            <a:pPr marL="1371600" lvl="2" indent="-457200">
+              <a:buFont typeface="+mj-lt"/>
+              <a:buAutoNum type="arabicPeriod"/>
+            </a:pPr>
+            <a:r>
+              <a:rPr lang="en-US" altLang="ja-JP" dirty="0"/>
+              <a:t>The mean and standard error of mean at each reward and direction</a:t>
+            </a:r>
+          </a:p>
+          <a:p>
+            <a:pPr marL="1714500" lvl="3" indent="-342900">
+              <a:buFont typeface="+mj-lt"/>
+              <a:buAutoNum type="arabicPeriod"/>
+            </a:pPr>
+            <a:r>
+              <a:rPr lang="en-US" altLang="ja-JP" dirty="0"/>
+              <a:t>The variance is because of few datapoint?: Show each data-point</a:t>
+            </a:r>
+          </a:p>
+          <a:p>
+            <a:pPr marL="1714500" lvl="3" indent="-342900">
+              <a:buFont typeface="+mj-lt"/>
+              <a:buAutoNum type="arabicPeriod"/>
+            </a:pPr>
+            <a:r>
+              <a:rPr lang="en-US" altLang="ja-JP" dirty="0"/>
+              <a:t>Why the data is different across direction? Is there any relationship among them?</a:t>
+            </a:r>
+          </a:p>
+          <a:p>
+            <a:pPr marL="2171700" lvl="4" indent="-342900">
+              <a:buFont typeface="+mj-lt"/>
+              <a:buAutoNum type="arabicPeriod"/>
+            </a:pPr>
+            <a:r>
+              <a:rPr lang="en-US" altLang="ja-JP" dirty="0"/>
+              <a:t>Lower: lose the muscle for preparation, Upper: opposite &lt;= 45~135 is bigger?</a:t>
+            </a:r>
+          </a:p>
+          <a:p>
+            <a:pPr marL="1371600" lvl="2" indent="-457200">
+              <a:buFont typeface="+mj-lt"/>
+              <a:buAutoNum type="arabicPeriod"/>
+            </a:pPr>
+            <a:r>
+              <a:rPr lang="en-US" altLang="ja-JP" dirty="0"/>
+              <a:t>The mean and standard error of mean at each reward</a:t>
+            </a:r>
+          </a:p>
+          <a:p>
+            <a:pPr marL="1714500" lvl="3" indent="-342900">
+              <a:buFont typeface="+mj-lt"/>
+              <a:buAutoNum type="arabicPeriod"/>
+            </a:pPr>
+            <a:r>
+              <a:rPr lang="en-US" altLang="ja-JP" dirty="0"/>
+              <a:t>To answer the question what happen in total</a:t>
+            </a:r>
+          </a:p>
+          <a:p>
+            <a:pPr marL="914400" lvl="1" indent="-457200">
+              <a:buFont typeface="+mj-lt"/>
+              <a:buAutoNum type="arabicPeriod"/>
+            </a:pPr>
+            <a:r>
+              <a:rPr lang="en-US" dirty="0"/>
+              <a:t>The EMG intensity at top speed is also affected by choking</a:t>
+            </a:r>
+          </a:p>
+          <a:p>
+            <a:pPr marL="1371600" lvl="2" indent="-457200">
+              <a:buFont typeface="+mj-lt"/>
+              <a:buAutoNum type="arabicPeriod"/>
+            </a:pPr>
+            <a:r>
+              <a:rPr lang="en-US" dirty="0"/>
+              <a:t>Show hypothesis and Method: slower reach might be related to EMG activation</a:t>
+            </a:r>
+          </a:p>
+          <a:p>
+            <a:pPr marL="1714500" lvl="3" indent="-342900">
+              <a:buFont typeface="+mj-lt"/>
+              <a:buAutoNum type="arabicPeriod"/>
+            </a:pPr>
+            <a:r>
+              <a:rPr lang="en-US" dirty="0"/>
+              <a:t>Is there difference in the muscular activation as a function of reward: inverted-U or co-contraction?</a:t>
+            </a:r>
+          </a:p>
+          <a:p>
+            <a:pPr marL="1371600" lvl="2" indent="-457200">
+              <a:buFont typeface="+mj-lt"/>
+              <a:buAutoNum type="arabicPeriod"/>
+            </a:pPr>
+            <a:r>
+              <a:rPr lang="en-US" dirty="0"/>
+              <a:t>Mean EMG around Peak value (-100 ~+100ms, or -50~+50ms)</a:t>
+            </a:r>
+          </a:p>
+          <a:p>
+            <a:pPr lvl="2"/>
+            <a:endParaRPr lang="en-US" dirty="0"/>
+          </a:p>
+          <a:p>
+            <a:pPr lvl="2"/>
+            <a:endParaRPr lang="en-US" dirty="0"/>
+          </a:p>
+          <a:p>
+            <a:pPr lvl="1"/>
+            <a:endParaRPr lang="en-US" dirty="0"/>
+          </a:p>
+        </p:txBody>
+      </p:sp>
+    </p:spTree>
+    <p:extLst>
+      <p:ext uri="{BB962C8B-B14F-4D97-AF65-F5344CB8AC3E}">
+        <p14:creationId xmlns:p14="http://schemas.microsoft.com/office/powerpoint/2010/main" val="3734113995"/>
       </p:ext>
     </p:extLst>
   </p:cSld>
@@ -7239,8 +8142,8 @@
         </p:nvSpPr>
         <p:spPr>
           <a:xfrm>
-            <a:off x="838200" y="18256"/>
-            <a:ext cx="10515600" cy="662782"/>
+            <a:off x="0" y="18256"/>
+            <a:ext cx="12192000" cy="662782"/>
           </a:xfrm>
         </p:spPr>
         <p:txBody>
@@ -7249,11 +8152,1025 @@
           </a:bodyPr>
           <a:lstStyle/>
           <a:p>
-            <a:r>
-              <a:rPr lang="en-US" altLang="ja-JP" b="1" dirty="0"/>
-              <a:t>Logic Tree</a:t>
-            </a:r>
-            <a:endParaRPr lang="en-US" b="1" dirty="0"/>
+            <a:pPr algn="ctr"/>
+            <a:r>
+              <a:rPr lang="en-US" b="1" dirty="0">
+                <a:latin typeface="Arial" panose="020B0604020202020204" pitchFamily="34" charset="0"/>
+                <a:cs typeface="Arial" panose="020B0604020202020204" pitchFamily="34" charset="0"/>
+              </a:rPr>
+              <a:t>Preprocess Flow</a:t>
+            </a:r>
+          </a:p>
+        </p:txBody>
+      </p:sp>
+      <p:sp>
+        <p:nvSpPr>
+          <p:cNvPr id="4" name="正方形/長方形 3">
+            <a:extLst>
+              <a:ext uri="{FF2B5EF4-FFF2-40B4-BE49-F238E27FC236}">
+                <a16:creationId xmlns:a16="http://schemas.microsoft.com/office/drawing/2014/main" id="{9E2450B4-3029-C4A8-0346-037A92B1B4EE}"/>
+              </a:ext>
+            </a:extLst>
+          </p:cNvPr>
+          <p:cNvSpPr/>
+          <p:nvPr/>
+        </p:nvSpPr>
+        <p:spPr>
+          <a:xfrm>
+            <a:off x="1394830" y="1245995"/>
+            <a:ext cx="3570953" cy="813917"/>
+          </a:xfrm>
+          <a:prstGeom prst="rect">
+            <a:avLst/>
+          </a:prstGeom>
+          <a:solidFill>
+            <a:schemeClr val="bg1"/>
+          </a:solidFill>
+          <a:ln w="19050">
+            <a:solidFill>
+              <a:schemeClr val="accent1"/>
+            </a:solidFill>
+          </a:ln>
+        </p:spPr>
+        <p:style>
+          <a:lnRef idx="2">
+            <a:schemeClr val="accent1">
+              <a:shade val="50000"/>
+            </a:schemeClr>
+          </a:lnRef>
+          <a:fillRef idx="1">
+            <a:schemeClr val="accent1"/>
+          </a:fillRef>
+          <a:effectRef idx="0">
+            <a:schemeClr val="accent1"/>
+          </a:effectRef>
+          <a:fontRef idx="minor">
+            <a:schemeClr val="lt1"/>
+          </a:fontRef>
+        </p:style>
+        <p:txBody>
+          <a:bodyPr rtlCol="0" anchor="ctr"/>
+          <a:lstStyle/>
+          <a:p>
+            <a:pPr algn="ctr"/>
+            <a:r>
+              <a:rPr kumimoji="1" lang="en-US" altLang="ja-JP" sz="1600" dirty="0">
+                <a:solidFill>
+                  <a:sysClr val="windowText" lastClr="000000"/>
+                </a:solidFill>
+                <a:latin typeface="Arial" panose="020B0604020202020204" pitchFamily="34" charset="0"/>
+                <a:cs typeface="Arial" panose="020B0604020202020204" pitchFamily="34" charset="0"/>
+              </a:rPr>
+              <a:t>Notch Filter</a:t>
+            </a:r>
+          </a:p>
+          <a:p>
+            <a:pPr algn="ctr"/>
+            <a:r>
+              <a:rPr kumimoji="1" lang="en-US" altLang="ja-JP" sz="1600" dirty="0">
+                <a:solidFill>
+                  <a:sysClr val="windowText" lastClr="000000"/>
+                </a:solidFill>
+                <a:latin typeface="Arial" panose="020B0604020202020204" pitchFamily="34" charset="0"/>
+                <a:cs typeface="Arial" panose="020B0604020202020204" pitchFamily="34" charset="0"/>
+              </a:rPr>
+              <a:t>(Baseline Noise remove)</a:t>
+            </a:r>
+            <a:endParaRPr kumimoji="1" lang="ja-JP" altLang="en-US" sz="1600">
+              <a:solidFill>
+                <a:sysClr val="windowText" lastClr="000000"/>
+              </a:solidFill>
+              <a:latin typeface="Arial" panose="020B0604020202020204" pitchFamily="34" charset="0"/>
+              <a:cs typeface="Arial" panose="020B0604020202020204" pitchFamily="34" charset="0"/>
+            </a:endParaRPr>
+          </a:p>
+        </p:txBody>
+      </p:sp>
+      <p:sp>
+        <p:nvSpPr>
+          <p:cNvPr id="5" name="正方形/長方形 4">
+            <a:extLst>
+              <a:ext uri="{FF2B5EF4-FFF2-40B4-BE49-F238E27FC236}">
+                <a16:creationId xmlns:a16="http://schemas.microsoft.com/office/drawing/2014/main" id="{DBB6D5EF-DB1D-98CF-CC09-0B14375045E6}"/>
+              </a:ext>
+            </a:extLst>
+          </p:cNvPr>
+          <p:cNvSpPr/>
+          <p:nvPr/>
+        </p:nvSpPr>
+        <p:spPr>
+          <a:xfrm>
+            <a:off x="1394830" y="2342940"/>
+            <a:ext cx="3570953" cy="813917"/>
+          </a:xfrm>
+          <a:prstGeom prst="rect">
+            <a:avLst/>
+          </a:prstGeom>
+          <a:solidFill>
+            <a:schemeClr val="bg1"/>
+          </a:solidFill>
+          <a:ln w="19050">
+            <a:solidFill>
+              <a:schemeClr val="accent1"/>
+            </a:solidFill>
+          </a:ln>
+        </p:spPr>
+        <p:style>
+          <a:lnRef idx="2">
+            <a:schemeClr val="accent1">
+              <a:shade val="50000"/>
+            </a:schemeClr>
+          </a:lnRef>
+          <a:fillRef idx="1">
+            <a:schemeClr val="accent1"/>
+          </a:fillRef>
+          <a:effectRef idx="0">
+            <a:schemeClr val="accent1"/>
+          </a:effectRef>
+          <a:fontRef idx="minor">
+            <a:schemeClr val="lt1"/>
+          </a:fontRef>
+        </p:style>
+        <p:txBody>
+          <a:bodyPr rtlCol="0" anchor="ctr"/>
+          <a:lstStyle/>
+          <a:p>
+            <a:pPr algn="ctr"/>
+            <a:r>
+              <a:rPr kumimoji="1" lang="en-US" altLang="ja-JP" sz="1600" dirty="0">
+                <a:solidFill>
+                  <a:sysClr val="windowText" lastClr="000000"/>
+                </a:solidFill>
+                <a:latin typeface="Arial" panose="020B0604020202020204" pitchFamily="34" charset="0"/>
+                <a:cs typeface="Arial" panose="020B0604020202020204" pitchFamily="34" charset="0"/>
+              </a:rPr>
+              <a:t>Adaptive Filter</a:t>
+            </a:r>
+          </a:p>
+          <a:p>
+            <a:pPr algn="ctr"/>
+            <a:r>
+              <a:rPr kumimoji="1" lang="en-US" altLang="ja-JP" sz="1600" dirty="0">
+                <a:solidFill>
+                  <a:sysClr val="windowText" lastClr="000000"/>
+                </a:solidFill>
+                <a:latin typeface="Arial" panose="020B0604020202020204" pitchFamily="34" charset="0"/>
+                <a:cs typeface="Arial" panose="020B0604020202020204" pitchFamily="34" charset="0"/>
+              </a:rPr>
+              <a:t>ECG remove</a:t>
+            </a:r>
+            <a:endParaRPr kumimoji="1" lang="ja-JP" altLang="en-US" sz="1600">
+              <a:solidFill>
+                <a:sysClr val="windowText" lastClr="000000"/>
+              </a:solidFill>
+              <a:latin typeface="Arial" panose="020B0604020202020204" pitchFamily="34" charset="0"/>
+              <a:cs typeface="Arial" panose="020B0604020202020204" pitchFamily="34" charset="0"/>
+            </a:endParaRPr>
+          </a:p>
+        </p:txBody>
+      </p:sp>
+      <p:sp>
+        <p:nvSpPr>
+          <p:cNvPr id="6" name="正方形/長方形 5">
+            <a:extLst>
+              <a:ext uri="{FF2B5EF4-FFF2-40B4-BE49-F238E27FC236}">
+                <a16:creationId xmlns:a16="http://schemas.microsoft.com/office/drawing/2014/main" id="{81DD9FA6-4A9D-113D-2CC2-7DC29F3A5B85}"/>
+              </a:ext>
+            </a:extLst>
+          </p:cNvPr>
+          <p:cNvSpPr/>
+          <p:nvPr/>
+        </p:nvSpPr>
+        <p:spPr>
+          <a:xfrm>
+            <a:off x="1394830" y="3439885"/>
+            <a:ext cx="3570953" cy="813917"/>
+          </a:xfrm>
+          <a:prstGeom prst="rect">
+            <a:avLst/>
+          </a:prstGeom>
+          <a:solidFill>
+            <a:schemeClr val="bg1"/>
+          </a:solidFill>
+          <a:ln w="19050">
+            <a:solidFill>
+              <a:schemeClr val="accent1"/>
+            </a:solidFill>
+          </a:ln>
+        </p:spPr>
+        <p:style>
+          <a:lnRef idx="2">
+            <a:schemeClr val="accent1">
+              <a:shade val="50000"/>
+            </a:schemeClr>
+          </a:lnRef>
+          <a:fillRef idx="1">
+            <a:schemeClr val="accent1"/>
+          </a:fillRef>
+          <a:effectRef idx="0">
+            <a:schemeClr val="accent1"/>
+          </a:effectRef>
+          <a:fontRef idx="minor">
+            <a:schemeClr val="lt1"/>
+          </a:fontRef>
+        </p:style>
+        <p:txBody>
+          <a:bodyPr rtlCol="0" anchor="ctr"/>
+          <a:lstStyle/>
+          <a:p>
+            <a:pPr algn="ctr"/>
+            <a:r>
+              <a:rPr kumimoji="1" lang="en-US" altLang="ja-JP" sz="1600" dirty="0">
+                <a:solidFill>
+                  <a:sysClr val="windowText" lastClr="000000"/>
+                </a:solidFill>
+                <a:latin typeface="Arial" panose="020B0604020202020204" pitchFamily="34" charset="0"/>
+                <a:cs typeface="Arial" panose="020B0604020202020204" pitchFamily="34" charset="0"/>
+              </a:rPr>
+              <a:t>Bandpass Filter</a:t>
+            </a:r>
+          </a:p>
+          <a:p>
+            <a:pPr algn="ctr"/>
+            <a:r>
+              <a:rPr kumimoji="1" lang="en-US" altLang="ja-JP" sz="1600" dirty="0">
+                <a:solidFill>
+                  <a:sysClr val="windowText" lastClr="000000"/>
+                </a:solidFill>
+                <a:latin typeface="Arial" panose="020B0604020202020204" pitchFamily="34" charset="0"/>
+                <a:cs typeface="Arial" panose="020B0604020202020204" pitchFamily="34" charset="0"/>
+              </a:rPr>
+              <a:t>Unrelated signal remove</a:t>
+            </a:r>
+            <a:endParaRPr kumimoji="1" lang="ja-JP" altLang="en-US" sz="1600">
+              <a:solidFill>
+                <a:sysClr val="windowText" lastClr="000000"/>
+              </a:solidFill>
+              <a:latin typeface="Arial" panose="020B0604020202020204" pitchFamily="34" charset="0"/>
+              <a:cs typeface="Arial" panose="020B0604020202020204" pitchFamily="34" charset="0"/>
+            </a:endParaRPr>
+          </a:p>
+        </p:txBody>
+      </p:sp>
+      <p:sp>
+        <p:nvSpPr>
+          <p:cNvPr id="7" name="正方形/長方形 6">
+            <a:extLst>
+              <a:ext uri="{FF2B5EF4-FFF2-40B4-BE49-F238E27FC236}">
+                <a16:creationId xmlns:a16="http://schemas.microsoft.com/office/drawing/2014/main" id="{2E4A2259-7E51-8290-4CCE-323A56F539EF}"/>
+              </a:ext>
+            </a:extLst>
+          </p:cNvPr>
+          <p:cNvSpPr/>
+          <p:nvPr/>
+        </p:nvSpPr>
+        <p:spPr>
+          <a:xfrm>
+            <a:off x="1394830" y="4536830"/>
+            <a:ext cx="3570953" cy="813917"/>
+          </a:xfrm>
+          <a:prstGeom prst="rect">
+            <a:avLst/>
+          </a:prstGeom>
+          <a:solidFill>
+            <a:schemeClr val="bg1"/>
+          </a:solidFill>
+          <a:ln w="19050">
+            <a:solidFill>
+              <a:schemeClr val="accent1"/>
+            </a:solidFill>
+          </a:ln>
+        </p:spPr>
+        <p:style>
+          <a:lnRef idx="2">
+            <a:schemeClr val="accent1">
+              <a:shade val="50000"/>
+            </a:schemeClr>
+          </a:lnRef>
+          <a:fillRef idx="1">
+            <a:schemeClr val="accent1"/>
+          </a:fillRef>
+          <a:effectRef idx="0">
+            <a:schemeClr val="accent1"/>
+          </a:effectRef>
+          <a:fontRef idx="minor">
+            <a:schemeClr val="lt1"/>
+          </a:fontRef>
+        </p:style>
+        <p:txBody>
+          <a:bodyPr rtlCol="0" anchor="ctr"/>
+          <a:lstStyle/>
+          <a:p>
+            <a:pPr algn="ctr"/>
+            <a:r>
+              <a:rPr kumimoji="1" lang="en-US" altLang="ja-JP" sz="1600" dirty="0">
+                <a:solidFill>
+                  <a:sysClr val="windowText" lastClr="000000"/>
+                </a:solidFill>
+                <a:latin typeface="Arial" panose="020B0604020202020204" pitchFamily="34" charset="0"/>
+                <a:cs typeface="Arial" panose="020B0604020202020204" pitchFamily="34" charset="0"/>
+              </a:rPr>
+              <a:t>Rectification</a:t>
+            </a:r>
+            <a:endParaRPr kumimoji="1" lang="ja-JP" altLang="en-US" sz="1600">
+              <a:solidFill>
+                <a:sysClr val="windowText" lastClr="000000"/>
+              </a:solidFill>
+              <a:latin typeface="Arial" panose="020B0604020202020204" pitchFamily="34" charset="0"/>
+              <a:cs typeface="Arial" panose="020B0604020202020204" pitchFamily="34" charset="0"/>
+            </a:endParaRPr>
+          </a:p>
+        </p:txBody>
+      </p:sp>
+      <p:sp>
+        <p:nvSpPr>
+          <p:cNvPr id="8" name="正方形/長方形 7">
+            <a:extLst>
+              <a:ext uri="{FF2B5EF4-FFF2-40B4-BE49-F238E27FC236}">
+                <a16:creationId xmlns:a16="http://schemas.microsoft.com/office/drawing/2014/main" id="{468157A1-3AAA-18DA-4EED-2D4704C21D92}"/>
+              </a:ext>
+            </a:extLst>
+          </p:cNvPr>
+          <p:cNvSpPr/>
+          <p:nvPr/>
+        </p:nvSpPr>
+        <p:spPr>
+          <a:xfrm>
+            <a:off x="1394830" y="5633775"/>
+            <a:ext cx="3570953" cy="813917"/>
+          </a:xfrm>
+          <a:prstGeom prst="rect">
+            <a:avLst/>
+          </a:prstGeom>
+          <a:solidFill>
+            <a:schemeClr val="bg1"/>
+          </a:solidFill>
+          <a:ln w="19050">
+            <a:solidFill>
+              <a:schemeClr val="accent1"/>
+            </a:solidFill>
+          </a:ln>
+        </p:spPr>
+        <p:style>
+          <a:lnRef idx="2">
+            <a:schemeClr val="accent1">
+              <a:shade val="50000"/>
+            </a:schemeClr>
+          </a:lnRef>
+          <a:fillRef idx="1">
+            <a:schemeClr val="accent1"/>
+          </a:fillRef>
+          <a:effectRef idx="0">
+            <a:schemeClr val="accent1"/>
+          </a:effectRef>
+          <a:fontRef idx="minor">
+            <a:schemeClr val="lt1"/>
+          </a:fontRef>
+        </p:style>
+        <p:txBody>
+          <a:bodyPr rtlCol="0" anchor="ctr"/>
+          <a:lstStyle/>
+          <a:p>
+            <a:pPr algn="ctr"/>
+            <a:r>
+              <a:rPr kumimoji="1" lang="en-US" altLang="ja-JP" sz="1600" dirty="0">
+                <a:solidFill>
+                  <a:sysClr val="windowText" lastClr="000000"/>
+                </a:solidFill>
+                <a:latin typeface="Arial" panose="020B0604020202020204" pitchFamily="34" charset="0"/>
+                <a:cs typeface="Arial" panose="020B0604020202020204" pitchFamily="34" charset="0"/>
+              </a:rPr>
+              <a:t>Smoothing</a:t>
+            </a:r>
+          </a:p>
+          <a:p>
+            <a:pPr algn="ctr"/>
+            <a:r>
+              <a:rPr kumimoji="1" lang="en-US" altLang="ja-JP" sz="1600" dirty="0">
+                <a:solidFill>
+                  <a:sysClr val="windowText" lastClr="000000"/>
+                </a:solidFill>
+                <a:latin typeface="Arial" panose="020B0604020202020204" pitchFamily="34" charset="0"/>
+                <a:cs typeface="Arial" panose="020B0604020202020204" pitchFamily="34" charset="0"/>
+              </a:rPr>
+              <a:t>(mean average of 50 </a:t>
+            </a:r>
+            <a:r>
+              <a:rPr kumimoji="1" lang="en-US" altLang="ja-JP" sz="1600" dirty="0" err="1">
+                <a:solidFill>
+                  <a:sysClr val="windowText" lastClr="000000"/>
+                </a:solidFill>
+                <a:latin typeface="Arial" panose="020B0604020202020204" pitchFamily="34" charset="0"/>
+                <a:cs typeface="Arial" panose="020B0604020202020204" pitchFamily="34" charset="0"/>
+              </a:rPr>
+              <a:t>ms</a:t>
+            </a:r>
+            <a:r>
+              <a:rPr kumimoji="1" lang="en-US" altLang="ja-JP" sz="1600" dirty="0">
+                <a:solidFill>
+                  <a:sysClr val="windowText" lastClr="000000"/>
+                </a:solidFill>
+                <a:latin typeface="Arial" panose="020B0604020202020204" pitchFamily="34" charset="0"/>
+                <a:cs typeface="Arial" panose="020B0604020202020204" pitchFamily="34" charset="0"/>
+              </a:rPr>
+              <a:t> time window)</a:t>
+            </a:r>
+            <a:endParaRPr kumimoji="1" lang="ja-JP" altLang="en-US" sz="1600">
+              <a:solidFill>
+                <a:sysClr val="windowText" lastClr="000000"/>
+              </a:solidFill>
+              <a:latin typeface="Arial" panose="020B0604020202020204" pitchFamily="34" charset="0"/>
+              <a:cs typeface="Arial" panose="020B0604020202020204" pitchFamily="34" charset="0"/>
+            </a:endParaRPr>
+          </a:p>
+        </p:txBody>
+      </p:sp>
+      <p:sp>
+        <p:nvSpPr>
+          <p:cNvPr id="9" name="正方形/長方形 8">
+            <a:extLst>
+              <a:ext uri="{FF2B5EF4-FFF2-40B4-BE49-F238E27FC236}">
+                <a16:creationId xmlns:a16="http://schemas.microsoft.com/office/drawing/2014/main" id="{C7D0C8E0-155A-5AC7-8302-40B8259A0725}"/>
+              </a:ext>
+            </a:extLst>
+          </p:cNvPr>
+          <p:cNvSpPr/>
+          <p:nvPr/>
+        </p:nvSpPr>
+        <p:spPr>
+          <a:xfrm>
+            <a:off x="7124064" y="1245994"/>
+            <a:ext cx="3570953" cy="813917"/>
+          </a:xfrm>
+          <a:prstGeom prst="rect">
+            <a:avLst/>
+          </a:prstGeom>
+          <a:solidFill>
+            <a:schemeClr val="bg1"/>
+          </a:solidFill>
+          <a:ln w="19050">
+            <a:solidFill>
+              <a:schemeClr val="accent1"/>
+            </a:solidFill>
+          </a:ln>
+        </p:spPr>
+        <p:style>
+          <a:lnRef idx="2">
+            <a:schemeClr val="accent1">
+              <a:shade val="50000"/>
+            </a:schemeClr>
+          </a:lnRef>
+          <a:fillRef idx="1">
+            <a:schemeClr val="accent1"/>
+          </a:fillRef>
+          <a:effectRef idx="0">
+            <a:schemeClr val="accent1"/>
+          </a:effectRef>
+          <a:fontRef idx="minor">
+            <a:schemeClr val="lt1"/>
+          </a:fontRef>
+        </p:style>
+        <p:txBody>
+          <a:bodyPr rtlCol="0" anchor="ctr"/>
+          <a:lstStyle/>
+          <a:p>
+            <a:pPr algn="ctr"/>
+            <a:r>
+              <a:rPr kumimoji="1" lang="en-US" altLang="ja-JP" sz="1600" dirty="0">
+                <a:solidFill>
+                  <a:sysClr val="windowText" lastClr="000000"/>
+                </a:solidFill>
+                <a:latin typeface="Arial" panose="020B0604020202020204" pitchFamily="34" charset="0"/>
+                <a:cs typeface="Arial" panose="020B0604020202020204" pitchFamily="34" charset="0"/>
+              </a:rPr>
+              <a:t>Z-scored by tuning curve</a:t>
+            </a:r>
+            <a:endParaRPr kumimoji="1" lang="ja-JP" altLang="en-US" sz="1600">
+              <a:solidFill>
+                <a:sysClr val="windowText" lastClr="000000"/>
+              </a:solidFill>
+              <a:latin typeface="Arial" panose="020B0604020202020204" pitchFamily="34" charset="0"/>
+              <a:cs typeface="Arial" panose="020B0604020202020204" pitchFamily="34" charset="0"/>
+            </a:endParaRPr>
+          </a:p>
+        </p:txBody>
+      </p:sp>
+      <p:sp>
+        <p:nvSpPr>
+          <p:cNvPr id="10" name="正方形/長方形 9">
+            <a:extLst>
+              <a:ext uri="{FF2B5EF4-FFF2-40B4-BE49-F238E27FC236}">
+                <a16:creationId xmlns:a16="http://schemas.microsoft.com/office/drawing/2014/main" id="{375BEEF8-43B0-9FD7-8EA2-DCB78AD8A8C7}"/>
+              </a:ext>
+            </a:extLst>
+          </p:cNvPr>
+          <p:cNvSpPr/>
+          <p:nvPr/>
+        </p:nvSpPr>
+        <p:spPr>
+          <a:xfrm>
+            <a:off x="7124064" y="2342939"/>
+            <a:ext cx="3570953" cy="813917"/>
+          </a:xfrm>
+          <a:prstGeom prst="rect">
+            <a:avLst/>
+          </a:prstGeom>
+          <a:solidFill>
+            <a:schemeClr val="bg1"/>
+          </a:solidFill>
+          <a:ln w="19050">
+            <a:solidFill>
+              <a:schemeClr val="accent1"/>
+            </a:solidFill>
+          </a:ln>
+        </p:spPr>
+        <p:style>
+          <a:lnRef idx="2">
+            <a:schemeClr val="accent1">
+              <a:shade val="50000"/>
+            </a:schemeClr>
+          </a:lnRef>
+          <a:fillRef idx="1">
+            <a:schemeClr val="accent1"/>
+          </a:fillRef>
+          <a:effectRef idx="0">
+            <a:schemeClr val="accent1"/>
+          </a:effectRef>
+          <a:fontRef idx="minor">
+            <a:schemeClr val="lt1"/>
+          </a:fontRef>
+        </p:style>
+        <p:txBody>
+          <a:bodyPr rtlCol="0" anchor="ctr"/>
+          <a:lstStyle/>
+          <a:p>
+            <a:pPr algn="ctr"/>
+            <a:r>
+              <a:rPr kumimoji="1" lang="en-US" altLang="ja-JP" sz="1600" dirty="0">
+                <a:solidFill>
+                  <a:sysClr val="windowText" lastClr="000000"/>
+                </a:solidFill>
+                <a:latin typeface="Arial" panose="020B0604020202020204" pitchFamily="34" charset="0"/>
+                <a:cs typeface="Arial" panose="020B0604020202020204" pitchFamily="34" charset="0"/>
+              </a:rPr>
+              <a:t>Remove abnormal data</a:t>
+            </a:r>
+            <a:endParaRPr kumimoji="1" lang="ja-JP" altLang="en-US" sz="1600">
+              <a:solidFill>
+                <a:sysClr val="windowText" lastClr="000000"/>
+              </a:solidFill>
+              <a:latin typeface="Arial" panose="020B0604020202020204" pitchFamily="34" charset="0"/>
+              <a:cs typeface="Arial" panose="020B0604020202020204" pitchFamily="34" charset="0"/>
+            </a:endParaRPr>
+          </a:p>
+        </p:txBody>
+      </p:sp>
+      <p:sp>
+        <p:nvSpPr>
+          <p:cNvPr id="11" name="正方形/長方形 10">
+            <a:extLst>
+              <a:ext uri="{FF2B5EF4-FFF2-40B4-BE49-F238E27FC236}">
+                <a16:creationId xmlns:a16="http://schemas.microsoft.com/office/drawing/2014/main" id="{D524FAC7-64DA-FF40-9533-FEEDFFE64EB7}"/>
+              </a:ext>
+            </a:extLst>
+          </p:cNvPr>
+          <p:cNvSpPr/>
+          <p:nvPr/>
+        </p:nvSpPr>
+        <p:spPr>
+          <a:xfrm>
+            <a:off x="7124064" y="3439884"/>
+            <a:ext cx="3570953" cy="813917"/>
+          </a:xfrm>
+          <a:prstGeom prst="rect">
+            <a:avLst/>
+          </a:prstGeom>
+          <a:solidFill>
+            <a:schemeClr val="bg1"/>
+          </a:solidFill>
+          <a:ln w="19050">
+            <a:solidFill>
+              <a:schemeClr val="accent1"/>
+            </a:solidFill>
+          </a:ln>
+        </p:spPr>
+        <p:style>
+          <a:lnRef idx="2">
+            <a:schemeClr val="accent1">
+              <a:shade val="50000"/>
+            </a:schemeClr>
+          </a:lnRef>
+          <a:fillRef idx="1">
+            <a:schemeClr val="accent1"/>
+          </a:fillRef>
+          <a:effectRef idx="0">
+            <a:schemeClr val="accent1"/>
+          </a:effectRef>
+          <a:fontRef idx="minor">
+            <a:schemeClr val="lt1"/>
+          </a:fontRef>
+        </p:style>
+        <p:txBody>
+          <a:bodyPr rtlCol="0" anchor="ctr"/>
+          <a:lstStyle/>
+          <a:p>
+            <a:pPr algn="ctr"/>
+            <a:r>
+              <a:rPr kumimoji="1" lang="en-US" altLang="ja-JP" sz="1600" dirty="0">
+                <a:solidFill>
+                  <a:sysClr val="windowText" lastClr="000000"/>
+                </a:solidFill>
+                <a:latin typeface="Arial" panose="020B0604020202020204" pitchFamily="34" charset="0"/>
+                <a:cs typeface="Arial" panose="020B0604020202020204" pitchFamily="34" charset="0"/>
+              </a:rPr>
+              <a:t>Concatenate across day</a:t>
+            </a:r>
+            <a:endParaRPr kumimoji="1" lang="ja-JP" altLang="en-US" sz="1600">
+              <a:solidFill>
+                <a:sysClr val="windowText" lastClr="000000"/>
+              </a:solidFill>
+              <a:latin typeface="Arial" panose="020B0604020202020204" pitchFamily="34" charset="0"/>
+              <a:cs typeface="Arial" panose="020B0604020202020204" pitchFamily="34" charset="0"/>
+            </a:endParaRPr>
+          </a:p>
+        </p:txBody>
+      </p:sp>
+      <p:cxnSp>
+        <p:nvCxnSpPr>
+          <p:cNvPr id="13" name="直線矢印コネクタ 12">
+            <a:extLst>
+              <a:ext uri="{FF2B5EF4-FFF2-40B4-BE49-F238E27FC236}">
+                <a16:creationId xmlns:a16="http://schemas.microsoft.com/office/drawing/2014/main" id="{1932CC5A-97F5-AB54-43AD-F800B4AC7A17}"/>
+              </a:ext>
+            </a:extLst>
+          </p:cNvPr>
+          <p:cNvCxnSpPr>
+            <a:stCxn id="4" idx="2"/>
+            <a:endCxn id="5" idx="0"/>
+          </p:cNvCxnSpPr>
+          <p:nvPr/>
+        </p:nvCxnSpPr>
+        <p:spPr>
+          <a:xfrm>
+            <a:off x="3180307" y="2059912"/>
+            <a:ext cx="0" cy="283028"/>
+          </a:xfrm>
+          <a:prstGeom prst="straightConnector1">
+            <a:avLst/>
+          </a:prstGeom>
+          <a:ln>
+            <a:solidFill>
+              <a:schemeClr val="tx1"/>
+            </a:solidFill>
+            <a:tailEnd type="triangle"/>
+          </a:ln>
+        </p:spPr>
+        <p:style>
+          <a:lnRef idx="1">
+            <a:schemeClr val="accent1"/>
+          </a:lnRef>
+          <a:fillRef idx="0">
+            <a:schemeClr val="accent1"/>
+          </a:fillRef>
+          <a:effectRef idx="0">
+            <a:schemeClr val="accent1"/>
+          </a:effectRef>
+          <a:fontRef idx="minor">
+            <a:schemeClr val="tx1"/>
+          </a:fontRef>
+        </p:style>
+      </p:cxnSp>
+      <p:cxnSp>
+        <p:nvCxnSpPr>
+          <p:cNvPr id="15" name="直線矢印コネクタ 14">
+            <a:extLst>
+              <a:ext uri="{FF2B5EF4-FFF2-40B4-BE49-F238E27FC236}">
+                <a16:creationId xmlns:a16="http://schemas.microsoft.com/office/drawing/2014/main" id="{B9739CF9-B25A-86DC-C13A-E03864C13361}"/>
+              </a:ext>
+            </a:extLst>
+          </p:cNvPr>
+          <p:cNvCxnSpPr>
+            <a:stCxn id="5" idx="2"/>
+            <a:endCxn id="6" idx="0"/>
+          </p:cNvCxnSpPr>
+          <p:nvPr/>
+        </p:nvCxnSpPr>
+        <p:spPr>
+          <a:xfrm>
+            <a:off x="3180307" y="3156857"/>
+            <a:ext cx="0" cy="283028"/>
+          </a:xfrm>
+          <a:prstGeom prst="straightConnector1">
+            <a:avLst/>
+          </a:prstGeom>
+          <a:ln>
+            <a:solidFill>
+              <a:schemeClr val="tx1"/>
+            </a:solidFill>
+            <a:tailEnd type="triangle"/>
+          </a:ln>
+        </p:spPr>
+        <p:style>
+          <a:lnRef idx="1">
+            <a:schemeClr val="accent1"/>
+          </a:lnRef>
+          <a:fillRef idx="0">
+            <a:schemeClr val="accent1"/>
+          </a:fillRef>
+          <a:effectRef idx="0">
+            <a:schemeClr val="accent1"/>
+          </a:effectRef>
+          <a:fontRef idx="minor">
+            <a:schemeClr val="tx1"/>
+          </a:fontRef>
+        </p:style>
+      </p:cxnSp>
+      <p:cxnSp>
+        <p:nvCxnSpPr>
+          <p:cNvPr id="17" name="直線矢印コネクタ 16">
+            <a:extLst>
+              <a:ext uri="{FF2B5EF4-FFF2-40B4-BE49-F238E27FC236}">
+                <a16:creationId xmlns:a16="http://schemas.microsoft.com/office/drawing/2014/main" id="{CC57F1E9-83BB-51B5-8B2F-F590FCED17C3}"/>
+              </a:ext>
+            </a:extLst>
+          </p:cNvPr>
+          <p:cNvCxnSpPr/>
+          <p:nvPr/>
+        </p:nvCxnSpPr>
+        <p:spPr>
+          <a:xfrm>
+            <a:off x="3176956" y="4253801"/>
+            <a:ext cx="0" cy="283028"/>
+          </a:xfrm>
+          <a:prstGeom prst="straightConnector1">
+            <a:avLst/>
+          </a:prstGeom>
+          <a:ln>
+            <a:solidFill>
+              <a:schemeClr val="tx1"/>
+            </a:solidFill>
+            <a:tailEnd type="triangle"/>
+          </a:ln>
+        </p:spPr>
+        <p:style>
+          <a:lnRef idx="1">
+            <a:schemeClr val="accent1"/>
+          </a:lnRef>
+          <a:fillRef idx="0">
+            <a:schemeClr val="accent1"/>
+          </a:fillRef>
+          <a:effectRef idx="0">
+            <a:schemeClr val="accent1"/>
+          </a:effectRef>
+          <a:fontRef idx="minor">
+            <a:schemeClr val="tx1"/>
+          </a:fontRef>
+        </p:style>
+      </p:cxnSp>
+      <p:cxnSp>
+        <p:nvCxnSpPr>
+          <p:cNvPr id="18" name="直線矢印コネクタ 17">
+            <a:extLst>
+              <a:ext uri="{FF2B5EF4-FFF2-40B4-BE49-F238E27FC236}">
+                <a16:creationId xmlns:a16="http://schemas.microsoft.com/office/drawing/2014/main" id="{136948ED-AC2A-114B-65A7-58A7159EAB09}"/>
+              </a:ext>
+            </a:extLst>
+          </p:cNvPr>
+          <p:cNvCxnSpPr/>
+          <p:nvPr/>
+        </p:nvCxnSpPr>
+        <p:spPr>
+          <a:xfrm>
+            <a:off x="3180305" y="5350747"/>
+            <a:ext cx="0" cy="283028"/>
+          </a:xfrm>
+          <a:prstGeom prst="straightConnector1">
+            <a:avLst/>
+          </a:prstGeom>
+          <a:ln>
+            <a:solidFill>
+              <a:schemeClr val="tx1"/>
+            </a:solidFill>
+            <a:tailEnd type="triangle"/>
+          </a:ln>
+        </p:spPr>
+        <p:style>
+          <a:lnRef idx="1">
+            <a:schemeClr val="accent1"/>
+          </a:lnRef>
+          <a:fillRef idx="0">
+            <a:schemeClr val="accent1"/>
+          </a:fillRef>
+          <a:effectRef idx="0">
+            <a:schemeClr val="accent1"/>
+          </a:effectRef>
+          <a:fontRef idx="minor">
+            <a:schemeClr val="tx1"/>
+          </a:fontRef>
+        </p:style>
+      </p:cxnSp>
+      <p:cxnSp>
+        <p:nvCxnSpPr>
+          <p:cNvPr id="19" name="直線矢印コネクタ 18">
+            <a:extLst>
+              <a:ext uri="{FF2B5EF4-FFF2-40B4-BE49-F238E27FC236}">
+                <a16:creationId xmlns:a16="http://schemas.microsoft.com/office/drawing/2014/main" id="{F138C9A0-D5D6-0B7B-AB10-2113BC97BBE8}"/>
+              </a:ext>
+            </a:extLst>
+          </p:cNvPr>
+          <p:cNvCxnSpPr/>
+          <p:nvPr/>
+        </p:nvCxnSpPr>
+        <p:spPr>
+          <a:xfrm>
+            <a:off x="8909540" y="2081682"/>
+            <a:ext cx="0" cy="283028"/>
+          </a:xfrm>
+          <a:prstGeom prst="straightConnector1">
+            <a:avLst/>
+          </a:prstGeom>
+          <a:ln>
+            <a:solidFill>
+              <a:schemeClr val="tx1"/>
+            </a:solidFill>
+            <a:tailEnd type="triangle"/>
+          </a:ln>
+        </p:spPr>
+        <p:style>
+          <a:lnRef idx="1">
+            <a:schemeClr val="accent1"/>
+          </a:lnRef>
+          <a:fillRef idx="0">
+            <a:schemeClr val="accent1"/>
+          </a:fillRef>
+          <a:effectRef idx="0">
+            <a:schemeClr val="accent1"/>
+          </a:effectRef>
+          <a:fontRef idx="minor">
+            <a:schemeClr val="tx1"/>
+          </a:fontRef>
+        </p:style>
+      </p:cxnSp>
+      <p:cxnSp>
+        <p:nvCxnSpPr>
+          <p:cNvPr id="20" name="直線矢印コネクタ 19">
+            <a:extLst>
+              <a:ext uri="{FF2B5EF4-FFF2-40B4-BE49-F238E27FC236}">
+                <a16:creationId xmlns:a16="http://schemas.microsoft.com/office/drawing/2014/main" id="{26BF31DA-DF0E-A75F-97CC-D962AF7A1CD8}"/>
+              </a:ext>
+            </a:extLst>
+          </p:cNvPr>
+          <p:cNvCxnSpPr/>
+          <p:nvPr/>
+        </p:nvCxnSpPr>
+        <p:spPr>
+          <a:xfrm>
+            <a:off x="8909540" y="3145972"/>
+            <a:ext cx="0" cy="283028"/>
+          </a:xfrm>
+          <a:prstGeom prst="straightConnector1">
+            <a:avLst/>
+          </a:prstGeom>
+          <a:ln>
+            <a:solidFill>
+              <a:schemeClr val="tx1"/>
+            </a:solidFill>
+            <a:tailEnd type="triangle"/>
+          </a:ln>
+        </p:spPr>
+        <p:style>
+          <a:lnRef idx="1">
+            <a:schemeClr val="accent1"/>
+          </a:lnRef>
+          <a:fillRef idx="0">
+            <a:schemeClr val="accent1"/>
+          </a:fillRef>
+          <a:effectRef idx="0">
+            <a:schemeClr val="accent1"/>
+          </a:effectRef>
+          <a:fontRef idx="minor">
+            <a:schemeClr val="tx1"/>
+          </a:fontRef>
+        </p:style>
+      </p:cxnSp>
+      <p:cxnSp>
+        <p:nvCxnSpPr>
+          <p:cNvPr id="22" name="カギ線コネクタ 21">
+            <a:extLst>
+              <a:ext uri="{FF2B5EF4-FFF2-40B4-BE49-F238E27FC236}">
+                <a16:creationId xmlns:a16="http://schemas.microsoft.com/office/drawing/2014/main" id="{36CB9FD0-3B35-DBB0-42EA-A7AD714DEE0C}"/>
+              </a:ext>
+            </a:extLst>
+          </p:cNvPr>
+          <p:cNvCxnSpPr>
+            <a:cxnSpLocks/>
+            <a:stCxn id="8" idx="3"/>
+            <a:endCxn id="9" idx="1"/>
+          </p:cNvCxnSpPr>
+          <p:nvPr/>
+        </p:nvCxnSpPr>
+        <p:spPr>
+          <a:xfrm flipV="1">
+            <a:off x="4965783" y="1652953"/>
+            <a:ext cx="2158281" cy="4387781"/>
+          </a:xfrm>
+          <a:prstGeom prst="bentConnector3">
+            <a:avLst>
+              <a:gd name="adj1" fmla="val 50000"/>
+            </a:avLst>
+          </a:prstGeom>
+          <a:ln w="19050">
+            <a:solidFill>
+              <a:schemeClr val="tx1"/>
+            </a:solidFill>
+            <a:tailEnd type="triangle"/>
+          </a:ln>
+        </p:spPr>
+        <p:style>
+          <a:lnRef idx="1">
+            <a:schemeClr val="accent1"/>
+          </a:lnRef>
+          <a:fillRef idx="0">
+            <a:schemeClr val="accent1"/>
+          </a:fillRef>
+          <a:effectRef idx="0">
+            <a:schemeClr val="accent1"/>
+          </a:effectRef>
+          <a:fontRef idx="minor">
+            <a:schemeClr val="tx1"/>
+          </a:fontRef>
+        </p:style>
+      </p:cxnSp>
+    </p:spTree>
+    <p:extLst>
+      <p:ext uri="{BB962C8B-B14F-4D97-AF65-F5344CB8AC3E}">
+        <p14:creationId xmlns:p14="http://schemas.microsoft.com/office/powerpoint/2010/main" val="2171421879"/>
+      </p:ext>
+    </p:extLst>
+  </p:cSld>
+  <p:clrMapOvr>
+    <a:masterClrMapping/>
+  </p:clrMapOvr>
+</p:sld>
+</file>
+
+<file path=ppt/slides/slide20.xml><?xml version="1.0" encoding="utf-8"?>
+<p:sld xmlns:a="http://schemas.openxmlformats.org/drawingml/2006/main" xmlns:r="http://schemas.openxmlformats.org/officeDocument/2006/relationships" xmlns:p="http://schemas.openxmlformats.org/presentationml/2006/main">
+  <p:cSld>
+    <p:spTree>
+      <p:nvGrpSpPr>
+        <p:cNvPr id="1" name=""/>
+        <p:cNvGrpSpPr/>
+        <p:nvPr/>
+      </p:nvGrpSpPr>
+      <p:grpSpPr>
+        <a:xfrm>
+          <a:off x="0" y="0"/>
+          <a:ext cx="0" cy="0"/>
+          <a:chOff x="0" y="0"/>
+          <a:chExt cx="0" cy="0"/>
+        </a:xfrm>
+      </p:grpSpPr>
+      <p:sp>
+        <p:nvSpPr>
+          <p:cNvPr id="2" name="タイトル 1">
+            <a:extLst>
+              <a:ext uri="{FF2B5EF4-FFF2-40B4-BE49-F238E27FC236}">
+                <a16:creationId xmlns:a16="http://schemas.microsoft.com/office/drawing/2014/main" id="{2998B0D2-E6C1-90DC-AD00-FC5E4AC67CF9}"/>
+              </a:ext>
+            </a:extLst>
+          </p:cNvPr>
+          <p:cNvSpPr>
+            <a:spLocks noGrp="1"/>
+          </p:cNvSpPr>
+          <p:nvPr>
+            <p:ph type="title"/>
+          </p:nvPr>
+        </p:nvSpPr>
+        <p:spPr>
+          <a:xfrm>
+            <a:off x="0" y="18256"/>
+            <a:ext cx="12192000" cy="662782"/>
+          </a:xfrm>
+        </p:spPr>
+        <p:txBody>
+          <a:bodyPr>
+            <a:normAutofit fontScale="90000"/>
+          </a:bodyPr>
+          <a:lstStyle/>
+          <a:p>
+            <a:pPr algn="ctr"/>
+            <a:r>
+              <a:rPr lang="en-US" dirty="0" err="1">
+                <a:latin typeface="Arial" panose="020B0604020202020204" pitchFamily="34" charset="0"/>
+                <a:cs typeface="Arial" panose="020B0604020202020204" pitchFamily="34" charset="0"/>
+              </a:rPr>
+              <a:t>やることリスト</a:t>
+            </a:r>
+            <a:endParaRPr lang="en-US" dirty="0">
+              <a:latin typeface="Arial" panose="020B0604020202020204" pitchFamily="34" charset="0"/>
+              <a:cs typeface="Arial" panose="020B0604020202020204" pitchFamily="34" charset="0"/>
+            </a:endParaRPr>
           </a:p>
         </p:txBody>
       </p:sp>
@@ -7275,147 +9192,526 @@
         </p:nvSpPr>
         <p:spPr>
           <a:xfrm>
-            <a:off x="838200" y="872454"/>
-            <a:ext cx="10515600" cy="5967289"/>
+            <a:off x="239210" y="681038"/>
+            <a:ext cx="11542887" cy="5967289"/>
           </a:xfrm>
         </p:spPr>
         <p:txBody>
-          <a:bodyPr/>
+          <a:bodyPr>
+            <a:normAutofit/>
+          </a:bodyPr>
           <a:lstStyle/>
           <a:p>
-            <a:r>
-              <a:rPr lang="en-US" altLang="ja-JP" dirty="0"/>
-              <a:t>EMG basis “Choking Under Pressure”</a:t>
-            </a:r>
-          </a:p>
-          <a:p>
-            <a:pPr marL="914400" lvl="1" indent="-457200">
-              <a:buFont typeface="+mj-lt"/>
+            <a:pPr marL="514350" indent="-514350">
               <a:buAutoNum type="arabicPeriod"/>
             </a:pPr>
             <a:r>
-              <a:rPr lang="en-US" altLang="ja-JP" dirty="0"/>
-              <a:t>Reward axis is not the result of co-contraction</a:t>
-            </a:r>
-          </a:p>
-          <a:p>
-            <a:pPr marL="1371600" lvl="2" indent="-457200">
-              <a:buFont typeface="+mj-lt"/>
+              <a:rPr lang="en-US" sz="1800" dirty="0" err="1">
+                <a:latin typeface="Arial" panose="020B0604020202020204" pitchFamily="34" charset="0"/>
+                <a:cs typeface="Arial" panose="020B0604020202020204" pitchFamily="34" charset="0"/>
+              </a:rPr>
+              <a:t>ExceptionalRemovedEMGの変更</a:t>
+            </a:r>
+            <a:endParaRPr lang="en-US" sz="1800" dirty="0">
+              <a:latin typeface="Arial" panose="020B0604020202020204" pitchFamily="34" charset="0"/>
+              <a:cs typeface="Arial" panose="020B0604020202020204" pitchFamily="34" charset="0"/>
+            </a:endParaRPr>
+          </a:p>
+          <a:p>
+            <a:pPr marL="971550" lvl="1" indent="-514350">
               <a:buAutoNum type="arabicPeriod"/>
             </a:pPr>
             <a:r>
-              <a:rPr lang="en-US" altLang="ja-JP" dirty="0"/>
-              <a:t>The mean and standard error of mean at each reward and direction</a:t>
-            </a:r>
-          </a:p>
-          <a:p>
-            <a:pPr marL="1714500" lvl="3" indent="-342900">
-              <a:buFont typeface="+mj-lt"/>
+              <a:rPr lang="en-US" sz="1600" strike="sngStrike" dirty="0" err="1">
+                <a:latin typeface="Arial" panose="020B0604020202020204" pitchFamily="34" charset="0"/>
+                <a:cs typeface="Arial" panose="020B0604020202020204" pitchFamily="34" charset="0"/>
+              </a:rPr>
+              <a:t>directionArrayとrewardArrayを廃止して、exceptionArrayを設ける</a:t>
+            </a:r>
+            <a:r>
+              <a:rPr lang="en-US" sz="1600" strike="sngStrike" dirty="0">
+                <a:latin typeface="Arial" panose="020B0604020202020204" pitchFamily="34" charset="0"/>
+                <a:cs typeface="Arial" panose="020B0604020202020204" pitchFamily="34" charset="0"/>
+              </a:rPr>
+              <a:t>。</a:t>
+            </a:r>
+          </a:p>
+          <a:p>
+            <a:pPr marL="971550" lvl="1" indent="-514350">
               <a:buAutoNum type="arabicPeriod"/>
             </a:pPr>
             <a:r>
-              <a:rPr lang="en-US" altLang="ja-JP" dirty="0"/>
-              <a:t>The variance is because of few datapoint?: Show each data-point</a:t>
-            </a:r>
-          </a:p>
-          <a:p>
-            <a:pPr marL="1714500" lvl="3" indent="-342900">
-              <a:buFont typeface="+mj-lt"/>
+              <a:rPr lang="en-US" sz="1600" strike="sngStrike" dirty="0" err="1">
+                <a:latin typeface="Arial" panose="020B0604020202020204" pitchFamily="34" charset="0"/>
+                <a:cs typeface="Arial" panose="020B0604020202020204" pitchFamily="34" charset="0"/>
+              </a:rPr>
+              <a:t>emgデータも、全部残った状態にしておく</a:t>
+            </a:r>
+            <a:r>
+              <a:rPr lang="en-US" sz="1600" strike="sngStrike" dirty="0">
+                <a:latin typeface="Arial" panose="020B0604020202020204" pitchFamily="34" charset="0"/>
+                <a:cs typeface="Arial" panose="020B0604020202020204" pitchFamily="34" charset="0"/>
+              </a:rPr>
+              <a:t>。</a:t>
+            </a:r>
+          </a:p>
+          <a:p>
+            <a:pPr marL="971550" lvl="1" indent="-514350">
               <a:buAutoNum type="arabicPeriod"/>
             </a:pPr>
             <a:r>
-              <a:rPr lang="en-US" altLang="ja-JP" dirty="0"/>
-              <a:t>Why the data is different across direction? Is there any relationship among them?</a:t>
-            </a:r>
-          </a:p>
-          <a:p>
-            <a:pPr marL="2171700" lvl="4" indent="-342900">
-              <a:buFont typeface="+mj-lt"/>
+              <a:rPr lang="en-US" sz="1600" dirty="0" err="1">
+                <a:latin typeface="Arial" panose="020B0604020202020204" pitchFamily="34" charset="0"/>
+                <a:cs typeface="Arial" panose="020B0604020202020204" pitchFamily="34" charset="0"/>
+              </a:rPr>
+              <a:t>構造</a:t>
+            </a:r>
+            <a:endParaRPr lang="en-US" sz="1600" dirty="0">
+              <a:latin typeface="Arial" panose="020B0604020202020204" pitchFamily="34" charset="0"/>
+              <a:cs typeface="Arial" panose="020B0604020202020204" pitchFamily="34" charset="0"/>
+            </a:endParaRPr>
+          </a:p>
+          <a:p>
+            <a:pPr marL="1428750" lvl="2" indent="-514350">
               <a:buAutoNum type="arabicPeriod"/>
             </a:pPr>
             <a:r>
-              <a:rPr lang="en-US" altLang="ja-JP" dirty="0"/>
-              <a:t>Lower: lose the muscle for preparation, Upper: opposite &lt;= 45~135 is bigger?</a:t>
-            </a:r>
-          </a:p>
-          <a:p>
-            <a:pPr marL="1371600" lvl="2" indent="-457200">
-              <a:buFont typeface="+mj-lt"/>
+              <a:rPr lang="en-US" sz="1400" strike="sngStrike" dirty="0">
+                <a:latin typeface="Arial" panose="020B0604020202020204" pitchFamily="34" charset="0"/>
+                <a:cs typeface="Arial" panose="020B0604020202020204" pitchFamily="34" charset="0"/>
+              </a:rPr>
+              <a:t>Data</a:t>
+            </a:r>
+          </a:p>
+          <a:p>
+            <a:pPr marL="1885950" lvl="3" indent="-514350">
               <a:buAutoNum type="arabicPeriod"/>
             </a:pPr>
             <a:r>
-              <a:rPr lang="en-US" altLang="ja-JP" dirty="0"/>
-              <a:t>The mean and standard error of mean at each reward</a:t>
-            </a:r>
-          </a:p>
-          <a:p>
-            <a:pPr marL="1714500" lvl="3" indent="-342900">
-              <a:buFont typeface="+mj-lt"/>
+              <a:rPr lang="en-US" sz="1200" strike="sngStrike" dirty="0" err="1">
+                <a:latin typeface="Arial" panose="020B0604020202020204" pitchFamily="34" charset="0"/>
+                <a:cs typeface="Arial" panose="020B0604020202020204" pitchFamily="34" charset="0"/>
+              </a:rPr>
+              <a:t>emg</a:t>
+            </a:r>
+            <a:endParaRPr lang="en-US" sz="1200" strike="sngStrike" dirty="0">
+              <a:latin typeface="Arial" panose="020B0604020202020204" pitchFamily="34" charset="0"/>
+              <a:cs typeface="Arial" panose="020B0604020202020204" pitchFamily="34" charset="0"/>
+            </a:endParaRPr>
+          </a:p>
+          <a:p>
+            <a:pPr marL="2343150" lvl="4" indent="-514350">
+              <a:buFont typeface="Arial" panose="020B0604020202020204" pitchFamily="34" charset="0"/>
               <a:buAutoNum type="arabicPeriod"/>
             </a:pPr>
             <a:r>
-              <a:rPr lang="en-US" altLang="ja-JP" dirty="0"/>
-              <a:t>To answer the question what happen in total</a:t>
-            </a:r>
-          </a:p>
-          <a:p>
-            <a:pPr marL="914400" lvl="1" indent="-457200">
-              <a:buFont typeface="+mj-lt"/>
+              <a:rPr lang="en-US" altLang="ja-JP" sz="1200" strike="sngStrike" dirty="0" err="1">
+                <a:latin typeface="Arial" panose="020B0604020202020204" pitchFamily="34" charset="0"/>
+                <a:cs typeface="Arial" panose="020B0604020202020204" pitchFamily="34" charset="0"/>
+              </a:rPr>
+              <a:t>MuscleLabel</a:t>
+            </a:r>
+            <a:endParaRPr lang="en-US" sz="1200" strike="sngStrike" dirty="0">
+              <a:latin typeface="Arial" panose="020B0604020202020204" pitchFamily="34" charset="0"/>
+              <a:cs typeface="Arial" panose="020B0604020202020204" pitchFamily="34" charset="0"/>
+            </a:endParaRPr>
+          </a:p>
+          <a:p>
+            <a:pPr marL="2343150" lvl="4" indent="-514350">
               <a:buAutoNum type="arabicPeriod"/>
             </a:pPr>
             <a:r>
-              <a:rPr lang="en-US" dirty="0"/>
-              <a:t>The EMG intensity at top speed is also affected by choking</a:t>
-            </a:r>
-          </a:p>
-          <a:p>
-            <a:pPr marL="1371600" lvl="2" indent="-457200">
-              <a:buFont typeface="+mj-lt"/>
+              <a:rPr lang="en-US" sz="1200" strike="sngStrike" dirty="0">
+                <a:latin typeface="Arial" panose="020B0604020202020204" pitchFamily="34" charset="0"/>
+                <a:cs typeface="Arial" panose="020B0604020202020204" pitchFamily="34" charset="0"/>
+              </a:rPr>
+              <a:t>Signal N</a:t>
+            </a:r>
+          </a:p>
+          <a:p>
+            <a:pPr marL="2343150" lvl="4" indent="-514350">
+              <a:buFont typeface="Arial" panose="020B0604020202020204" pitchFamily="34" charset="0"/>
               <a:buAutoNum type="arabicPeriod"/>
             </a:pPr>
             <a:r>
-              <a:rPr lang="en-US" dirty="0"/>
-              <a:t>Show hypothesis and Method: slower reach might be related to EMG activation</a:t>
-            </a:r>
-          </a:p>
-          <a:p>
-            <a:pPr marL="1714500" lvl="3" indent="-342900">
-              <a:buFont typeface="+mj-lt"/>
+              <a:rPr lang="en-US" altLang="ja-JP" sz="1200" strike="sngStrike" dirty="0" err="1">
+                <a:latin typeface="Arial" panose="020B0604020202020204" pitchFamily="34" charset="0"/>
+                <a:cs typeface="Arial" panose="020B0604020202020204" pitchFamily="34" charset="0"/>
+              </a:rPr>
+              <a:t>exceptionArray</a:t>
+            </a:r>
+            <a:r>
+              <a:rPr lang="en-US" altLang="ja-JP" sz="1200" strike="sngStrike" dirty="0">
+                <a:latin typeface="Arial" panose="020B0604020202020204" pitchFamily="34" charset="0"/>
+                <a:cs typeface="Arial" panose="020B0604020202020204" pitchFamily="34" charset="0"/>
+              </a:rPr>
+              <a:t> N</a:t>
+            </a:r>
+            <a:endParaRPr lang="en-US" sz="1200" strike="sngStrike" dirty="0">
+              <a:latin typeface="Arial" panose="020B0604020202020204" pitchFamily="34" charset="0"/>
+              <a:cs typeface="Arial" panose="020B0604020202020204" pitchFamily="34" charset="0"/>
+            </a:endParaRPr>
+          </a:p>
+          <a:p>
+            <a:pPr marL="1885950" lvl="3" indent="-514350">
               <a:buAutoNum type="arabicPeriod"/>
             </a:pPr>
             <a:r>
-              <a:rPr lang="en-US" dirty="0"/>
-              <a:t>Is there difference in the muscular activation as a function of reward: inverted-U or co-contraction?</a:t>
-            </a:r>
-          </a:p>
-          <a:p>
-            <a:pPr marL="1371600" lvl="2" indent="-457200">
-              <a:buFont typeface="+mj-lt"/>
+              <a:rPr lang="en-US" sz="1200" strike="sngStrike" dirty="0" err="1">
+                <a:latin typeface="Arial" panose="020B0604020202020204" pitchFamily="34" charset="0"/>
+                <a:cs typeface="Arial" panose="020B0604020202020204" pitchFamily="34" charset="0"/>
+              </a:rPr>
+              <a:t>directionArray</a:t>
+            </a:r>
+            <a:r>
+              <a:rPr lang="en-US" sz="1200" strike="sngStrike" dirty="0">
+                <a:latin typeface="Arial" panose="020B0604020202020204" pitchFamily="34" charset="0"/>
+                <a:cs typeface="Arial" panose="020B0604020202020204" pitchFamily="34" charset="0"/>
+              </a:rPr>
+              <a:t> N</a:t>
+            </a:r>
+          </a:p>
+          <a:p>
+            <a:pPr marL="1885950" lvl="3" indent="-514350">
               <a:buAutoNum type="arabicPeriod"/>
             </a:pPr>
             <a:r>
-              <a:rPr lang="en-US" dirty="0"/>
-              <a:t>Mean EMG around Peak value (-100 ~+100ms, or -50~+50ms)</a:t>
-            </a:r>
-          </a:p>
-          <a:p>
-            <a:pPr lvl="2"/>
-            <a:endParaRPr lang="en-US" dirty="0"/>
-          </a:p>
-          <a:p>
-            <a:pPr lvl="2"/>
-            <a:endParaRPr lang="en-US" dirty="0"/>
-          </a:p>
-          <a:p>
-            <a:pPr lvl="1"/>
-            <a:endParaRPr lang="en-US" dirty="0"/>
+              <a:rPr lang="en-US" sz="1200" strike="sngStrike" dirty="0" err="1">
+                <a:latin typeface="Arial" panose="020B0604020202020204" pitchFamily="34" charset="0"/>
+                <a:cs typeface="Arial" panose="020B0604020202020204" pitchFamily="34" charset="0"/>
+              </a:rPr>
+              <a:t>RewardArray</a:t>
+            </a:r>
+            <a:r>
+              <a:rPr lang="en-US" sz="1200" strike="sngStrike" dirty="0">
+                <a:latin typeface="Arial" panose="020B0604020202020204" pitchFamily="34" charset="0"/>
+                <a:cs typeface="Arial" panose="020B0604020202020204" pitchFamily="34" charset="0"/>
+              </a:rPr>
+              <a:t> N</a:t>
+            </a:r>
+          </a:p>
+          <a:p>
+            <a:pPr marL="1885950" lvl="3" indent="-514350">
+              <a:buAutoNum type="arabicPeriod"/>
+            </a:pPr>
+            <a:r>
+              <a:rPr lang="en-US" sz="1200" strike="sngStrike" dirty="0">
+                <a:latin typeface="Arial" panose="020B0604020202020204" pitchFamily="34" charset="0"/>
+                <a:cs typeface="Arial" panose="020B0604020202020204" pitchFamily="34" charset="0"/>
+              </a:rPr>
+              <a:t>Kinematics</a:t>
+            </a:r>
+          </a:p>
+          <a:p>
+            <a:pPr marL="2343150" lvl="4" indent="-514350">
+              <a:buAutoNum type="arabicPeriod"/>
+            </a:pPr>
+            <a:r>
+              <a:rPr lang="en-US" sz="1200" dirty="0" err="1">
+                <a:latin typeface="Arial" panose="020B0604020202020204" pitchFamily="34" charset="0"/>
+                <a:cs typeface="Arial" panose="020B0604020202020204" pitchFamily="34" charset="0"/>
+              </a:rPr>
+              <a:t>integratedVelosities</a:t>
+            </a:r>
+            <a:r>
+              <a:rPr lang="en-US" sz="1200" dirty="0">
+                <a:latin typeface="Arial" panose="020B0604020202020204" pitchFamily="34" charset="0"/>
+                <a:cs typeface="Arial" panose="020B0604020202020204" pitchFamily="34" charset="0"/>
+              </a:rPr>
+              <a:t> 810 * N &lt;= around </a:t>
+            </a:r>
+            <a:r>
+              <a:rPr lang="en-US" sz="1200" dirty="0" err="1">
+                <a:latin typeface="Arial" panose="020B0604020202020204" pitchFamily="34" charset="0"/>
+                <a:cs typeface="Arial" panose="020B0604020202020204" pitchFamily="34" charset="0"/>
+              </a:rPr>
+              <a:t>GoCueの取得がNot</a:t>
+            </a:r>
+            <a:r>
+              <a:rPr lang="en-US" sz="1200" dirty="0">
+                <a:latin typeface="Arial" panose="020B0604020202020204" pitchFamily="34" charset="0"/>
+                <a:cs typeface="Arial" panose="020B0604020202020204" pitchFamily="34" charset="0"/>
+              </a:rPr>
+              <a:t> Yet</a:t>
+            </a:r>
+          </a:p>
+          <a:p>
+            <a:pPr marL="1428750" lvl="2" indent="-514350">
+              <a:buAutoNum type="arabicPeriod"/>
+            </a:pPr>
+            <a:r>
+              <a:rPr lang="en-US" sz="1400" strike="sngStrike" dirty="0" err="1">
+                <a:latin typeface="Arial" panose="020B0604020202020204" pitchFamily="34" charset="0"/>
+                <a:cs typeface="Arial" panose="020B0604020202020204" pitchFamily="34" charset="0"/>
+              </a:rPr>
+              <a:t>PreprocessProp</a:t>
+            </a:r>
+            <a:r>
+              <a:rPr lang="en-US" sz="1400" strike="sngStrike" dirty="0">
+                <a:latin typeface="Arial" panose="020B0604020202020204" pitchFamily="34" charset="0"/>
+                <a:cs typeface="Arial" panose="020B0604020202020204" pitchFamily="34" charset="0"/>
+              </a:rPr>
+              <a:t> </a:t>
+            </a:r>
+          </a:p>
+          <a:p>
+            <a:pPr marL="1885950" lvl="3" indent="-514350">
+              <a:buAutoNum type="arabicPeriod"/>
+            </a:pPr>
+            <a:r>
+              <a:rPr lang="en-US" sz="1200" strike="sngStrike" dirty="0" err="1">
+                <a:latin typeface="Arial" panose="020B0604020202020204" pitchFamily="34" charset="0"/>
+                <a:cs typeface="Arial" panose="020B0604020202020204" pitchFamily="34" charset="0"/>
+              </a:rPr>
+              <a:t>NormalizedParam</a:t>
+            </a:r>
+            <a:r>
+              <a:rPr lang="en-US" sz="1200" strike="sngStrike" dirty="0">
+                <a:latin typeface="Arial" panose="020B0604020202020204" pitchFamily="34" charset="0"/>
+                <a:cs typeface="Arial" panose="020B0604020202020204" pitchFamily="34" charset="0"/>
+              </a:rPr>
+              <a:t> 2 * 5 * Days</a:t>
+            </a:r>
+          </a:p>
+          <a:p>
+            <a:pPr marL="1885950" lvl="3" indent="-514350">
+              <a:buAutoNum type="arabicPeriod"/>
+            </a:pPr>
+            <a:r>
+              <a:rPr lang="en-US" sz="1200" strike="sngStrike" dirty="0" err="1">
+                <a:latin typeface="Arial" panose="020B0604020202020204" pitchFamily="34" charset="0"/>
+                <a:cs typeface="Arial" panose="020B0604020202020204" pitchFamily="34" charset="0"/>
+              </a:rPr>
+              <a:t>DatapointEachDay</a:t>
+            </a:r>
+            <a:r>
+              <a:rPr lang="en-US" sz="1200" strike="sngStrike" dirty="0">
+                <a:latin typeface="Arial" panose="020B0604020202020204" pitchFamily="34" charset="0"/>
+                <a:cs typeface="Arial" panose="020B0604020202020204" pitchFamily="34" charset="0"/>
+              </a:rPr>
+              <a:t> Days</a:t>
+            </a:r>
+          </a:p>
+          <a:p>
+            <a:pPr marL="514350" indent="-514350">
+              <a:buAutoNum type="arabicPeriod"/>
+            </a:pPr>
+            <a:r>
+              <a:rPr lang="en-US" sz="2200" dirty="0" err="1">
+                <a:latin typeface="Arial" panose="020B0604020202020204" pitchFamily="34" charset="0"/>
+                <a:cs typeface="Arial" panose="020B0604020202020204" pitchFamily="34" charset="0"/>
+              </a:rPr>
+              <a:t>IntegratedVelosityがMaxになる時間を各データで算出</a:t>
+            </a:r>
+            <a:r>
+              <a:rPr lang="en-US" sz="2200" dirty="0">
+                <a:latin typeface="Arial" panose="020B0604020202020204" pitchFamily="34" charset="0"/>
+                <a:cs typeface="Arial" panose="020B0604020202020204" pitchFamily="34" charset="0"/>
+              </a:rPr>
+              <a:t>: max(IV(201:end), [], 1)</a:t>
+            </a:r>
+          </a:p>
+          <a:p>
+            <a:pPr marL="514350" indent="-514350">
+              <a:buAutoNum type="arabicPeriod"/>
+            </a:pPr>
+            <a:r>
+              <a:rPr lang="en-US" sz="2200" dirty="0">
+                <a:latin typeface="Arial" panose="020B0604020202020204" pitchFamily="34" charset="0"/>
+                <a:cs typeface="Arial" panose="020B0604020202020204" pitchFamily="34" charset="0"/>
+              </a:rPr>
+              <a:t>その周辺-100~+100を取得</a:t>
+            </a:r>
+          </a:p>
+          <a:p>
+            <a:pPr marL="971550" lvl="1" indent="-514350">
+              <a:buAutoNum type="arabicPeriod"/>
+            </a:pPr>
+            <a:r>
+              <a:rPr lang="en-US" sz="1400" dirty="0" err="1">
+                <a:latin typeface="Arial" panose="020B0604020202020204" pitchFamily="34" charset="0"/>
+                <a:cs typeface="Arial" panose="020B0604020202020204" pitchFamily="34" charset="0"/>
+              </a:rPr>
+              <a:t>エラー処理を忘れないこと：Endを超えた回数をカウント。いくつかピックアップして、velosityを確認する</a:t>
+            </a:r>
+            <a:endParaRPr lang="en-US" sz="1400" dirty="0">
+              <a:latin typeface="Arial" panose="020B0604020202020204" pitchFamily="34" charset="0"/>
+              <a:cs typeface="Arial" panose="020B0604020202020204" pitchFamily="34" charset="0"/>
+            </a:endParaRPr>
+          </a:p>
+          <a:p>
+            <a:pPr marL="971550" lvl="1" indent="-514350">
+              <a:buAutoNum type="arabicPeriod"/>
+            </a:pPr>
+            <a:r>
+              <a:rPr lang="en-US" sz="1400" dirty="0" err="1">
+                <a:latin typeface="Arial" panose="020B0604020202020204" pitchFamily="34" charset="0"/>
+                <a:cs typeface="Arial" panose="020B0604020202020204" pitchFamily="34" charset="0"/>
+              </a:rPr>
+              <a:t>エラー予防として</a:t>
+            </a:r>
+            <a:r>
+              <a:rPr lang="en-US" sz="1400" dirty="0">
+                <a:latin typeface="Arial" panose="020B0604020202020204" pitchFamily="34" charset="0"/>
+                <a:cs typeface="Arial" panose="020B0604020202020204" pitchFamily="34" charset="0"/>
+              </a:rPr>
+              <a:t>、-100~+100のtime </a:t>
+            </a:r>
+            <a:r>
+              <a:rPr lang="en-US" sz="1400" dirty="0" err="1">
+                <a:latin typeface="Arial" panose="020B0604020202020204" pitchFamily="34" charset="0"/>
+                <a:cs typeface="Arial" panose="020B0604020202020204" pitchFamily="34" charset="0"/>
+              </a:rPr>
+              <a:t>windowで取得したデータY</a:t>
+            </a:r>
+            <a:r>
+              <a:rPr lang="ja-JP" altLang="en-US" sz="1400">
+                <a:latin typeface="Arial" panose="020B0604020202020204" pitchFamily="34" charset="0"/>
+                <a:cs typeface="Arial" panose="020B0604020202020204" pitchFamily="34" charset="0"/>
+              </a:rPr>
+              <a:t> </a:t>
+            </a:r>
+            <a:r>
+              <a:rPr lang="en-US" altLang="ja-JP" sz="1400" dirty="0">
+                <a:latin typeface="Arial" panose="020B0604020202020204" pitchFamily="34" charset="0"/>
+                <a:cs typeface="Arial" panose="020B0604020202020204" pitchFamily="34" charset="0"/>
+              </a:rPr>
+              <a:t>201*N</a:t>
+            </a:r>
+            <a:r>
+              <a:rPr lang="ja-JP" altLang="en-US" sz="1400">
+                <a:latin typeface="Arial" panose="020B0604020202020204" pitchFamily="34" charset="0"/>
+                <a:cs typeface="Arial" panose="020B0604020202020204" pitchFamily="34" charset="0"/>
+              </a:rPr>
+              <a:t>を、</a:t>
+            </a:r>
+            <a:r>
+              <a:rPr lang="en-US" altLang="ja-JP" sz="1400" dirty="0">
+                <a:latin typeface="Arial" panose="020B0604020202020204" pitchFamily="34" charset="0"/>
+                <a:cs typeface="Arial" panose="020B0604020202020204" pitchFamily="34" charset="0"/>
+              </a:rPr>
+              <a:t>mean</a:t>
+            </a:r>
+            <a:r>
+              <a:rPr lang="ja-JP" altLang="en-US" sz="1400">
+                <a:latin typeface="Arial" panose="020B0604020202020204" pitchFamily="34" charset="0"/>
+                <a:cs typeface="Arial" panose="020B0604020202020204" pitchFamily="34" charset="0"/>
+              </a:rPr>
+              <a:t>と各</a:t>
+            </a:r>
+            <a:r>
+              <a:rPr lang="en-US" altLang="ja-JP" sz="1400" dirty="0">
+                <a:latin typeface="Arial" panose="020B0604020202020204" pitchFamily="34" charset="0"/>
+                <a:cs typeface="Arial" panose="020B0604020202020204" pitchFamily="34" charset="0"/>
+              </a:rPr>
+              <a:t>trajectory</a:t>
+            </a:r>
+            <a:r>
+              <a:rPr lang="ja-JP" altLang="en-US" sz="1400">
+                <a:latin typeface="Arial" panose="020B0604020202020204" pitchFamily="34" charset="0"/>
+                <a:cs typeface="Arial" panose="020B0604020202020204" pitchFamily="34" charset="0"/>
+              </a:rPr>
+              <a:t>を</a:t>
+            </a:r>
+            <a:r>
+              <a:rPr lang="en-US" altLang="ja-JP" sz="1400" dirty="0">
+                <a:latin typeface="Arial" panose="020B0604020202020204" pitchFamily="34" charset="0"/>
+                <a:cs typeface="Arial" panose="020B0604020202020204" pitchFamily="34" charset="0"/>
+              </a:rPr>
+              <a:t>plot(</a:t>
+            </a:r>
+            <a:r>
+              <a:rPr lang="ja-JP" altLang="en-US" sz="1400">
+                <a:latin typeface="Arial" panose="020B0604020202020204" pitchFamily="34" charset="0"/>
+                <a:cs typeface="Arial" panose="020B0604020202020204" pitchFamily="34" charset="0"/>
+              </a:rPr>
+              <a:t>黒と灰</a:t>
+            </a:r>
+            <a:r>
+              <a:rPr lang="en-US" altLang="ja-JP" sz="1400" dirty="0">
+                <a:latin typeface="Arial" panose="020B0604020202020204" pitchFamily="34" charset="0"/>
+                <a:cs typeface="Arial" panose="020B0604020202020204" pitchFamily="34" charset="0"/>
+              </a:rPr>
+              <a:t>)</a:t>
+            </a:r>
+          </a:p>
+          <a:p>
+            <a:pPr marL="971550" lvl="1" indent="-514350">
+              <a:buAutoNum type="arabicPeriod"/>
+            </a:pPr>
+            <a:r>
+              <a:rPr lang="en-US" sz="1400" dirty="0" err="1">
+                <a:latin typeface="Arial" panose="020B0604020202020204" pitchFamily="34" charset="0"/>
+                <a:cs typeface="Arial" panose="020B0604020202020204" pitchFamily="34" charset="0"/>
+              </a:rPr>
+              <a:t>その時間帯のmeanEMGを取得</a:t>
+            </a:r>
+            <a:r>
+              <a:rPr lang="en-US" sz="1400" dirty="0">
+                <a:latin typeface="Arial" panose="020B0604020202020204" pitchFamily="34" charset="0"/>
+                <a:cs typeface="Arial" panose="020B0604020202020204" pitchFamily="34" charset="0"/>
+              </a:rPr>
+              <a:t> N</a:t>
+            </a:r>
+          </a:p>
+          <a:p>
+            <a:pPr marL="971550" lvl="1" indent="-514350">
+              <a:buAutoNum type="arabicPeriod"/>
+            </a:pPr>
+            <a:r>
+              <a:rPr lang="en-US" sz="1400" dirty="0" err="1">
+                <a:latin typeface="Arial" panose="020B0604020202020204" pitchFamily="34" charset="0"/>
+                <a:cs typeface="Arial" panose="020B0604020202020204" pitchFamily="34" charset="0"/>
+              </a:rPr>
+              <a:t>exceptionArrayをかける</a:t>
+            </a:r>
+            <a:endParaRPr lang="en-US" sz="1400" dirty="0">
+              <a:latin typeface="Arial" panose="020B0604020202020204" pitchFamily="34" charset="0"/>
+              <a:cs typeface="Arial" panose="020B0604020202020204" pitchFamily="34" charset="0"/>
+            </a:endParaRPr>
+          </a:p>
+          <a:p>
+            <a:pPr marL="514350" indent="-514350">
+              <a:buAutoNum type="arabicPeriod"/>
+            </a:pPr>
+            <a:endParaRPr lang="en-US" sz="2200" dirty="0">
+              <a:latin typeface="Arial" panose="020B0604020202020204" pitchFamily="34" charset="0"/>
+              <a:cs typeface="Arial" panose="020B0604020202020204" pitchFamily="34" charset="0"/>
+            </a:endParaRPr>
+          </a:p>
+          <a:p>
+            <a:pPr marL="1885950" lvl="3" indent="-514350">
+              <a:buAutoNum type="arabicPeriod"/>
+            </a:pPr>
+            <a:endParaRPr lang="en-US" dirty="0">
+              <a:latin typeface="Arial" panose="020B0604020202020204" pitchFamily="34" charset="0"/>
+              <a:cs typeface="Arial" panose="020B0604020202020204" pitchFamily="34" charset="0"/>
+            </a:endParaRPr>
+          </a:p>
+          <a:p>
+            <a:pPr marL="1428750" lvl="2" indent="-514350">
+              <a:buAutoNum type="arabicPeriod"/>
+            </a:pPr>
+            <a:endParaRPr lang="en-US" dirty="0">
+              <a:latin typeface="Arial" panose="020B0604020202020204" pitchFamily="34" charset="0"/>
+              <a:cs typeface="Arial" panose="020B0604020202020204" pitchFamily="34" charset="0"/>
+            </a:endParaRPr>
+          </a:p>
+          <a:p>
+            <a:pPr marL="971550" lvl="1" indent="-514350">
+              <a:buAutoNum type="arabicPeriod"/>
+            </a:pPr>
+            <a:endParaRPr lang="en-US" dirty="0">
+              <a:latin typeface="Arial" panose="020B0604020202020204" pitchFamily="34" charset="0"/>
+              <a:cs typeface="Arial" panose="020B0604020202020204" pitchFamily="34" charset="0"/>
+            </a:endParaRPr>
           </a:p>
         </p:txBody>
       </p:sp>
     </p:spTree>
     <p:extLst>
       <p:ext uri="{BB962C8B-B14F-4D97-AF65-F5344CB8AC3E}">
-        <p14:creationId xmlns:p14="http://schemas.microsoft.com/office/powerpoint/2010/main" val="1012385449"/>
+        <p14:creationId xmlns:p14="http://schemas.microsoft.com/office/powerpoint/2010/main" val="3000481365"/>
       </p:ext>
     </p:extLst>
   </p:cSld>
@@ -7442,6 +9738,186 @@
           <a:chExt cx="0" cy="0"/>
         </a:xfrm>
       </p:grpSpPr>
+      <p:pic>
+        <p:nvPicPr>
+          <p:cNvPr id="5" name="図 4">
+            <a:extLst>
+              <a:ext uri="{FF2B5EF4-FFF2-40B4-BE49-F238E27FC236}">
+                <a16:creationId xmlns:a16="http://schemas.microsoft.com/office/drawing/2014/main" id="{633B7885-D913-A217-14BD-E6FC18B7CE28}"/>
+              </a:ext>
+            </a:extLst>
+          </p:cNvPr>
+          <p:cNvPicPr>
+            <a:picLocks noChangeAspect="1"/>
+          </p:cNvPicPr>
+          <p:nvPr/>
+        </p:nvPicPr>
+        <p:blipFill>
+          <a:blip r:embed="rId2">
+            <a:extLst>
+              <a:ext uri="{28A0092B-C50C-407E-A947-70E740481C1C}">
+                <a14:useLocalDpi xmlns:a14="http://schemas.microsoft.com/office/drawing/2010/main" val="0"/>
+              </a:ext>
+            </a:extLst>
+          </a:blip>
+          <a:stretch>
+            <a:fillRect/>
+          </a:stretch>
+        </p:blipFill>
+        <p:spPr>
+          <a:xfrm>
+            <a:off x="8051068" y="3748932"/>
+            <a:ext cx="4380828" cy="3285621"/>
+          </a:xfrm>
+          <a:prstGeom prst="rect">
+            <a:avLst/>
+          </a:prstGeom>
+        </p:spPr>
+      </p:pic>
+      <p:pic>
+        <p:nvPicPr>
+          <p:cNvPr id="7" name="図 6">
+            <a:extLst>
+              <a:ext uri="{FF2B5EF4-FFF2-40B4-BE49-F238E27FC236}">
+                <a16:creationId xmlns:a16="http://schemas.microsoft.com/office/drawing/2014/main" id="{FF56DE42-5042-CC19-7D94-397182D37175}"/>
+              </a:ext>
+            </a:extLst>
+          </p:cNvPr>
+          <p:cNvPicPr>
+            <a:picLocks noChangeAspect="1"/>
+          </p:cNvPicPr>
+          <p:nvPr/>
+        </p:nvPicPr>
+        <p:blipFill>
+          <a:blip r:embed="rId3">
+            <a:extLst>
+              <a:ext uri="{28A0092B-C50C-407E-A947-70E740481C1C}">
+                <a14:useLocalDpi xmlns:a14="http://schemas.microsoft.com/office/drawing/2010/main" val="0"/>
+              </a:ext>
+            </a:extLst>
+          </a:blip>
+          <a:stretch>
+            <a:fillRect/>
+          </a:stretch>
+        </p:blipFill>
+        <p:spPr>
+          <a:xfrm>
+            <a:off x="4109873" y="3748933"/>
+            <a:ext cx="4380828" cy="3285621"/>
+          </a:xfrm>
+          <a:prstGeom prst="rect">
+            <a:avLst/>
+          </a:prstGeom>
+        </p:spPr>
+      </p:pic>
+      <p:pic>
+        <p:nvPicPr>
+          <p:cNvPr id="9" name="図 8">
+            <a:extLst>
+              <a:ext uri="{FF2B5EF4-FFF2-40B4-BE49-F238E27FC236}">
+                <a16:creationId xmlns:a16="http://schemas.microsoft.com/office/drawing/2014/main" id="{1B9EED6B-819E-3544-8915-E44992E48AB8}"/>
+              </a:ext>
+            </a:extLst>
+          </p:cNvPr>
+          <p:cNvPicPr>
+            <a:picLocks noChangeAspect="1"/>
+          </p:cNvPicPr>
+          <p:nvPr/>
+        </p:nvPicPr>
+        <p:blipFill>
+          <a:blip r:embed="rId4">
+            <a:extLst>
+              <a:ext uri="{28A0092B-C50C-407E-A947-70E740481C1C}">
+                <a14:useLocalDpi xmlns:a14="http://schemas.microsoft.com/office/drawing/2010/main" val="0"/>
+              </a:ext>
+            </a:extLst>
+          </a:blip>
+          <a:stretch>
+            <a:fillRect/>
+          </a:stretch>
+        </p:blipFill>
+        <p:spPr>
+          <a:xfrm>
+            <a:off x="4111243" y="506446"/>
+            <a:ext cx="4380828" cy="3285621"/>
+          </a:xfrm>
+          <a:prstGeom prst="rect">
+            <a:avLst/>
+          </a:prstGeom>
+        </p:spPr>
+      </p:pic>
+      <p:pic>
+        <p:nvPicPr>
+          <p:cNvPr id="11" name="図 10">
+            <a:extLst>
+              <a:ext uri="{FF2B5EF4-FFF2-40B4-BE49-F238E27FC236}">
+                <a16:creationId xmlns:a16="http://schemas.microsoft.com/office/drawing/2014/main" id="{24A884B5-939C-3403-F6B8-311996728B99}"/>
+              </a:ext>
+            </a:extLst>
+          </p:cNvPr>
+          <p:cNvPicPr>
+            <a:picLocks noChangeAspect="1"/>
+          </p:cNvPicPr>
+          <p:nvPr/>
+        </p:nvPicPr>
+        <p:blipFill>
+          <a:blip r:embed="rId5">
+            <a:extLst>
+              <a:ext uri="{28A0092B-C50C-407E-A947-70E740481C1C}">
+                <a14:useLocalDpi xmlns:a14="http://schemas.microsoft.com/office/drawing/2010/main" val="0"/>
+              </a:ext>
+            </a:extLst>
+          </a:blip>
+          <a:stretch>
+            <a:fillRect/>
+          </a:stretch>
+        </p:blipFill>
+        <p:spPr>
+          <a:xfrm>
+            <a:off x="9862" y="3748934"/>
+            <a:ext cx="4380828" cy="3285621"/>
+          </a:xfrm>
+          <a:prstGeom prst="rect">
+            <a:avLst/>
+          </a:prstGeom>
+        </p:spPr>
+      </p:pic>
+      <p:pic>
+        <p:nvPicPr>
+          <p:cNvPr id="13" name="図 12">
+            <a:extLst>
+              <a:ext uri="{FF2B5EF4-FFF2-40B4-BE49-F238E27FC236}">
+                <a16:creationId xmlns:a16="http://schemas.microsoft.com/office/drawing/2014/main" id="{F1E1A6F9-639C-E9E3-A13E-8FCC3C3F8EB7}"/>
+              </a:ext>
+            </a:extLst>
+          </p:cNvPr>
+          <p:cNvPicPr>
+            <a:picLocks noChangeAspect="1"/>
+          </p:cNvPicPr>
+          <p:nvPr/>
+        </p:nvPicPr>
+        <p:blipFill>
+          <a:blip r:embed="rId6">
+            <a:extLst>
+              <a:ext uri="{28A0092B-C50C-407E-A947-70E740481C1C}">
+                <a14:useLocalDpi xmlns:a14="http://schemas.microsoft.com/office/drawing/2010/main" val="0"/>
+              </a:ext>
+            </a:extLst>
+          </a:blip>
+          <a:stretch>
+            <a:fillRect/>
+          </a:stretch>
+        </p:blipFill>
+        <p:spPr>
+          <a:xfrm>
+            <a:off x="-16751" y="462000"/>
+            <a:ext cx="4497600" cy="3373200"/>
+          </a:xfrm>
+          <a:prstGeom prst="rect">
+            <a:avLst/>
+          </a:prstGeom>
+        </p:spPr>
+      </p:pic>
       <p:sp>
         <p:nvSpPr>
           <p:cNvPr id="2" name="タイトル 1">
@@ -7476,110 +9952,77 @@
                 <a:latin typeface="Arial" panose="020B0604020202020204" pitchFamily="34" charset="0"/>
                 <a:cs typeface="Arial" panose="020B0604020202020204" pitchFamily="34" charset="0"/>
               </a:rPr>
-              <a:t>EMG basis “Choking Under Pressure”</a:t>
+              <a:t>Z-indexed tuning curve each day</a:t>
             </a:r>
           </a:p>
         </p:txBody>
       </p:sp>
       <p:sp>
         <p:nvSpPr>
-          <p:cNvPr id="3" name="コンテンツ プレースホルダー 2">
-            <a:extLst>
-              <a:ext uri="{FF2B5EF4-FFF2-40B4-BE49-F238E27FC236}">
-                <a16:creationId xmlns:a16="http://schemas.microsoft.com/office/drawing/2014/main" id="{53C1E971-4386-CE03-291B-95136168D0B5}"/>
-              </a:ext>
-            </a:extLst>
-          </p:cNvPr>
-          <p:cNvSpPr>
-            <a:spLocks noGrp="1"/>
-          </p:cNvSpPr>
-          <p:nvPr>
-            <p:ph idx="1"/>
-          </p:nvPr>
+          <p:cNvPr id="3" name="テキスト ボックス 2">
+            <a:extLst>
+              <a:ext uri="{FF2B5EF4-FFF2-40B4-BE49-F238E27FC236}">
+                <a16:creationId xmlns:a16="http://schemas.microsoft.com/office/drawing/2014/main" id="{6F9E978A-BDDA-AC9F-E8F8-4332CF7E6A7E}"/>
+              </a:ext>
+            </a:extLst>
+          </p:cNvPr>
+          <p:cNvSpPr txBox="1"/>
+          <p:nvPr/>
         </p:nvSpPr>
         <p:spPr>
           <a:xfrm>
-            <a:off x="239210" y="681038"/>
-            <a:ext cx="11713580" cy="5967289"/>
+            <a:off x="8320035" y="725484"/>
+            <a:ext cx="3697794" cy="2585323"/>
           </a:xfrm>
+          <a:prstGeom prst="rect">
+            <a:avLst/>
+          </a:prstGeom>
+          <a:noFill/>
         </p:spPr>
         <p:txBody>
-          <a:bodyPr/>
+          <a:bodyPr wrap="square" rtlCol="0">
+            <a:spAutoFit/>
+          </a:bodyPr>
           <a:lstStyle/>
           <a:p>
-            <a:pPr marL="0" indent="0">
-              <a:buNone/>
-            </a:pPr>
-            <a:r>
-              <a:rPr lang="en-US" sz="4000" b="1" dirty="0">
-                <a:latin typeface="Arial" panose="020B0604020202020204" pitchFamily="34" charset="0"/>
-                <a:cs typeface="Arial" panose="020B0604020202020204" pitchFamily="34" charset="0"/>
-              </a:rPr>
-              <a:t>Questions</a:t>
-            </a:r>
-          </a:p>
-          <a:p>
-            <a:pPr marL="514350" indent="-514350">
-              <a:lnSpc>
-                <a:spcPct val="150000"/>
-              </a:lnSpc>
-              <a:buAutoNum type="arabicPeriod"/>
-            </a:pPr>
-            <a:r>
-              <a:rPr lang="en-US" dirty="0">
-                <a:solidFill>
-                  <a:schemeClr val="accent1"/>
-                </a:solidFill>
-                <a:latin typeface="Arial" panose="020B0604020202020204" pitchFamily="34" charset="0"/>
-                <a:cs typeface="Arial" panose="020B0604020202020204" pitchFamily="34" charset="0"/>
-              </a:rPr>
-              <a:t>Reward Axis at holding time might be the result of co-contraction</a:t>
-            </a:r>
-          </a:p>
-          <a:p>
-            <a:pPr marL="514350" indent="-514350">
-              <a:lnSpc>
-                <a:spcPct val="150000"/>
-              </a:lnSpc>
-              <a:buFont typeface="Arial" panose="020B0604020202020204" pitchFamily="34" charset="0"/>
-              <a:buAutoNum type="arabicPeriod"/>
-            </a:pPr>
-            <a:r>
-              <a:rPr lang="en-US" altLang="ja-JP" dirty="0">
-                <a:latin typeface="Arial" panose="020B0604020202020204" pitchFamily="34" charset="0"/>
-                <a:cs typeface="Arial" panose="020B0604020202020204" pitchFamily="34" charset="0"/>
-              </a:rPr>
-              <a:t>Slower reach which cause undershoot might be related to EMG activation</a:t>
-            </a:r>
-            <a:endParaRPr lang="en-US" dirty="0">
-              <a:latin typeface="Arial" panose="020B0604020202020204" pitchFamily="34" charset="0"/>
-              <a:cs typeface="Arial" panose="020B0604020202020204" pitchFamily="34" charset="0"/>
-            </a:endParaRPr>
-          </a:p>
-          <a:p>
-            <a:pPr marL="514350" indent="-514350">
-              <a:buAutoNum type="arabicPeriod"/>
-            </a:pPr>
-            <a:endParaRPr lang="en-US" dirty="0">
-              <a:latin typeface="Arial" panose="020B0604020202020204" pitchFamily="34" charset="0"/>
-              <a:cs typeface="Arial" panose="020B0604020202020204" pitchFamily="34" charset="0"/>
-            </a:endParaRPr>
-          </a:p>
-          <a:p>
-            <a:pPr marL="514350" indent="-514350">
-              <a:buAutoNum type="arabicPeriod"/>
-            </a:pPr>
-            <a:endParaRPr lang="en-US" dirty="0">
-              <a:latin typeface="Arial" panose="020B0604020202020204" pitchFamily="34" charset="0"/>
-              <a:cs typeface="Arial" panose="020B0604020202020204" pitchFamily="34" charset="0"/>
-            </a:endParaRPr>
+            <a:r>
+              <a:rPr kumimoji="1" lang="en-US" altLang="ja-JP" dirty="0"/>
+              <a:t>Tuning curve</a:t>
+            </a:r>
+          </a:p>
+          <a:p>
+            <a:r>
+              <a:rPr kumimoji="1" lang="en-US" altLang="ja-JP" dirty="0"/>
+              <a:t>8 datapoint: Peak value of mean EMG after Go Cue at each direction</a:t>
+            </a:r>
+          </a:p>
+          <a:p>
+            <a:r>
+              <a:rPr kumimoji="1" lang="en-US" altLang="ja-JP" dirty="0"/>
+              <a:t>1 datapoint: mean EMG at delay period</a:t>
+            </a:r>
+          </a:p>
+          <a:p>
+            <a:endParaRPr kumimoji="1" lang="en-US" altLang="ja-JP" dirty="0"/>
+          </a:p>
+          <a:p>
+            <a:r>
+              <a:rPr kumimoji="1" lang="en-US" altLang="ja-JP" dirty="0"/>
+              <a:t>Hypothesis</a:t>
+            </a:r>
+          </a:p>
+          <a:p>
+            <a:r>
+              <a:rPr kumimoji="1" lang="en-US" altLang="ja-JP" dirty="0"/>
+              <a:t>These tuning curve are the same across day</a:t>
+            </a:r>
           </a:p>
         </p:txBody>
       </p:sp>
     </p:spTree>
     <p:extLst>
       <p:ext uri="{BB962C8B-B14F-4D97-AF65-F5344CB8AC3E}">
-        <p14:creationId xmlns:p14="http://schemas.microsoft.com/office/powerpoint/2010/main" val="3556210151"/>
+        <p14:creationId xmlns:p14="http://schemas.microsoft.com/office/powerpoint/2010/main" val="3786826958"/>
       </p:ext>
     </p:extLst>
   </p:cSld>
@@ -7606,6 +10049,78 @@
           <a:chExt cx="0" cy="0"/>
         </a:xfrm>
       </p:grpSpPr>
+      <p:pic>
+        <p:nvPicPr>
+          <p:cNvPr id="5" name="図 4">
+            <a:extLst>
+              <a:ext uri="{FF2B5EF4-FFF2-40B4-BE49-F238E27FC236}">
+                <a16:creationId xmlns:a16="http://schemas.microsoft.com/office/drawing/2014/main" id="{96C6FC34-EE2C-46DF-3371-F53CE757DA10}"/>
+              </a:ext>
+            </a:extLst>
+          </p:cNvPr>
+          <p:cNvPicPr>
+            <a:picLocks noChangeAspect="1"/>
+          </p:cNvPicPr>
+          <p:nvPr/>
+        </p:nvPicPr>
+        <p:blipFill>
+          <a:blip r:embed="rId2">
+            <a:extLst>
+              <a:ext uri="{28A0092B-C50C-407E-A947-70E740481C1C}">
+                <a14:useLocalDpi xmlns:a14="http://schemas.microsoft.com/office/drawing/2010/main" val="0"/>
+              </a:ext>
+            </a:extLst>
+          </a:blip>
+          <a:stretch>
+            <a:fillRect/>
+          </a:stretch>
+        </p:blipFill>
+        <p:spPr>
+          <a:xfrm>
+            <a:off x="3843166" y="570877"/>
+            <a:ext cx="4318956" cy="3239217"/>
+          </a:xfrm>
+          <a:prstGeom prst="rect">
+            <a:avLst/>
+          </a:prstGeom>
+        </p:spPr>
+      </p:pic>
+      <p:pic>
+        <p:nvPicPr>
+          <p:cNvPr id="7" name="図 6">
+            <a:extLst>
+              <a:ext uri="{FF2B5EF4-FFF2-40B4-BE49-F238E27FC236}">
+                <a16:creationId xmlns:a16="http://schemas.microsoft.com/office/drawing/2014/main" id="{773EF459-212C-3765-42EA-B7E9410437AE}"/>
+              </a:ext>
+            </a:extLst>
+          </p:cNvPr>
+          <p:cNvPicPr>
+            <a:picLocks noChangeAspect="1"/>
+          </p:cNvPicPr>
+          <p:nvPr/>
+        </p:nvPicPr>
+        <p:blipFill>
+          <a:blip r:embed="rId3">
+            <a:extLst>
+              <a:ext uri="{28A0092B-C50C-407E-A947-70E740481C1C}">
+                <a14:useLocalDpi xmlns:a14="http://schemas.microsoft.com/office/drawing/2010/main" val="0"/>
+              </a:ext>
+            </a:extLst>
+          </a:blip>
+          <a:stretch>
+            <a:fillRect/>
+          </a:stretch>
+        </p:blipFill>
+        <p:spPr>
+          <a:xfrm>
+            <a:off x="8091179" y="570094"/>
+            <a:ext cx="4319999" cy="3240000"/>
+          </a:xfrm>
+          <a:prstGeom prst="rect">
+            <a:avLst/>
+          </a:prstGeom>
+        </p:spPr>
+      </p:pic>
       <p:sp>
         <p:nvSpPr>
           <p:cNvPr id="2" name="タイトル 1">
@@ -7640,7 +10155,21 @@
                 <a:latin typeface="Arial" panose="020B0604020202020204" pitchFamily="34" charset="0"/>
                 <a:cs typeface="Arial" panose="020B0604020202020204" pitchFamily="34" charset="0"/>
               </a:rPr>
-              <a:t>TC at holding time are different among muscles</a:t>
+              <a:t>Updated </a:t>
+            </a:r>
+            <a:r>
+              <a:rPr lang="en-US" b="1" dirty="0" err="1">
+                <a:latin typeface="Arial" panose="020B0604020202020204" pitchFamily="34" charset="0"/>
+                <a:cs typeface="Arial" panose="020B0604020202020204" pitchFamily="34" charset="0"/>
+              </a:rPr>
+              <a:t>meanEMG</a:t>
+            </a:r>
+            <a:r>
+              <a:rPr lang="en-US" b="1" dirty="0">
+                <a:latin typeface="Arial" panose="020B0604020202020204" pitchFamily="34" charset="0"/>
+                <a:cs typeface="Arial" panose="020B0604020202020204" pitchFamily="34" charset="0"/>
+              </a:rPr>
+              <a:t> across days</a:t>
             </a:r>
           </a:p>
         </p:txBody>
@@ -7664,7 +10193,7 @@
         <p:spPr>
           <a:xfrm>
             <a:off x="239210" y="681039"/>
-            <a:ext cx="3650865" cy="2902990"/>
+            <a:ext cx="4081581" cy="2747961"/>
           </a:xfrm>
         </p:spPr>
         <p:txBody>
@@ -7677,64 +10206,44 @@
               <a:buNone/>
             </a:pPr>
             <a:r>
-              <a:rPr lang="en-US" b="1" dirty="0">
-                <a:solidFill>
-                  <a:schemeClr val="accent1"/>
-                </a:solidFill>
-                <a:latin typeface="Arial" panose="020B0604020202020204" pitchFamily="34" charset="0"/>
-                <a:cs typeface="Arial" panose="020B0604020202020204" pitchFamily="34" charset="0"/>
-              </a:rPr>
-              <a:t>Method</a:t>
-            </a:r>
-          </a:p>
-          <a:p>
-            <a:pPr marL="514350" indent="-514350">
-              <a:buFont typeface="Arial" panose="020B0604020202020204" pitchFamily="34" charset="0"/>
-              <a:buAutoNum type="arabicPeriod"/>
+              <a:rPr lang="en-US" sz="2400" b="1" dirty="0">
+                <a:latin typeface="Arial" panose="020B0604020202020204" pitchFamily="34" charset="0"/>
+                <a:cs typeface="Arial" panose="020B0604020202020204" pitchFamily="34" charset="0"/>
+              </a:rPr>
+              <a:t>Normalizing method </a:t>
+            </a:r>
+          </a:p>
+          <a:p>
+            <a:pPr marL="0" indent="0">
+              <a:buNone/>
             </a:pPr>
             <a:r>
-              <a:rPr lang="en-US" altLang="ja-JP" sz="1800" dirty="0">
-                <a:latin typeface="Arial" panose="020B0604020202020204" pitchFamily="34" charset="0"/>
-                <a:cs typeface="Arial" panose="020B0604020202020204" pitchFamily="34" charset="0"/>
-              </a:rPr>
-              <a:t>Normalize by successes</a:t>
-            </a:r>
-            <a:endParaRPr lang="en-US" sz="1800" dirty="0">
-              <a:latin typeface="Arial" panose="020B0604020202020204" pitchFamily="34" charset="0"/>
-              <a:cs typeface="Arial" panose="020B0604020202020204" pitchFamily="34" charset="0"/>
-            </a:endParaRPr>
-          </a:p>
-          <a:p>
-            <a:pPr marL="514350" indent="-514350">
-              <a:buAutoNum type="arabicPeriod"/>
+              <a:rPr lang="en-US" sz="2000" dirty="0">
+                <a:latin typeface="Arial" panose="020B0604020202020204" pitchFamily="34" charset="0"/>
+                <a:cs typeface="Arial" panose="020B0604020202020204" pitchFamily="34" charset="0"/>
+              </a:rPr>
+              <a:t>Adapt </a:t>
+            </a:r>
+            <a:r>
+              <a:rPr lang="en-US" altLang="ja-JP" sz="2000" dirty="0">
+                <a:latin typeface="Arial" panose="020B0604020202020204" pitchFamily="34" charset="0"/>
+                <a:cs typeface="Arial" panose="020B0604020202020204" pitchFamily="34" charset="0"/>
+              </a:rPr>
+              <a:t>the params used in z-score </a:t>
+            </a:r>
+            <a:r>
+              <a:rPr lang="en-US" sz="2000" dirty="0">
+                <a:latin typeface="Arial" panose="020B0604020202020204" pitchFamily="34" charset="0"/>
+                <a:cs typeface="Arial" panose="020B0604020202020204" pitchFamily="34" charset="0"/>
+              </a:rPr>
+              <a:t>to the entire EMG</a:t>
+            </a:r>
+          </a:p>
+          <a:p>
+            <a:pPr marL="0" indent="0">
+              <a:buNone/>
             </a:pPr>
-            <a:r>
-              <a:rPr lang="en-US" sz="1800" dirty="0">
-                <a:latin typeface="Arial" panose="020B0604020202020204" pitchFamily="34" charset="0"/>
-                <a:cs typeface="Arial" panose="020B0604020202020204" pitchFamily="34" charset="0"/>
-              </a:rPr>
-              <a:t>Abnormal Day is removed</a:t>
-            </a:r>
-          </a:p>
-          <a:p>
-            <a:pPr marL="514350" indent="-514350">
-              <a:buAutoNum type="arabicPeriod"/>
-            </a:pPr>
-            <a:r>
-              <a:rPr lang="en-US" sz="1800" dirty="0">
-                <a:latin typeface="Arial" panose="020B0604020202020204" pitchFamily="34" charset="0"/>
-                <a:cs typeface="Arial" panose="020B0604020202020204" pitchFamily="34" charset="0"/>
-              </a:rPr>
-              <a:t>Use both successes and failures </a:t>
-            </a:r>
-            <a:r>
-              <a:rPr lang="en-US" altLang="ja-JP" sz="1800" dirty="0">
-                <a:latin typeface="Arial" panose="020B0604020202020204" pitchFamily="34" charset="0"/>
-                <a:cs typeface="Arial" panose="020B0604020202020204" pitchFamily="34" charset="0"/>
-              </a:rPr>
-              <a:t>for this visualization</a:t>
-            </a:r>
-            <a:endParaRPr lang="en-US" sz="1800" dirty="0">
+            <a:endParaRPr lang="en-US" sz="2000" dirty="0">
               <a:latin typeface="Arial" panose="020B0604020202020204" pitchFamily="34" charset="0"/>
               <a:cs typeface="Arial" panose="020B0604020202020204" pitchFamily="34" charset="0"/>
             </a:endParaRPr>
@@ -7743,10 +10252,10 @@
       </p:sp>
       <p:pic>
         <p:nvPicPr>
-          <p:cNvPr id="5" name="図 4">
-            <a:extLst>
-              <a:ext uri="{FF2B5EF4-FFF2-40B4-BE49-F238E27FC236}">
-                <a16:creationId xmlns:a16="http://schemas.microsoft.com/office/drawing/2014/main" id="{99FCD867-F0C9-DB4A-604A-E4D8461BE0E2}"/>
+          <p:cNvPr id="9" name="図 8">
+            <a:extLst>
+              <a:ext uri="{FF2B5EF4-FFF2-40B4-BE49-F238E27FC236}">
+                <a16:creationId xmlns:a16="http://schemas.microsoft.com/office/drawing/2014/main" id="{C68D0924-ECB1-35EF-AFB3-F5F0A48EBEF1}"/>
               </a:ext>
             </a:extLst>
           </p:cNvPr>
@@ -7756,7 +10265,7 @@
           <p:nvPr/>
         </p:nvPicPr>
         <p:blipFill>
-          <a:blip r:embed="rId2">
+          <a:blip r:embed="rId4">
             <a:extLst>
               <a:ext uri="{28A0092B-C50C-407E-A947-70E740481C1C}">
                 <a14:useLocalDpi xmlns:a14="http://schemas.microsoft.com/office/drawing/2010/main" val="0"/>
@@ -7769,44 +10278,8 @@
         </p:blipFill>
         <p:spPr>
           <a:xfrm>
-            <a:off x="3890993" y="582762"/>
-            <a:ext cx="4408177" cy="3306133"/>
-          </a:xfrm>
-          <a:prstGeom prst="rect">
-            <a:avLst/>
-          </a:prstGeom>
-        </p:spPr>
-      </p:pic>
-      <p:pic>
-        <p:nvPicPr>
-          <p:cNvPr id="7" name="図 6">
-            <a:extLst>
-              <a:ext uri="{FF2B5EF4-FFF2-40B4-BE49-F238E27FC236}">
-                <a16:creationId xmlns:a16="http://schemas.microsoft.com/office/drawing/2014/main" id="{EBD28875-71E5-2C10-90F3-736DD3C73AB6}"/>
-              </a:ext>
-            </a:extLst>
-          </p:cNvPr>
-          <p:cNvPicPr>
-            <a:picLocks noChangeAspect="1"/>
-          </p:cNvPicPr>
-          <p:nvPr/>
-        </p:nvPicPr>
-        <p:blipFill>
-          <a:blip r:embed="rId3">
-            <a:extLst>
-              <a:ext uri="{28A0092B-C50C-407E-A947-70E740481C1C}">
-                <a14:useLocalDpi xmlns:a14="http://schemas.microsoft.com/office/drawing/2010/main" val="0"/>
-              </a:ext>
-            </a:extLst>
-          </a:blip>
-          <a:stretch>
-            <a:fillRect/>
-          </a:stretch>
-        </p:blipFill>
-        <p:spPr>
-          <a:xfrm>
-            <a:off x="7949800" y="588146"/>
-            <a:ext cx="4408177" cy="3306133"/>
+            <a:off x="-289077" y="3618782"/>
+            <a:ext cx="4318957" cy="3239218"/>
           </a:xfrm>
           <a:prstGeom prst="rect">
             <a:avLst/>
@@ -7818,7 +10291,7 @@
           <p:cNvPr id="11" name="図 10">
             <a:extLst>
               <a:ext uri="{FF2B5EF4-FFF2-40B4-BE49-F238E27FC236}">
-                <a16:creationId xmlns:a16="http://schemas.microsoft.com/office/drawing/2014/main" id="{99A5070E-B8DC-F9B1-3ADD-A8B8A8249EB1}"/>
+                <a16:creationId xmlns:a16="http://schemas.microsoft.com/office/drawing/2014/main" id="{0218A8BF-4323-42E3-56D2-7B6498B89C04}"/>
               </a:ext>
             </a:extLst>
           </p:cNvPr>
@@ -7828,7 +10301,7 @@
           <p:nvPr/>
         </p:nvPicPr>
         <p:blipFill>
-          <a:blip r:embed="rId4">
+          <a:blip r:embed="rId5">
             <a:extLst>
               <a:ext uri="{28A0092B-C50C-407E-A947-70E740481C1C}">
                 <a14:useLocalDpi xmlns:a14="http://schemas.microsoft.com/office/drawing/2010/main" val="0"/>
@@ -7841,44 +10314,8 @@
         </p:blipFill>
         <p:spPr>
           <a:xfrm>
-            <a:off x="-115613" y="3725807"/>
-            <a:ext cx="4408177" cy="3306134"/>
-          </a:xfrm>
-          <a:prstGeom prst="rect">
-            <a:avLst/>
-          </a:prstGeom>
-        </p:spPr>
-      </p:pic>
-      <p:pic>
-        <p:nvPicPr>
-          <p:cNvPr id="9" name="図 8">
-            <a:extLst>
-              <a:ext uri="{FF2B5EF4-FFF2-40B4-BE49-F238E27FC236}">
-                <a16:creationId xmlns:a16="http://schemas.microsoft.com/office/drawing/2014/main" id="{D82046C1-2323-5750-D37E-EB9E1950E444}"/>
-              </a:ext>
-            </a:extLst>
-          </p:cNvPr>
-          <p:cNvPicPr>
-            <a:picLocks noChangeAspect="1"/>
-          </p:cNvPicPr>
-          <p:nvPr/>
-        </p:nvPicPr>
-        <p:blipFill>
-          <a:blip r:embed="rId5">
-            <a:extLst>
-              <a:ext uri="{28A0092B-C50C-407E-A947-70E740481C1C}">
-                <a14:useLocalDpi xmlns:a14="http://schemas.microsoft.com/office/drawing/2010/main" val="0"/>
-              </a:ext>
-            </a:extLst>
-          </a:blip>
-          <a:stretch>
-            <a:fillRect/>
-          </a:stretch>
-        </p:blipFill>
-        <p:spPr>
-          <a:xfrm>
-            <a:off x="3891911" y="3720424"/>
-            <a:ext cx="4408177" cy="3306133"/>
+            <a:off x="3843165" y="3618782"/>
+            <a:ext cx="4318957" cy="3239218"/>
           </a:xfrm>
           <a:prstGeom prst="rect">
             <a:avLst/>
@@ -7890,7 +10327,7 @@
           <p:cNvPr id="13" name="図 12">
             <a:extLst>
               <a:ext uri="{FF2B5EF4-FFF2-40B4-BE49-F238E27FC236}">
-                <a16:creationId xmlns:a16="http://schemas.microsoft.com/office/drawing/2014/main" id="{2F717ED3-918E-C92C-B479-1197FE944D24}"/>
+                <a16:creationId xmlns:a16="http://schemas.microsoft.com/office/drawing/2014/main" id="{4BCEA834-4840-FD60-6B4E-0BB9673C99A6}"/>
               </a:ext>
             </a:extLst>
           </p:cNvPr>
@@ -7913,8 +10350,8 @@
         </p:blipFill>
         <p:spPr>
           <a:xfrm>
-            <a:off x="7972635" y="3720424"/>
-            <a:ext cx="4408177" cy="3306133"/>
+            <a:off x="8111277" y="3637504"/>
+            <a:ext cx="4318956" cy="3239217"/>
           </a:xfrm>
           <a:prstGeom prst="rect">
             <a:avLst/>
@@ -7924,7 +10361,7 @@
     </p:spTree>
     <p:extLst>
       <p:ext uri="{BB962C8B-B14F-4D97-AF65-F5344CB8AC3E}">
-        <p14:creationId xmlns:p14="http://schemas.microsoft.com/office/powerpoint/2010/main" val="312522006"/>
+        <p14:creationId xmlns:p14="http://schemas.microsoft.com/office/powerpoint/2010/main" val="1168109748"/>
       </p:ext>
     </p:extLst>
   </p:cSld>
@@ -7985,7 +10422,7 @@
                 <a:latin typeface="Arial" panose="020B0604020202020204" pitchFamily="34" charset="0"/>
                 <a:cs typeface="Arial" panose="020B0604020202020204" pitchFamily="34" charset="0"/>
               </a:rPr>
-              <a:t>What happen in total</a:t>
+              <a:t>EMG basis “Choking Under Pressure”</a:t>
             </a:r>
           </a:p>
         </p:txBody>
@@ -8016,16 +10453,68 @@
           <a:bodyPr/>
           <a:lstStyle/>
           <a:p>
+            <a:pPr marL="0" indent="0">
+              <a:buNone/>
+            </a:pPr>
+            <a:r>
+              <a:rPr lang="en-US" sz="4000" b="1" dirty="0">
+                <a:latin typeface="Arial" panose="020B0604020202020204" pitchFamily="34" charset="0"/>
+                <a:cs typeface="Arial" panose="020B0604020202020204" pitchFamily="34" charset="0"/>
+              </a:rPr>
+              <a:t>Questions</a:t>
+            </a:r>
+          </a:p>
+          <a:p>
+            <a:pPr marL="514350" indent="-514350">
+              <a:lnSpc>
+                <a:spcPct val="150000"/>
+              </a:lnSpc>
+              <a:buAutoNum type="arabicPeriod"/>
+            </a:pPr>
+            <a:r>
+              <a:rPr lang="en-US" dirty="0">
+                <a:solidFill>
+                  <a:schemeClr val="accent1"/>
+                </a:solidFill>
+                <a:latin typeface="Arial" panose="020B0604020202020204" pitchFamily="34" charset="0"/>
+                <a:cs typeface="Arial" panose="020B0604020202020204" pitchFamily="34" charset="0"/>
+              </a:rPr>
+              <a:t>Reward Axis at holding time might be the result of co-contraction</a:t>
+            </a:r>
+          </a:p>
+          <a:p>
+            <a:pPr marL="514350" indent="-514350">
+              <a:lnSpc>
+                <a:spcPct val="150000"/>
+              </a:lnSpc>
+              <a:buFont typeface="Arial" panose="020B0604020202020204" pitchFamily="34" charset="0"/>
+              <a:buAutoNum type="arabicPeriod"/>
+            </a:pPr>
+            <a:r>
+              <a:rPr lang="en-US" altLang="ja-JP" dirty="0">
+                <a:latin typeface="Arial" panose="020B0604020202020204" pitchFamily="34" charset="0"/>
+                <a:cs typeface="Arial" panose="020B0604020202020204" pitchFamily="34" charset="0"/>
+              </a:rPr>
+              <a:t>Slower reach which cause undershoot might be related to EMG activation</a:t>
+            </a:r>
+            <a:endParaRPr lang="en-US" dirty="0">
+              <a:latin typeface="Arial" panose="020B0604020202020204" pitchFamily="34" charset="0"/>
+              <a:cs typeface="Arial" panose="020B0604020202020204" pitchFamily="34" charset="0"/>
+            </a:endParaRPr>
+          </a:p>
+          <a:p>
             <a:pPr marL="514350" indent="-514350">
               <a:buAutoNum type="arabicPeriod"/>
             </a:pPr>
-            <a:r>
-              <a:rPr lang="en-US" dirty="0" err="1">
-                <a:latin typeface="Arial" panose="020B0604020202020204" pitchFamily="34" charset="0"/>
-                <a:cs typeface="Arial" panose="020B0604020202020204" pitchFamily="34" charset="0"/>
-              </a:rPr>
-              <a:t>統計量も追加</a:t>
-            </a:r>
+            <a:endParaRPr lang="en-US" dirty="0">
+              <a:latin typeface="Arial" panose="020B0604020202020204" pitchFamily="34" charset="0"/>
+              <a:cs typeface="Arial" panose="020B0604020202020204" pitchFamily="34" charset="0"/>
+            </a:endParaRPr>
+          </a:p>
+          <a:p>
+            <a:pPr marL="514350" indent="-514350">
+              <a:buAutoNum type="arabicPeriod"/>
+            </a:pPr>
             <a:endParaRPr lang="en-US" dirty="0">
               <a:latin typeface="Arial" panose="020B0604020202020204" pitchFamily="34" charset="0"/>
               <a:cs typeface="Arial" panose="020B0604020202020204" pitchFamily="34" charset="0"/>
@@ -8036,7 +10525,7 @@
     </p:spTree>
     <p:extLst>
       <p:ext uri="{BB962C8B-B14F-4D97-AF65-F5344CB8AC3E}">
-        <p14:creationId xmlns:p14="http://schemas.microsoft.com/office/powerpoint/2010/main" val="1202167153"/>
+        <p14:creationId xmlns:p14="http://schemas.microsoft.com/office/powerpoint/2010/main" val="3556210151"/>
       </p:ext>
     </p:extLst>
   </p:cSld>
@@ -8063,42 +10552,6 @@
           <a:chExt cx="0" cy="0"/>
         </a:xfrm>
       </p:grpSpPr>
-      <p:pic>
-        <p:nvPicPr>
-          <p:cNvPr id="5" name="図 4">
-            <a:extLst>
-              <a:ext uri="{FF2B5EF4-FFF2-40B4-BE49-F238E27FC236}">
-                <a16:creationId xmlns:a16="http://schemas.microsoft.com/office/drawing/2014/main" id="{EA687002-B943-CA27-1E46-FFB4D027637D}"/>
-              </a:ext>
-            </a:extLst>
-          </p:cNvPr>
-          <p:cNvPicPr>
-            <a:picLocks noChangeAspect="1"/>
-          </p:cNvPicPr>
-          <p:nvPr/>
-        </p:nvPicPr>
-        <p:blipFill>
-          <a:blip r:embed="rId2">
-            <a:extLst>
-              <a:ext uri="{28A0092B-C50C-407E-A947-70E740481C1C}">
-                <a14:useLocalDpi xmlns:a14="http://schemas.microsoft.com/office/drawing/2010/main" val="0"/>
-              </a:ext>
-            </a:extLst>
-          </a:blip>
-          <a:stretch>
-            <a:fillRect/>
-          </a:stretch>
-        </p:blipFill>
-        <p:spPr>
-          <a:xfrm>
-            <a:off x="3502572" y="3051942"/>
-            <a:ext cx="5186855" cy="3890141"/>
-          </a:xfrm>
-          <a:prstGeom prst="rect">
-            <a:avLst/>
-          </a:prstGeom>
-        </p:spPr>
-      </p:pic>
       <p:sp>
         <p:nvSpPr>
           <p:cNvPr id="2" name="タイトル 1">
@@ -8123,24 +10576,17 @@
         </p:spPr>
         <p:txBody>
           <a:bodyPr>
-            <a:noAutofit/>
+            <a:normAutofit fontScale="90000"/>
           </a:bodyPr>
           <a:lstStyle/>
           <a:p>
             <a:pPr algn="ctr"/>
             <a:r>
-              <a:rPr lang="en-US" sz="3600" b="1" dirty="0" err="1">
-                <a:latin typeface="Arial" panose="020B0604020202020204" pitchFamily="34" charset="0"/>
-                <a:cs typeface="Arial" panose="020B0604020202020204" pitchFamily="34" charset="0"/>
-              </a:rPr>
-              <a:t>PDel</a:t>
-            </a:r>
-            <a:r>
-              <a:rPr lang="en-US" sz="3600" b="1" dirty="0">
-                <a:latin typeface="Arial" panose="020B0604020202020204" pitchFamily="34" charset="0"/>
-                <a:cs typeface="Arial" panose="020B0604020202020204" pitchFamily="34" charset="0"/>
-              </a:rPr>
-              <a:t> should cause more co-contraction</a:t>
+              <a:rPr lang="en-US" b="1" dirty="0">
+                <a:latin typeface="Arial" panose="020B0604020202020204" pitchFamily="34" charset="0"/>
+                <a:cs typeface="Arial" panose="020B0604020202020204" pitchFamily="34" charset="0"/>
+              </a:rPr>
+              <a:t>TC at holding time are different among muscles</a:t>
             </a:r>
           </a:p>
         </p:txBody>
@@ -8163,98 +10609,277 @@
         </p:nvSpPr>
         <p:spPr>
           <a:xfrm>
-            <a:off x="239210" y="681038"/>
-            <a:ext cx="11713580" cy="5967289"/>
+            <a:off x="239210" y="681039"/>
+            <a:ext cx="3650865" cy="2902990"/>
           </a:xfrm>
         </p:spPr>
         <p:txBody>
-          <a:bodyPr/>
+          <a:bodyPr>
+            <a:normAutofit/>
+          </a:bodyPr>
           <a:lstStyle/>
           <a:p>
             <a:pPr marL="0" indent="0">
               <a:buNone/>
             </a:pPr>
             <a:r>
-              <a:rPr lang="en-US" sz="3200" b="1" dirty="0">
+              <a:rPr lang="en-US" b="1" dirty="0">
                 <a:solidFill>
                   <a:schemeClr val="accent1"/>
                 </a:solidFill>
                 <a:latin typeface="Arial" panose="020B0604020202020204" pitchFamily="34" charset="0"/>
                 <a:cs typeface="Arial" panose="020B0604020202020204" pitchFamily="34" charset="0"/>
               </a:rPr>
-              <a:t>Hypothesis: </a:t>
-            </a:r>
-          </a:p>
-          <a:p>
-            <a:pPr marL="0" indent="0" algn="ctr">
-              <a:buNone/>
+              <a:t>Method</a:t>
+            </a:r>
+          </a:p>
+          <a:p>
+            <a:pPr marL="514350" indent="-514350">
+              <a:buFont typeface="Arial" panose="020B0604020202020204" pitchFamily="34" charset="0"/>
+              <a:buAutoNum type="arabicPeriod"/>
             </a:pPr>
             <a:r>
-              <a:rPr lang="en-US" sz="2000" dirty="0">
-                <a:latin typeface="Arial" panose="020B0604020202020204" pitchFamily="34" charset="0"/>
-                <a:cs typeface="Arial" panose="020B0604020202020204" pitchFamily="34" charset="0"/>
-              </a:rPr>
-              <a:t>The muscle which has bigger activation during the task </a:t>
+              <a:rPr lang="en-US" altLang="ja-JP" sz="1800" dirty="0">
+                <a:latin typeface="Arial" panose="020B0604020202020204" pitchFamily="34" charset="0"/>
+                <a:cs typeface="Arial" panose="020B0604020202020204" pitchFamily="34" charset="0"/>
+              </a:rPr>
+              <a:t>Normalize by successes</a:t>
+            </a:r>
+            <a:endParaRPr lang="en-US" sz="1800" dirty="0">
+              <a:latin typeface="Arial" panose="020B0604020202020204" pitchFamily="34" charset="0"/>
+              <a:cs typeface="Arial" panose="020B0604020202020204" pitchFamily="34" charset="0"/>
+            </a:endParaRPr>
+          </a:p>
+          <a:p>
+            <a:pPr marL="514350" indent="-514350">
+              <a:buAutoNum type="arabicPeriod"/>
+            </a:pPr>
+            <a:r>
+              <a:rPr lang="en-US" sz="1800" dirty="0">
+                <a:latin typeface="Arial" panose="020B0604020202020204" pitchFamily="34" charset="0"/>
+                <a:cs typeface="Arial" panose="020B0604020202020204" pitchFamily="34" charset="0"/>
+              </a:rPr>
+              <a:t>Abnormal Day is removed</a:t>
+            </a:r>
+          </a:p>
+          <a:p>
+            <a:pPr marL="514350" indent="-514350">
+              <a:buAutoNum type="arabicPeriod"/>
+            </a:pPr>
+            <a:r>
+              <a:rPr lang="en-US" sz="1800" dirty="0">
+                <a:latin typeface="Arial" panose="020B0604020202020204" pitchFamily="34" charset="0"/>
+                <a:cs typeface="Arial" panose="020B0604020202020204" pitchFamily="34" charset="0"/>
+              </a:rPr>
+              <a:t>Use both successes and failures </a:t>
+            </a:r>
+            <a:r>
+              <a:rPr lang="en-US" altLang="ja-JP" sz="1800" dirty="0">
+                <a:latin typeface="Arial" panose="020B0604020202020204" pitchFamily="34" charset="0"/>
+                <a:cs typeface="Arial" panose="020B0604020202020204" pitchFamily="34" charset="0"/>
+              </a:rPr>
+              <a:t>for this visualization</a:t>
             </a:r>
             <a:br>
-              <a:rPr lang="en-US" sz="2000" dirty="0">
+              <a:rPr lang="en-US" altLang="ja-JP" sz="1800" dirty="0">
                 <a:latin typeface="Arial" panose="020B0604020202020204" pitchFamily="34" charset="0"/>
                 <a:cs typeface="Arial" panose="020B0604020202020204" pitchFamily="34" charset="0"/>
               </a:rPr>
             </a:br>
             <a:r>
-              <a:rPr lang="en-US" sz="2000" dirty="0">
-                <a:latin typeface="Arial" panose="020B0604020202020204" pitchFamily="34" charset="0"/>
-                <a:cs typeface="Arial" panose="020B0604020202020204" pitchFamily="34" charset="0"/>
-              </a:rPr>
-              <a:t>should cause more co-contraction during holding time</a:t>
-            </a:r>
-          </a:p>
-          <a:p>
-            <a:pPr marL="0" indent="0" algn="ctr">
-              <a:buNone/>
-            </a:pPr>
-            <a:r>
-              <a:rPr lang="en-US" sz="2000" dirty="0">
-                <a:latin typeface="Arial" panose="020B0604020202020204" pitchFamily="34" charset="0"/>
-                <a:cs typeface="Arial" panose="020B0604020202020204" pitchFamily="34" charset="0"/>
-              </a:rPr>
-              <a:t>↓</a:t>
-            </a:r>
-          </a:p>
-          <a:p>
-            <a:pPr marL="0" indent="0" algn="ctr">
-              <a:buNone/>
-            </a:pPr>
-            <a:r>
-              <a:rPr lang="en-US" sz="2000" dirty="0">
-                <a:latin typeface="Arial" panose="020B0604020202020204" pitchFamily="34" charset="0"/>
-                <a:cs typeface="Arial" panose="020B0604020202020204" pitchFamily="34" charset="0"/>
-              </a:rPr>
-              <a:t>The bigger muscle activation, the bigger coefficient of variation</a:t>
-            </a:r>
-          </a:p>
-          <a:p>
-            <a:pPr marL="0" indent="0">
-              <a:buNone/>
-            </a:pPr>
-            <a:r>
-              <a:rPr lang="en-US" sz="3200" b="1" dirty="0">
-                <a:solidFill>
-                  <a:schemeClr val="accent1"/>
-                </a:solidFill>
-                <a:latin typeface="Arial" panose="020B0604020202020204" pitchFamily="34" charset="0"/>
-                <a:cs typeface="Arial" panose="020B0604020202020204" pitchFamily="34" charset="0"/>
-              </a:rPr>
-              <a:t>Coefficient of variation across Days before z-indexed:</a:t>
+              <a:rPr lang="en-US" altLang="ja-JP" sz="1800" dirty="0">
+                <a:latin typeface="Arial" panose="020B0604020202020204" pitchFamily="34" charset="0"/>
+                <a:cs typeface="Arial" panose="020B0604020202020204" pitchFamily="34" charset="0"/>
+              </a:rPr>
+              <a:t>(failure: reach failure and hold failure)</a:t>
             </a:r>
           </a:p>
         </p:txBody>
       </p:sp>
+      <p:pic>
+        <p:nvPicPr>
+          <p:cNvPr id="5" name="図 4">
+            <a:extLst>
+              <a:ext uri="{FF2B5EF4-FFF2-40B4-BE49-F238E27FC236}">
+                <a16:creationId xmlns:a16="http://schemas.microsoft.com/office/drawing/2014/main" id="{99FCD867-F0C9-DB4A-604A-E4D8461BE0E2}"/>
+              </a:ext>
+            </a:extLst>
+          </p:cNvPr>
+          <p:cNvPicPr>
+            <a:picLocks noChangeAspect="1"/>
+          </p:cNvPicPr>
+          <p:nvPr/>
+        </p:nvPicPr>
+        <p:blipFill>
+          <a:blip r:embed="rId2">
+            <a:extLst>
+              <a:ext uri="{28A0092B-C50C-407E-A947-70E740481C1C}">
+                <a14:useLocalDpi xmlns:a14="http://schemas.microsoft.com/office/drawing/2010/main" val="0"/>
+              </a:ext>
+            </a:extLst>
+          </a:blip>
+          <a:stretch>
+            <a:fillRect/>
+          </a:stretch>
+        </p:blipFill>
+        <p:spPr>
+          <a:xfrm>
+            <a:off x="3890993" y="582762"/>
+            <a:ext cx="4408177" cy="3306133"/>
+          </a:xfrm>
+          <a:prstGeom prst="rect">
+            <a:avLst/>
+          </a:prstGeom>
+        </p:spPr>
+      </p:pic>
+      <p:pic>
+        <p:nvPicPr>
+          <p:cNvPr id="7" name="図 6">
+            <a:extLst>
+              <a:ext uri="{FF2B5EF4-FFF2-40B4-BE49-F238E27FC236}">
+                <a16:creationId xmlns:a16="http://schemas.microsoft.com/office/drawing/2014/main" id="{EBD28875-71E5-2C10-90F3-736DD3C73AB6}"/>
+              </a:ext>
+            </a:extLst>
+          </p:cNvPr>
+          <p:cNvPicPr>
+            <a:picLocks noChangeAspect="1"/>
+          </p:cNvPicPr>
+          <p:nvPr/>
+        </p:nvPicPr>
+        <p:blipFill>
+          <a:blip r:embed="rId3">
+            <a:extLst>
+              <a:ext uri="{28A0092B-C50C-407E-A947-70E740481C1C}">
+                <a14:useLocalDpi xmlns:a14="http://schemas.microsoft.com/office/drawing/2010/main" val="0"/>
+              </a:ext>
+            </a:extLst>
+          </a:blip>
+          <a:stretch>
+            <a:fillRect/>
+          </a:stretch>
+        </p:blipFill>
+        <p:spPr>
+          <a:xfrm>
+            <a:off x="7949800" y="588146"/>
+            <a:ext cx="4408177" cy="3306133"/>
+          </a:xfrm>
+          <a:prstGeom prst="rect">
+            <a:avLst/>
+          </a:prstGeom>
+        </p:spPr>
+      </p:pic>
+      <p:pic>
+        <p:nvPicPr>
+          <p:cNvPr id="11" name="図 10">
+            <a:extLst>
+              <a:ext uri="{FF2B5EF4-FFF2-40B4-BE49-F238E27FC236}">
+                <a16:creationId xmlns:a16="http://schemas.microsoft.com/office/drawing/2014/main" id="{99A5070E-B8DC-F9B1-3ADD-A8B8A8249EB1}"/>
+              </a:ext>
+            </a:extLst>
+          </p:cNvPr>
+          <p:cNvPicPr>
+            <a:picLocks noChangeAspect="1"/>
+          </p:cNvPicPr>
+          <p:nvPr/>
+        </p:nvPicPr>
+        <p:blipFill>
+          <a:blip r:embed="rId4">
+            <a:extLst>
+              <a:ext uri="{28A0092B-C50C-407E-A947-70E740481C1C}">
+                <a14:useLocalDpi xmlns:a14="http://schemas.microsoft.com/office/drawing/2010/main" val="0"/>
+              </a:ext>
+            </a:extLst>
+          </a:blip>
+          <a:stretch>
+            <a:fillRect/>
+          </a:stretch>
+        </p:blipFill>
+        <p:spPr>
+          <a:xfrm>
+            <a:off x="-115613" y="3725807"/>
+            <a:ext cx="4408177" cy="3306134"/>
+          </a:xfrm>
+          <a:prstGeom prst="rect">
+            <a:avLst/>
+          </a:prstGeom>
+        </p:spPr>
+      </p:pic>
+      <p:pic>
+        <p:nvPicPr>
+          <p:cNvPr id="9" name="図 8">
+            <a:extLst>
+              <a:ext uri="{FF2B5EF4-FFF2-40B4-BE49-F238E27FC236}">
+                <a16:creationId xmlns:a16="http://schemas.microsoft.com/office/drawing/2014/main" id="{D82046C1-2323-5750-D37E-EB9E1950E444}"/>
+              </a:ext>
+            </a:extLst>
+          </p:cNvPr>
+          <p:cNvPicPr>
+            <a:picLocks noChangeAspect="1"/>
+          </p:cNvPicPr>
+          <p:nvPr/>
+        </p:nvPicPr>
+        <p:blipFill>
+          <a:blip r:embed="rId5">
+            <a:extLst>
+              <a:ext uri="{28A0092B-C50C-407E-A947-70E740481C1C}">
+                <a14:useLocalDpi xmlns:a14="http://schemas.microsoft.com/office/drawing/2010/main" val="0"/>
+              </a:ext>
+            </a:extLst>
+          </a:blip>
+          <a:stretch>
+            <a:fillRect/>
+          </a:stretch>
+        </p:blipFill>
+        <p:spPr>
+          <a:xfrm>
+            <a:off x="3891911" y="3720424"/>
+            <a:ext cx="4408177" cy="3306133"/>
+          </a:xfrm>
+          <a:prstGeom prst="rect">
+            <a:avLst/>
+          </a:prstGeom>
+        </p:spPr>
+      </p:pic>
+      <p:pic>
+        <p:nvPicPr>
+          <p:cNvPr id="13" name="図 12">
+            <a:extLst>
+              <a:ext uri="{FF2B5EF4-FFF2-40B4-BE49-F238E27FC236}">
+                <a16:creationId xmlns:a16="http://schemas.microsoft.com/office/drawing/2014/main" id="{2F717ED3-918E-C92C-B479-1197FE944D24}"/>
+              </a:ext>
+            </a:extLst>
+          </p:cNvPr>
+          <p:cNvPicPr>
+            <a:picLocks noChangeAspect="1"/>
+          </p:cNvPicPr>
+          <p:nvPr/>
+        </p:nvPicPr>
+        <p:blipFill>
+          <a:blip r:embed="rId6">
+            <a:extLst>
+              <a:ext uri="{28A0092B-C50C-407E-A947-70E740481C1C}">
+                <a14:useLocalDpi xmlns:a14="http://schemas.microsoft.com/office/drawing/2010/main" val="0"/>
+              </a:ext>
+            </a:extLst>
+          </a:blip>
+          <a:stretch>
+            <a:fillRect/>
+          </a:stretch>
+        </p:blipFill>
+        <p:spPr>
+          <a:xfrm>
+            <a:off x="7972635" y="3720424"/>
+            <a:ext cx="4408177" cy="3306133"/>
+          </a:xfrm>
+          <a:prstGeom prst="rect">
+            <a:avLst/>
+          </a:prstGeom>
+        </p:spPr>
+      </p:pic>
     </p:spTree>
     <p:extLst>
       <p:ext uri="{BB962C8B-B14F-4D97-AF65-F5344CB8AC3E}">
-        <p14:creationId xmlns:p14="http://schemas.microsoft.com/office/powerpoint/2010/main" val="3933156990"/>
+        <p14:creationId xmlns:p14="http://schemas.microsoft.com/office/powerpoint/2010/main" val="312522006"/>
       </p:ext>
     </p:extLst>
   </p:cSld>
@@ -8315,7 +10940,7 @@
                 <a:latin typeface="Arial" panose="020B0604020202020204" pitchFamily="34" charset="0"/>
                 <a:cs typeface="Arial" panose="020B0604020202020204" pitchFamily="34" charset="0"/>
               </a:rPr>
-              <a:t>Conclusion of Question1</a:t>
+              <a:t>EMG basis “Choking Under Pressure”</a:t>
             </a:r>
           </a:p>
         </p:txBody>
@@ -8338,144 +10963,90 @@
         </p:nvSpPr>
         <p:spPr>
           <a:xfrm>
-            <a:off x="239210" y="5985545"/>
-            <a:ext cx="11713580" cy="662782"/>
+            <a:off x="239210" y="681038"/>
+            <a:ext cx="11713580" cy="5967289"/>
           </a:xfrm>
         </p:spPr>
         <p:txBody>
-          <a:bodyPr>
-            <a:normAutofit/>
-          </a:bodyPr>
+          <a:bodyPr/>
           <a:lstStyle/>
           <a:p>
-            <a:pPr marL="0" indent="0" algn="ctr">
+            <a:pPr marL="0" indent="0">
               <a:buNone/>
             </a:pPr>
             <a:r>
-              <a:rPr lang="en-US" sz="3600" b="1" dirty="0">
+              <a:rPr lang="en-US" sz="4000" b="1" dirty="0">
+                <a:latin typeface="Arial" panose="020B0604020202020204" pitchFamily="34" charset="0"/>
+                <a:cs typeface="Arial" panose="020B0604020202020204" pitchFamily="34" charset="0"/>
+              </a:rPr>
+              <a:t>Questions</a:t>
+            </a:r>
+          </a:p>
+          <a:p>
+            <a:pPr marL="514350" indent="-514350">
+              <a:lnSpc>
+                <a:spcPct val="150000"/>
+              </a:lnSpc>
+              <a:buAutoNum type="arabicPeriod"/>
+            </a:pPr>
+            <a:r>
+              <a:rPr lang="en-US" dirty="0">
+                <a:latin typeface="Arial" panose="020B0604020202020204" pitchFamily="34" charset="0"/>
+                <a:cs typeface="Arial" panose="020B0604020202020204" pitchFamily="34" charset="0"/>
+              </a:rPr>
+              <a:t>Reward Axis at holding time might be the result of co-contraction</a:t>
+            </a:r>
+          </a:p>
+          <a:p>
+            <a:pPr marL="514350" indent="-514350">
+              <a:lnSpc>
+                <a:spcPct val="150000"/>
+              </a:lnSpc>
+              <a:buFont typeface="Arial" panose="020B0604020202020204" pitchFamily="34" charset="0"/>
+              <a:buAutoNum type="arabicPeriod"/>
+            </a:pPr>
+            <a:r>
+              <a:rPr lang="en-US" altLang="ja-JP" dirty="0">
                 <a:solidFill>
-                  <a:srgbClr val="FF0000"/>
+                  <a:schemeClr val="accent1"/>
                 </a:solidFill>
                 <a:latin typeface="Arial" panose="020B0604020202020204" pitchFamily="34" charset="0"/>
                 <a:cs typeface="Arial" panose="020B0604020202020204" pitchFamily="34" charset="0"/>
               </a:rPr>
-              <a:t>There is not co-contraction at holding time</a:t>
-            </a:r>
+              <a:t>Slower reach which cause undershoot might be related to EMG activation</a:t>
+            </a:r>
+            <a:endParaRPr lang="en-US" dirty="0">
+              <a:solidFill>
+                <a:schemeClr val="accent1"/>
+              </a:solidFill>
+              <a:latin typeface="Arial" panose="020B0604020202020204" pitchFamily="34" charset="0"/>
+              <a:cs typeface="Arial" panose="020B0604020202020204" pitchFamily="34" charset="0"/>
+            </a:endParaRPr>
+          </a:p>
+          <a:p>
+            <a:pPr marL="514350" indent="-514350">
+              <a:buAutoNum type="arabicPeriod"/>
+            </a:pPr>
+            <a:endParaRPr lang="en-US" dirty="0">
+              <a:latin typeface="Arial" panose="020B0604020202020204" pitchFamily="34" charset="0"/>
+              <a:cs typeface="Arial" panose="020B0604020202020204" pitchFamily="34" charset="0"/>
+            </a:endParaRPr>
+          </a:p>
+          <a:p>
+            <a:pPr marL="514350" indent="-514350">
+              <a:buAutoNum type="arabicPeriod"/>
+            </a:pPr>
+            <a:endParaRPr lang="en-US" dirty="0">
+              <a:latin typeface="Arial" panose="020B0604020202020204" pitchFamily="34" charset="0"/>
+              <a:cs typeface="Arial" panose="020B0604020202020204" pitchFamily="34" charset="0"/>
+            </a:endParaRPr>
           </a:p>
         </p:txBody>
       </p:sp>
-      <p:pic>
-        <p:nvPicPr>
-          <p:cNvPr id="4" name="図 3">
-            <a:extLst>
-              <a:ext uri="{FF2B5EF4-FFF2-40B4-BE49-F238E27FC236}">
-                <a16:creationId xmlns:a16="http://schemas.microsoft.com/office/drawing/2014/main" id="{0C1326A7-6BDD-13EB-D85C-49304DEEA7FA}"/>
-              </a:ext>
-            </a:extLst>
-          </p:cNvPr>
-          <p:cNvPicPr>
-            <a:picLocks noChangeAspect="1"/>
-          </p:cNvPicPr>
-          <p:nvPr/>
-        </p:nvPicPr>
-        <p:blipFill>
-          <a:blip r:embed="rId2">
-            <a:extLst>
-              <a:ext uri="{28A0092B-C50C-407E-A947-70E740481C1C}">
-                <a14:useLocalDpi xmlns:a14="http://schemas.microsoft.com/office/drawing/2010/main" val="0"/>
-              </a:ext>
-            </a:extLst>
-          </a:blip>
-          <a:stretch>
-            <a:fillRect/>
-          </a:stretch>
-        </p:blipFill>
-        <p:spPr>
-          <a:xfrm>
-            <a:off x="-118142" y="1775933"/>
-            <a:ext cx="4408177" cy="3306133"/>
-          </a:xfrm>
-          <a:prstGeom prst="rect">
-            <a:avLst/>
-          </a:prstGeom>
-        </p:spPr>
-      </p:pic>
-      <p:pic>
-        <p:nvPicPr>
-          <p:cNvPr id="5" name="図 4">
-            <a:extLst>
-              <a:ext uri="{FF2B5EF4-FFF2-40B4-BE49-F238E27FC236}">
-                <a16:creationId xmlns:a16="http://schemas.microsoft.com/office/drawing/2014/main" id="{B49B4712-DB5E-4F23-11ED-7B1D1171AFE5}"/>
-              </a:ext>
-            </a:extLst>
-          </p:cNvPr>
-          <p:cNvPicPr>
-            <a:picLocks noChangeAspect="1"/>
-          </p:cNvPicPr>
-          <p:nvPr/>
-        </p:nvPicPr>
-        <p:blipFill>
-          <a:blip r:embed="rId3">
-            <a:extLst>
-              <a:ext uri="{28A0092B-C50C-407E-A947-70E740481C1C}">
-                <a14:useLocalDpi xmlns:a14="http://schemas.microsoft.com/office/drawing/2010/main" val="0"/>
-              </a:ext>
-            </a:extLst>
-          </a:blip>
-          <a:stretch>
-            <a:fillRect/>
-          </a:stretch>
-        </p:blipFill>
-        <p:spPr>
-          <a:xfrm>
-            <a:off x="3891911" y="1775933"/>
-            <a:ext cx="4408177" cy="3306133"/>
-          </a:xfrm>
-          <a:prstGeom prst="rect">
-            <a:avLst/>
-          </a:prstGeom>
-        </p:spPr>
-      </p:pic>
-      <p:pic>
-        <p:nvPicPr>
-          <p:cNvPr id="6" name="図 5">
-            <a:extLst>
-              <a:ext uri="{FF2B5EF4-FFF2-40B4-BE49-F238E27FC236}">
-                <a16:creationId xmlns:a16="http://schemas.microsoft.com/office/drawing/2014/main" id="{B93E3E09-65DB-6A58-DA4F-512E51607B52}"/>
-              </a:ext>
-            </a:extLst>
-          </p:cNvPr>
-          <p:cNvPicPr>
-            <a:picLocks noChangeAspect="1"/>
-          </p:cNvPicPr>
-          <p:nvPr/>
-        </p:nvPicPr>
-        <p:blipFill>
-          <a:blip r:embed="rId4">
-            <a:extLst>
-              <a:ext uri="{28A0092B-C50C-407E-A947-70E740481C1C}">
-                <a14:useLocalDpi xmlns:a14="http://schemas.microsoft.com/office/drawing/2010/main" val="0"/>
-              </a:ext>
-            </a:extLst>
-          </a:blip>
-          <a:stretch>
-            <a:fillRect/>
-          </a:stretch>
-        </p:blipFill>
-        <p:spPr>
-          <a:xfrm>
-            <a:off x="7901967" y="1775933"/>
-            <a:ext cx="4408177" cy="3306134"/>
-          </a:xfrm>
-          <a:prstGeom prst="rect">
-            <a:avLst/>
-          </a:prstGeom>
-        </p:spPr>
-      </p:pic>
     </p:spTree>
     <p:extLst>
       <p:ext uri="{BB962C8B-B14F-4D97-AF65-F5344CB8AC3E}">
-        <p14:creationId xmlns:p14="http://schemas.microsoft.com/office/powerpoint/2010/main" val="2985610718"/>
+        <p14:creationId xmlns:p14="http://schemas.microsoft.com/office/powerpoint/2010/main" val="2362589685"/>
       </p:ext>
     </p:extLst>
   </p:cSld>
@@ -8504,6 +11075,216 @@
       </p:grpSpPr>
       <p:sp>
         <p:nvSpPr>
+          <p:cNvPr id="3" name="コンテンツ プレースホルダー 2">
+            <a:extLst>
+              <a:ext uri="{FF2B5EF4-FFF2-40B4-BE49-F238E27FC236}">
+                <a16:creationId xmlns:a16="http://schemas.microsoft.com/office/drawing/2014/main" id="{53C1E971-4386-CE03-291B-95136168D0B5}"/>
+              </a:ext>
+            </a:extLst>
+          </p:cNvPr>
+          <p:cNvSpPr>
+            <a:spLocks noGrp="1"/>
+          </p:cNvSpPr>
+          <p:nvPr>
+            <p:ph idx="1"/>
+          </p:nvPr>
+        </p:nvSpPr>
+        <p:spPr>
+          <a:xfrm>
+            <a:off x="180900" y="802294"/>
+            <a:ext cx="5915100" cy="1961003"/>
+          </a:xfrm>
+        </p:spPr>
+        <p:txBody>
+          <a:bodyPr>
+            <a:normAutofit/>
+          </a:bodyPr>
+          <a:lstStyle/>
+          <a:p>
+            <a:pPr marL="514350" indent="-514350">
+              <a:buAutoNum type="arabicPeriod"/>
+            </a:pPr>
+            <a:r>
+              <a:rPr lang="en-US" dirty="0">
+                <a:latin typeface="Arial" panose="020B0604020202020204" pitchFamily="34" charset="0"/>
+                <a:cs typeface="Arial" panose="020B0604020202020204" pitchFamily="34" charset="0"/>
+              </a:rPr>
+              <a:t>Methods</a:t>
+            </a:r>
+          </a:p>
+          <a:p>
+            <a:pPr marL="971550" lvl="1" indent="-514350">
+              <a:buAutoNum type="arabicPeriod"/>
+            </a:pPr>
+            <a:r>
+              <a:rPr lang="en-US" sz="1800" dirty="0">
+                <a:latin typeface="Arial" panose="020B0604020202020204" pitchFamily="34" charset="0"/>
+                <a:cs typeface="Arial" panose="020B0604020202020204" pitchFamily="34" charset="0"/>
+              </a:rPr>
+              <a:t>Use only trials reached to the target</a:t>
+            </a:r>
+          </a:p>
+          <a:p>
+            <a:pPr marL="1428750" lvl="2" indent="-514350">
+              <a:buAutoNum type="arabicPeriod"/>
+            </a:pPr>
+            <a:r>
+              <a:rPr lang="en-US" sz="1400" dirty="0">
+                <a:latin typeface="Arial" panose="020B0604020202020204" pitchFamily="34" charset="0"/>
+                <a:cs typeface="Arial" panose="020B0604020202020204" pitchFamily="34" charset="0"/>
+              </a:rPr>
+              <a:t>Successes also showed slow reach(right figure)</a:t>
+            </a:r>
+          </a:p>
+          <a:p>
+            <a:pPr marL="971550" lvl="1" indent="-514350">
+              <a:buAutoNum type="arabicPeriod"/>
+            </a:pPr>
+            <a:r>
+              <a:rPr lang="en-US" sz="1800" dirty="0">
+                <a:latin typeface="Arial" panose="020B0604020202020204" pitchFamily="34" charset="0"/>
+                <a:cs typeface="Arial" panose="020B0604020202020204" pitchFamily="34" charset="0"/>
+              </a:rPr>
+              <a:t>Remove overflowed velocities</a:t>
+            </a:r>
+          </a:p>
+          <a:p>
+            <a:pPr marL="971550" lvl="1" indent="-514350">
+              <a:buAutoNum type="arabicPeriod"/>
+            </a:pPr>
+            <a:r>
+              <a:rPr lang="en-US" sz="1800" dirty="0">
+                <a:latin typeface="Arial" panose="020B0604020202020204" pitchFamily="34" charset="0"/>
+                <a:cs typeface="Arial" panose="020B0604020202020204" pitchFamily="34" charset="0"/>
+              </a:rPr>
+              <a:t>Calculate the mean of EMG around peak time</a:t>
+            </a:r>
+            <a:br>
+              <a:rPr lang="en-US" sz="1800" dirty="0">
+                <a:latin typeface="Arial" panose="020B0604020202020204" pitchFamily="34" charset="0"/>
+                <a:cs typeface="Arial" panose="020B0604020202020204" pitchFamily="34" charset="0"/>
+              </a:rPr>
+            </a:br>
+            <a:r>
+              <a:rPr lang="en-US" sz="1800" dirty="0">
+                <a:latin typeface="Arial" panose="020B0604020202020204" pitchFamily="34" charset="0"/>
+                <a:cs typeface="Arial" panose="020B0604020202020204" pitchFamily="34" charset="0"/>
+              </a:rPr>
+              <a:t>[Peak Time ± 100ms]</a:t>
+            </a:r>
+          </a:p>
+        </p:txBody>
+      </p:sp>
+      <p:pic>
+        <p:nvPicPr>
+          <p:cNvPr id="6" name="図 5">
+            <a:extLst>
+              <a:ext uri="{FF2B5EF4-FFF2-40B4-BE49-F238E27FC236}">
+                <a16:creationId xmlns:a16="http://schemas.microsoft.com/office/drawing/2014/main" id="{1204481D-15D0-6A6E-A740-DFD0ECE6BFE3}"/>
+              </a:ext>
+            </a:extLst>
+          </p:cNvPr>
+          <p:cNvPicPr>
+            <a:picLocks noChangeAspect="1"/>
+          </p:cNvPicPr>
+          <p:nvPr/>
+        </p:nvPicPr>
+        <p:blipFill>
+          <a:blip r:embed="rId2">
+            <a:extLst>
+              <a:ext uri="{28A0092B-C50C-407E-A947-70E740481C1C}">
+                <a14:useLocalDpi xmlns:a14="http://schemas.microsoft.com/office/drawing/2010/main" val="0"/>
+              </a:ext>
+            </a:extLst>
+          </a:blip>
+          <a:stretch>
+            <a:fillRect/>
+          </a:stretch>
+        </p:blipFill>
+        <p:spPr>
+          <a:xfrm>
+            <a:off x="7355392" y="809228"/>
+            <a:ext cx="3131101" cy="2348326"/>
+          </a:xfrm>
+          <a:prstGeom prst="rect">
+            <a:avLst/>
+          </a:prstGeom>
+        </p:spPr>
+      </p:pic>
+      <p:pic>
+        <p:nvPicPr>
+          <p:cNvPr id="10" name="図 9">
+            <a:extLst>
+              <a:ext uri="{FF2B5EF4-FFF2-40B4-BE49-F238E27FC236}">
+                <a16:creationId xmlns:a16="http://schemas.microsoft.com/office/drawing/2014/main" id="{0289878B-8C57-4D41-E49D-DC2350790812}"/>
+              </a:ext>
+            </a:extLst>
+          </p:cNvPr>
+          <p:cNvPicPr>
+            <a:picLocks noChangeAspect="1"/>
+          </p:cNvPicPr>
+          <p:nvPr/>
+        </p:nvPicPr>
+        <p:blipFill>
+          <a:blip r:embed="rId3">
+            <a:extLst>
+              <a:ext uri="{28A0092B-C50C-407E-A947-70E740481C1C}">
+                <a14:useLocalDpi xmlns:a14="http://schemas.microsoft.com/office/drawing/2010/main" val="0"/>
+              </a:ext>
+            </a:extLst>
+          </a:blip>
+          <a:stretch>
+            <a:fillRect/>
+          </a:stretch>
+        </p:blipFill>
+        <p:spPr>
+          <a:xfrm>
+            <a:off x="1201845" y="3304001"/>
+            <a:ext cx="4738665" cy="3553999"/>
+          </a:xfrm>
+          <a:prstGeom prst="rect">
+            <a:avLst/>
+          </a:prstGeom>
+        </p:spPr>
+      </p:pic>
+      <p:pic>
+        <p:nvPicPr>
+          <p:cNvPr id="14" name="図 13">
+            <a:extLst>
+              <a:ext uri="{FF2B5EF4-FFF2-40B4-BE49-F238E27FC236}">
+                <a16:creationId xmlns:a16="http://schemas.microsoft.com/office/drawing/2014/main" id="{368D205A-B199-525D-DE74-72186FB0AF87}"/>
+              </a:ext>
+            </a:extLst>
+          </p:cNvPr>
+          <p:cNvPicPr>
+            <a:picLocks noChangeAspect="1"/>
+          </p:cNvPicPr>
+          <p:nvPr/>
+        </p:nvPicPr>
+        <p:blipFill>
+          <a:blip r:embed="rId4">
+            <a:extLst>
+              <a:ext uri="{28A0092B-C50C-407E-A947-70E740481C1C}">
+                <a14:useLocalDpi xmlns:a14="http://schemas.microsoft.com/office/drawing/2010/main" val="0"/>
+              </a:ext>
+            </a:extLst>
+          </a:blip>
+          <a:stretch>
+            <a:fillRect/>
+          </a:stretch>
+        </p:blipFill>
+        <p:spPr>
+          <a:xfrm>
+            <a:off x="6394587" y="3285745"/>
+            <a:ext cx="4738665" cy="3553999"/>
+          </a:xfrm>
+          <a:prstGeom prst="rect">
+            <a:avLst/>
+          </a:prstGeom>
+        </p:spPr>
+      </p:pic>
+      <p:sp>
+        <p:nvSpPr>
           <p:cNvPr id="2" name="タイトル 1">
             <a:extLst>
               <a:ext uri="{FF2B5EF4-FFF2-40B4-BE49-F238E27FC236}">
@@ -8532,107 +11313,66 @@
           <a:p>
             <a:pPr algn="ctr"/>
             <a:r>
-              <a:rPr lang="en-US" b="1" dirty="0">
-                <a:latin typeface="Arial" panose="020B0604020202020204" pitchFamily="34" charset="0"/>
-                <a:cs typeface="Arial" panose="020B0604020202020204" pitchFamily="34" charset="0"/>
-              </a:rPr>
-              <a:t>EMG basis “Choking Under Pressure”</a:t>
+              <a:rPr lang="en-US" dirty="0">
+                <a:latin typeface="Arial" panose="020B0604020202020204" pitchFamily="34" charset="0"/>
+                <a:cs typeface="Arial" panose="020B0604020202020204" pitchFamily="34" charset="0"/>
+              </a:rPr>
+              <a:t>Methods for analyzing</a:t>
             </a:r>
           </a:p>
         </p:txBody>
       </p:sp>
       <p:sp>
         <p:nvSpPr>
-          <p:cNvPr id="3" name="コンテンツ プレースホルダー 2">
-            <a:extLst>
-              <a:ext uri="{FF2B5EF4-FFF2-40B4-BE49-F238E27FC236}">
-                <a16:creationId xmlns:a16="http://schemas.microsoft.com/office/drawing/2014/main" id="{53C1E971-4386-CE03-291B-95136168D0B5}"/>
-              </a:ext>
-            </a:extLst>
-          </p:cNvPr>
-          <p:cNvSpPr>
-            <a:spLocks noGrp="1"/>
-          </p:cNvSpPr>
-          <p:nvPr>
-            <p:ph idx="1"/>
-          </p:nvPr>
+          <p:cNvPr id="15" name="テキスト ボックス 14">
+            <a:extLst>
+              <a:ext uri="{FF2B5EF4-FFF2-40B4-BE49-F238E27FC236}">
+                <a16:creationId xmlns:a16="http://schemas.microsoft.com/office/drawing/2014/main" id="{517DABF7-3523-48B1-8630-8EEF9B003597}"/>
+              </a:ext>
+            </a:extLst>
+          </p:cNvPr>
+          <p:cNvSpPr txBox="1"/>
+          <p:nvPr/>
         </p:nvSpPr>
         <p:spPr>
           <a:xfrm>
-            <a:off x="239210" y="681038"/>
-            <a:ext cx="11713580" cy="5967289"/>
+            <a:off x="7172686" y="681037"/>
+            <a:ext cx="3657280" cy="261610"/>
           </a:xfrm>
+          <a:prstGeom prst="rect">
+            <a:avLst/>
+          </a:prstGeom>
+          <a:noFill/>
         </p:spPr>
         <p:txBody>
-          <a:bodyPr/>
+          <a:bodyPr wrap="square" rtlCol="0">
+            <a:spAutoFit/>
+          </a:bodyPr>
           <a:lstStyle/>
           <a:p>
-            <a:pPr marL="0" indent="0">
-              <a:buNone/>
-            </a:pPr>
-            <a:r>
-              <a:rPr lang="en-US" sz="4000" b="1" dirty="0">
-                <a:latin typeface="Arial" panose="020B0604020202020204" pitchFamily="34" charset="0"/>
-                <a:cs typeface="Arial" panose="020B0604020202020204" pitchFamily="34" charset="0"/>
-              </a:rPr>
-              <a:t>Questions</a:t>
-            </a:r>
-          </a:p>
-          <a:p>
-            <a:pPr marL="514350" indent="-514350">
-              <a:lnSpc>
-                <a:spcPct val="150000"/>
-              </a:lnSpc>
-              <a:buAutoNum type="arabicPeriod"/>
-            </a:pPr>
-            <a:r>
-              <a:rPr lang="en-US" dirty="0">
-                <a:latin typeface="Arial" panose="020B0604020202020204" pitchFamily="34" charset="0"/>
-                <a:cs typeface="Arial" panose="020B0604020202020204" pitchFamily="34" charset="0"/>
-              </a:rPr>
-              <a:t>Reward Axis at holding time might be the result of co-contraction</a:t>
-            </a:r>
-          </a:p>
-          <a:p>
-            <a:pPr marL="514350" indent="-514350">
-              <a:lnSpc>
-                <a:spcPct val="150000"/>
-              </a:lnSpc>
-              <a:buFont typeface="Arial" panose="020B0604020202020204" pitchFamily="34" charset="0"/>
-              <a:buAutoNum type="arabicPeriod"/>
-            </a:pPr>
-            <a:r>
-              <a:rPr lang="en-US" altLang="ja-JP" dirty="0">
-                <a:solidFill>
-                  <a:schemeClr val="accent1"/>
-                </a:solidFill>
-                <a:latin typeface="Arial" panose="020B0604020202020204" pitchFamily="34" charset="0"/>
-                <a:cs typeface="Arial" panose="020B0604020202020204" pitchFamily="34" charset="0"/>
-              </a:rPr>
-              <a:t>Slower reach which cause undershoot might be related to EMG activation</a:t>
-            </a:r>
-            <a:endParaRPr lang="en-US" dirty="0">
-              <a:solidFill>
-                <a:schemeClr val="accent1"/>
-              </a:solidFill>
-              <a:latin typeface="Arial" panose="020B0604020202020204" pitchFamily="34" charset="0"/>
-              <a:cs typeface="Arial" panose="020B0604020202020204" pitchFamily="34" charset="0"/>
-            </a:endParaRPr>
-          </a:p>
-          <a:p>
-            <a:pPr marL="514350" indent="-514350">
-              <a:buAutoNum type="arabicPeriod"/>
-            </a:pPr>
-            <a:endParaRPr lang="en-US" dirty="0">
-              <a:latin typeface="Arial" panose="020B0604020202020204" pitchFamily="34" charset="0"/>
-              <a:cs typeface="Arial" panose="020B0604020202020204" pitchFamily="34" charset="0"/>
-            </a:endParaRPr>
-          </a:p>
-          <a:p>
-            <a:pPr marL="514350" indent="-514350">
-              <a:buAutoNum type="arabicPeriod"/>
-            </a:pPr>
-            <a:endParaRPr lang="en-US" dirty="0">
+            <a:pPr algn="ctr"/>
+            <a:r>
+              <a:rPr kumimoji="1" lang="en-US" altLang="ja-JP" sz="1100" b="1" dirty="0">
+                <a:latin typeface="Arial" panose="020B0604020202020204" pitchFamily="34" charset="0"/>
+                <a:cs typeface="Arial" panose="020B0604020202020204" pitchFamily="34" charset="0"/>
+              </a:rPr>
+              <a:t>Average </a:t>
+            </a:r>
+            <a:r>
+              <a:rPr kumimoji="1" lang="en-US" altLang="ja-JP" sz="1100" b="1" dirty="0" err="1">
+                <a:latin typeface="Arial" panose="020B0604020202020204" pitchFamily="34" charset="0"/>
+                <a:cs typeface="Arial" panose="020B0604020202020204" pitchFamily="34" charset="0"/>
+              </a:rPr>
+              <a:t>maxVelosity</a:t>
+            </a:r>
+            <a:r>
+              <a:rPr kumimoji="1" lang="en-US" altLang="ja-JP" sz="1100" b="1" dirty="0">
+                <a:latin typeface="Arial" panose="020B0604020202020204" pitchFamily="34" charset="0"/>
+                <a:cs typeface="Arial" panose="020B0604020202020204" pitchFamily="34" charset="0"/>
+              </a:rPr>
+              <a:t> at each reward</a:t>
+            </a:r>
+            <a:endParaRPr kumimoji="1" lang="ja-JP" altLang="en-US" sz="1100" b="1">
               <a:latin typeface="Arial" panose="020B0604020202020204" pitchFamily="34" charset="0"/>
               <a:cs typeface="Arial" panose="020B0604020202020204" pitchFamily="34" charset="0"/>
             </a:endParaRPr>
@@ -8642,7 +11382,7 @@
     </p:spTree>
     <p:extLst>
       <p:ext uri="{BB962C8B-B14F-4D97-AF65-F5344CB8AC3E}">
-        <p14:creationId xmlns:p14="http://schemas.microsoft.com/office/powerpoint/2010/main" val="2362589685"/>
+        <p14:creationId xmlns:p14="http://schemas.microsoft.com/office/powerpoint/2010/main" val="2065604563"/>
       </p:ext>
     </p:extLst>
   </p:cSld>
@@ -8669,6 +11409,201 @@
           <a:chExt cx="0" cy="0"/>
         </a:xfrm>
       </p:grpSpPr>
+      <p:pic>
+        <p:nvPicPr>
+          <p:cNvPr id="5" name="グラフィックス 4">
+            <a:extLst>
+              <a:ext uri="{FF2B5EF4-FFF2-40B4-BE49-F238E27FC236}">
+                <a16:creationId xmlns:a16="http://schemas.microsoft.com/office/drawing/2014/main" id="{13F6518E-07DC-2E01-49EA-DE2D9921C875}"/>
+              </a:ext>
+            </a:extLst>
+          </p:cNvPr>
+          <p:cNvPicPr>
+            <a:picLocks noChangeAspect="1"/>
+          </p:cNvPicPr>
+          <p:nvPr/>
+        </p:nvPicPr>
+        <p:blipFill>
+          <a:blip r:embed="rId2">
+            <a:extLst>
+              <a:ext uri="{28A0092B-C50C-407E-A947-70E740481C1C}">
+                <a14:useLocalDpi xmlns:a14="http://schemas.microsoft.com/office/drawing/2010/main" val="0"/>
+              </a:ext>
+              <a:ext uri="{96DAC541-7B7A-43D3-8B79-37D633B846F1}">
+                <asvg:svgBlip xmlns:asvg="http://schemas.microsoft.com/office/drawing/2016/SVG/main" r:embed="rId3"/>
+              </a:ext>
+            </a:extLst>
+          </a:blip>
+          <a:stretch>
+            <a:fillRect/>
+          </a:stretch>
+        </p:blipFill>
+        <p:spPr>
+          <a:xfrm>
+            <a:off x="3983605" y="604917"/>
+            <a:ext cx="4353762" cy="3265322"/>
+          </a:xfrm>
+          <a:prstGeom prst="rect">
+            <a:avLst/>
+          </a:prstGeom>
+        </p:spPr>
+      </p:pic>
+      <p:pic>
+        <p:nvPicPr>
+          <p:cNvPr id="7" name="グラフィックス 6">
+            <a:extLst>
+              <a:ext uri="{FF2B5EF4-FFF2-40B4-BE49-F238E27FC236}">
+                <a16:creationId xmlns:a16="http://schemas.microsoft.com/office/drawing/2014/main" id="{522AA41A-B0F2-2B1C-37EF-0BAFA95C00E1}"/>
+              </a:ext>
+            </a:extLst>
+          </p:cNvPr>
+          <p:cNvPicPr>
+            <a:picLocks noChangeAspect="1"/>
+          </p:cNvPicPr>
+          <p:nvPr/>
+        </p:nvPicPr>
+        <p:blipFill>
+          <a:blip r:embed="rId4">
+            <a:extLst>
+              <a:ext uri="{28A0092B-C50C-407E-A947-70E740481C1C}">
+                <a14:useLocalDpi xmlns:a14="http://schemas.microsoft.com/office/drawing/2010/main" val="0"/>
+              </a:ext>
+              <a:ext uri="{96DAC541-7B7A-43D3-8B79-37D633B846F1}">
+                <asvg:svgBlip xmlns:asvg="http://schemas.microsoft.com/office/drawing/2016/SVG/main" r:embed="rId5"/>
+              </a:ext>
+            </a:extLst>
+          </a:blip>
+          <a:stretch>
+            <a:fillRect/>
+          </a:stretch>
+        </p:blipFill>
+        <p:spPr>
+          <a:xfrm>
+            <a:off x="8094317" y="595271"/>
+            <a:ext cx="4353762" cy="3265322"/>
+          </a:xfrm>
+          <a:prstGeom prst="rect">
+            <a:avLst/>
+          </a:prstGeom>
+        </p:spPr>
+      </p:pic>
+      <p:pic>
+        <p:nvPicPr>
+          <p:cNvPr id="13" name="グラフィックス 12">
+            <a:extLst>
+              <a:ext uri="{FF2B5EF4-FFF2-40B4-BE49-F238E27FC236}">
+                <a16:creationId xmlns:a16="http://schemas.microsoft.com/office/drawing/2014/main" id="{7255FAD9-2BEB-D863-7236-D6D484B87D70}"/>
+              </a:ext>
+            </a:extLst>
+          </p:cNvPr>
+          <p:cNvPicPr>
+            <a:picLocks noChangeAspect="1"/>
+          </p:cNvPicPr>
+          <p:nvPr/>
+        </p:nvPicPr>
+        <p:blipFill>
+          <a:blip r:embed="rId6">
+            <a:extLst>
+              <a:ext uri="{28A0092B-C50C-407E-A947-70E740481C1C}">
+                <a14:useLocalDpi xmlns:a14="http://schemas.microsoft.com/office/drawing/2010/main" val="0"/>
+              </a:ext>
+              <a:ext uri="{96DAC541-7B7A-43D3-8B79-37D633B846F1}">
+                <asvg:svgBlip xmlns:asvg="http://schemas.microsoft.com/office/drawing/2016/SVG/main" r:embed="rId7"/>
+              </a:ext>
+            </a:extLst>
+          </a:blip>
+          <a:stretch>
+            <a:fillRect/>
+          </a:stretch>
+        </p:blipFill>
+        <p:spPr>
+          <a:xfrm>
+            <a:off x="-188392" y="3603292"/>
+            <a:ext cx="4353762" cy="3265322"/>
+          </a:xfrm>
+          <a:prstGeom prst="rect">
+            <a:avLst/>
+          </a:prstGeom>
+        </p:spPr>
+      </p:pic>
+      <p:pic>
+        <p:nvPicPr>
+          <p:cNvPr id="11" name="グラフィックス 10">
+            <a:extLst>
+              <a:ext uri="{FF2B5EF4-FFF2-40B4-BE49-F238E27FC236}">
+                <a16:creationId xmlns:a16="http://schemas.microsoft.com/office/drawing/2014/main" id="{A3BC4A22-16DF-AFCF-447B-26625C978910}"/>
+              </a:ext>
+            </a:extLst>
+          </p:cNvPr>
+          <p:cNvPicPr>
+            <a:picLocks noChangeAspect="1"/>
+          </p:cNvPicPr>
+          <p:nvPr/>
+        </p:nvPicPr>
+        <p:blipFill>
+          <a:blip r:embed="rId8">
+            <a:extLst>
+              <a:ext uri="{28A0092B-C50C-407E-A947-70E740481C1C}">
+                <a14:useLocalDpi xmlns:a14="http://schemas.microsoft.com/office/drawing/2010/main" val="0"/>
+              </a:ext>
+              <a:ext uri="{96DAC541-7B7A-43D3-8B79-37D633B846F1}">
+                <asvg:svgBlip xmlns:asvg="http://schemas.microsoft.com/office/drawing/2016/SVG/main" r:embed="rId9"/>
+              </a:ext>
+            </a:extLst>
+          </a:blip>
+          <a:stretch>
+            <a:fillRect/>
+          </a:stretch>
+        </p:blipFill>
+        <p:spPr>
+          <a:xfrm>
+            <a:off x="3995430" y="3603292"/>
+            <a:ext cx="4353762" cy="3265322"/>
+          </a:xfrm>
+          <a:prstGeom prst="rect">
+            <a:avLst/>
+          </a:prstGeom>
+        </p:spPr>
+      </p:pic>
+      <p:pic>
+        <p:nvPicPr>
+          <p:cNvPr id="9" name="グラフィックス 8">
+            <a:extLst>
+              <a:ext uri="{FF2B5EF4-FFF2-40B4-BE49-F238E27FC236}">
+                <a16:creationId xmlns:a16="http://schemas.microsoft.com/office/drawing/2014/main" id="{18ACA4DB-2C81-92CB-AEB4-B02C5135F1E4}"/>
+              </a:ext>
+            </a:extLst>
+          </p:cNvPr>
+          <p:cNvPicPr>
+            <a:picLocks noChangeAspect="1"/>
+          </p:cNvPicPr>
+          <p:nvPr/>
+        </p:nvPicPr>
+        <p:blipFill>
+          <a:blip r:embed="rId10">
+            <a:extLst>
+              <a:ext uri="{28A0092B-C50C-407E-A947-70E740481C1C}">
+                <a14:useLocalDpi xmlns:a14="http://schemas.microsoft.com/office/drawing/2010/main" val="0"/>
+              </a:ext>
+              <a:ext uri="{96DAC541-7B7A-43D3-8B79-37D633B846F1}">
+                <asvg:svgBlip xmlns:asvg="http://schemas.microsoft.com/office/drawing/2016/SVG/main" r:embed="rId11"/>
+              </a:ext>
+            </a:extLst>
+          </a:blip>
+          <a:stretch>
+            <a:fillRect/>
+          </a:stretch>
+        </p:blipFill>
+        <p:spPr>
+          <a:xfrm>
+            <a:off x="8103591" y="3603292"/>
+            <a:ext cx="4353762" cy="3265322"/>
+          </a:xfrm>
+          <a:prstGeom prst="rect">
+            <a:avLst/>
+          </a:prstGeom>
+        </p:spPr>
+      </p:pic>
       <p:sp>
         <p:nvSpPr>
           <p:cNvPr id="2" name="タイトル 1">
@@ -8699,538 +11634,19 @@
           <a:p>
             <a:pPr algn="ctr"/>
             <a:r>
-              <a:rPr lang="en-US" dirty="0" err="1">
-                <a:latin typeface="Arial" panose="020B0604020202020204" pitchFamily="34" charset="0"/>
-                <a:cs typeface="Arial" panose="020B0604020202020204" pitchFamily="34" charset="0"/>
-              </a:rPr>
-              <a:t>やることリスト</a:t>
-            </a:r>
-            <a:endParaRPr lang="en-US" dirty="0">
-              <a:latin typeface="Arial" panose="020B0604020202020204" pitchFamily="34" charset="0"/>
-              <a:cs typeface="Arial" panose="020B0604020202020204" pitchFamily="34" charset="0"/>
-            </a:endParaRPr>
-          </a:p>
-        </p:txBody>
-      </p:sp>
-      <p:sp>
-        <p:nvSpPr>
-          <p:cNvPr id="3" name="コンテンツ プレースホルダー 2">
-            <a:extLst>
-              <a:ext uri="{FF2B5EF4-FFF2-40B4-BE49-F238E27FC236}">
-                <a16:creationId xmlns:a16="http://schemas.microsoft.com/office/drawing/2014/main" id="{53C1E971-4386-CE03-291B-95136168D0B5}"/>
-              </a:ext>
-            </a:extLst>
-          </p:cNvPr>
-          <p:cNvSpPr>
-            <a:spLocks noGrp="1"/>
-          </p:cNvSpPr>
-          <p:nvPr>
-            <p:ph idx="1"/>
-          </p:nvPr>
-        </p:nvSpPr>
-        <p:spPr>
-          <a:xfrm>
-            <a:off x="239210" y="681038"/>
-            <a:ext cx="11542887" cy="5967289"/>
-          </a:xfrm>
-        </p:spPr>
-        <p:txBody>
-          <a:bodyPr/>
-          <a:lstStyle/>
-          <a:p>
-            <a:pPr marL="514350" indent="-514350">
-              <a:buAutoNum type="arabicPeriod"/>
-            </a:pPr>
-            <a:r>
-              <a:rPr lang="en-US" sz="1800" dirty="0" err="1">
-                <a:latin typeface="Arial" panose="020B0604020202020204" pitchFamily="34" charset="0"/>
-                <a:cs typeface="Arial" panose="020B0604020202020204" pitchFamily="34" charset="0"/>
-              </a:rPr>
-              <a:t>ExceptionalRemovedEMGの変更</a:t>
-            </a:r>
-            <a:endParaRPr lang="en-US" sz="1800" dirty="0">
-              <a:latin typeface="Arial" panose="020B0604020202020204" pitchFamily="34" charset="0"/>
-              <a:cs typeface="Arial" panose="020B0604020202020204" pitchFamily="34" charset="0"/>
-            </a:endParaRPr>
-          </a:p>
-          <a:p>
-            <a:pPr marL="971550" lvl="1" indent="-514350">
-              <a:buAutoNum type="arabicPeriod"/>
-            </a:pPr>
-            <a:r>
-              <a:rPr lang="en-US" sz="1600" dirty="0" err="1">
-                <a:latin typeface="Arial" panose="020B0604020202020204" pitchFamily="34" charset="0"/>
-                <a:cs typeface="Arial" panose="020B0604020202020204" pitchFamily="34" charset="0"/>
-              </a:rPr>
-              <a:t>directionArrayとrewardArrayを廃止して、exceptionArrayを設ける</a:t>
-            </a:r>
-            <a:r>
-              <a:rPr lang="en-US" sz="1600" dirty="0">
-                <a:latin typeface="Arial" panose="020B0604020202020204" pitchFamily="34" charset="0"/>
-                <a:cs typeface="Arial" panose="020B0604020202020204" pitchFamily="34" charset="0"/>
-              </a:rPr>
-              <a:t>。</a:t>
-            </a:r>
-          </a:p>
-          <a:p>
-            <a:pPr marL="971550" lvl="1" indent="-514350">
-              <a:buAutoNum type="arabicPeriod"/>
-            </a:pPr>
-            <a:r>
-              <a:rPr lang="en-US" sz="1600" dirty="0" err="1">
-                <a:latin typeface="Arial" panose="020B0604020202020204" pitchFamily="34" charset="0"/>
-                <a:cs typeface="Arial" panose="020B0604020202020204" pitchFamily="34" charset="0"/>
-              </a:rPr>
-              <a:t>emgデータも、全部残った状態にしておく</a:t>
-            </a:r>
-            <a:r>
-              <a:rPr lang="en-US" sz="1600" dirty="0">
-                <a:latin typeface="Arial" panose="020B0604020202020204" pitchFamily="34" charset="0"/>
-                <a:cs typeface="Arial" panose="020B0604020202020204" pitchFamily="34" charset="0"/>
-              </a:rPr>
-              <a:t>。</a:t>
-            </a:r>
-          </a:p>
-          <a:p>
-            <a:pPr marL="971550" lvl="1" indent="-514350">
-              <a:buAutoNum type="arabicPeriod"/>
-            </a:pPr>
-            <a:r>
-              <a:rPr lang="en-US" sz="1600" dirty="0" err="1">
-                <a:latin typeface="Arial" panose="020B0604020202020204" pitchFamily="34" charset="0"/>
-                <a:cs typeface="Arial" panose="020B0604020202020204" pitchFamily="34" charset="0"/>
-              </a:rPr>
-              <a:t>構造</a:t>
-            </a:r>
-            <a:endParaRPr lang="en-US" sz="1600" dirty="0">
-              <a:latin typeface="Arial" panose="020B0604020202020204" pitchFamily="34" charset="0"/>
-              <a:cs typeface="Arial" panose="020B0604020202020204" pitchFamily="34" charset="0"/>
-            </a:endParaRPr>
-          </a:p>
-          <a:p>
-            <a:pPr marL="1428750" lvl="2" indent="-514350">
-              <a:buAutoNum type="arabicPeriod"/>
-            </a:pPr>
-            <a:r>
-              <a:rPr lang="en-US" sz="1400" dirty="0">
-                <a:latin typeface="Arial" panose="020B0604020202020204" pitchFamily="34" charset="0"/>
-                <a:cs typeface="Arial" panose="020B0604020202020204" pitchFamily="34" charset="0"/>
-              </a:rPr>
-              <a:t>Data</a:t>
-            </a:r>
-          </a:p>
-          <a:p>
-            <a:pPr marL="1885950" lvl="3" indent="-514350">
-              <a:buAutoNum type="arabicPeriod"/>
-            </a:pPr>
-            <a:r>
-              <a:rPr lang="en-US" sz="1200" dirty="0" err="1">
-                <a:latin typeface="Arial" panose="020B0604020202020204" pitchFamily="34" charset="0"/>
-                <a:cs typeface="Arial" panose="020B0604020202020204" pitchFamily="34" charset="0"/>
-              </a:rPr>
-              <a:t>emg</a:t>
-            </a:r>
-            <a:endParaRPr lang="en-US" sz="1200" dirty="0">
-              <a:latin typeface="Arial" panose="020B0604020202020204" pitchFamily="34" charset="0"/>
-              <a:cs typeface="Arial" panose="020B0604020202020204" pitchFamily="34" charset="0"/>
-            </a:endParaRPr>
-          </a:p>
-          <a:p>
-            <a:pPr marL="2343150" lvl="4" indent="-514350">
-              <a:buFont typeface="Arial" panose="020B0604020202020204" pitchFamily="34" charset="0"/>
-              <a:buAutoNum type="arabicPeriod"/>
-            </a:pPr>
-            <a:r>
-              <a:rPr lang="en-US" altLang="ja-JP" sz="1200" dirty="0" err="1">
-                <a:latin typeface="Arial" panose="020B0604020202020204" pitchFamily="34" charset="0"/>
-                <a:cs typeface="Arial" panose="020B0604020202020204" pitchFamily="34" charset="0"/>
-              </a:rPr>
-              <a:t>MuscleLabel</a:t>
-            </a:r>
-            <a:endParaRPr lang="en-US" sz="1200" dirty="0">
-              <a:latin typeface="Arial" panose="020B0604020202020204" pitchFamily="34" charset="0"/>
-              <a:cs typeface="Arial" panose="020B0604020202020204" pitchFamily="34" charset="0"/>
-            </a:endParaRPr>
-          </a:p>
-          <a:p>
-            <a:pPr marL="2343150" lvl="4" indent="-514350">
-              <a:buAutoNum type="arabicPeriod"/>
-            </a:pPr>
-            <a:r>
-              <a:rPr lang="en-US" sz="1200" dirty="0">
-                <a:latin typeface="Arial" panose="020B0604020202020204" pitchFamily="34" charset="0"/>
-                <a:cs typeface="Arial" panose="020B0604020202020204" pitchFamily="34" charset="0"/>
-              </a:rPr>
-              <a:t>Signal N</a:t>
-            </a:r>
-          </a:p>
-          <a:p>
-            <a:pPr marL="2343150" lvl="4" indent="-514350">
-              <a:buFont typeface="Arial" panose="020B0604020202020204" pitchFamily="34" charset="0"/>
-              <a:buAutoNum type="arabicPeriod"/>
-            </a:pPr>
-            <a:r>
-              <a:rPr lang="en-US" altLang="ja-JP" sz="1200" dirty="0" err="1">
-                <a:latin typeface="Arial" panose="020B0604020202020204" pitchFamily="34" charset="0"/>
-                <a:cs typeface="Arial" panose="020B0604020202020204" pitchFamily="34" charset="0"/>
-              </a:rPr>
-              <a:t>exceptionArray</a:t>
-            </a:r>
-            <a:r>
-              <a:rPr lang="en-US" altLang="ja-JP" sz="1200" dirty="0">
-                <a:latin typeface="Arial" panose="020B0604020202020204" pitchFamily="34" charset="0"/>
-                <a:cs typeface="Arial" panose="020B0604020202020204" pitchFamily="34" charset="0"/>
-              </a:rPr>
-              <a:t> N</a:t>
-            </a:r>
-            <a:endParaRPr lang="en-US" sz="1200" dirty="0">
-              <a:latin typeface="Arial" panose="020B0604020202020204" pitchFamily="34" charset="0"/>
-              <a:cs typeface="Arial" panose="020B0604020202020204" pitchFamily="34" charset="0"/>
-            </a:endParaRPr>
-          </a:p>
-          <a:p>
-            <a:pPr marL="1885950" lvl="3" indent="-514350">
-              <a:buAutoNum type="arabicPeriod"/>
-            </a:pPr>
-            <a:r>
-              <a:rPr lang="en-US" sz="1200" dirty="0" err="1">
-                <a:latin typeface="Arial" panose="020B0604020202020204" pitchFamily="34" charset="0"/>
-                <a:cs typeface="Arial" panose="020B0604020202020204" pitchFamily="34" charset="0"/>
-              </a:rPr>
-              <a:t>directionArray</a:t>
-            </a:r>
-            <a:r>
-              <a:rPr lang="en-US" sz="1200" dirty="0">
-                <a:latin typeface="Arial" panose="020B0604020202020204" pitchFamily="34" charset="0"/>
-                <a:cs typeface="Arial" panose="020B0604020202020204" pitchFamily="34" charset="0"/>
-              </a:rPr>
-              <a:t> N</a:t>
-            </a:r>
-          </a:p>
-          <a:p>
-            <a:pPr marL="1885950" lvl="3" indent="-514350">
-              <a:buAutoNum type="arabicPeriod"/>
-            </a:pPr>
-            <a:r>
-              <a:rPr lang="en-US" sz="1200" dirty="0" err="1">
-                <a:latin typeface="Arial" panose="020B0604020202020204" pitchFamily="34" charset="0"/>
-                <a:cs typeface="Arial" panose="020B0604020202020204" pitchFamily="34" charset="0"/>
-              </a:rPr>
-              <a:t>RewardArray</a:t>
-            </a:r>
-            <a:r>
-              <a:rPr lang="en-US" sz="1200" dirty="0">
-                <a:latin typeface="Arial" panose="020B0604020202020204" pitchFamily="34" charset="0"/>
-                <a:cs typeface="Arial" panose="020B0604020202020204" pitchFamily="34" charset="0"/>
-              </a:rPr>
-              <a:t> N</a:t>
-            </a:r>
-          </a:p>
-          <a:p>
-            <a:pPr marL="1885950" lvl="3" indent="-514350">
-              <a:buAutoNum type="arabicPeriod"/>
-            </a:pPr>
-            <a:r>
-              <a:rPr lang="en-US" sz="1200" dirty="0">
-                <a:latin typeface="Arial" panose="020B0604020202020204" pitchFamily="34" charset="0"/>
-                <a:cs typeface="Arial" panose="020B0604020202020204" pitchFamily="34" charset="0"/>
-              </a:rPr>
-              <a:t>Kinematics</a:t>
-            </a:r>
-          </a:p>
-          <a:p>
-            <a:pPr marL="2343150" lvl="4" indent="-514350">
-              <a:buAutoNum type="arabicPeriod"/>
-            </a:pPr>
-            <a:r>
-              <a:rPr lang="en-US" sz="1200" dirty="0" err="1">
-                <a:latin typeface="Arial" panose="020B0604020202020204" pitchFamily="34" charset="0"/>
-                <a:cs typeface="Arial" panose="020B0604020202020204" pitchFamily="34" charset="0"/>
-              </a:rPr>
-              <a:t>integratedVelosities</a:t>
-            </a:r>
-            <a:r>
-              <a:rPr lang="en-US" sz="1200" dirty="0">
-                <a:latin typeface="Arial" panose="020B0604020202020204" pitchFamily="34" charset="0"/>
-                <a:cs typeface="Arial" panose="020B0604020202020204" pitchFamily="34" charset="0"/>
-              </a:rPr>
-              <a:t> 810 * N</a:t>
-            </a:r>
-          </a:p>
-          <a:p>
-            <a:pPr marL="1428750" lvl="2" indent="-514350">
-              <a:buAutoNum type="arabicPeriod"/>
-            </a:pPr>
-            <a:r>
-              <a:rPr lang="en-US" sz="1400" dirty="0" err="1">
-                <a:latin typeface="Arial" panose="020B0604020202020204" pitchFamily="34" charset="0"/>
-                <a:cs typeface="Arial" panose="020B0604020202020204" pitchFamily="34" charset="0"/>
-              </a:rPr>
-              <a:t>PreprocessProp</a:t>
-            </a:r>
-            <a:endParaRPr lang="en-US" sz="1400" dirty="0">
-              <a:latin typeface="Arial" panose="020B0604020202020204" pitchFamily="34" charset="0"/>
-              <a:cs typeface="Arial" panose="020B0604020202020204" pitchFamily="34" charset="0"/>
-            </a:endParaRPr>
-          </a:p>
-          <a:p>
-            <a:pPr marL="1885950" lvl="3" indent="-514350">
-              <a:buAutoNum type="arabicPeriod"/>
-            </a:pPr>
-            <a:r>
-              <a:rPr lang="en-US" sz="1200" dirty="0" err="1">
-                <a:latin typeface="Arial" panose="020B0604020202020204" pitchFamily="34" charset="0"/>
-                <a:cs typeface="Arial" panose="020B0604020202020204" pitchFamily="34" charset="0"/>
-              </a:rPr>
-              <a:t>NormalizedParam</a:t>
-            </a:r>
-            <a:r>
-              <a:rPr lang="en-US" sz="1200" dirty="0">
-                <a:latin typeface="Arial" panose="020B0604020202020204" pitchFamily="34" charset="0"/>
-                <a:cs typeface="Arial" panose="020B0604020202020204" pitchFamily="34" charset="0"/>
-              </a:rPr>
-              <a:t> 2 * 5 * Days</a:t>
-            </a:r>
-          </a:p>
-          <a:p>
-            <a:pPr marL="1885950" lvl="3" indent="-514350">
-              <a:buAutoNum type="arabicPeriod"/>
-            </a:pPr>
-            <a:r>
-              <a:rPr lang="en-US" sz="1200" dirty="0" err="1">
-                <a:latin typeface="Arial" panose="020B0604020202020204" pitchFamily="34" charset="0"/>
-                <a:cs typeface="Arial" panose="020B0604020202020204" pitchFamily="34" charset="0"/>
-              </a:rPr>
-              <a:t>DatapointEachDay</a:t>
-            </a:r>
-            <a:r>
-              <a:rPr lang="en-US" sz="1200" dirty="0">
-                <a:latin typeface="Arial" panose="020B0604020202020204" pitchFamily="34" charset="0"/>
-                <a:cs typeface="Arial" panose="020B0604020202020204" pitchFamily="34" charset="0"/>
-              </a:rPr>
-              <a:t> Days</a:t>
-            </a:r>
-          </a:p>
-          <a:p>
-            <a:pPr marL="514350" indent="-514350">
-              <a:buAutoNum type="arabicPeriod"/>
-            </a:pPr>
-            <a:r>
-              <a:rPr lang="en-US" sz="2200" dirty="0" err="1">
-                <a:latin typeface="Arial" panose="020B0604020202020204" pitchFamily="34" charset="0"/>
-                <a:cs typeface="Arial" panose="020B0604020202020204" pitchFamily="34" charset="0"/>
-              </a:rPr>
-              <a:t>IntegratedVelosityがMaxになる時間を各データで算出</a:t>
-            </a:r>
-            <a:r>
-              <a:rPr lang="en-US" sz="2200" dirty="0">
-                <a:latin typeface="Arial" panose="020B0604020202020204" pitchFamily="34" charset="0"/>
-                <a:cs typeface="Arial" panose="020B0604020202020204" pitchFamily="34" charset="0"/>
-              </a:rPr>
-              <a:t>: max(IV(201:end), [], 1)</a:t>
-            </a:r>
-          </a:p>
-          <a:p>
-            <a:pPr marL="514350" indent="-514350">
-              <a:buAutoNum type="arabicPeriod"/>
-            </a:pPr>
-            <a:r>
-              <a:rPr lang="en-US" sz="2200" dirty="0">
-                <a:latin typeface="Arial" panose="020B0604020202020204" pitchFamily="34" charset="0"/>
-                <a:cs typeface="Arial" panose="020B0604020202020204" pitchFamily="34" charset="0"/>
-              </a:rPr>
-              <a:t>その周辺-100~+100を取得</a:t>
-            </a:r>
-          </a:p>
-          <a:p>
-            <a:pPr marL="971550" lvl="1" indent="-514350">
-              <a:buAutoNum type="arabicPeriod"/>
-            </a:pPr>
-            <a:r>
-              <a:rPr lang="en-US" sz="1400" dirty="0" err="1">
-                <a:latin typeface="Arial" panose="020B0604020202020204" pitchFamily="34" charset="0"/>
-                <a:cs typeface="Arial" panose="020B0604020202020204" pitchFamily="34" charset="0"/>
-              </a:rPr>
-              <a:t>エラー処理を忘れないこと：Endを超えた回数をカウント。いくつかピックアップして、velosityを確認する</a:t>
-            </a:r>
-            <a:endParaRPr lang="en-US" sz="1400" dirty="0">
-              <a:latin typeface="Arial" panose="020B0604020202020204" pitchFamily="34" charset="0"/>
-              <a:cs typeface="Arial" panose="020B0604020202020204" pitchFamily="34" charset="0"/>
-            </a:endParaRPr>
-          </a:p>
-          <a:p>
-            <a:pPr marL="971550" lvl="1" indent="-514350">
-              <a:buAutoNum type="arabicPeriod"/>
-            </a:pPr>
-            <a:r>
-              <a:rPr lang="en-US" sz="1400" dirty="0" err="1">
-                <a:latin typeface="Arial" panose="020B0604020202020204" pitchFamily="34" charset="0"/>
-                <a:cs typeface="Arial" panose="020B0604020202020204" pitchFamily="34" charset="0"/>
-              </a:rPr>
-              <a:t>エラー予防として</a:t>
-            </a:r>
-            <a:r>
-              <a:rPr lang="en-US" sz="1400" dirty="0">
-                <a:latin typeface="Arial" panose="020B0604020202020204" pitchFamily="34" charset="0"/>
-                <a:cs typeface="Arial" panose="020B0604020202020204" pitchFamily="34" charset="0"/>
-              </a:rPr>
-              <a:t>、-100~+100のtime </a:t>
-            </a:r>
-            <a:r>
-              <a:rPr lang="en-US" sz="1400" dirty="0" err="1">
-                <a:latin typeface="Arial" panose="020B0604020202020204" pitchFamily="34" charset="0"/>
-                <a:cs typeface="Arial" panose="020B0604020202020204" pitchFamily="34" charset="0"/>
-              </a:rPr>
-              <a:t>windowで取得したデータY</a:t>
-            </a:r>
-            <a:r>
-              <a:rPr lang="ja-JP" altLang="en-US" sz="1400">
-                <a:latin typeface="Arial" panose="020B0604020202020204" pitchFamily="34" charset="0"/>
-                <a:cs typeface="Arial" panose="020B0604020202020204" pitchFamily="34" charset="0"/>
-              </a:rPr>
-              <a:t> </a:t>
-            </a:r>
-            <a:r>
-              <a:rPr lang="en-US" altLang="ja-JP" sz="1400" dirty="0">
-                <a:latin typeface="Arial" panose="020B0604020202020204" pitchFamily="34" charset="0"/>
-                <a:cs typeface="Arial" panose="020B0604020202020204" pitchFamily="34" charset="0"/>
-              </a:rPr>
-              <a:t>201*N</a:t>
-            </a:r>
-            <a:r>
-              <a:rPr lang="ja-JP" altLang="en-US" sz="1400">
-                <a:latin typeface="Arial" panose="020B0604020202020204" pitchFamily="34" charset="0"/>
-                <a:cs typeface="Arial" panose="020B0604020202020204" pitchFamily="34" charset="0"/>
-              </a:rPr>
-              <a:t>を、</a:t>
-            </a:r>
-            <a:r>
-              <a:rPr lang="en-US" altLang="ja-JP" sz="1400" dirty="0">
-                <a:latin typeface="Arial" panose="020B0604020202020204" pitchFamily="34" charset="0"/>
-                <a:cs typeface="Arial" panose="020B0604020202020204" pitchFamily="34" charset="0"/>
-              </a:rPr>
-              <a:t>mean</a:t>
-            </a:r>
-            <a:r>
-              <a:rPr lang="ja-JP" altLang="en-US" sz="1400">
-                <a:latin typeface="Arial" panose="020B0604020202020204" pitchFamily="34" charset="0"/>
-                <a:cs typeface="Arial" panose="020B0604020202020204" pitchFamily="34" charset="0"/>
-              </a:rPr>
-              <a:t>と各</a:t>
-            </a:r>
-            <a:r>
-              <a:rPr lang="en-US" altLang="ja-JP" sz="1400" dirty="0">
-                <a:latin typeface="Arial" panose="020B0604020202020204" pitchFamily="34" charset="0"/>
-                <a:cs typeface="Arial" panose="020B0604020202020204" pitchFamily="34" charset="0"/>
-              </a:rPr>
-              <a:t>trajectory</a:t>
-            </a:r>
-            <a:r>
-              <a:rPr lang="ja-JP" altLang="en-US" sz="1400">
-                <a:latin typeface="Arial" panose="020B0604020202020204" pitchFamily="34" charset="0"/>
-                <a:cs typeface="Arial" panose="020B0604020202020204" pitchFamily="34" charset="0"/>
-              </a:rPr>
-              <a:t>を</a:t>
-            </a:r>
-            <a:r>
-              <a:rPr lang="en-US" altLang="ja-JP" sz="1400" dirty="0">
-                <a:latin typeface="Arial" panose="020B0604020202020204" pitchFamily="34" charset="0"/>
-                <a:cs typeface="Arial" panose="020B0604020202020204" pitchFamily="34" charset="0"/>
-              </a:rPr>
-              <a:t>plot(</a:t>
-            </a:r>
-            <a:r>
-              <a:rPr lang="ja-JP" altLang="en-US" sz="1400">
-                <a:latin typeface="Arial" panose="020B0604020202020204" pitchFamily="34" charset="0"/>
-                <a:cs typeface="Arial" panose="020B0604020202020204" pitchFamily="34" charset="0"/>
-              </a:rPr>
-              <a:t>黒と灰</a:t>
-            </a:r>
-            <a:r>
-              <a:rPr lang="en-US" altLang="ja-JP" sz="1400" dirty="0">
-                <a:latin typeface="Arial" panose="020B0604020202020204" pitchFamily="34" charset="0"/>
-                <a:cs typeface="Arial" panose="020B0604020202020204" pitchFamily="34" charset="0"/>
-              </a:rPr>
-              <a:t>)</a:t>
-            </a:r>
-          </a:p>
-          <a:p>
-            <a:pPr marL="971550" lvl="1" indent="-514350">
-              <a:buAutoNum type="arabicPeriod"/>
-            </a:pPr>
-            <a:r>
-              <a:rPr lang="en-US" sz="1400" dirty="0" err="1">
-                <a:latin typeface="Arial" panose="020B0604020202020204" pitchFamily="34" charset="0"/>
-                <a:cs typeface="Arial" panose="020B0604020202020204" pitchFamily="34" charset="0"/>
-              </a:rPr>
-              <a:t>その時間帯のmeanEMGを取得</a:t>
-            </a:r>
-            <a:r>
-              <a:rPr lang="en-US" sz="1400" dirty="0">
-                <a:latin typeface="Arial" panose="020B0604020202020204" pitchFamily="34" charset="0"/>
-                <a:cs typeface="Arial" panose="020B0604020202020204" pitchFamily="34" charset="0"/>
-              </a:rPr>
-              <a:t> N</a:t>
-            </a:r>
-          </a:p>
-          <a:p>
-            <a:pPr marL="971550" lvl="1" indent="-514350">
-              <a:buAutoNum type="arabicPeriod"/>
-            </a:pPr>
-            <a:r>
-              <a:rPr lang="en-US" sz="1400" dirty="0" err="1">
-                <a:latin typeface="Arial" panose="020B0604020202020204" pitchFamily="34" charset="0"/>
-                <a:cs typeface="Arial" panose="020B0604020202020204" pitchFamily="34" charset="0"/>
-              </a:rPr>
-              <a:t>exceptionArrayをかける</a:t>
-            </a:r>
-            <a:endParaRPr lang="en-US" sz="1400" dirty="0">
-              <a:latin typeface="Arial" panose="020B0604020202020204" pitchFamily="34" charset="0"/>
-              <a:cs typeface="Arial" panose="020B0604020202020204" pitchFamily="34" charset="0"/>
-            </a:endParaRPr>
-          </a:p>
-          <a:p>
-            <a:pPr marL="514350" indent="-514350">
-              <a:buAutoNum type="arabicPeriod"/>
-            </a:pPr>
-            <a:endParaRPr lang="en-US" sz="2200" dirty="0">
-              <a:latin typeface="Arial" panose="020B0604020202020204" pitchFamily="34" charset="0"/>
-              <a:cs typeface="Arial" panose="020B0604020202020204" pitchFamily="34" charset="0"/>
-            </a:endParaRPr>
-          </a:p>
-          <a:p>
-            <a:pPr marL="1885950" lvl="3" indent="-514350">
-              <a:buAutoNum type="arabicPeriod"/>
-            </a:pPr>
-            <a:endParaRPr lang="en-US" dirty="0">
-              <a:latin typeface="Arial" panose="020B0604020202020204" pitchFamily="34" charset="0"/>
-              <a:cs typeface="Arial" panose="020B0604020202020204" pitchFamily="34" charset="0"/>
-            </a:endParaRPr>
-          </a:p>
-          <a:p>
-            <a:pPr marL="1428750" lvl="2" indent="-514350">
-              <a:buAutoNum type="arabicPeriod"/>
-            </a:pPr>
-            <a:endParaRPr lang="en-US" dirty="0">
-              <a:latin typeface="Arial" panose="020B0604020202020204" pitchFamily="34" charset="0"/>
-              <a:cs typeface="Arial" panose="020B0604020202020204" pitchFamily="34" charset="0"/>
-            </a:endParaRPr>
-          </a:p>
-          <a:p>
-            <a:pPr marL="971550" lvl="1" indent="-514350">
-              <a:buAutoNum type="arabicPeriod"/>
-            </a:pPr>
-            <a:endParaRPr lang="en-US" dirty="0">
-              <a:latin typeface="Arial" panose="020B0604020202020204" pitchFamily="34" charset="0"/>
-              <a:cs typeface="Arial" panose="020B0604020202020204" pitchFamily="34" charset="0"/>
-            </a:endParaRPr>
+              <a:rPr lang="en-US" dirty="0">
+                <a:latin typeface="Arial" panose="020B0604020202020204" pitchFamily="34" charset="0"/>
+                <a:cs typeface="Arial" panose="020B0604020202020204" pitchFamily="34" charset="0"/>
+              </a:rPr>
+              <a:t>The EMG at top speed is not affected by choking</a:t>
+            </a:r>
           </a:p>
         </p:txBody>
       </p:sp>
     </p:spTree>
     <p:extLst>
       <p:ext uri="{BB962C8B-B14F-4D97-AF65-F5344CB8AC3E}">
-        <p14:creationId xmlns:p14="http://schemas.microsoft.com/office/powerpoint/2010/main" val="3321593431"/>
+        <p14:creationId xmlns:p14="http://schemas.microsoft.com/office/powerpoint/2010/main" val="618549544"/>
       </p:ext>
     </p:extLst>
   </p:cSld>
